--- a/presentation.pptx
+++ b/presentation.pptx
@@ -1,25 +1,123 @@
 
 <file path=ppt/presentation.xml><?xml version="1.0" encoding="utf-8"?>
-<p:presentation xmlns:a="http://schemas.openxmlformats.org/drawingml/2006/main" xmlns:p="http://schemas.openxmlformats.org/presentationml/2006/main" xmlns:r="http://schemas.openxmlformats.org/officeDocument/2006/relationships" xmlns:p14="http://schemas.microsoft.com/office/powerpoint/2010/main" xmlns:p15="http://schemas.microsoft.com/office/powerpoint/2012/main" xmlns:mc="http://schemas.openxmlformats.org/markup-compatibility/2006">
+<p:presentation xmlns:a="http://schemas.openxmlformats.org/drawingml/2006/main" xmlns:r="http://schemas.openxmlformats.org/officeDocument/2006/relationships" xmlns:p="http://schemas.openxmlformats.org/presentationml/2006/main">
   <p:sldMasterIdLst>
-    <p:sldMasterId id="2147483648" r:id="rId2"/>
+    <p:sldMasterId id="2147483648" r:id="rId1"/>
   </p:sldMasterIdLst>
   <p:sldIdLst>
-    <p:sldId id="256" r:id="rId3"/>
-    <p:sldId id="257" r:id="rId4"/>
-    <p:sldId id="258" r:id="rId5"/>
-    <p:sldId id="259" r:id="rId6"/>
-    <p:sldId id="260" r:id="rId7"/>
-    <p:sldId id="261" r:id="rId8"/>
-    <p:sldId id="262" r:id="rId9"/>
+    <p:sldId id="256" r:id="rId2"/>
+    <p:sldId id="257" r:id="rId3"/>
+    <p:sldId id="258" r:id="rId4"/>
+    <p:sldId id="259" r:id="rId5"/>
+    <p:sldId id="260" r:id="rId6"/>
+    <p:sldId id="261" r:id="rId7"/>
+    <p:sldId id="262" r:id="rId8"/>
+    <p:sldId id="264" r:id="rId9"/>
+    <p:sldId id="265" r:id="rId10"/>
+    <p:sldId id="263" r:id="rId11"/>
   </p:sldIdLst>
   <p:sldSz cx="12192000" cy="6858000"/>
   <p:notesSz cx="7559675" cy="10691813"/>
+  <p:defaultTextStyle>
+    <a:defPPr>
+      <a:defRPr lang="fr-FR"/>
+    </a:defPPr>
+    <a:lvl1pPr marL="0" algn="l" defTabSz="914400" rtl="0" eaLnBrk="1" latinLnBrk="0" hangingPunct="1">
+      <a:defRPr sz="1800" kern="1200">
+        <a:solidFill>
+          <a:schemeClr val="tx1"/>
+        </a:solidFill>
+        <a:latin typeface="+mn-lt"/>
+        <a:ea typeface="+mn-ea"/>
+        <a:cs typeface="+mn-cs"/>
+      </a:defRPr>
+    </a:lvl1pPr>
+    <a:lvl2pPr marL="457200" algn="l" defTabSz="914400" rtl="0" eaLnBrk="1" latinLnBrk="0" hangingPunct="1">
+      <a:defRPr sz="1800" kern="1200">
+        <a:solidFill>
+          <a:schemeClr val="tx1"/>
+        </a:solidFill>
+        <a:latin typeface="+mn-lt"/>
+        <a:ea typeface="+mn-ea"/>
+        <a:cs typeface="+mn-cs"/>
+      </a:defRPr>
+    </a:lvl2pPr>
+    <a:lvl3pPr marL="914400" algn="l" defTabSz="914400" rtl="0" eaLnBrk="1" latinLnBrk="0" hangingPunct="1">
+      <a:defRPr sz="1800" kern="1200">
+        <a:solidFill>
+          <a:schemeClr val="tx1"/>
+        </a:solidFill>
+        <a:latin typeface="+mn-lt"/>
+        <a:ea typeface="+mn-ea"/>
+        <a:cs typeface="+mn-cs"/>
+      </a:defRPr>
+    </a:lvl3pPr>
+    <a:lvl4pPr marL="1371600" algn="l" defTabSz="914400" rtl="0" eaLnBrk="1" latinLnBrk="0" hangingPunct="1">
+      <a:defRPr sz="1800" kern="1200">
+        <a:solidFill>
+          <a:schemeClr val="tx1"/>
+        </a:solidFill>
+        <a:latin typeface="+mn-lt"/>
+        <a:ea typeface="+mn-ea"/>
+        <a:cs typeface="+mn-cs"/>
+      </a:defRPr>
+    </a:lvl4pPr>
+    <a:lvl5pPr marL="1828800" algn="l" defTabSz="914400" rtl="0" eaLnBrk="1" latinLnBrk="0" hangingPunct="1">
+      <a:defRPr sz="1800" kern="1200">
+        <a:solidFill>
+          <a:schemeClr val="tx1"/>
+        </a:solidFill>
+        <a:latin typeface="+mn-lt"/>
+        <a:ea typeface="+mn-ea"/>
+        <a:cs typeface="+mn-cs"/>
+      </a:defRPr>
+    </a:lvl5pPr>
+    <a:lvl6pPr marL="2286000" algn="l" defTabSz="914400" rtl="0" eaLnBrk="1" latinLnBrk="0" hangingPunct="1">
+      <a:defRPr sz="1800" kern="1200">
+        <a:solidFill>
+          <a:schemeClr val="tx1"/>
+        </a:solidFill>
+        <a:latin typeface="+mn-lt"/>
+        <a:ea typeface="+mn-ea"/>
+        <a:cs typeface="+mn-cs"/>
+      </a:defRPr>
+    </a:lvl6pPr>
+    <a:lvl7pPr marL="2743200" algn="l" defTabSz="914400" rtl="0" eaLnBrk="1" latinLnBrk="0" hangingPunct="1">
+      <a:defRPr sz="1800" kern="1200">
+        <a:solidFill>
+          <a:schemeClr val="tx1"/>
+        </a:solidFill>
+        <a:latin typeface="+mn-lt"/>
+        <a:ea typeface="+mn-ea"/>
+        <a:cs typeface="+mn-cs"/>
+      </a:defRPr>
+    </a:lvl7pPr>
+    <a:lvl8pPr marL="3200400" algn="l" defTabSz="914400" rtl="0" eaLnBrk="1" latinLnBrk="0" hangingPunct="1">
+      <a:defRPr sz="1800" kern="1200">
+        <a:solidFill>
+          <a:schemeClr val="tx1"/>
+        </a:solidFill>
+        <a:latin typeface="+mn-lt"/>
+        <a:ea typeface="+mn-ea"/>
+        <a:cs typeface="+mn-cs"/>
+      </a:defRPr>
+    </a:lvl8pPr>
+    <a:lvl9pPr marL="3657600" algn="l" defTabSz="914400" rtl="0" eaLnBrk="1" latinLnBrk="0" hangingPunct="1">
+      <a:defRPr sz="1800" kern="1200">
+        <a:solidFill>
+          <a:schemeClr val="tx1"/>
+        </a:solidFill>
+        <a:latin typeface="+mn-lt"/>
+        <a:ea typeface="+mn-ea"/>
+        <a:cs typeface="+mn-cs"/>
+      </a:defRPr>
+    </a:lvl9pPr>
+  </p:defaultTextStyle>
 </p:presentation>
 </file>
 
 <file path=ppt/slideLayouts/slideLayout1.xml><?xml version="1.0" encoding="utf-8"?>
-<p:sldLayout xmlns:a="http://schemas.openxmlformats.org/drawingml/2006/main" xmlns:p="http://schemas.openxmlformats.org/presentationml/2006/main" xmlns:r="http://schemas.openxmlformats.org/officeDocument/2006/relationships" xmlns:p14="http://schemas.microsoft.com/office/powerpoint/2010/main" xmlns:p15="http://schemas.microsoft.com/office/powerpoint/2012/main" xmlns:mc="http://schemas.openxmlformats.org/markup-compatibility/2006" type="blank" preserve="1">
+<p:sldLayout xmlns:a="http://schemas.openxmlformats.org/drawingml/2006/main" xmlns:r="http://schemas.openxmlformats.org/officeDocument/2006/relationships" xmlns:p="http://schemas.openxmlformats.org/presentationml/2006/main" type="blank" preserve="1">
   <p:cSld name="Blank Slide">
     <p:spTree>
       <p:nvGrpSpPr>
@@ -48,6 +146,7 @@
         <p:spPr/>
         <p:txBody>
           <a:bodyPr/>
+          <a:lstStyle/>
           <a:p>
             <a:r>
               <a:t>Footer</a:t>
@@ -68,10 +167,12 @@
         <p:spPr/>
         <p:txBody>
           <a:bodyPr/>
+          <a:lstStyle/>
           <a:p>
             <a:fld id="{701B7393-A9FB-4657-ACAD-74D87D20167E}" type="slidenum">
-              <a:t>&lt;#&gt;</a:t>
+              <a:t>‹N°›</a:t>
             </a:fld>
+            <a:endParaRPr/>
           </a:p>
         </p:txBody>
       </p:sp>
@@ -88,21 +189,22 @@
         <p:spPr/>
         <p:txBody>
           <a:bodyPr/>
-          <a:p>
-            <a:r>
-              <a:rPr lang="fr-FR"/>
-              <a:t/>
-            </a:r>
+          <a:lstStyle/>
+          <a:p>
+            <a:endParaRPr/>
           </a:p>
         </p:txBody>
       </p:sp>
     </p:spTree>
   </p:cSld>
+  <p:clrMapOvr>
+    <a:masterClrMapping/>
+  </p:clrMapOvr>
 </p:sldLayout>
 </file>
 
 <file path=ppt/slideLayouts/slideLayout10.xml><?xml version="1.0" encoding="utf-8"?>
-<p:sldLayout xmlns:a="http://schemas.openxmlformats.org/drawingml/2006/main" xmlns:p="http://schemas.openxmlformats.org/presentationml/2006/main" xmlns:r="http://schemas.openxmlformats.org/officeDocument/2006/relationships" xmlns:p14="http://schemas.microsoft.com/office/powerpoint/2010/main" xmlns:p15="http://schemas.microsoft.com/office/powerpoint/2012/main" xmlns:mc="http://schemas.openxmlformats.org/markup-compatibility/2006" type="objOverTx" preserve="1">
+<p:sldLayout xmlns:a="http://schemas.openxmlformats.org/drawingml/2006/main" xmlns:r="http://schemas.openxmlformats.org/officeDocument/2006/relationships" xmlns:p="http://schemas.openxmlformats.org/presentationml/2006/main" type="objOverTx" preserve="1">
   <p:cSld name="Title, Content over Content">
     <p:spTree>
       <p:nvGrpSpPr>
@@ -142,14 +244,15 @@
           </a:ln>
         </p:spPr>
         <p:txBody>
-          <a:bodyPr lIns="0" rIns="0" tIns="0" bIns="0" anchor="ctr">
+          <a:bodyPr lIns="0" tIns="0" rIns="0" bIns="0" anchor="ctr">
             <a:noAutofit/>
           </a:bodyPr>
+          <a:lstStyle/>
           <a:p>
             <a:pPr indent="0">
               <a:buNone/>
             </a:pPr>
-            <a:endParaRPr b="0" lang="en-US" sz="1800" spc="-1" strike="noStrike">
+            <a:endParaRPr lang="en-US" sz="1800" b="0" strike="noStrike" spc="-1">
               <a:solidFill>
                 <a:schemeClr val="dk1"/>
               </a:solidFill>
@@ -182,9 +285,10 @@
           </a:ln>
         </p:spPr>
         <p:txBody>
-          <a:bodyPr lIns="0" rIns="0" tIns="0" bIns="0" anchor="t">
+          <a:bodyPr lIns="0" tIns="0" rIns="0" bIns="0" anchor="t">
             <a:normAutofit/>
           </a:bodyPr>
+          <a:lstStyle/>
           <a:p>
             <a:pPr indent="0">
               <a:lnSpc>
@@ -195,7 +299,7 @@
               </a:spcBef>
               <a:buNone/>
             </a:pPr>
-            <a:endParaRPr b="0" lang="en-US" sz="2000" spc="-1" strike="noStrike">
+            <a:endParaRPr lang="en-US" sz="2000" b="0" strike="noStrike" spc="-1">
               <a:solidFill>
                 <a:schemeClr val="dk2"/>
               </a:solidFill>
@@ -228,9 +332,10 @@
           </a:ln>
         </p:spPr>
         <p:txBody>
-          <a:bodyPr lIns="0" rIns="0" tIns="0" bIns="0" anchor="t">
+          <a:bodyPr lIns="0" tIns="0" rIns="0" bIns="0" anchor="t">
             <a:normAutofit/>
           </a:bodyPr>
+          <a:lstStyle/>
           <a:p>
             <a:pPr indent="0">
               <a:lnSpc>
@@ -241,7 +346,7 @@
               </a:spcBef>
               <a:buNone/>
             </a:pPr>
-            <a:endParaRPr b="0" lang="en-US" sz="2000" spc="-1" strike="noStrike">
+            <a:endParaRPr lang="en-US" sz="2000" b="0" strike="noStrike" spc="-1">
               <a:solidFill>
                 <a:schemeClr val="dk2"/>
               </a:solidFill>
@@ -263,6 +368,7 @@
         <p:spPr/>
         <p:txBody>
           <a:bodyPr/>
+          <a:lstStyle/>
           <a:p>
             <a:r>
               <a:t>Footer</a:t>
@@ -283,10 +389,12 @@
         <p:spPr/>
         <p:txBody>
           <a:bodyPr/>
+          <a:lstStyle/>
           <a:p>
             <a:fld id="{7B77C397-9459-48C4-B642-1FB2F72FDDB2}" type="slidenum">
-              <a:t>&lt;#&gt;</a:t>
+              <a:t>‹N°›</a:t>
             </a:fld>
+            <a:endParaRPr/>
           </a:p>
         </p:txBody>
       </p:sp>
@@ -303,21 +411,22 @@
         <p:spPr/>
         <p:txBody>
           <a:bodyPr/>
-          <a:p>
-            <a:r>
-              <a:rPr lang="fr-FR"/>
-              <a:t/>
-            </a:r>
+          <a:lstStyle/>
+          <a:p>
+            <a:endParaRPr/>
           </a:p>
         </p:txBody>
       </p:sp>
     </p:spTree>
   </p:cSld>
+  <p:clrMapOvr>
+    <a:masterClrMapping/>
+  </p:clrMapOvr>
 </p:sldLayout>
 </file>
 
 <file path=ppt/slideLayouts/slideLayout11.xml><?xml version="1.0" encoding="utf-8"?>
-<p:sldLayout xmlns:a="http://schemas.openxmlformats.org/drawingml/2006/main" xmlns:p="http://schemas.openxmlformats.org/presentationml/2006/main" xmlns:r="http://schemas.openxmlformats.org/officeDocument/2006/relationships" xmlns:p14="http://schemas.microsoft.com/office/powerpoint/2010/main" xmlns:p15="http://schemas.microsoft.com/office/powerpoint/2012/main" xmlns:mc="http://schemas.openxmlformats.org/markup-compatibility/2006" type="fourObj" preserve="1">
+<p:sldLayout xmlns:a="http://schemas.openxmlformats.org/drawingml/2006/main" xmlns:r="http://schemas.openxmlformats.org/officeDocument/2006/relationships" xmlns:p="http://schemas.openxmlformats.org/presentationml/2006/main" type="fourObj" preserve="1">
   <p:cSld name="Title, 4 Content">
     <p:spTree>
       <p:nvGrpSpPr>
@@ -357,14 +466,15 @@
           </a:ln>
         </p:spPr>
         <p:txBody>
-          <a:bodyPr lIns="0" rIns="0" tIns="0" bIns="0" anchor="ctr">
+          <a:bodyPr lIns="0" tIns="0" rIns="0" bIns="0" anchor="ctr">
             <a:noAutofit/>
           </a:bodyPr>
+          <a:lstStyle/>
           <a:p>
             <a:pPr indent="0">
               <a:buNone/>
             </a:pPr>
-            <a:endParaRPr b="0" lang="en-US" sz="1800" spc="-1" strike="noStrike">
+            <a:endParaRPr lang="en-US" sz="1800" b="0" strike="noStrike" spc="-1">
               <a:solidFill>
                 <a:schemeClr val="dk1"/>
               </a:solidFill>
@@ -397,9 +507,10 @@
           </a:ln>
         </p:spPr>
         <p:txBody>
-          <a:bodyPr lIns="0" rIns="0" tIns="0" bIns="0" anchor="t">
+          <a:bodyPr lIns="0" tIns="0" rIns="0" bIns="0" anchor="t">
             <a:normAutofit/>
           </a:bodyPr>
+          <a:lstStyle/>
           <a:p>
             <a:pPr indent="0">
               <a:lnSpc>
@@ -410,7 +521,7 @@
               </a:spcBef>
               <a:buNone/>
             </a:pPr>
-            <a:endParaRPr b="0" lang="en-US" sz="2000" spc="-1" strike="noStrike">
+            <a:endParaRPr lang="en-US" sz="2000" b="0" strike="noStrike" spc="-1">
               <a:solidFill>
                 <a:schemeClr val="dk2"/>
               </a:solidFill>
@@ -443,9 +554,10 @@
           </a:ln>
         </p:spPr>
         <p:txBody>
-          <a:bodyPr lIns="0" rIns="0" tIns="0" bIns="0" anchor="t">
+          <a:bodyPr lIns="0" tIns="0" rIns="0" bIns="0" anchor="t">
             <a:normAutofit/>
           </a:bodyPr>
+          <a:lstStyle/>
           <a:p>
             <a:pPr indent="0">
               <a:lnSpc>
@@ -456,7 +568,7 @@
               </a:spcBef>
               <a:buNone/>
             </a:pPr>
-            <a:endParaRPr b="0" lang="en-US" sz="2000" spc="-1" strike="noStrike">
+            <a:endParaRPr lang="en-US" sz="2000" b="0" strike="noStrike" spc="-1">
               <a:solidFill>
                 <a:schemeClr val="dk2"/>
               </a:solidFill>
@@ -489,9 +601,10 @@
           </a:ln>
         </p:spPr>
         <p:txBody>
-          <a:bodyPr lIns="0" rIns="0" tIns="0" bIns="0" anchor="t">
+          <a:bodyPr lIns="0" tIns="0" rIns="0" bIns="0" anchor="t">
             <a:normAutofit/>
           </a:bodyPr>
+          <a:lstStyle/>
           <a:p>
             <a:pPr indent="0">
               <a:lnSpc>
@@ -502,7 +615,7 @@
               </a:spcBef>
               <a:buNone/>
             </a:pPr>
-            <a:endParaRPr b="0" lang="en-US" sz="2000" spc="-1" strike="noStrike">
+            <a:endParaRPr lang="en-US" sz="2000" b="0" strike="noStrike" spc="-1">
               <a:solidFill>
                 <a:schemeClr val="dk2"/>
               </a:solidFill>
@@ -535,9 +648,10 @@
           </a:ln>
         </p:spPr>
         <p:txBody>
-          <a:bodyPr lIns="0" rIns="0" tIns="0" bIns="0" anchor="t">
+          <a:bodyPr lIns="0" tIns="0" rIns="0" bIns="0" anchor="t">
             <a:normAutofit/>
           </a:bodyPr>
+          <a:lstStyle/>
           <a:p>
             <a:pPr indent="0">
               <a:lnSpc>
@@ -548,7 +662,7 @@
               </a:spcBef>
               <a:buNone/>
             </a:pPr>
-            <a:endParaRPr b="0" lang="en-US" sz="2000" spc="-1" strike="noStrike">
+            <a:endParaRPr lang="en-US" sz="2000" b="0" strike="noStrike" spc="-1">
               <a:solidFill>
                 <a:schemeClr val="dk2"/>
               </a:solidFill>
@@ -570,6 +684,7 @@
         <p:spPr/>
         <p:txBody>
           <a:bodyPr/>
+          <a:lstStyle/>
           <a:p>
             <a:r>
               <a:t>Footer</a:t>
@@ -590,10 +705,12 @@
         <p:spPr/>
         <p:txBody>
           <a:bodyPr/>
+          <a:lstStyle/>
           <a:p>
             <a:fld id="{4CFD15F7-C2F6-455B-AE41-2F61207245AD}" type="slidenum">
-              <a:t>&lt;#&gt;</a:t>
+              <a:t>‹N°›</a:t>
             </a:fld>
+            <a:endParaRPr/>
           </a:p>
         </p:txBody>
       </p:sp>
@@ -610,21 +727,22 @@
         <p:spPr/>
         <p:txBody>
           <a:bodyPr/>
-          <a:p>
-            <a:r>
-              <a:rPr lang="fr-FR"/>
-              <a:t/>
-            </a:r>
+          <a:lstStyle/>
+          <a:p>
+            <a:endParaRPr/>
           </a:p>
         </p:txBody>
       </p:sp>
     </p:spTree>
   </p:cSld>
+  <p:clrMapOvr>
+    <a:masterClrMapping/>
+  </p:clrMapOvr>
 </p:sldLayout>
 </file>
 
 <file path=ppt/slideLayouts/slideLayout12.xml><?xml version="1.0" encoding="utf-8"?>
-<p:sldLayout xmlns:a="http://schemas.openxmlformats.org/drawingml/2006/main" xmlns:p="http://schemas.openxmlformats.org/presentationml/2006/main" xmlns:r="http://schemas.openxmlformats.org/officeDocument/2006/relationships" xmlns:p14="http://schemas.microsoft.com/office/powerpoint/2010/main" xmlns:p15="http://schemas.microsoft.com/office/powerpoint/2012/main" xmlns:mc="http://schemas.openxmlformats.org/markup-compatibility/2006" type="blank" preserve="1">
+<p:sldLayout xmlns:a="http://schemas.openxmlformats.org/drawingml/2006/main" xmlns:r="http://schemas.openxmlformats.org/officeDocument/2006/relationships" xmlns:p="http://schemas.openxmlformats.org/presentationml/2006/main" type="blank" preserve="1">
   <p:cSld name="Title, 6 Content">
     <p:spTree>
       <p:nvGrpSpPr>
@@ -664,14 +782,15 @@
           </a:ln>
         </p:spPr>
         <p:txBody>
-          <a:bodyPr lIns="0" rIns="0" tIns="0" bIns="0" anchor="ctr">
+          <a:bodyPr lIns="0" tIns="0" rIns="0" bIns="0" anchor="ctr">
             <a:noAutofit/>
           </a:bodyPr>
+          <a:lstStyle/>
           <a:p>
             <a:pPr indent="0">
               <a:buNone/>
             </a:pPr>
-            <a:endParaRPr b="0" lang="en-US" sz="1800" spc="-1" strike="noStrike">
+            <a:endParaRPr lang="en-US" sz="1800" b="0" strike="noStrike" spc="-1">
               <a:solidFill>
                 <a:schemeClr val="dk1"/>
               </a:solidFill>
@@ -704,9 +823,10 @@
           </a:ln>
         </p:spPr>
         <p:txBody>
-          <a:bodyPr lIns="0" rIns="0" tIns="0" bIns="0" anchor="t">
+          <a:bodyPr lIns="0" tIns="0" rIns="0" bIns="0" anchor="t">
             <a:normAutofit/>
           </a:bodyPr>
+          <a:lstStyle/>
           <a:p>
             <a:pPr indent="0">
               <a:lnSpc>
@@ -717,7 +837,7 @@
               </a:spcBef>
               <a:buNone/>
             </a:pPr>
-            <a:endParaRPr b="0" lang="en-US" sz="2000" spc="-1" strike="noStrike">
+            <a:endParaRPr lang="en-US" sz="2000" b="0" strike="noStrike" spc="-1">
               <a:solidFill>
                 <a:schemeClr val="dk2"/>
               </a:solidFill>
@@ -750,9 +870,10 @@
           </a:ln>
         </p:spPr>
         <p:txBody>
-          <a:bodyPr lIns="0" rIns="0" tIns="0" bIns="0" anchor="t">
+          <a:bodyPr lIns="0" tIns="0" rIns="0" bIns="0" anchor="t">
             <a:normAutofit/>
           </a:bodyPr>
+          <a:lstStyle/>
           <a:p>
             <a:pPr indent="0">
               <a:lnSpc>
@@ -763,7 +884,7 @@
               </a:spcBef>
               <a:buNone/>
             </a:pPr>
-            <a:endParaRPr b="0" lang="en-US" sz="2000" spc="-1" strike="noStrike">
+            <a:endParaRPr lang="en-US" sz="2000" b="0" strike="noStrike" spc="-1">
               <a:solidFill>
                 <a:schemeClr val="dk2"/>
               </a:solidFill>
@@ -796,9 +917,10 @@
           </a:ln>
         </p:spPr>
         <p:txBody>
-          <a:bodyPr lIns="0" rIns="0" tIns="0" bIns="0" anchor="t">
+          <a:bodyPr lIns="0" tIns="0" rIns="0" bIns="0" anchor="t">
             <a:normAutofit/>
           </a:bodyPr>
+          <a:lstStyle/>
           <a:p>
             <a:pPr indent="0">
               <a:lnSpc>
@@ -809,7 +931,7 @@
               </a:spcBef>
               <a:buNone/>
             </a:pPr>
-            <a:endParaRPr b="0" lang="en-US" sz="2000" spc="-1" strike="noStrike">
+            <a:endParaRPr lang="en-US" sz="2000" b="0" strike="noStrike" spc="-1">
               <a:solidFill>
                 <a:schemeClr val="dk2"/>
               </a:solidFill>
@@ -842,9 +964,10 @@
           </a:ln>
         </p:spPr>
         <p:txBody>
-          <a:bodyPr lIns="0" rIns="0" tIns="0" bIns="0" anchor="t">
+          <a:bodyPr lIns="0" tIns="0" rIns="0" bIns="0" anchor="t">
             <a:normAutofit/>
           </a:bodyPr>
+          <a:lstStyle/>
           <a:p>
             <a:pPr indent="0">
               <a:lnSpc>
@@ -855,7 +978,7 @@
               </a:spcBef>
               <a:buNone/>
             </a:pPr>
-            <a:endParaRPr b="0" lang="en-US" sz="2000" spc="-1" strike="noStrike">
+            <a:endParaRPr lang="en-US" sz="2000" b="0" strike="noStrike" spc="-1">
               <a:solidFill>
                 <a:schemeClr val="dk2"/>
               </a:solidFill>
@@ -888,9 +1011,10 @@
           </a:ln>
         </p:spPr>
         <p:txBody>
-          <a:bodyPr lIns="0" rIns="0" tIns="0" bIns="0" anchor="t">
+          <a:bodyPr lIns="0" tIns="0" rIns="0" bIns="0" anchor="t">
             <a:normAutofit/>
           </a:bodyPr>
+          <a:lstStyle/>
           <a:p>
             <a:pPr indent="0">
               <a:lnSpc>
@@ -901,7 +1025,7 @@
               </a:spcBef>
               <a:buNone/>
             </a:pPr>
-            <a:endParaRPr b="0" lang="en-US" sz="2000" spc="-1" strike="noStrike">
+            <a:endParaRPr lang="en-US" sz="2000" b="0" strike="noStrike" spc="-1">
               <a:solidFill>
                 <a:schemeClr val="dk2"/>
               </a:solidFill>
@@ -934,9 +1058,10 @@
           </a:ln>
         </p:spPr>
         <p:txBody>
-          <a:bodyPr lIns="0" rIns="0" tIns="0" bIns="0" anchor="t">
+          <a:bodyPr lIns="0" tIns="0" rIns="0" bIns="0" anchor="t">
             <a:normAutofit/>
           </a:bodyPr>
+          <a:lstStyle/>
           <a:p>
             <a:pPr indent="0">
               <a:lnSpc>
@@ -947,7 +1072,7 @@
               </a:spcBef>
               <a:buNone/>
             </a:pPr>
-            <a:endParaRPr b="0" lang="en-US" sz="2000" spc="-1" strike="noStrike">
+            <a:endParaRPr lang="en-US" sz="2000" b="0" strike="noStrike" spc="-1">
               <a:solidFill>
                 <a:schemeClr val="dk2"/>
               </a:solidFill>
@@ -969,6 +1094,7 @@
         <p:spPr/>
         <p:txBody>
           <a:bodyPr/>
+          <a:lstStyle/>
           <a:p>
             <a:r>
               <a:t>Footer</a:t>
@@ -989,10 +1115,12 @@
         <p:spPr/>
         <p:txBody>
           <a:bodyPr/>
+          <a:lstStyle/>
           <a:p>
             <a:fld id="{B86F7ABB-E99B-496F-AE95-AE47F2942D2D}" type="slidenum">
-              <a:t>&lt;#&gt;</a:t>
+              <a:t>‹N°›</a:t>
             </a:fld>
+            <a:endParaRPr/>
           </a:p>
         </p:txBody>
       </p:sp>
@@ -1009,21 +1137,22 @@
         <p:spPr/>
         <p:txBody>
           <a:bodyPr/>
-          <a:p>
-            <a:r>
-              <a:rPr lang="fr-FR"/>
-              <a:t/>
-            </a:r>
+          <a:lstStyle/>
+          <a:p>
+            <a:endParaRPr/>
           </a:p>
         </p:txBody>
       </p:sp>
     </p:spTree>
   </p:cSld>
+  <p:clrMapOvr>
+    <a:masterClrMapping/>
+  </p:clrMapOvr>
 </p:sldLayout>
 </file>
 
 <file path=ppt/slideLayouts/slideLayout2.xml><?xml version="1.0" encoding="utf-8"?>
-<p:sldLayout xmlns:a="http://schemas.openxmlformats.org/drawingml/2006/main" xmlns:p="http://schemas.openxmlformats.org/presentationml/2006/main" xmlns:r="http://schemas.openxmlformats.org/officeDocument/2006/relationships" xmlns:p14="http://schemas.microsoft.com/office/powerpoint/2010/main" xmlns:p15="http://schemas.microsoft.com/office/powerpoint/2012/main" xmlns:mc="http://schemas.openxmlformats.org/markup-compatibility/2006" type="tx" preserve="1">
+<p:sldLayout xmlns:a="http://schemas.openxmlformats.org/drawingml/2006/main" xmlns:r="http://schemas.openxmlformats.org/officeDocument/2006/relationships" xmlns:p="http://schemas.openxmlformats.org/presentationml/2006/main" type="tx" preserve="1">
   <p:cSld name="Title Slide">
     <p:spTree>
       <p:nvGrpSpPr>
@@ -1063,14 +1192,15 @@
           </a:ln>
         </p:spPr>
         <p:txBody>
-          <a:bodyPr lIns="0" rIns="0" tIns="0" bIns="0" anchor="ctr">
+          <a:bodyPr lIns="0" tIns="0" rIns="0" bIns="0" anchor="ctr">
             <a:noAutofit/>
           </a:bodyPr>
+          <a:lstStyle/>
           <a:p>
             <a:pPr indent="0">
               <a:buNone/>
             </a:pPr>
-            <a:endParaRPr b="0" lang="en-US" sz="1800" spc="-1" strike="noStrike">
+            <a:endParaRPr lang="en-US" sz="1800" b="0" strike="noStrike" spc="-1">
               <a:solidFill>
                 <a:schemeClr val="dk1"/>
               </a:solidFill>
@@ -1103,14 +1233,15 @@
           </a:ln>
         </p:spPr>
         <p:txBody>
-          <a:bodyPr lIns="0" rIns="0" tIns="0" bIns="0" anchor="ctr">
+          <a:bodyPr lIns="0" tIns="0" rIns="0" bIns="0" anchor="ctr">
             <a:noAutofit/>
           </a:bodyPr>
+          <a:lstStyle/>
           <a:p>
             <a:pPr indent="0" algn="ctr">
               <a:buNone/>
             </a:pPr>
-            <a:endParaRPr b="0" lang="fr-FR" sz="3200" spc="-1" strike="noStrike">
+            <a:endParaRPr lang="fr-FR" sz="3200" b="0" strike="noStrike" spc="-1">
               <a:solidFill>
                 <a:srgbClr val="000000"/>
               </a:solidFill>
@@ -1132,6 +1263,7 @@
         <p:spPr/>
         <p:txBody>
           <a:bodyPr/>
+          <a:lstStyle/>
           <a:p>
             <a:r>
               <a:t>Footer</a:t>
@@ -1152,10 +1284,12 @@
         <p:spPr/>
         <p:txBody>
           <a:bodyPr/>
+          <a:lstStyle/>
           <a:p>
             <a:fld id="{4050DEA5-576D-4E0B-81DA-6C67D049DA73}" type="slidenum">
-              <a:t>&lt;#&gt;</a:t>
+              <a:t>‹N°›</a:t>
             </a:fld>
+            <a:endParaRPr/>
           </a:p>
         </p:txBody>
       </p:sp>
@@ -1172,21 +1306,22 @@
         <p:spPr/>
         <p:txBody>
           <a:bodyPr/>
-          <a:p>
-            <a:r>
-              <a:rPr lang="fr-FR"/>
-              <a:t/>
-            </a:r>
+          <a:lstStyle/>
+          <a:p>
+            <a:endParaRPr/>
           </a:p>
         </p:txBody>
       </p:sp>
     </p:spTree>
   </p:cSld>
+  <p:clrMapOvr>
+    <a:masterClrMapping/>
+  </p:clrMapOvr>
 </p:sldLayout>
 </file>
 
 <file path=ppt/slideLayouts/slideLayout3.xml><?xml version="1.0" encoding="utf-8"?>
-<p:sldLayout xmlns:a="http://schemas.openxmlformats.org/drawingml/2006/main" xmlns:p="http://schemas.openxmlformats.org/presentationml/2006/main" xmlns:r="http://schemas.openxmlformats.org/officeDocument/2006/relationships" xmlns:p14="http://schemas.microsoft.com/office/powerpoint/2010/main" xmlns:p15="http://schemas.microsoft.com/office/powerpoint/2012/main" xmlns:mc="http://schemas.openxmlformats.org/markup-compatibility/2006" type="obj" preserve="1">
+<p:sldLayout xmlns:a="http://schemas.openxmlformats.org/drawingml/2006/main" xmlns:r="http://schemas.openxmlformats.org/officeDocument/2006/relationships" xmlns:p="http://schemas.openxmlformats.org/presentationml/2006/main" type="obj" preserve="1">
   <p:cSld name="Title, Content">
     <p:spTree>
       <p:nvGrpSpPr>
@@ -1226,14 +1361,15 @@
           </a:ln>
         </p:spPr>
         <p:txBody>
-          <a:bodyPr lIns="0" rIns="0" tIns="0" bIns="0" anchor="ctr">
+          <a:bodyPr lIns="0" tIns="0" rIns="0" bIns="0" anchor="ctr">
             <a:noAutofit/>
           </a:bodyPr>
+          <a:lstStyle/>
           <a:p>
             <a:pPr indent="0">
               <a:buNone/>
             </a:pPr>
-            <a:endParaRPr b="0" lang="en-US" sz="1800" spc="-1" strike="noStrike">
+            <a:endParaRPr lang="en-US" sz="1800" b="0" strike="noStrike" spc="-1">
               <a:solidFill>
                 <a:schemeClr val="dk1"/>
               </a:solidFill>
@@ -1266,9 +1402,10 @@
           </a:ln>
         </p:spPr>
         <p:txBody>
-          <a:bodyPr lIns="0" rIns="0" tIns="0" bIns="0" anchor="t">
+          <a:bodyPr lIns="0" tIns="0" rIns="0" bIns="0" anchor="t">
             <a:normAutofit/>
           </a:bodyPr>
+          <a:lstStyle/>
           <a:p>
             <a:pPr indent="0">
               <a:lnSpc>
@@ -1279,7 +1416,7 @@
               </a:spcBef>
               <a:buNone/>
             </a:pPr>
-            <a:endParaRPr b="0" lang="en-US" sz="2000" spc="-1" strike="noStrike">
+            <a:endParaRPr lang="en-US" sz="2000" b="0" strike="noStrike" spc="-1">
               <a:solidFill>
                 <a:schemeClr val="dk2"/>
               </a:solidFill>
@@ -1301,6 +1438,7 @@
         <p:spPr/>
         <p:txBody>
           <a:bodyPr/>
+          <a:lstStyle/>
           <a:p>
             <a:r>
               <a:t>Footer</a:t>
@@ -1321,10 +1459,12 @@
         <p:spPr/>
         <p:txBody>
           <a:bodyPr/>
+          <a:lstStyle/>
           <a:p>
             <a:fld id="{770B470A-27AD-40A2-82B4-2FAF12C38DEC}" type="slidenum">
-              <a:t>&lt;#&gt;</a:t>
+              <a:t>‹N°›</a:t>
             </a:fld>
+            <a:endParaRPr/>
           </a:p>
         </p:txBody>
       </p:sp>
@@ -1341,21 +1481,22 @@
         <p:spPr/>
         <p:txBody>
           <a:bodyPr/>
-          <a:p>
-            <a:r>
-              <a:rPr lang="fr-FR"/>
-              <a:t/>
-            </a:r>
+          <a:lstStyle/>
+          <a:p>
+            <a:endParaRPr/>
           </a:p>
         </p:txBody>
       </p:sp>
     </p:spTree>
   </p:cSld>
+  <p:clrMapOvr>
+    <a:masterClrMapping/>
+  </p:clrMapOvr>
 </p:sldLayout>
 </file>
 
 <file path=ppt/slideLayouts/slideLayout4.xml><?xml version="1.0" encoding="utf-8"?>
-<p:sldLayout xmlns:a="http://schemas.openxmlformats.org/drawingml/2006/main" xmlns:p="http://schemas.openxmlformats.org/presentationml/2006/main" xmlns:r="http://schemas.openxmlformats.org/officeDocument/2006/relationships" xmlns:p14="http://schemas.microsoft.com/office/powerpoint/2010/main" xmlns:p15="http://schemas.microsoft.com/office/powerpoint/2012/main" xmlns:mc="http://schemas.openxmlformats.org/markup-compatibility/2006" type="twoObj" preserve="1">
+<p:sldLayout xmlns:a="http://schemas.openxmlformats.org/drawingml/2006/main" xmlns:r="http://schemas.openxmlformats.org/officeDocument/2006/relationships" xmlns:p="http://schemas.openxmlformats.org/presentationml/2006/main" type="twoObj" preserve="1">
   <p:cSld name="Title, 2 Content">
     <p:spTree>
       <p:nvGrpSpPr>
@@ -1395,14 +1536,15 @@
           </a:ln>
         </p:spPr>
         <p:txBody>
-          <a:bodyPr lIns="0" rIns="0" tIns="0" bIns="0" anchor="ctr">
+          <a:bodyPr lIns="0" tIns="0" rIns="0" bIns="0" anchor="ctr">
             <a:noAutofit/>
           </a:bodyPr>
+          <a:lstStyle/>
           <a:p>
             <a:pPr indent="0">
               <a:buNone/>
             </a:pPr>
-            <a:endParaRPr b="0" lang="en-US" sz="1800" spc="-1" strike="noStrike">
+            <a:endParaRPr lang="en-US" sz="1800" b="0" strike="noStrike" spc="-1">
               <a:solidFill>
                 <a:schemeClr val="dk1"/>
               </a:solidFill>
@@ -1435,9 +1577,10 @@
           </a:ln>
         </p:spPr>
         <p:txBody>
-          <a:bodyPr lIns="0" rIns="0" tIns="0" bIns="0" anchor="t">
+          <a:bodyPr lIns="0" tIns="0" rIns="0" bIns="0" anchor="t">
             <a:normAutofit/>
           </a:bodyPr>
+          <a:lstStyle/>
           <a:p>
             <a:pPr indent="0">
               <a:lnSpc>
@@ -1448,7 +1591,7 @@
               </a:spcBef>
               <a:buNone/>
             </a:pPr>
-            <a:endParaRPr b="0" lang="en-US" sz="2000" spc="-1" strike="noStrike">
+            <a:endParaRPr lang="en-US" sz="2000" b="0" strike="noStrike" spc="-1">
               <a:solidFill>
                 <a:schemeClr val="dk2"/>
               </a:solidFill>
@@ -1481,9 +1624,10 @@
           </a:ln>
         </p:spPr>
         <p:txBody>
-          <a:bodyPr lIns="0" rIns="0" tIns="0" bIns="0" anchor="t">
+          <a:bodyPr lIns="0" tIns="0" rIns="0" bIns="0" anchor="t">
             <a:normAutofit/>
           </a:bodyPr>
+          <a:lstStyle/>
           <a:p>
             <a:pPr indent="0">
               <a:lnSpc>
@@ -1494,7 +1638,7 @@
               </a:spcBef>
               <a:buNone/>
             </a:pPr>
-            <a:endParaRPr b="0" lang="en-US" sz="2000" spc="-1" strike="noStrike">
+            <a:endParaRPr lang="en-US" sz="2000" b="0" strike="noStrike" spc="-1">
               <a:solidFill>
                 <a:schemeClr val="dk2"/>
               </a:solidFill>
@@ -1516,6 +1660,7 @@
         <p:spPr/>
         <p:txBody>
           <a:bodyPr/>
+          <a:lstStyle/>
           <a:p>
             <a:r>
               <a:t>Footer</a:t>
@@ -1536,10 +1681,12 @@
         <p:spPr/>
         <p:txBody>
           <a:bodyPr/>
+          <a:lstStyle/>
           <a:p>
             <a:fld id="{988AC622-430F-4BE7-BC64-221FFE75759D}" type="slidenum">
-              <a:t>&lt;#&gt;</a:t>
+              <a:t>‹N°›</a:t>
             </a:fld>
+            <a:endParaRPr/>
           </a:p>
         </p:txBody>
       </p:sp>
@@ -1556,21 +1703,22 @@
         <p:spPr/>
         <p:txBody>
           <a:bodyPr/>
-          <a:p>
-            <a:r>
-              <a:rPr lang="fr-FR"/>
-              <a:t/>
-            </a:r>
+          <a:lstStyle/>
+          <a:p>
+            <a:endParaRPr/>
           </a:p>
         </p:txBody>
       </p:sp>
     </p:spTree>
   </p:cSld>
+  <p:clrMapOvr>
+    <a:masterClrMapping/>
+  </p:clrMapOvr>
 </p:sldLayout>
 </file>
 
 <file path=ppt/slideLayouts/slideLayout5.xml><?xml version="1.0" encoding="utf-8"?>
-<p:sldLayout xmlns:a="http://schemas.openxmlformats.org/drawingml/2006/main" xmlns:p="http://schemas.openxmlformats.org/presentationml/2006/main" xmlns:r="http://schemas.openxmlformats.org/officeDocument/2006/relationships" xmlns:p14="http://schemas.microsoft.com/office/powerpoint/2010/main" xmlns:p15="http://schemas.microsoft.com/office/powerpoint/2012/main" xmlns:mc="http://schemas.openxmlformats.org/markup-compatibility/2006" type="titleOnly" preserve="1">
+<p:sldLayout xmlns:a="http://schemas.openxmlformats.org/drawingml/2006/main" xmlns:r="http://schemas.openxmlformats.org/officeDocument/2006/relationships" xmlns:p="http://schemas.openxmlformats.org/presentationml/2006/main" type="titleOnly" preserve="1">
   <p:cSld name="Title Only">
     <p:spTree>
       <p:nvGrpSpPr>
@@ -1610,14 +1758,15 @@
           </a:ln>
         </p:spPr>
         <p:txBody>
-          <a:bodyPr lIns="0" rIns="0" tIns="0" bIns="0" anchor="ctr">
+          <a:bodyPr lIns="0" tIns="0" rIns="0" bIns="0" anchor="ctr">
             <a:noAutofit/>
           </a:bodyPr>
+          <a:lstStyle/>
           <a:p>
             <a:pPr indent="0">
               <a:buNone/>
             </a:pPr>
-            <a:endParaRPr b="0" lang="en-US" sz="1800" spc="-1" strike="noStrike">
+            <a:endParaRPr lang="en-US" sz="1800" b="0" strike="noStrike" spc="-1">
               <a:solidFill>
                 <a:schemeClr val="dk1"/>
               </a:solidFill>
@@ -1639,6 +1788,7 @@
         <p:spPr/>
         <p:txBody>
           <a:bodyPr/>
+          <a:lstStyle/>
           <a:p>
             <a:r>
               <a:t>Footer</a:t>
@@ -1659,10 +1809,12 @@
         <p:spPr/>
         <p:txBody>
           <a:bodyPr/>
+          <a:lstStyle/>
           <a:p>
             <a:fld id="{F5B21CD1-2939-48F3-AAD4-020D066D8DC8}" type="slidenum">
-              <a:t>&lt;#&gt;</a:t>
+              <a:t>‹N°›</a:t>
             </a:fld>
+            <a:endParaRPr/>
           </a:p>
         </p:txBody>
       </p:sp>
@@ -1679,21 +1831,22 @@
         <p:spPr/>
         <p:txBody>
           <a:bodyPr/>
-          <a:p>
-            <a:r>
-              <a:rPr lang="fr-FR"/>
-              <a:t/>
-            </a:r>
+          <a:lstStyle/>
+          <a:p>
+            <a:endParaRPr/>
           </a:p>
         </p:txBody>
       </p:sp>
     </p:spTree>
   </p:cSld>
+  <p:clrMapOvr>
+    <a:masterClrMapping/>
+  </p:clrMapOvr>
 </p:sldLayout>
 </file>
 
 <file path=ppt/slideLayouts/slideLayout6.xml><?xml version="1.0" encoding="utf-8"?>
-<p:sldLayout xmlns:a="http://schemas.openxmlformats.org/drawingml/2006/main" xmlns:p="http://schemas.openxmlformats.org/presentationml/2006/main" xmlns:r="http://schemas.openxmlformats.org/officeDocument/2006/relationships" xmlns:p14="http://schemas.microsoft.com/office/powerpoint/2010/main" xmlns:p15="http://schemas.microsoft.com/office/powerpoint/2012/main" xmlns:mc="http://schemas.openxmlformats.org/markup-compatibility/2006" type="objOnly" preserve="1">
+<p:sldLayout xmlns:a="http://schemas.openxmlformats.org/drawingml/2006/main" xmlns:r="http://schemas.openxmlformats.org/officeDocument/2006/relationships" xmlns:p="http://schemas.openxmlformats.org/presentationml/2006/main" type="objOnly" preserve="1">
   <p:cSld name="Centered Text">
     <p:spTree>
       <p:nvGrpSpPr>
@@ -1733,12 +1886,13 @@
           </a:ln>
         </p:spPr>
         <p:txBody>
-          <a:bodyPr lIns="0" rIns="0" tIns="0" bIns="0" anchor="ctr">
+          <a:bodyPr lIns="0" tIns="0" rIns="0" bIns="0" anchor="ctr">
             <a:noAutofit/>
           </a:bodyPr>
+          <a:lstStyle/>
           <a:p>
             <a:pPr algn="ctr"/>
-            <a:endParaRPr b="0" lang="fr-FR" sz="3200" spc="-1" strike="noStrike">
+            <a:endParaRPr lang="fr-FR" sz="3200" b="0" strike="noStrike" spc="-1">
               <a:solidFill>
                 <a:srgbClr val="000000"/>
               </a:solidFill>
@@ -1760,6 +1914,7 @@
         <p:spPr/>
         <p:txBody>
           <a:bodyPr/>
+          <a:lstStyle/>
           <a:p>
             <a:r>
               <a:t>Footer</a:t>
@@ -1780,10 +1935,12 @@
         <p:spPr/>
         <p:txBody>
           <a:bodyPr/>
+          <a:lstStyle/>
           <a:p>
             <a:fld id="{87080C09-77E1-405A-A0F3-805D6C0C3D3A}" type="slidenum">
-              <a:t>&lt;#&gt;</a:t>
+              <a:t>‹N°›</a:t>
             </a:fld>
+            <a:endParaRPr/>
           </a:p>
         </p:txBody>
       </p:sp>
@@ -1800,21 +1957,22 @@
         <p:spPr/>
         <p:txBody>
           <a:bodyPr/>
-          <a:p>
-            <a:r>
-              <a:rPr lang="fr-FR"/>
-              <a:t/>
-            </a:r>
+          <a:lstStyle/>
+          <a:p>
+            <a:endParaRPr/>
           </a:p>
         </p:txBody>
       </p:sp>
     </p:spTree>
   </p:cSld>
+  <p:clrMapOvr>
+    <a:masterClrMapping/>
+  </p:clrMapOvr>
 </p:sldLayout>
 </file>
 
 <file path=ppt/slideLayouts/slideLayout7.xml><?xml version="1.0" encoding="utf-8"?>
-<p:sldLayout xmlns:a="http://schemas.openxmlformats.org/drawingml/2006/main" xmlns:p="http://schemas.openxmlformats.org/presentationml/2006/main" xmlns:r="http://schemas.openxmlformats.org/officeDocument/2006/relationships" xmlns:p14="http://schemas.microsoft.com/office/powerpoint/2010/main" xmlns:p15="http://schemas.microsoft.com/office/powerpoint/2012/main" xmlns:mc="http://schemas.openxmlformats.org/markup-compatibility/2006" type="twoObjAndObj" preserve="1">
+<p:sldLayout xmlns:a="http://schemas.openxmlformats.org/drawingml/2006/main" xmlns:r="http://schemas.openxmlformats.org/officeDocument/2006/relationships" xmlns:p="http://schemas.openxmlformats.org/presentationml/2006/main" type="twoObjAndObj" preserve="1">
   <p:cSld name="Title, 2 Content and Content">
     <p:spTree>
       <p:nvGrpSpPr>
@@ -1854,14 +2012,15 @@
           </a:ln>
         </p:spPr>
         <p:txBody>
-          <a:bodyPr lIns="0" rIns="0" tIns="0" bIns="0" anchor="ctr">
+          <a:bodyPr lIns="0" tIns="0" rIns="0" bIns="0" anchor="ctr">
             <a:noAutofit/>
           </a:bodyPr>
+          <a:lstStyle/>
           <a:p>
             <a:pPr indent="0">
               <a:buNone/>
             </a:pPr>
-            <a:endParaRPr b="0" lang="en-US" sz="1800" spc="-1" strike="noStrike">
+            <a:endParaRPr lang="en-US" sz="1800" b="0" strike="noStrike" spc="-1">
               <a:solidFill>
                 <a:schemeClr val="dk1"/>
               </a:solidFill>
@@ -1894,9 +2053,10 @@
           </a:ln>
         </p:spPr>
         <p:txBody>
-          <a:bodyPr lIns="0" rIns="0" tIns="0" bIns="0" anchor="t">
+          <a:bodyPr lIns="0" tIns="0" rIns="0" bIns="0" anchor="t">
             <a:normAutofit/>
           </a:bodyPr>
+          <a:lstStyle/>
           <a:p>
             <a:pPr indent="0">
               <a:lnSpc>
@@ -1907,7 +2067,7 @@
               </a:spcBef>
               <a:buNone/>
             </a:pPr>
-            <a:endParaRPr b="0" lang="en-US" sz="2000" spc="-1" strike="noStrike">
+            <a:endParaRPr lang="en-US" sz="2000" b="0" strike="noStrike" spc="-1">
               <a:solidFill>
                 <a:schemeClr val="dk2"/>
               </a:solidFill>
@@ -1940,9 +2100,10 @@
           </a:ln>
         </p:spPr>
         <p:txBody>
-          <a:bodyPr lIns="0" rIns="0" tIns="0" bIns="0" anchor="t">
+          <a:bodyPr lIns="0" tIns="0" rIns="0" bIns="0" anchor="t">
             <a:normAutofit/>
           </a:bodyPr>
+          <a:lstStyle/>
           <a:p>
             <a:pPr indent="0">
               <a:lnSpc>
@@ -1953,7 +2114,7 @@
               </a:spcBef>
               <a:buNone/>
             </a:pPr>
-            <a:endParaRPr b="0" lang="en-US" sz="2000" spc="-1" strike="noStrike">
+            <a:endParaRPr lang="en-US" sz="2000" b="0" strike="noStrike" spc="-1">
               <a:solidFill>
                 <a:schemeClr val="dk2"/>
               </a:solidFill>
@@ -1986,9 +2147,10 @@
           </a:ln>
         </p:spPr>
         <p:txBody>
-          <a:bodyPr lIns="0" rIns="0" tIns="0" bIns="0" anchor="t">
+          <a:bodyPr lIns="0" tIns="0" rIns="0" bIns="0" anchor="t">
             <a:normAutofit/>
           </a:bodyPr>
+          <a:lstStyle/>
           <a:p>
             <a:pPr indent="0">
               <a:lnSpc>
@@ -1999,7 +2161,7 @@
               </a:spcBef>
               <a:buNone/>
             </a:pPr>
-            <a:endParaRPr b="0" lang="en-US" sz="2000" spc="-1" strike="noStrike">
+            <a:endParaRPr lang="en-US" sz="2000" b="0" strike="noStrike" spc="-1">
               <a:solidFill>
                 <a:schemeClr val="dk2"/>
               </a:solidFill>
@@ -2021,6 +2183,7 @@
         <p:spPr/>
         <p:txBody>
           <a:bodyPr/>
+          <a:lstStyle/>
           <a:p>
             <a:r>
               <a:t>Footer</a:t>
@@ -2041,10 +2204,12 @@
         <p:spPr/>
         <p:txBody>
           <a:bodyPr/>
+          <a:lstStyle/>
           <a:p>
             <a:fld id="{38AED095-BAB7-41BD-A60E-9D20CC25184A}" type="slidenum">
-              <a:t>&lt;#&gt;</a:t>
+              <a:t>‹N°›</a:t>
             </a:fld>
+            <a:endParaRPr/>
           </a:p>
         </p:txBody>
       </p:sp>
@@ -2061,21 +2226,22 @@
         <p:spPr/>
         <p:txBody>
           <a:bodyPr/>
-          <a:p>
-            <a:r>
-              <a:rPr lang="fr-FR"/>
-              <a:t/>
-            </a:r>
+          <a:lstStyle/>
+          <a:p>
+            <a:endParaRPr/>
           </a:p>
         </p:txBody>
       </p:sp>
     </p:spTree>
   </p:cSld>
+  <p:clrMapOvr>
+    <a:masterClrMapping/>
+  </p:clrMapOvr>
 </p:sldLayout>
 </file>
 
 <file path=ppt/slideLayouts/slideLayout8.xml><?xml version="1.0" encoding="utf-8"?>
-<p:sldLayout xmlns:a="http://schemas.openxmlformats.org/drawingml/2006/main" xmlns:p="http://schemas.openxmlformats.org/presentationml/2006/main" xmlns:r="http://schemas.openxmlformats.org/officeDocument/2006/relationships" xmlns:p14="http://schemas.microsoft.com/office/powerpoint/2010/main" xmlns:p15="http://schemas.microsoft.com/office/powerpoint/2012/main" xmlns:mc="http://schemas.openxmlformats.org/markup-compatibility/2006" type="objAndTwoObj" preserve="1">
+<p:sldLayout xmlns:a="http://schemas.openxmlformats.org/drawingml/2006/main" xmlns:r="http://schemas.openxmlformats.org/officeDocument/2006/relationships" xmlns:p="http://schemas.openxmlformats.org/presentationml/2006/main" type="objAndTwoObj" preserve="1">
   <p:cSld name="Title Content and 2 Content">
     <p:spTree>
       <p:nvGrpSpPr>
@@ -2115,14 +2281,15 @@
           </a:ln>
         </p:spPr>
         <p:txBody>
-          <a:bodyPr lIns="0" rIns="0" tIns="0" bIns="0" anchor="ctr">
+          <a:bodyPr lIns="0" tIns="0" rIns="0" bIns="0" anchor="ctr">
             <a:noAutofit/>
           </a:bodyPr>
+          <a:lstStyle/>
           <a:p>
             <a:pPr indent="0">
               <a:buNone/>
             </a:pPr>
-            <a:endParaRPr b="0" lang="en-US" sz="1800" spc="-1" strike="noStrike">
+            <a:endParaRPr lang="en-US" sz="1800" b="0" strike="noStrike" spc="-1">
               <a:solidFill>
                 <a:schemeClr val="dk1"/>
               </a:solidFill>
@@ -2155,9 +2322,10 @@
           </a:ln>
         </p:spPr>
         <p:txBody>
-          <a:bodyPr lIns="0" rIns="0" tIns="0" bIns="0" anchor="t">
+          <a:bodyPr lIns="0" tIns="0" rIns="0" bIns="0" anchor="t">
             <a:normAutofit/>
           </a:bodyPr>
+          <a:lstStyle/>
           <a:p>
             <a:pPr indent="0">
               <a:lnSpc>
@@ -2168,7 +2336,7 @@
               </a:spcBef>
               <a:buNone/>
             </a:pPr>
-            <a:endParaRPr b="0" lang="en-US" sz="2000" spc="-1" strike="noStrike">
+            <a:endParaRPr lang="en-US" sz="2000" b="0" strike="noStrike" spc="-1">
               <a:solidFill>
                 <a:schemeClr val="dk2"/>
               </a:solidFill>
@@ -2201,9 +2369,10 @@
           </a:ln>
         </p:spPr>
         <p:txBody>
-          <a:bodyPr lIns="0" rIns="0" tIns="0" bIns="0" anchor="t">
+          <a:bodyPr lIns="0" tIns="0" rIns="0" bIns="0" anchor="t">
             <a:normAutofit/>
           </a:bodyPr>
+          <a:lstStyle/>
           <a:p>
             <a:pPr indent="0">
               <a:lnSpc>
@@ -2214,7 +2383,7 @@
               </a:spcBef>
               <a:buNone/>
             </a:pPr>
-            <a:endParaRPr b="0" lang="en-US" sz="2000" spc="-1" strike="noStrike">
+            <a:endParaRPr lang="en-US" sz="2000" b="0" strike="noStrike" spc="-1">
               <a:solidFill>
                 <a:schemeClr val="dk2"/>
               </a:solidFill>
@@ -2247,9 +2416,10 @@
           </a:ln>
         </p:spPr>
         <p:txBody>
-          <a:bodyPr lIns="0" rIns="0" tIns="0" bIns="0" anchor="t">
+          <a:bodyPr lIns="0" tIns="0" rIns="0" bIns="0" anchor="t">
             <a:normAutofit/>
           </a:bodyPr>
+          <a:lstStyle/>
           <a:p>
             <a:pPr indent="0">
               <a:lnSpc>
@@ -2260,7 +2430,7 @@
               </a:spcBef>
               <a:buNone/>
             </a:pPr>
-            <a:endParaRPr b="0" lang="en-US" sz="2000" spc="-1" strike="noStrike">
+            <a:endParaRPr lang="en-US" sz="2000" b="0" strike="noStrike" spc="-1">
               <a:solidFill>
                 <a:schemeClr val="dk2"/>
               </a:solidFill>
@@ -2282,6 +2452,7 @@
         <p:spPr/>
         <p:txBody>
           <a:bodyPr/>
+          <a:lstStyle/>
           <a:p>
             <a:r>
               <a:t>Footer</a:t>
@@ -2302,10 +2473,12 @@
         <p:spPr/>
         <p:txBody>
           <a:bodyPr/>
+          <a:lstStyle/>
           <a:p>
             <a:fld id="{5EA527D4-7499-450B-BA12-9DFEE40AB417}" type="slidenum">
-              <a:t>&lt;#&gt;</a:t>
+              <a:t>‹N°›</a:t>
             </a:fld>
+            <a:endParaRPr/>
           </a:p>
         </p:txBody>
       </p:sp>
@@ -2322,21 +2495,22 @@
         <p:spPr/>
         <p:txBody>
           <a:bodyPr/>
-          <a:p>
-            <a:r>
-              <a:rPr lang="fr-FR"/>
-              <a:t/>
-            </a:r>
+          <a:lstStyle/>
+          <a:p>
+            <a:endParaRPr/>
           </a:p>
         </p:txBody>
       </p:sp>
     </p:spTree>
   </p:cSld>
+  <p:clrMapOvr>
+    <a:masterClrMapping/>
+  </p:clrMapOvr>
 </p:sldLayout>
 </file>
 
 <file path=ppt/slideLayouts/slideLayout9.xml><?xml version="1.0" encoding="utf-8"?>
-<p:sldLayout xmlns:a="http://schemas.openxmlformats.org/drawingml/2006/main" xmlns:p="http://schemas.openxmlformats.org/presentationml/2006/main" xmlns:r="http://schemas.openxmlformats.org/officeDocument/2006/relationships" xmlns:p14="http://schemas.microsoft.com/office/powerpoint/2010/main" xmlns:p15="http://schemas.microsoft.com/office/powerpoint/2012/main" xmlns:mc="http://schemas.openxmlformats.org/markup-compatibility/2006" type="twoObjOverTx" preserve="1">
+<p:sldLayout xmlns:a="http://schemas.openxmlformats.org/drawingml/2006/main" xmlns:r="http://schemas.openxmlformats.org/officeDocument/2006/relationships" xmlns:p="http://schemas.openxmlformats.org/presentationml/2006/main" type="twoObjOverTx" preserve="1">
   <p:cSld name="Title, 2 Content over Content">
     <p:spTree>
       <p:nvGrpSpPr>
@@ -2376,14 +2550,15 @@
           </a:ln>
         </p:spPr>
         <p:txBody>
-          <a:bodyPr lIns="0" rIns="0" tIns="0" bIns="0" anchor="ctr">
+          <a:bodyPr lIns="0" tIns="0" rIns="0" bIns="0" anchor="ctr">
             <a:noAutofit/>
           </a:bodyPr>
+          <a:lstStyle/>
           <a:p>
             <a:pPr indent="0">
               <a:buNone/>
             </a:pPr>
-            <a:endParaRPr b="0" lang="en-US" sz="1800" spc="-1" strike="noStrike">
+            <a:endParaRPr lang="en-US" sz="1800" b="0" strike="noStrike" spc="-1">
               <a:solidFill>
                 <a:schemeClr val="dk1"/>
               </a:solidFill>
@@ -2416,9 +2591,10 @@
           </a:ln>
         </p:spPr>
         <p:txBody>
-          <a:bodyPr lIns="0" rIns="0" tIns="0" bIns="0" anchor="t">
+          <a:bodyPr lIns="0" tIns="0" rIns="0" bIns="0" anchor="t">
             <a:normAutofit/>
           </a:bodyPr>
+          <a:lstStyle/>
           <a:p>
             <a:pPr indent="0">
               <a:lnSpc>
@@ -2429,7 +2605,7 @@
               </a:spcBef>
               <a:buNone/>
             </a:pPr>
-            <a:endParaRPr b="0" lang="en-US" sz="2000" spc="-1" strike="noStrike">
+            <a:endParaRPr lang="en-US" sz="2000" b="0" strike="noStrike" spc="-1">
               <a:solidFill>
                 <a:schemeClr val="dk2"/>
               </a:solidFill>
@@ -2462,9 +2638,10 @@
           </a:ln>
         </p:spPr>
         <p:txBody>
-          <a:bodyPr lIns="0" rIns="0" tIns="0" bIns="0" anchor="t">
+          <a:bodyPr lIns="0" tIns="0" rIns="0" bIns="0" anchor="t">
             <a:normAutofit/>
           </a:bodyPr>
+          <a:lstStyle/>
           <a:p>
             <a:pPr indent="0">
               <a:lnSpc>
@@ -2475,7 +2652,7 @@
               </a:spcBef>
               <a:buNone/>
             </a:pPr>
-            <a:endParaRPr b="0" lang="en-US" sz="2000" spc="-1" strike="noStrike">
+            <a:endParaRPr lang="en-US" sz="2000" b="0" strike="noStrike" spc="-1">
               <a:solidFill>
                 <a:schemeClr val="dk2"/>
               </a:solidFill>
@@ -2508,9 +2685,10 @@
           </a:ln>
         </p:spPr>
         <p:txBody>
-          <a:bodyPr lIns="0" rIns="0" tIns="0" bIns="0" anchor="t">
+          <a:bodyPr lIns="0" tIns="0" rIns="0" bIns="0" anchor="t">
             <a:normAutofit/>
           </a:bodyPr>
+          <a:lstStyle/>
           <a:p>
             <a:pPr indent="0">
               <a:lnSpc>
@@ -2521,7 +2699,7 @@
               </a:spcBef>
               <a:buNone/>
             </a:pPr>
-            <a:endParaRPr b="0" lang="en-US" sz="2000" spc="-1" strike="noStrike">
+            <a:endParaRPr lang="en-US" sz="2000" b="0" strike="noStrike" spc="-1">
               <a:solidFill>
                 <a:schemeClr val="dk2"/>
               </a:solidFill>
@@ -2543,6 +2721,7 @@
         <p:spPr/>
         <p:txBody>
           <a:bodyPr/>
+          <a:lstStyle/>
           <a:p>
             <a:r>
               <a:t>Footer</a:t>
@@ -2563,10 +2742,12 @@
         <p:spPr/>
         <p:txBody>
           <a:bodyPr/>
+          <a:lstStyle/>
           <a:p>
             <a:fld id="{8B815978-6B9B-4983-8030-64681B3137F7}" type="slidenum">
-              <a:t>&lt;#&gt;</a:t>
+              <a:t>‹N°›</a:t>
             </a:fld>
+            <a:endParaRPr/>
           </a:p>
         </p:txBody>
       </p:sp>
@@ -2583,27 +2764,29 @@
         <p:spPr/>
         <p:txBody>
           <a:bodyPr/>
-          <a:p>
-            <a:r>
-              <a:rPr lang="fr-FR"/>
-              <a:t/>
-            </a:r>
+          <a:lstStyle/>
+          <a:p>
+            <a:endParaRPr/>
           </a:p>
         </p:txBody>
       </p:sp>
     </p:spTree>
   </p:cSld>
+  <p:clrMapOvr>
+    <a:masterClrMapping/>
+  </p:clrMapOvr>
 </p:sldLayout>
 </file>
 
 <file path=ppt/slideMasters/slideMaster1.xml><?xml version="1.0" encoding="utf-8"?>
-<p:sldMaster xmlns:a="http://schemas.openxmlformats.org/drawingml/2006/main" xmlns:p="http://schemas.openxmlformats.org/presentationml/2006/main" xmlns:r="http://schemas.openxmlformats.org/officeDocument/2006/relationships" xmlns:p14="http://schemas.microsoft.com/office/powerpoint/2010/main" xmlns:p15="http://schemas.microsoft.com/office/powerpoint/2012/main" xmlns:mc="http://schemas.openxmlformats.org/markup-compatibility/2006">
+<p:sldMaster xmlns:a="http://schemas.openxmlformats.org/drawingml/2006/main" xmlns:r="http://schemas.openxmlformats.org/officeDocument/2006/relationships" xmlns:p="http://schemas.openxmlformats.org/presentationml/2006/main">
   <p:cSld>
     <p:bg>
       <p:bgPr>
         <a:solidFill>
           <a:schemeClr val="lt2"/>
         </a:solidFill>
+        <a:effectLst/>
       </p:bgPr>
     </p:bg>
     <p:spTree>
@@ -2622,7 +2805,7 @@
       </p:grpSpPr>
       <p:sp>
         <p:nvSpPr>
-          <p:cNvPr id="0" name="Rectangle 8" hidden="1"/>
+          <p:cNvPr id="9" name="Rectangle 8" hidden="1"/>
           <p:cNvSpPr/>
           <p:nvPr/>
         </p:nvSpPr>
@@ -2656,13 +2839,14 @@
           <a:fontRef idx="minor"/>
         </p:style>
         <p:txBody>
-          <a:bodyPr lIns="90000" rIns="90000" tIns="45000" bIns="45000" anchor="t">
+          <a:bodyPr lIns="90000" tIns="45000" rIns="90000" bIns="45000" anchor="t">
             <a:noAutofit/>
           </a:bodyPr>
-          <a:p>
-            <a:endParaRPr b="0" lang="fr-FR" sz="1800" spc="-1" strike="noStrike">
-              <a:solidFill>
-                <a:srgbClr val="ffffff"/>
+          <a:lstStyle/>
+          <a:p>
+            <a:endParaRPr lang="fr-FR" sz="1800" b="0" strike="noStrike" spc="-1">
+              <a:solidFill>
+                <a:srgbClr val="FFFFFF"/>
               </a:solidFill>
               <a:latin typeface="Arial"/>
             </a:endParaRPr>
@@ -2671,7 +2855,7 @@
       </p:sp>
       <p:sp>
         <p:nvSpPr>
-          <p:cNvPr id="1" name="PlaceHolder 1"/>
+          <p:cNvPr id="10" name="PlaceHolder 1"/>
           <p:cNvSpPr>
             <a:spLocks noGrp="1"/>
           </p:cNvSpPr>
@@ -2693,9 +2877,10 @@
           </a:ln>
         </p:spPr>
         <p:txBody>
-          <a:bodyPr lIns="91440" rIns="91440" tIns="45720" bIns="45720" anchor="b">
+          <a:bodyPr lIns="91440" tIns="45720" rIns="91440" bIns="45720" anchor="b">
             <a:noAutofit/>
           </a:bodyPr>
+          <a:lstStyle/>
           <a:p>
             <a:pPr indent="0" algn="ctr" defTabSz="914400">
               <a:lnSpc>
@@ -2704,7 +2889,7 @@
               <a:buNone/>
             </a:pPr>
             <a:r>
-              <a:rPr b="0" lang="fr-FR" sz="7200" spc="-1" strike="noStrike" cap="all">
+              <a:rPr lang="fr-FR" sz="7200" b="0" strike="noStrike" cap="all" spc="-1">
                 <a:solidFill>
                   <a:schemeClr val="dk2"/>
                 </a:solidFill>
@@ -2712,7 +2897,7 @@
               </a:rPr>
               <a:t>Modifiez le style du titre</a:t>
             </a:r>
-            <a:endParaRPr b="0" lang="en-US" sz="7200" spc="-1" strike="noStrike">
+            <a:endParaRPr lang="en-US" sz="7200" b="0" strike="noStrike" spc="-1">
               <a:solidFill>
                 <a:schemeClr val="dk1"/>
               </a:solidFill>
@@ -2745,7 +2930,7 @@
           </a:ln>
         </p:spPr>
         <p:txBody>
-          <a:bodyPr lIns="91440" rIns="91440" tIns="45720" bIns="45720" anchor="ctr">
+          <a:bodyPr lIns="91440" tIns="45720" rIns="91440" bIns="45720" anchor="ctr">
             <a:noAutofit/>
           </a:bodyPr>
           <a:lstStyle>
@@ -2754,7 +2939,7 @@
                 <a:spcPct val="100000"/>
               </a:lnSpc>
               <a:buNone/>
-              <a:defRPr b="0" lang="fr-FR" sz="1200" spc="-1" strike="noStrike">
+              <a:defRPr lang="fr-FR" sz="1200" b="0" strike="noStrike" spc="-1">
                 <a:solidFill>
                   <a:schemeClr val="dk2"/>
                 </a:solidFill>
@@ -2770,7 +2955,7 @@
               <a:buNone/>
             </a:pPr>
             <a:r>
-              <a:rPr b="0" lang="fr-FR" sz="1200" spc="-1" strike="noStrike">
+              <a:rPr lang="fr-FR" sz="1200" b="0" strike="noStrike" spc="-1">
                 <a:solidFill>
                   <a:schemeClr val="dk2"/>
                 </a:solidFill>
@@ -2778,7 +2963,7 @@
               </a:rPr>
               <a:t>&lt;date/heure&gt;</a:t>
             </a:r>
-            <a:endParaRPr b="0" lang="fr-FR" sz="1200" spc="-1" strike="noStrike">
+            <a:endParaRPr lang="fr-FR" sz="1200" b="0" strike="noStrike" spc="-1">
               <a:solidFill>
                 <a:srgbClr val="000000"/>
               </a:solidFill>
@@ -2811,13 +2996,13 @@
           </a:ln>
         </p:spPr>
         <p:txBody>
-          <a:bodyPr lIns="91440" rIns="91440" tIns="45720" bIns="45720" anchor="ctr">
+          <a:bodyPr lIns="91440" tIns="45720" rIns="91440" bIns="45720" anchor="ctr">
             <a:noAutofit/>
           </a:bodyPr>
           <a:lstStyle>
             <a:lvl1pPr indent="0" algn="ctr">
               <a:buNone/>
-              <a:defRPr b="0" lang="fr-FR" sz="1400" spc="-1" strike="noStrike">
+              <a:defRPr lang="fr-FR" sz="1400" b="0" strike="noStrike" spc="-1">
                 <a:solidFill>
                   <a:srgbClr val="000000"/>
                 </a:solidFill>
@@ -2830,7 +3015,7 @@
               <a:buNone/>
             </a:pPr>
             <a:r>
-              <a:rPr b="0" lang="fr-FR" sz="1400" spc="-1" strike="noStrike">
+              <a:rPr lang="fr-FR" sz="1400" b="0" strike="noStrike" spc="-1">
                 <a:solidFill>
                   <a:srgbClr val="000000"/>
                 </a:solidFill>
@@ -2838,12 +3023,6 @@
               </a:rPr>
               <a:t>&lt;pied de page&gt;</a:t>
             </a:r>
-            <a:endParaRPr b="0" lang="fr-FR" sz="1400" spc="-1" strike="noStrike">
-              <a:solidFill>
-                <a:srgbClr val="000000"/>
-              </a:solidFill>
-              <a:latin typeface="Times New Roman"/>
-            </a:endParaRPr>
           </a:p>
         </p:txBody>
       </p:sp>
@@ -2871,7 +3050,7 @@
           </a:ln>
         </p:spPr>
         <p:txBody>
-          <a:bodyPr lIns="91440" rIns="91440" tIns="45720" bIns="45720" anchor="ctr">
+          <a:bodyPr lIns="91440" tIns="45720" rIns="91440" bIns="45720" anchor="ctr">
             <a:noAutofit/>
           </a:bodyPr>
           <a:lstStyle>
@@ -2880,7 +3059,7 @@
                 <a:spcPct val="100000"/>
               </a:lnSpc>
               <a:buNone/>
-              <a:defRPr b="0" lang="fr-FR" sz="1200" spc="-1" strike="noStrike">
+              <a:defRPr lang="fr-FR" sz="1200" b="0" strike="noStrike" spc="-1">
                 <a:solidFill>
                   <a:schemeClr val="dk2"/>
                 </a:solidFill>
@@ -2896,15 +3075,15 @@
               <a:buNone/>
             </a:pPr>
             <a:fld id="{33DFA861-915D-4077-AA18-E8E7368A3FAA}" type="slidenum">
-              <a:rPr b="0" lang="fr-FR" sz="1200" spc="-1" strike="noStrike">
+              <a:rPr lang="fr-FR" sz="1200" b="0" strike="noStrike" spc="-1">
                 <a:solidFill>
                   <a:schemeClr val="dk2"/>
                 </a:solidFill>
                 <a:latin typeface="Franklin Gothic Book"/>
               </a:rPr>
-              <a:t>&lt;numéro&gt;</a:t>
+              <a:t>‹N°›</a:t>
             </a:fld>
-            <a:endParaRPr b="0" lang="fr-FR" sz="1200" spc="-1" strike="noStrike">
+            <a:endParaRPr lang="fr-FR" sz="1200" b="0" strike="noStrike" spc="-1">
               <a:solidFill>
                 <a:srgbClr val="000000"/>
               </a:solidFill>
@@ -2947,6 +3126,7 @@
                 <a:gd name="textAreaBottom" fmla="*/ 4408560 h 4408200"/>
               </a:gdLst>
               <a:ahLst/>
+              <a:cxnLst/>
               <a:rect l="textAreaLeft" t="textAreaTop" r="textAreaRight" b="textAreaBottom"/>
               <a:pathLst>
                 <a:path w="10000" h="10000">
@@ -2983,19 +3163,26 @@
             </a:ln>
           </p:spPr>
           <p:style>
-            <a:lnRef idx="0"/>
-            <a:fillRef idx="0"/>
-            <a:effectRef idx="0"/>
+            <a:lnRef idx="0">
+              <a:scrgbClr r="0" g="0" b="0"/>
+            </a:lnRef>
+            <a:fillRef idx="0">
+              <a:scrgbClr r="0" g="0" b="0"/>
+            </a:fillRef>
+            <a:effectRef idx="0">
+              <a:scrgbClr r="0" g="0" b="0"/>
+            </a:effectRef>
             <a:fontRef idx="minor"/>
           </p:style>
           <p:txBody>
-            <a:bodyPr lIns="90000" rIns="90000" tIns="45000" bIns="45000" anchor="t">
+            <a:bodyPr lIns="90000" tIns="45000" rIns="90000" bIns="45000" anchor="t">
               <a:noAutofit/>
             </a:bodyPr>
+            <a:lstStyle/>
             <a:p>
-              <a:endParaRPr b="0" lang="fr-FR" sz="1800" spc="-1" strike="noStrike">
+              <a:endParaRPr lang="fr-FR" sz="1800" b="0" strike="noStrike" spc="-1">
                 <a:solidFill>
-                  <a:srgbClr val="ffffff"/>
+                  <a:srgbClr val="FFFFFF"/>
                 </a:solidFill>
                 <a:latin typeface="Arial"/>
               </a:endParaRPr>
@@ -3022,6 +3209,7 @@
                 <a:gd name="textAreaBottom" fmla="*/ 4408200 h 4408200"/>
               </a:gdLst>
               <a:ahLst/>
+              <a:cxnLst/>
               <a:rect l="textAreaLeft" t="textAreaTop" r="textAreaRight" b="textAreaBottom"/>
               <a:pathLst>
                 <a:path w="10002" h="10000">
@@ -3060,19 +3248,26 @@
             </a:ln>
           </p:spPr>
           <p:style>
-            <a:lnRef idx="0"/>
-            <a:fillRef idx="0"/>
-            <a:effectRef idx="0"/>
+            <a:lnRef idx="0">
+              <a:scrgbClr r="0" g="0" b="0"/>
+            </a:lnRef>
+            <a:fillRef idx="0">
+              <a:scrgbClr r="0" g="0" b="0"/>
+            </a:fillRef>
+            <a:effectRef idx="0">
+              <a:scrgbClr r="0" g="0" b="0"/>
+            </a:effectRef>
             <a:fontRef idx="minor"/>
           </p:style>
           <p:txBody>
-            <a:bodyPr lIns="90000" rIns="90000" tIns="45000" bIns="45000" anchor="t">
+            <a:bodyPr lIns="90000" tIns="45000" rIns="90000" bIns="45000" anchor="t">
               <a:noAutofit/>
             </a:bodyPr>
+            <a:lstStyle/>
             <a:p>
-              <a:endParaRPr b="0" lang="fr-FR" sz="1800" spc="-1" strike="noStrike">
+              <a:endParaRPr lang="fr-FR" sz="1800" b="0" strike="noStrike" spc="-1">
                 <a:solidFill>
-                  <a:srgbClr val="ffffff"/>
+                  <a:srgbClr val="FFFFFF"/>
                 </a:solidFill>
                 <a:latin typeface="Arial"/>
               </a:endParaRPr>
@@ -3104,9 +3299,10 @@
           </a:ln>
         </p:spPr>
         <p:txBody>
-          <a:bodyPr lIns="0" rIns="0" tIns="0" bIns="0" anchor="t">
+          <a:bodyPr lIns="0" tIns="0" rIns="0" bIns="0" anchor="t">
             <a:normAutofit/>
           </a:bodyPr>
+          <a:lstStyle/>
           <a:p>
             <a:pPr marL="432000" indent="-324000">
               <a:lnSpc>
@@ -3123,7 +3319,7 @@
               <a:buChar char=""/>
             </a:pPr>
             <a:r>
-              <a:rPr b="0" lang="en-US" sz="2000" spc="-1" strike="noStrike">
+              <a:rPr lang="en-US" sz="2000" b="0" strike="noStrike" spc="-1">
                 <a:solidFill>
                   <a:schemeClr val="dk2"/>
                 </a:solidFill>
@@ -3131,15 +3327,9 @@
               </a:rPr>
               <a:t>Cliquez pour éditer le format du plan de texte</a:t>
             </a:r>
-            <a:endParaRPr b="0" lang="en-US" sz="2000" spc="-1" strike="noStrike">
-              <a:solidFill>
-                <a:schemeClr val="dk2"/>
-              </a:solidFill>
-              <a:latin typeface="Franklin Gothic Book"/>
-            </a:endParaRPr>
-          </a:p>
-          <a:p>
-            <a:pPr lvl="1" marL="864000" indent="-324000">
+          </a:p>
+          <a:p>
+            <a:pPr marL="864000" lvl="1" indent="-324000">
               <a:lnSpc>
                 <a:spcPct val="94000"/>
               </a:lnSpc>
@@ -3154,7 +3344,7 @@
               <a:buChar char=""/>
             </a:pPr>
             <a:r>
-              <a:rPr b="0" lang="en-US" sz="1800" spc="-1" strike="noStrike">
+              <a:rPr lang="en-US" sz="1800" b="0" strike="noStrike" spc="-1">
                 <a:solidFill>
                   <a:schemeClr val="dk2"/>
                 </a:solidFill>
@@ -3162,15 +3352,9 @@
               </a:rPr>
               <a:t>Second niveau de plan</a:t>
             </a:r>
-            <a:endParaRPr b="0" lang="en-US" sz="1800" spc="-1" strike="noStrike">
-              <a:solidFill>
-                <a:schemeClr val="dk2"/>
-              </a:solidFill>
-              <a:latin typeface="Franklin Gothic Book"/>
-            </a:endParaRPr>
-          </a:p>
-          <a:p>
-            <a:pPr lvl="2" marL="1296000" indent="-288000">
+          </a:p>
+          <a:p>
+            <a:pPr marL="1296000" lvl="2" indent="-288000">
               <a:lnSpc>
                 <a:spcPct val="94000"/>
               </a:lnSpc>
@@ -3185,7 +3369,7 @@
               <a:buChar char=""/>
             </a:pPr>
             <a:r>
-              <a:rPr b="0" i="1" lang="en-US" sz="1800" spc="-1" strike="noStrike">
+              <a:rPr lang="en-US" sz="1800" b="0" i="1" strike="noStrike" spc="-1">
                 <a:solidFill>
                   <a:schemeClr val="dk2"/>
                 </a:solidFill>
@@ -3193,15 +3377,9 @@
               </a:rPr>
               <a:t>Troisième niveau de plan</a:t>
             </a:r>
-            <a:endParaRPr b="0" i="1" lang="en-US" sz="1800" spc="-1" strike="noStrike">
-              <a:solidFill>
-                <a:schemeClr val="dk2"/>
-              </a:solidFill>
-              <a:latin typeface="Franklin Gothic Book"/>
-            </a:endParaRPr>
-          </a:p>
-          <a:p>
-            <a:pPr lvl="3" marL="1728000" indent="-216000">
+          </a:p>
+          <a:p>
+            <a:pPr marL="1728000" lvl="3" indent="-216000">
               <a:lnSpc>
                 <a:spcPct val="94000"/>
               </a:lnSpc>
@@ -3216,7 +3394,7 @@
               <a:buChar char=""/>
             </a:pPr>
             <a:r>
-              <a:rPr b="0" lang="en-US" sz="1600" spc="-1" strike="noStrike">
+              <a:rPr lang="en-US" sz="1600" b="0" strike="noStrike" spc="-1">
                 <a:solidFill>
                   <a:schemeClr val="dk2"/>
                 </a:solidFill>
@@ -3224,15 +3402,9 @@
               </a:rPr>
               <a:t>Quatrième niveau de plan</a:t>
             </a:r>
-            <a:endParaRPr b="0" lang="en-US" sz="1600" spc="-1" strike="noStrike">
-              <a:solidFill>
-                <a:schemeClr val="dk2"/>
-              </a:solidFill>
-              <a:latin typeface="Franklin Gothic Book"/>
-            </a:endParaRPr>
-          </a:p>
-          <a:p>
-            <a:pPr lvl="4" marL="2160000" indent="-216000">
+          </a:p>
+          <a:p>
+            <a:pPr marL="2160000" lvl="4" indent="-216000">
               <a:lnSpc>
                 <a:spcPct val="94000"/>
               </a:lnSpc>
@@ -3247,7 +3419,7 @@
               <a:buChar char=""/>
             </a:pPr>
             <a:r>
-              <a:rPr b="0" lang="en-US" sz="2000" spc="-1" strike="noStrike">
+              <a:rPr lang="en-US" sz="2000" b="0" strike="noStrike" spc="-1">
                 <a:solidFill>
                   <a:schemeClr val="dk2"/>
                 </a:solidFill>
@@ -3255,15 +3427,9 @@
               </a:rPr>
               <a:t>Cinquième niveau de plan</a:t>
             </a:r>
-            <a:endParaRPr b="0" lang="en-US" sz="2000" spc="-1" strike="noStrike">
-              <a:solidFill>
-                <a:schemeClr val="dk2"/>
-              </a:solidFill>
-              <a:latin typeface="Franklin Gothic Book"/>
-            </a:endParaRPr>
-          </a:p>
-          <a:p>
-            <a:pPr lvl="5" marL="2592000" indent="-216000">
+          </a:p>
+          <a:p>
+            <a:pPr marL="2592000" lvl="5" indent="-216000">
               <a:lnSpc>
                 <a:spcPct val="94000"/>
               </a:lnSpc>
@@ -3278,7 +3444,7 @@
               <a:buChar char=""/>
             </a:pPr>
             <a:r>
-              <a:rPr b="0" lang="en-US" sz="2000" spc="-1" strike="noStrike">
+              <a:rPr lang="en-US" sz="2000" b="0" strike="noStrike" spc="-1">
                 <a:solidFill>
                   <a:schemeClr val="dk2"/>
                 </a:solidFill>
@@ -3286,15 +3452,9 @@
               </a:rPr>
               <a:t>Sixième niveau de plan</a:t>
             </a:r>
-            <a:endParaRPr b="0" lang="en-US" sz="2000" spc="-1" strike="noStrike">
-              <a:solidFill>
-                <a:schemeClr val="dk2"/>
-              </a:solidFill>
-              <a:latin typeface="Franklin Gothic Book"/>
-            </a:endParaRPr>
-          </a:p>
-          <a:p>
-            <a:pPr lvl="6" marL="3024000" indent="-216000">
+          </a:p>
+          <a:p>
+            <a:pPr marL="3024000" lvl="6" indent="-216000">
               <a:lnSpc>
                 <a:spcPct val="94000"/>
               </a:lnSpc>
@@ -3309,7 +3469,7 @@
               <a:buChar char=""/>
             </a:pPr>
             <a:r>
-              <a:rPr b="0" lang="en-US" sz="2000" spc="-1" strike="noStrike">
+              <a:rPr lang="en-US" sz="2000" b="0" strike="noStrike" spc="-1">
                 <a:solidFill>
                   <a:schemeClr val="dk2"/>
                 </a:solidFill>
@@ -3317,37 +3477,311 @@
               </a:rPr>
               <a:t>Septième niveau de plan</a:t>
             </a:r>
-            <a:endParaRPr b="0" lang="en-US" sz="2000" spc="-1" strike="noStrike">
-              <a:solidFill>
-                <a:schemeClr val="dk2"/>
-              </a:solidFill>
-              <a:latin typeface="Franklin Gothic Book"/>
-            </a:endParaRPr>
           </a:p>
         </p:txBody>
       </p:sp>
     </p:spTree>
   </p:cSld>
-  <p:clrMap bg1="lt1" bg2="lt2" tx1="dk1" tx2="dk2" accent1="accent1" accent2="accent2" accent3="accent3" accent4="accent4" accent5="accent5" accent6="accent6" hlink="hlink" folHlink="folHlink"/>
+  <p:clrMap bg1="lt1" tx1="dk1" bg2="lt2" tx2="dk2" accent1="accent1" accent2="accent2" accent3="accent3" accent4="accent4" accent5="accent5" accent6="accent6" hlink="hlink" folHlink="folHlink"/>
   <p:sldLayoutIdLst>
-    <p:sldLayoutId id="2147483649" r:id="rId2"/>
-    <p:sldLayoutId id="2147483650" r:id="rId3"/>
-    <p:sldLayoutId id="2147483651" r:id="rId4"/>
-    <p:sldLayoutId id="2147483652" r:id="rId5"/>
-    <p:sldLayoutId id="2147483653" r:id="rId6"/>
-    <p:sldLayoutId id="2147483654" r:id="rId7"/>
-    <p:sldLayoutId id="2147483655" r:id="rId8"/>
-    <p:sldLayoutId id="2147483656" r:id="rId9"/>
-    <p:sldLayoutId id="2147483657" r:id="rId10"/>
-    <p:sldLayoutId id="2147483658" r:id="rId11"/>
-    <p:sldLayoutId id="2147483659" r:id="rId12"/>
-    <p:sldLayoutId id="2147483660" r:id="rId13"/>
+    <p:sldLayoutId id="2147483649" r:id="rId1"/>
+    <p:sldLayoutId id="2147483650" r:id="rId2"/>
+    <p:sldLayoutId id="2147483651" r:id="rId3"/>
+    <p:sldLayoutId id="2147483652" r:id="rId4"/>
+    <p:sldLayoutId id="2147483653" r:id="rId5"/>
+    <p:sldLayoutId id="2147483654" r:id="rId6"/>
+    <p:sldLayoutId id="2147483655" r:id="rId7"/>
+    <p:sldLayoutId id="2147483656" r:id="rId8"/>
+    <p:sldLayoutId id="2147483657" r:id="rId9"/>
+    <p:sldLayoutId id="2147483658" r:id="rId10"/>
+    <p:sldLayoutId id="2147483659" r:id="rId11"/>
+    <p:sldLayoutId id="2147483660" r:id="rId12"/>
   </p:sldLayoutIdLst>
+  <p:txStyles>
+    <p:titleStyle>
+      <a:lvl1pPr algn="l" defTabSz="914400" rtl="0" eaLnBrk="1" latinLnBrk="0" hangingPunct="1">
+        <a:lnSpc>
+          <a:spcPct val="90000"/>
+        </a:lnSpc>
+        <a:spcBef>
+          <a:spcPct val="0"/>
+        </a:spcBef>
+        <a:buNone/>
+        <a:defRPr sz="4400" kern="1200">
+          <a:solidFill>
+            <a:schemeClr val="tx1"/>
+          </a:solidFill>
+          <a:latin typeface="+mj-lt"/>
+          <a:ea typeface="+mj-ea"/>
+          <a:cs typeface="+mj-cs"/>
+        </a:defRPr>
+      </a:lvl1pPr>
+    </p:titleStyle>
+    <p:bodyStyle>
+      <a:lvl1pPr marL="228600" indent="-228600" algn="l" defTabSz="914400" rtl="0" eaLnBrk="1" latinLnBrk="0" hangingPunct="1">
+        <a:lnSpc>
+          <a:spcPct val="90000"/>
+        </a:lnSpc>
+        <a:spcBef>
+          <a:spcPts val="1000"/>
+        </a:spcBef>
+        <a:buFont typeface="Arial" panose="020B0604020202020204" pitchFamily="34" charset="0"/>
+        <a:buChar char="•"/>
+        <a:defRPr sz="2800" kern="1200">
+          <a:solidFill>
+            <a:schemeClr val="tx1"/>
+          </a:solidFill>
+          <a:latin typeface="+mn-lt"/>
+          <a:ea typeface="+mn-ea"/>
+          <a:cs typeface="+mn-cs"/>
+        </a:defRPr>
+      </a:lvl1pPr>
+      <a:lvl2pPr marL="685800" indent="-228600" algn="l" defTabSz="914400" rtl="0" eaLnBrk="1" latinLnBrk="0" hangingPunct="1">
+        <a:lnSpc>
+          <a:spcPct val="90000"/>
+        </a:lnSpc>
+        <a:spcBef>
+          <a:spcPts val="500"/>
+        </a:spcBef>
+        <a:buFont typeface="Arial" panose="020B0604020202020204" pitchFamily="34" charset="0"/>
+        <a:buChar char="•"/>
+        <a:defRPr sz="2400" kern="1200">
+          <a:solidFill>
+            <a:schemeClr val="tx1"/>
+          </a:solidFill>
+          <a:latin typeface="+mn-lt"/>
+          <a:ea typeface="+mn-ea"/>
+          <a:cs typeface="+mn-cs"/>
+        </a:defRPr>
+      </a:lvl2pPr>
+      <a:lvl3pPr marL="1143000" indent="-228600" algn="l" defTabSz="914400" rtl="0" eaLnBrk="1" latinLnBrk="0" hangingPunct="1">
+        <a:lnSpc>
+          <a:spcPct val="90000"/>
+        </a:lnSpc>
+        <a:spcBef>
+          <a:spcPts val="500"/>
+        </a:spcBef>
+        <a:buFont typeface="Arial" panose="020B0604020202020204" pitchFamily="34" charset="0"/>
+        <a:buChar char="•"/>
+        <a:defRPr sz="2000" kern="1200">
+          <a:solidFill>
+            <a:schemeClr val="tx1"/>
+          </a:solidFill>
+          <a:latin typeface="+mn-lt"/>
+          <a:ea typeface="+mn-ea"/>
+          <a:cs typeface="+mn-cs"/>
+        </a:defRPr>
+      </a:lvl3pPr>
+      <a:lvl4pPr marL="1600200" indent="-228600" algn="l" defTabSz="914400" rtl="0" eaLnBrk="1" latinLnBrk="0" hangingPunct="1">
+        <a:lnSpc>
+          <a:spcPct val="90000"/>
+        </a:lnSpc>
+        <a:spcBef>
+          <a:spcPts val="500"/>
+        </a:spcBef>
+        <a:buFont typeface="Arial" panose="020B0604020202020204" pitchFamily="34" charset="0"/>
+        <a:buChar char="•"/>
+        <a:defRPr sz="1800" kern="1200">
+          <a:solidFill>
+            <a:schemeClr val="tx1"/>
+          </a:solidFill>
+          <a:latin typeface="+mn-lt"/>
+          <a:ea typeface="+mn-ea"/>
+          <a:cs typeface="+mn-cs"/>
+        </a:defRPr>
+      </a:lvl4pPr>
+      <a:lvl5pPr marL="2057400" indent="-228600" algn="l" defTabSz="914400" rtl="0" eaLnBrk="1" latinLnBrk="0" hangingPunct="1">
+        <a:lnSpc>
+          <a:spcPct val="90000"/>
+        </a:lnSpc>
+        <a:spcBef>
+          <a:spcPts val="500"/>
+        </a:spcBef>
+        <a:buFont typeface="Arial" panose="020B0604020202020204" pitchFamily="34" charset="0"/>
+        <a:buChar char="•"/>
+        <a:defRPr sz="1800" kern="1200">
+          <a:solidFill>
+            <a:schemeClr val="tx1"/>
+          </a:solidFill>
+          <a:latin typeface="+mn-lt"/>
+          <a:ea typeface="+mn-ea"/>
+          <a:cs typeface="+mn-cs"/>
+        </a:defRPr>
+      </a:lvl5pPr>
+      <a:lvl6pPr marL="2514600" indent="-228600" algn="l" defTabSz="914400" rtl="0" eaLnBrk="1" latinLnBrk="0" hangingPunct="1">
+        <a:lnSpc>
+          <a:spcPct val="90000"/>
+        </a:lnSpc>
+        <a:spcBef>
+          <a:spcPts val="500"/>
+        </a:spcBef>
+        <a:buFont typeface="Arial" panose="020B0604020202020204" pitchFamily="34" charset="0"/>
+        <a:buChar char="•"/>
+        <a:defRPr sz="1800" kern="1200">
+          <a:solidFill>
+            <a:schemeClr val="tx1"/>
+          </a:solidFill>
+          <a:latin typeface="+mn-lt"/>
+          <a:ea typeface="+mn-ea"/>
+          <a:cs typeface="+mn-cs"/>
+        </a:defRPr>
+      </a:lvl6pPr>
+      <a:lvl7pPr marL="2971800" indent="-228600" algn="l" defTabSz="914400" rtl="0" eaLnBrk="1" latinLnBrk="0" hangingPunct="1">
+        <a:lnSpc>
+          <a:spcPct val="90000"/>
+        </a:lnSpc>
+        <a:spcBef>
+          <a:spcPts val="500"/>
+        </a:spcBef>
+        <a:buFont typeface="Arial" panose="020B0604020202020204" pitchFamily="34" charset="0"/>
+        <a:buChar char="•"/>
+        <a:defRPr sz="1800" kern="1200">
+          <a:solidFill>
+            <a:schemeClr val="tx1"/>
+          </a:solidFill>
+          <a:latin typeface="+mn-lt"/>
+          <a:ea typeface="+mn-ea"/>
+          <a:cs typeface="+mn-cs"/>
+        </a:defRPr>
+      </a:lvl7pPr>
+      <a:lvl8pPr marL="3429000" indent="-228600" algn="l" defTabSz="914400" rtl="0" eaLnBrk="1" latinLnBrk="0" hangingPunct="1">
+        <a:lnSpc>
+          <a:spcPct val="90000"/>
+        </a:lnSpc>
+        <a:spcBef>
+          <a:spcPts val="500"/>
+        </a:spcBef>
+        <a:buFont typeface="Arial" panose="020B0604020202020204" pitchFamily="34" charset="0"/>
+        <a:buChar char="•"/>
+        <a:defRPr sz="1800" kern="1200">
+          <a:solidFill>
+            <a:schemeClr val="tx1"/>
+          </a:solidFill>
+          <a:latin typeface="+mn-lt"/>
+          <a:ea typeface="+mn-ea"/>
+          <a:cs typeface="+mn-cs"/>
+        </a:defRPr>
+      </a:lvl8pPr>
+      <a:lvl9pPr marL="3886200" indent="-228600" algn="l" defTabSz="914400" rtl="0" eaLnBrk="1" latinLnBrk="0" hangingPunct="1">
+        <a:lnSpc>
+          <a:spcPct val="90000"/>
+        </a:lnSpc>
+        <a:spcBef>
+          <a:spcPts val="500"/>
+        </a:spcBef>
+        <a:buFont typeface="Arial" panose="020B0604020202020204" pitchFamily="34" charset="0"/>
+        <a:buChar char="•"/>
+        <a:defRPr sz="1800" kern="1200">
+          <a:solidFill>
+            <a:schemeClr val="tx1"/>
+          </a:solidFill>
+          <a:latin typeface="+mn-lt"/>
+          <a:ea typeface="+mn-ea"/>
+          <a:cs typeface="+mn-cs"/>
+        </a:defRPr>
+      </a:lvl9pPr>
+    </p:bodyStyle>
+    <p:otherStyle>
+      <a:defPPr>
+        <a:defRPr lang="fr-FR"/>
+      </a:defPPr>
+      <a:lvl1pPr marL="0" algn="l" defTabSz="914400" rtl="0" eaLnBrk="1" latinLnBrk="0" hangingPunct="1">
+        <a:defRPr sz="1800" kern="1200">
+          <a:solidFill>
+            <a:schemeClr val="tx1"/>
+          </a:solidFill>
+          <a:latin typeface="+mn-lt"/>
+          <a:ea typeface="+mn-ea"/>
+          <a:cs typeface="+mn-cs"/>
+        </a:defRPr>
+      </a:lvl1pPr>
+      <a:lvl2pPr marL="457200" algn="l" defTabSz="914400" rtl="0" eaLnBrk="1" latinLnBrk="0" hangingPunct="1">
+        <a:defRPr sz="1800" kern="1200">
+          <a:solidFill>
+            <a:schemeClr val="tx1"/>
+          </a:solidFill>
+          <a:latin typeface="+mn-lt"/>
+          <a:ea typeface="+mn-ea"/>
+          <a:cs typeface="+mn-cs"/>
+        </a:defRPr>
+      </a:lvl2pPr>
+      <a:lvl3pPr marL="914400" algn="l" defTabSz="914400" rtl="0" eaLnBrk="1" latinLnBrk="0" hangingPunct="1">
+        <a:defRPr sz="1800" kern="1200">
+          <a:solidFill>
+            <a:schemeClr val="tx1"/>
+          </a:solidFill>
+          <a:latin typeface="+mn-lt"/>
+          <a:ea typeface="+mn-ea"/>
+          <a:cs typeface="+mn-cs"/>
+        </a:defRPr>
+      </a:lvl3pPr>
+      <a:lvl4pPr marL="1371600" algn="l" defTabSz="914400" rtl="0" eaLnBrk="1" latinLnBrk="0" hangingPunct="1">
+        <a:defRPr sz="1800" kern="1200">
+          <a:solidFill>
+            <a:schemeClr val="tx1"/>
+          </a:solidFill>
+          <a:latin typeface="+mn-lt"/>
+          <a:ea typeface="+mn-ea"/>
+          <a:cs typeface="+mn-cs"/>
+        </a:defRPr>
+      </a:lvl4pPr>
+      <a:lvl5pPr marL="1828800" algn="l" defTabSz="914400" rtl="0" eaLnBrk="1" latinLnBrk="0" hangingPunct="1">
+        <a:defRPr sz="1800" kern="1200">
+          <a:solidFill>
+            <a:schemeClr val="tx1"/>
+          </a:solidFill>
+          <a:latin typeface="+mn-lt"/>
+          <a:ea typeface="+mn-ea"/>
+          <a:cs typeface="+mn-cs"/>
+        </a:defRPr>
+      </a:lvl5pPr>
+      <a:lvl6pPr marL="2286000" algn="l" defTabSz="914400" rtl="0" eaLnBrk="1" latinLnBrk="0" hangingPunct="1">
+        <a:defRPr sz="1800" kern="1200">
+          <a:solidFill>
+            <a:schemeClr val="tx1"/>
+          </a:solidFill>
+          <a:latin typeface="+mn-lt"/>
+          <a:ea typeface="+mn-ea"/>
+          <a:cs typeface="+mn-cs"/>
+        </a:defRPr>
+      </a:lvl6pPr>
+      <a:lvl7pPr marL="2743200" algn="l" defTabSz="914400" rtl="0" eaLnBrk="1" latinLnBrk="0" hangingPunct="1">
+        <a:defRPr sz="1800" kern="1200">
+          <a:solidFill>
+            <a:schemeClr val="tx1"/>
+          </a:solidFill>
+          <a:latin typeface="+mn-lt"/>
+          <a:ea typeface="+mn-ea"/>
+          <a:cs typeface="+mn-cs"/>
+        </a:defRPr>
+      </a:lvl7pPr>
+      <a:lvl8pPr marL="3200400" algn="l" defTabSz="914400" rtl="0" eaLnBrk="1" latinLnBrk="0" hangingPunct="1">
+        <a:defRPr sz="1800" kern="1200">
+          <a:solidFill>
+            <a:schemeClr val="tx1"/>
+          </a:solidFill>
+          <a:latin typeface="+mn-lt"/>
+          <a:ea typeface="+mn-ea"/>
+          <a:cs typeface="+mn-cs"/>
+        </a:defRPr>
+      </a:lvl8pPr>
+      <a:lvl9pPr marL="3657600" algn="l" defTabSz="914400" rtl="0" eaLnBrk="1" latinLnBrk="0" hangingPunct="1">
+        <a:defRPr sz="1800" kern="1200">
+          <a:solidFill>
+            <a:schemeClr val="tx1"/>
+          </a:solidFill>
+          <a:latin typeface="+mn-lt"/>
+          <a:ea typeface="+mn-ea"/>
+          <a:cs typeface="+mn-cs"/>
+        </a:defRPr>
+      </a:lvl9pPr>
+    </p:otherStyle>
+  </p:txStyles>
 </p:sldMaster>
 </file>
 
 <file path=ppt/slides/slide1.xml><?xml version="1.0" encoding="utf-8"?>
-<p:sld xmlns:a="http://schemas.openxmlformats.org/drawingml/2006/main" xmlns:p="http://schemas.openxmlformats.org/presentationml/2006/main" xmlns:r="http://schemas.openxmlformats.org/officeDocument/2006/relationships" xmlns:p14="http://schemas.microsoft.com/office/powerpoint/2010/main" xmlns:p15="http://schemas.microsoft.com/office/powerpoint/2012/main" xmlns:mc="http://schemas.openxmlformats.org/markup-compatibility/2006">
+<p:sld xmlns:a="http://schemas.openxmlformats.org/drawingml/2006/main" xmlns:r="http://schemas.openxmlformats.org/officeDocument/2006/relationships" xmlns:p="http://schemas.openxmlformats.org/presentationml/2006/main">
   <p:cSld>
     <p:spTree>
       <p:nvGrpSpPr>
@@ -3387,9 +3821,10 @@
           </a:ln>
         </p:spPr>
         <p:txBody>
-          <a:bodyPr lIns="91440" rIns="91440" tIns="45720" bIns="45720" anchor="b">
+          <a:bodyPr lIns="91440" tIns="45720" rIns="91440" bIns="45720" anchor="b">
             <a:noAutofit/>
           </a:bodyPr>
+          <a:lstStyle/>
           <a:p>
             <a:pPr indent="0" algn="ctr" defTabSz="914400">
               <a:lnSpc>
@@ -3398,7 +3833,7 @@
               <a:buNone/>
             </a:pPr>
             <a:r>
-              <a:rPr b="0" lang="fr-FR" sz="7200" spc="-1" strike="noStrike" cap="all">
+              <a:rPr lang="fr-FR" sz="7200" b="0" strike="noStrike" cap="all" spc="-1">
                 <a:solidFill>
                   <a:schemeClr val="dk2"/>
                 </a:solidFill>
@@ -3406,7 +3841,7 @@
               </a:rPr>
               <a:t>Cryptographie </a:t>
             </a:r>
-            <a:endParaRPr b="0" lang="en-US" sz="7200" spc="-1" strike="noStrike">
+            <a:endParaRPr lang="en-US" sz="7200" b="0" strike="noStrike" spc="-1">
               <a:solidFill>
                 <a:schemeClr val="dk1"/>
               </a:solidFill>
@@ -3439,9 +3874,10 @@
           </a:ln>
         </p:spPr>
         <p:txBody>
-          <a:bodyPr lIns="91440" rIns="91440" tIns="45720" bIns="45720" anchor="t">
+          <a:bodyPr lIns="91440" tIns="45720" rIns="91440" bIns="45720" anchor="t">
             <a:noAutofit/>
           </a:bodyPr>
+          <a:lstStyle/>
           <a:p>
             <a:pPr indent="0" defTabSz="914400">
               <a:lnSpc>
@@ -3449,11 +3885,11 @@
               </a:lnSpc>
               <a:buNone/>
               <a:tabLst>
-                <a:tab algn="l" pos="0"/>
+                <a:tab pos="0" algn="l"/>
               </a:tabLst>
             </a:pPr>
             <a:r>
-              <a:rPr b="0" lang="fr-FR" sz="2300" spc="-1" strike="noStrike">
+              <a:rPr lang="fr-FR" sz="2300" b="0" strike="noStrike" spc="-1">
                 <a:solidFill>
                   <a:schemeClr val="dk2"/>
                 </a:solidFill>
@@ -3461,7 +3897,7 @@
               </a:rPr>
               <a:t>Edouard LEFIZELIER</a:t>
             </a:r>
-            <a:endParaRPr b="0" lang="fr-FR" sz="2300" spc="-1" strike="noStrike">
+            <a:endParaRPr lang="fr-FR" sz="2300" b="0" strike="noStrike" spc="-1">
               <a:solidFill>
                 <a:srgbClr val="000000"/>
               </a:solidFill>
@@ -3475,11 +3911,11 @@
               </a:lnSpc>
               <a:buNone/>
               <a:tabLst>
-                <a:tab algn="l" pos="0"/>
+                <a:tab pos="0" algn="l"/>
               </a:tabLst>
             </a:pPr>
             <a:r>
-              <a:rPr b="0" lang="fr-FR" sz="2300" spc="-1" strike="noStrike">
+              <a:rPr lang="fr-FR" sz="2300" b="0" strike="noStrike" spc="-1">
                 <a:solidFill>
                   <a:schemeClr val="dk2"/>
                 </a:solidFill>
@@ -3487,7 +3923,7 @@
               </a:rPr>
               <a:t>Nathan MAILLET</a:t>
             </a:r>
-            <a:endParaRPr b="0" lang="fr-FR" sz="2300" spc="-1" strike="noStrike">
+            <a:endParaRPr lang="fr-FR" sz="2300" b="0" strike="noStrike" spc="-1">
               <a:solidFill>
                 <a:srgbClr val="000000"/>
               </a:solidFill>
@@ -3498,19 +3934,14 @@
       </p:sp>
     </p:spTree>
   </p:cSld>
-  <mc:AlternateContent>
-    <mc:Choice Requires="p14">
-      <p:transition spd="slow" p14:dur="2000"/>
-    </mc:Choice>
-    <mc:Fallback>
-      <p:transition spd="slow"/>
-    </mc:Fallback>
-  </mc:AlternateContent>
+  <p:clrMapOvr>
+    <a:masterClrMapping/>
+  </p:clrMapOvr>
 </p:sld>
 </file>
 
-<file path=ppt/slides/slide2.xml><?xml version="1.0" encoding="utf-8"?>
-<p:sld xmlns:a="http://schemas.openxmlformats.org/drawingml/2006/main" xmlns:p="http://schemas.openxmlformats.org/presentationml/2006/main" xmlns:r="http://schemas.openxmlformats.org/officeDocument/2006/relationships" xmlns:p14="http://schemas.microsoft.com/office/powerpoint/2010/main" xmlns:p15="http://schemas.microsoft.com/office/powerpoint/2012/main" xmlns:mc="http://schemas.openxmlformats.org/markup-compatibility/2006">
+<file path=ppt/slides/slide10.xml><?xml version="1.0" encoding="utf-8"?>
+<p:sld xmlns:a="http://schemas.openxmlformats.org/drawingml/2006/main" xmlns:r="http://schemas.openxmlformats.org/officeDocument/2006/relationships" xmlns:p="http://schemas.openxmlformats.org/presentationml/2006/main">
   <p:cSld>
     <p:spTree>
       <p:nvGrpSpPr>
@@ -3528,14 +3959,90 @@
       </p:grpSpPr>
       <p:sp>
         <p:nvSpPr>
-          <p:cNvPr id="47" name="ZoneTexte 1"/>
-          <p:cNvSpPr/>
-          <p:nvPr/>
+          <p:cNvPr id="3" name="Sous-titre 2">
+            <a:extLst>
+              <a:ext uri="{FF2B5EF4-FFF2-40B4-BE49-F238E27FC236}">
+                <a16:creationId xmlns:a16="http://schemas.microsoft.com/office/drawing/2014/main" id="{89CC28A4-7F02-AE62-B43F-787A011524F9}"/>
+              </a:ext>
+            </a:extLst>
+          </p:cNvPr>
+          <p:cNvSpPr>
+            <a:spLocks noGrp="1"/>
+          </p:cNvSpPr>
+          <p:nvPr>
+            <p:ph type="subTitle"/>
+          </p:nvPr>
         </p:nvSpPr>
         <p:spPr>
           <a:xfrm>
-            <a:off x="2458800" y="1592640"/>
-            <a:ext cx="8701200" cy="3745800"/>
+            <a:off x="1404594" y="1357459"/>
+            <a:ext cx="9511645" cy="4232635"/>
+          </a:xfrm>
+        </p:spPr>
+        <p:txBody>
+          <a:bodyPr anchor="t"/>
+          <a:lstStyle/>
+          <a:p>
+            <a:pPr>
+              <a:buFont typeface="Wingdings" panose="05000000000000000000" pitchFamily="2" charset="2"/>
+              <a:buChar char="§"/>
+            </a:pPr>
+            <a:r>
+              <a:rPr lang="fr-FR" sz="2400" dirty="0" err="1"/>
+              <a:t>Cyberchef</a:t>
+            </a:r>
+            <a:r>
+              <a:rPr lang="fr-FR" sz="2400" dirty="0"/>
+              <a:t>:</a:t>
+            </a:r>
+          </a:p>
+          <a:p>
+            <a:pPr>
+              <a:buFont typeface="Wingdings" panose="05000000000000000000" pitchFamily="2" charset="2"/>
+              <a:buChar char="§"/>
+            </a:pPr>
+            <a:r>
+              <a:rPr lang="fr-FR" sz="2400" dirty="0"/>
+              <a:t>Module RSA python:</a:t>
+            </a:r>
+          </a:p>
+          <a:p>
+            <a:pPr>
+              <a:buFont typeface="Wingdings" panose="05000000000000000000" pitchFamily="2" charset="2"/>
+              <a:buChar char="§"/>
+            </a:pPr>
+            <a:r>
+              <a:rPr lang="fr-FR" sz="2400" dirty="0"/>
+              <a:t>Sage python</a:t>
+            </a:r>
+          </a:p>
+          <a:p>
+            <a:pPr>
+              <a:buFont typeface="Wingdings" panose="05000000000000000000" pitchFamily="2" charset="2"/>
+              <a:buChar char="§"/>
+            </a:pPr>
+            <a:endParaRPr lang="fr-FR" dirty="0"/>
+          </a:p>
+        </p:txBody>
+      </p:sp>
+      <p:sp>
+        <p:nvSpPr>
+          <p:cNvPr id="4" name="PlaceHolder 1">
+            <a:extLst>
+              <a:ext uri="{FF2B5EF4-FFF2-40B4-BE49-F238E27FC236}">
+                <a16:creationId xmlns:a16="http://schemas.microsoft.com/office/drawing/2014/main" id="{37BC35B3-CDD8-1180-49CB-9FA3CEBE15B2}"/>
+              </a:ext>
+            </a:extLst>
+          </p:cNvPr>
+          <p:cNvSpPr txBox="1">
+            <a:spLocks/>
+          </p:cNvSpPr>
+          <p:nvPr/>
+        </p:nvSpPr>
+        <p:spPr>
+          <a:xfrm>
+            <a:off x="4180788" y="516118"/>
+            <a:ext cx="6735451" cy="841342"/>
           </a:xfrm>
           <a:prstGeom prst="rect">
             <a:avLst/>
@@ -3545,137 +4052,42 @@
             <a:noFill/>
           </a:ln>
         </p:spPr>
-        <p:style>
-          <a:lnRef idx="0"/>
-          <a:fillRef idx="0"/>
-          <a:effectRef idx="0"/>
-          <a:fontRef idx="minor"/>
-        </p:style>
-        <p:txBody>
-          <a:bodyPr lIns="90000" rIns="90000" tIns="45000" bIns="45000" anchor="t">
-            <a:spAutoFit/>
+        <p:txBody>
+          <a:bodyPr lIns="91440" tIns="45720" rIns="91440" bIns="45720" anchor="t">
+            <a:noAutofit/>
           </a:bodyPr>
-          <a:p>
-            <a:pPr marL="399960" indent="-399960" defTabSz="457200">
-              <a:lnSpc>
-                <a:spcPct val="150000"/>
+          <a:lstStyle>
+            <a:lvl1pPr algn="l" defTabSz="914400" rtl="0" eaLnBrk="1" latinLnBrk="0" hangingPunct="1">
+              <a:lnSpc>
+                <a:spcPct val="90000"/>
+              </a:lnSpc>
+              <a:spcBef>
+                <a:spcPct val="0"/>
+              </a:spcBef>
+              <a:buNone/>
+              <a:defRPr sz="4400" kern="1200">
+                <a:solidFill>
+                  <a:schemeClr val="tx1"/>
+                </a:solidFill>
+                <a:latin typeface="+mj-lt"/>
+                <a:ea typeface="+mj-ea"/>
+                <a:cs typeface="+mj-cs"/>
+              </a:defRPr>
+            </a:lvl1pPr>
+          </a:lstStyle>
+          <a:p>
+            <a:pPr marL="857250" indent="-857250">
+              <a:lnSpc>
+                <a:spcPct val="89000"/>
               </a:lnSpc>
               <a:buClr>
-                <a:srgbClr val="000000"/>
+                <a:srgbClr val="191B0E"/>
               </a:buClr>
-              <a:buFont typeface="Franklin Gothic Book"/>
-              <a:buAutoNum type="romanUcPeriod"/>
-            </a:pPr>
-            <a:r>
-              <a:rPr b="0" lang="fr-FR" sz="4000" spc="-1" strike="noStrike">
-                <a:solidFill>
-                  <a:schemeClr val="dk1"/>
-                </a:solidFill>
-                <a:latin typeface="Franklin Gothic Book"/>
-              </a:rPr>
-              <a:t>Introduction </a:t>
-            </a:r>
-            <a:endParaRPr b="0" lang="fr-FR" sz="4000" spc="-1" strike="noStrike">
-              <a:solidFill>
-                <a:srgbClr val="000000"/>
-              </a:solidFill>
-              <a:latin typeface="Arial"/>
-            </a:endParaRPr>
-          </a:p>
-          <a:p>
-            <a:pPr marL="399960" indent="-399960" defTabSz="457200">
-              <a:lnSpc>
-                <a:spcPct val="150000"/>
-              </a:lnSpc>
-              <a:buClr>
-                <a:srgbClr val="000000"/>
-              </a:buClr>
-              <a:buFont typeface="Franklin Gothic Book"/>
-              <a:buAutoNum type="romanUcPeriod"/>
-            </a:pPr>
-            <a:r>
-              <a:rPr b="0" lang="fr-FR" sz="4000" spc="-1" strike="noStrike">
-                <a:solidFill>
-                  <a:schemeClr val="dk1"/>
-                </a:solidFill>
-                <a:latin typeface="Franklin Gothic Book"/>
-              </a:rPr>
-              <a:t> </a:t>
-            </a:r>
-            <a:r>
-              <a:rPr b="0" lang="fr-FR" sz="4000" spc="-1" strike="noStrike">
-                <a:solidFill>
-                  <a:schemeClr val="dk1"/>
-                </a:solidFill>
-                <a:latin typeface="Franklin Gothic Book"/>
-              </a:rPr>
-              <a:t>Utilisation </a:t>
-            </a:r>
-            <a:endParaRPr b="0" lang="fr-FR" sz="4000" spc="-1" strike="noStrike">
-              <a:solidFill>
-                <a:srgbClr val="000000"/>
-              </a:solidFill>
-              <a:latin typeface="Arial"/>
-            </a:endParaRPr>
-          </a:p>
-          <a:p>
-            <a:pPr marL="399960" indent="-399960" defTabSz="457200">
-              <a:lnSpc>
-                <a:spcPct val="150000"/>
-              </a:lnSpc>
-              <a:buClr>
-                <a:srgbClr val="000000"/>
-              </a:buClr>
-              <a:buFont typeface="Franklin Gothic Book"/>
-              <a:buAutoNum type="romanUcPeriod"/>
-            </a:pPr>
-            <a:r>
-              <a:rPr b="0" lang="fr-FR" sz="4000" spc="-1" strike="noStrike">
-                <a:solidFill>
-                  <a:schemeClr val="dk1"/>
-                </a:solidFill>
-                <a:latin typeface="Franklin Gothic Book"/>
-              </a:rPr>
-              <a:t> </a:t>
-            </a:r>
-            <a:r>
-              <a:rPr b="0" lang="fr-FR" sz="4000" spc="-1" strike="noStrike">
-                <a:solidFill>
-                  <a:schemeClr val="dk1"/>
-                </a:solidFill>
-                <a:latin typeface="Franklin Gothic Book"/>
-              </a:rPr>
-              <a:t>Types de cryptographie</a:t>
-            </a:r>
-            <a:endParaRPr b="0" lang="fr-FR" sz="4000" spc="-1" strike="noStrike">
-              <a:solidFill>
-                <a:srgbClr val="000000"/>
-              </a:solidFill>
-              <a:latin typeface="Arial"/>
-            </a:endParaRPr>
-          </a:p>
-          <a:p>
-            <a:pPr marL="399960" indent="-399960" defTabSz="457200">
-              <a:lnSpc>
-                <a:spcPct val="150000"/>
-              </a:lnSpc>
-              <a:buClr>
-                <a:srgbClr val="000000"/>
-              </a:buClr>
-              <a:buFont typeface="Franklin Gothic Book"/>
-              <a:buAutoNum type="romanUcPeriod"/>
-            </a:pPr>
-            <a:r>
-              <a:rPr b="0" lang="fr-FR" sz="4000" spc="-1" strike="noStrike">
-                <a:solidFill>
-                  <a:schemeClr val="dk1"/>
-                </a:solidFill>
-                <a:latin typeface="Franklin Gothic Book"/>
-              </a:rPr>
-              <a:t> </a:t>
-            </a:r>
-            <a:r>
-              <a:rPr b="0" lang="fr-FR" sz="4000" spc="-1" strike="noStrike">
+              <a:buFont typeface="+mj-lt"/>
+              <a:buAutoNum type="romanUcPeriod" startAt="4"/>
+            </a:pPr>
+            <a:r>
+              <a:rPr lang="en-US" spc="-1" dirty="0" err="1">
                 <a:solidFill>
                   <a:schemeClr val="dk1"/>
                 </a:solidFill>
@@ -3683,30 +4095,30 @@
               </a:rPr>
               <a:t>Outils</a:t>
             </a:r>
-            <a:endParaRPr b="0" lang="fr-FR" sz="4000" spc="-1" strike="noStrike">
-              <a:solidFill>
-                <a:srgbClr val="000000"/>
-              </a:solidFill>
-              <a:latin typeface="Arial"/>
+            <a:endParaRPr lang="en-US" spc="-1" dirty="0">
+              <a:solidFill>
+                <a:schemeClr val="dk1"/>
+              </a:solidFill>
+              <a:latin typeface="Franklin Gothic Book"/>
             </a:endParaRPr>
           </a:p>
         </p:txBody>
       </p:sp>
     </p:spTree>
+    <p:extLst>
+      <p:ext uri="{BB962C8B-B14F-4D97-AF65-F5344CB8AC3E}">
+        <p14:creationId xmlns:p14="http://schemas.microsoft.com/office/powerpoint/2010/main" val="340732061"/>
+      </p:ext>
+    </p:extLst>
   </p:cSld>
-  <mc:AlternateContent>
-    <mc:Choice Requires="p14">
-      <p:transition spd="slow" p14:dur="2000"/>
-    </mc:Choice>
-    <mc:Fallback>
-      <p:transition spd="slow"/>
-    </mc:Fallback>
-  </mc:AlternateContent>
+  <p:clrMapOvr>
+    <a:masterClrMapping/>
+  </p:clrMapOvr>
 </p:sld>
 </file>
 
-<file path=ppt/slides/slide3.xml><?xml version="1.0" encoding="utf-8"?>
-<p:sld xmlns:a="http://schemas.openxmlformats.org/drawingml/2006/main" xmlns:p="http://schemas.openxmlformats.org/presentationml/2006/main" xmlns:r="http://schemas.openxmlformats.org/officeDocument/2006/relationships" xmlns:p14="http://schemas.microsoft.com/office/powerpoint/2010/main" xmlns:p15="http://schemas.microsoft.com/office/powerpoint/2012/main" xmlns:mc="http://schemas.openxmlformats.org/markup-compatibility/2006">
+<file path=ppt/slides/slide2.xml><?xml version="1.0" encoding="utf-8"?>
+<p:sld xmlns:a="http://schemas.openxmlformats.org/drawingml/2006/main" xmlns:r="http://schemas.openxmlformats.org/officeDocument/2006/relationships" xmlns:p="http://schemas.openxmlformats.org/presentationml/2006/main">
   <p:cSld>
     <p:spTree>
       <p:nvGrpSpPr>
@@ -3724,18 +4136,14 @@
       </p:grpSpPr>
       <p:sp>
         <p:nvSpPr>
-          <p:cNvPr id="48" name="PlaceHolder 1"/>
-          <p:cNvSpPr>
-            <a:spLocks noGrp="1"/>
-          </p:cNvSpPr>
-          <p:nvPr>
-            <p:ph type="title"/>
-          </p:nvPr>
+          <p:cNvPr id="47" name="ZoneTexte 1"/>
+          <p:cNvSpPr/>
+          <p:nvPr/>
         </p:nvSpPr>
         <p:spPr>
           <a:xfrm>
-            <a:off x="1371600" y="685800"/>
-            <a:ext cx="9600840" cy="1485720"/>
+            <a:off x="2458800" y="1592640"/>
+            <a:ext cx="8701200" cy="3745800"/>
           </a:xfrm>
           <a:prstGeom prst="rect">
             <a:avLst/>
@@ -3745,400 +4153,143 @@
             <a:noFill/>
           </a:ln>
         </p:spPr>
-        <p:txBody>
-          <a:bodyPr lIns="91440" rIns="91440" tIns="45720" bIns="45720" anchor="t">
-            <a:noAutofit/>
+        <p:style>
+          <a:lnRef idx="0">
+            <a:scrgbClr r="0" g="0" b="0"/>
+          </a:lnRef>
+          <a:fillRef idx="0">
+            <a:scrgbClr r="0" g="0" b="0"/>
+          </a:fillRef>
+          <a:effectRef idx="0">
+            <a:scrgbClr r="0" g="0" b="0"/>
+          </a:effectRef>
+          <a:fontRef idx="minor"/>
+        </p:style>
+        <p:txBody>
+          <a:bodyPr lIns="90000" tIns="45000" rIns="90000" bIns="45000" anchor="t">
+            <a:spAutoFit/>
           </a:bodyPr>
-          <a:p>
-            <a:pPr marL="857160" indent="-857160" defTabSz="914400">
-              <a:lnSpc>
-                <a:spcPct val="89000"/>
+          <a:lstStyle/>
+          <a:p>
+            <a:pPr marL="399960" indent="-399960" defTabSz="457200">
+              <a:lnSpc>
+                <a:spcPct val="150000"/>
               </a:lnSpc>
               <a:buClr>
-                <a:srgbClr val="191b0e"/>
+                <a:srgbClr val="000000"/>
               </a:buClr>
               <a:buFont typeface="Franklin Gothic Book"/>
               <a:buAutoNum type="romanUcPeriod"/>
             </a:pPr>
             <a:r>
-              <a:rPr b="0" lang="fr-FR" sz="4400" spc="-1" strike="noStrike">
+              <a:rPr lang="fr-FR" sz="4000" b="0" strike="noStrike" spc="-1">
                 <a:solidFill>
-                  <a:schemeClr val="dk2"/>
+                  <a:schemeClr val="dk1"/>
                 </a:solidFill>
                 <a:latin typeface="Franklin Gothic Book"/>
               </a:rPr>
-              <a:t>La cryptographie</a:t>
-            </a:r>
-            <a:endParaRPr b="0" lang="en-US" sz="4400" spc="-1" strike="noStrike">
-              <a:solidFill>
-                <a:schemeClr val="dk1"/>
-              </a:solidFill>
-              <a:latin typeface="Franklin Gothic Book"/>
-            </a:endParaRPr>
-          </a:p>
-        </p:txBody>
-      </p:sp>
-      <p:sp>
-        <p:nvSpPr>
-          <p:cNvPr id="49" name="PlaceHolder 2"/>
-          <p:cNvSpPr>
-            <a:spLocks noGrp="1"/>
-          </p:cNvSpPr>
-          <p:nvPr>
-            <p:ph/>
-          </p:nvPr>
-        </p:nvSpPr>
-        <p:spPr>
-          <a:xfrm>
-            <a:off x="1371600" y="1842840"/>
-            <a:ext cx="9600840" cy="3580920"/>
-          </a:xfrm>
-          <a:prstGeom prst="rect">
-            <a:avLst/>
-          </a:prstGeom>
-          <a:noFill/>
-          <a:ln w="0">
-            <a:noFill/>
-          </a:ln>
-        </p:spPr>
-        <p:txBody>
-          <a:bodyPr lIns="91440" rIns="91440" tIns="45720" bIns="45720" anchor="t">
-            <a:normAutofit fontScale="97938" lnSpcReduction="10000"/>
-          </a:bodyPr>
-          <a:p>
-            <a:pPr marL="384120" indent="-384120" defTabSz="914400">
-              <a:lnSpc>
-                <a:spcPct val="94000"/>
-              </a:lnSpc>
-              <a:spcBef>
-                <a:spcPts val="1001"/>
-              </a:spcBef>
-              <a:spcAft>
-                <a:spcPts val="201"/>
-              </a:spcAft>
+              <a:t>Introduction </a:t>
+            </a:r>
+            <a:endParaRPr lang="fr-FR" sz="4000" b="0" strike="noStrike" spc="-1">
+              <a:solidFill>
+                <a:srgbClr val="000000"/>
+              </a:solidFill>
+              <a:latin typeface="Arial"/>
+            </a:endParaRPr>
+          </a:p>
+          <a:p>
+            <a:pPr marL="399960" indent="-399960" defTabSz="457200">
+              <a:lnSpc>
+                <a:spcPct val="150000"/>
+              </a:lnSpc>
               <a:buClr>
-                <a:srgbClr val="191b0e"/>
+                <a:srgbClr val="000000"/>
               </a:buClr>
               <a:buFont typeface="Franklin Gothic Book"/>
-              <a:buChar char="■"/>
-            </a:pPr>
-            <a:r>
-              <a:rPr b="0" lang="fr-FR" sz="2000" spc="-1" strike="noStrike">
+              <a:buAutoNum type="romanUcPeriod"/>
+            </a:pPr>
+            <a:r>
+              <a:rPr lang="fr-FR" sz="4000" b="0" strike="noStrike" spc="-1">
                 <a:solidFill>
-                  <a:schemeClr val="dk2"/>
+                  <a:schemeClr val="dk1"/>
                 </a:solidFill>
                 <a:latin typeface="Franklin Gothic Book"/>
               </a:rPr>
-              <a:t>A veut transmettre un message à B sans que C ne puisse le comprendre,</a:t>
-            </a:r>
-            <a:endParaRPr b="0" lang="en-US" sz="2000" spc="-1" strike="noStrike">
-              <a:solidFill>
-                <a:schemeClr val="dk2"/>
-              </a:solidFill>
-              <a:latin typeface="Franklin Gothic Book"/>
-            </a:endParaRPr>
-          </a:p>
-          <a:p>
-            <a:pPr marL="384120" indent="-384120" defTabSz="914400">
-              <a:lnSpc>
-                <a:spcPct val="94000"/>
-              </a:lnSpc>
-              <a:spcBef>
-                <a:spcPts val="1001"/>
-              </a:spcBef>
-              <a:spcAft>
-                <a:spcPts val="201"/>
-              </a:spcAft>
+              <a:t> Utilisation </a:t>
+            </a:r>
+            <a:endParaRPr lang="fr-FR" sz="4000" b="0" strike="noStrike" spc="-1">
+              <a:solidFill>
+                <a:srgbClr val="000000"/>
+              </a:solidFill>
+              <a:latin typeface="Arial"/>
+            </a:endParaRPr>
+          </a:p>
+          <a:p>
+            <a:pPr marL="399960" indent="-399960" defTabSz="457200">
+              <a:lnSpc>
+                <a:spcPct val="150000"/>
+              </a:lnSpc>
               <a:buClr>
-                <a:srgbClr val="191b0e"/>
+                <a:srgbClr val="000000"/>
               </a:buClr>
               <a:buFont typeface="Franklin Gothic Book"/>
-              <a:buChar char="■"/>
-            </a:pPr>
-            <a:r>
-              <a:rPr b="0" lang="fr-FR" sz="2000" spc="-1" strike="noStrike">
+              <a:buAutoNum type="romanUcPeriod"/>
+            </a:pPr>
+            <a:r>
+              <a:rPr lang="fr-FR" sz="4000" b="0" strike="noStrike" spc="-1">
                 <a:solidFill>
-                  <a:schemeClr val="dk2"/>
+                  <a:schemeClr val="dk1"/>
                 </a:solidFill>
                 <a:latin typeface="Franklin Gothic Book"/>
               </a:rPr>
-              <a:t>4 principes fondamentaux:</a:t>
-            </a:r>
-            <a:endParaRPr b="0" lang="en-US" sz="2000" spc="-1" strike="noStrike">
-              <a:solidFill>
-                <a:schemeClr val="dk2"/>
-              </a:solidFill>
-              <a:latin typeface="Franklin Gothic Book"/>
-            </a:endParaRPr>
-          </a:p>
-          <a:p>
-            <a:pPr lvl="1" marL="914400" indent="-384120" defTabSz="914400">
-              <a:lnSpc>
-                <a:spcPct val="94000"/>
-              </a:lnSpc>
-              <a:spcBef>
-                <a:spcPts val="499"/>
-              </a:spcBef>
-              <a:spcAft>
-                <a:spcPts val="201"/>
-              </a:spcAft>
+              <a:t> Types de cryptographie</a:t>
+            </a:r>
+            <a:endParaRPr lang="fr-FR" sz="4000" b="0" strike="noStrike" spc="-1">
+              <a:solidFill>
+                <a:srgbClr val="000000"/>
+              </a:solidFill>
+              <a:latin typeface="Arial"/>
+            </a:endParaRPr>
+          </a:p>
+          <a:p>
+            <a:pPr marL="399960" indent="-399960" defTabSz="457200">
+              <a:lnSpc>
+                <a:spcPct val="150000"/>
+              </a:lnSpc>
               <a:buClr>
-                <a:srgbClr val="191b0e"/>
+                <a:srgbClr val="000000"/>
               </a:buClr>
               <a:buFont typeface="Franklin Gothic Book"/>
-              <a:buChar char="–"/>
-            </a:pPr>
-            <a:r>
-              <a:rPr b="0" i="1" lang="fr-FR" sz="2000" spc="-1" strike="noStrike">
+              <a:buAutoNum type="romanUcPeriod"/>
+            </a:pPr>
+            <a:r>
+              <a:rPr lang="fr-FR" sz="4000" b="0" strike="noStrike" spc="-1">
                 <a:solidFill>
-                  <a:schemeClr val="dk2"/>
+                  <a:schemeClr val="dk1"/>
                 </a:solidFill>
                 <a:latin typeface="Franklin Gothic Book"/>
               </a:rPr>
-              <a:t>Confidentialité</a:t>
-            </a:r>
-            <a:endParaRPr b="0" lang="en-US" sz="2000" spc="-1" strike="noStrike">
-              <a:solidFill>
-                <a:schemeClr val="dk2"/>
-              </a:solidFill>
-              <a:latin typeface="Franklin Gothic Book"/>
-            </a:endParaRPr>
-          </a:p>
-          <a:p>
-            <a:pPr lvl="1" marL="914400" indent="-384120" defTabSz="914400">
-              <a:lnSpc>
-                <a:spcPct val="94000"/>
-              </a:lnSpc>
-              <a:spcBef>
-                <a:spcPts val="499"/>
-              </a:spcBef>
-              <a:spcAft>
-                <a:spcPts val="201"/>
-              </a:spcAft>
-              <a:buClr>
-                <a:srgbClr val="191b0e"/>
-              </a:buClr>
-              <a:buFont typeface="Franklin Gothic Book"/>
-              <a:buChar char="–"/>
-            </a:pPr>
-            <a:r>
-              <a:rPr b="0" i="1" lang="fr-FR" sz="2000" spc="-1" strike="noStrike">
-                <a:solidFill>
-                  <a:schemeClr val="dk2"/>
-                </a:solidFill>
-                <a:latin typeface="Franklin Gothic Book"/>
-              </a:rPr>
-              <a:t>Authenticité</a:t>
-            </a:r>
-            <a:endParaRPr b="0" lang="en-US" sz="2000" spc="-1" strike="noStrike">
-              <a:solidFill>
-                <a:schemeClr val="dk2"/>
-              </a:solidFill>
-              <a:latin typeface="Franklin Gothic Book"/>
-            </a:endParaRPr>
-          </a:p>
-          <a:p>
-            <a:pPr lvl="1" marL="914400" indent="-384120" defTabSz="914400">
-              <a:lnSpc>
-                <a:spcPct val="94000"/>
-              </a:lnSpc>
-              <a:spcBef>
-                <a:spcPts val="499"/>
-              </a:spcBef>
-              <a:spcAft>
-                <a:spcPts val="201"/>
-              </a:spcAft>
-              <a:buClr>
-                <a:srgbClr val="191b0e"/>
-              </a:buClr>
-              <a:buFont typeface="Franklin Gothic Book"/>
-              <a:buChar char="–"/>
-            </a:pPr>
-            <a:r>
-              <a:rPr b="0" i="1" lang="fr-FR" sz="2000" spc="-1" strike="noStrike">
-                <a:solidFill>
-                  <a:schemeClr val="dk2"/>
-                </a:solidFill>
-                <a:latin typeface="Franklin Gothic Book"/>
-              </a:rPr>
-              <a:t>Intégrité</a:t>
-            </a:r>
-            <a:endParaRPr b="0" lang="en-US" sz="2000" spc="-1" strike="noStrike">
-              <a:solidFill>
-                <a:schemeClr val="dk2"/>
-              </a:solidFill>
-              <a:latin typeface="Franklin Gothic Book"/>
-            </a:endParaRPr>
-          </a:p>
-          <a:p>
-            <a:pPr lvl="1" marL="914400" indent="-384120" defTabSz="914400">
-              <a:lnSpc>
-                <a:spcPct val="94000"/>
-              </a:lnSpc>
-              <a:spcBef>
-                <a:spcPts val="499"/>
-              </a:spcBef>
-              <a:spcAft>
-                <a:spcPts val="201"/>
-              </a:spcAft>
-              <a:buClr>
-                <a:srgbClr val="191b0e"/>
-              </a:buClr>
-              <a:buFont typeface="Franklin Gothic Book"/>
-              <a:buChar char="–"/>
-            </a:pPr>
-            <a:r>
-              <a:rPr b="0" i="1" lang="fr-FR" sz="2000" spc="-1" strike="noStrike">
-                <a:solidFill>
-                  <a:schemeClr val="dk2"/>
-                </a:solidFill>
-                <a:latin typeface="Franklin Gothic Book"/>
-              </a:rPr>
-              <a:t>Non répudiation </a:t>
-            </a:r>
-            <a:endParaRPr b="0" lang="en-US" sz="2000" spc="-1" strike="noStrike">
-              <a:solidFill>
-                <a:schemeClr val="dk2"/>
-              </a:solidFill>
-              <a:latin typeface="Franklin Gothic Book"/>
-            </a:endParaRPr>
-          </a:p>
-          <a:p>
-            <a:pPr marL="384120" indent="-384120" defTabSz="914400">
-              <a:lnSpc>
-                <a:spcPct val="94000"/>
-              </a:lnSpc>
-              <a:spcBef>
-                <a:spcPts val="1001"/>
-              </a:spcBef>
-              <a:spcAft>
-                <a:spcPts val="201"/>
-              </a:spcAft>
-              <a:buClr>
-                <a:srgbClr val="191b0e"/>
-              </a:buClr>
-              <a:buFont typeface="Franklin Gothic Book"/>
-              <a:buChar char="■"/>
-            </a:pPr>
-            <a:r>
-              <a:rPr b="0" lang="fr-FR" sz="2000" spc="-1" strike="noStrike">
-                <a:solidFill>
-                  <a:schemeClr val="dk2"/>
-                </a:solidFill>
-                <a:latin typeface="Franklin Gothic Book"/>
-              </a:rPr>
-              <a:t>Deux types de cryptographie:</a:t>
-            </a:r>
-            <a:endParaRPr b="0" lang="en-US" sz="2000" spc="-1" strike="noStrike">
-              <a:solidFill>
-                <a:schemeClr val="dk2"/>
-              </a:solidFill>
-              <a:latin typeface="Franklin Gothic Book"/>
-            </a:endParaRPr>
-          </a:p>
-          <a:p>
-            <a:pPr lvl="1" marL="914400" indent="-384120" defTabSz="914400">
-              <a:lnSpc>
-                <a:spcPct val="94000"/>
-              </a:lnSpc>
-              <a:spcBef>
-                <a:spcPts val="499"/>
-              </a:spcBef>
-              <a:spcAft>
-                <a:spcPts val="201"/>
-              </a:spcAft>
-              <a:buClr>
-                <a:srgbClr val="191b0e"/>
-              </a:buClr>
-              <a:buFont typeface="Franklin Gothic Book"/>
-              <a:buChar char="–"/>
-            </a:pPr>
-            <a:r>
-              <a:rPr b="0" i="1" lang="fr-FR" sz="2000" spc="-1" strike="noStrike">
-                <a:solidFill>
-                  <a:schemeClr val="dk2"/>
-                </a:solidFill>
-                <a:latin typeface="Franklin Gothic Book"/>
-              </a:rPr>
-              <a:t>Symétrique</a:t>
-            </a:r>
-            <a:endParaRPr b="0" lang="en-US" sz="2000" spc="-1" strike="noStrike">
-              <a:solidFill>
-                <a:schemeClr val="dk2"/>
-              </a:solidFill>
-              <a:latin typeface="Franklin Gothic Book"/>
-            </a:endParaRPr>
-          </a:p>
-          <a:p>
-            <a:pPr lvl="1" marL="914400" indent="-384120" defTabSz="914400">
-              <a:lnSpc>
-                <a:spcPct val="94000"/>
-              </a:lnSpc>
-              <a:spcBef>
-                <a:spcPts val="499"/>
-              </a:spcBef>
-              <a:spcAft>
-                <a:spcPts val="201"/>
-              </a:spcAft>
-              <a:buClr>
-                <a:srgbClr val="191b0e"/>
-              </a:buClr>
-              <a:buFont typeface="Franklin Gothic Book"/>
-              <a:buChar char="–"/>
-            </a:pPr>
-            <a:r>
-              <a:rPr b="0" i="1" lang="fr-FR" sz="2000" spc="-1" strike="noStrike">
-                <a:solidFill>
-                  <a:schemeClr val="dk2"/>
-                </a:solidFill>
-                <a:latin typeface="Franklin Gothic Book"/>
-              </a:rPr>
-              <a:t>Asymétrique </a:t>
-            </a:r>
-            <a:endParaRPr b="0" lang="en-US" sz="2000" spc="-1" strike="noStrike">
-              <a:solidFill>
-                <a:schemeClr val="dk2"/>
-              </a:solidFill>
-              <a:latin typeface="Franklin Gothic Book"/>
-            </a:endParaRPr>
-          </a:p>
-          <a:p>
-            <a:pPr indent="0" defTabSz="914400">
-              <a:lnSpc>
-                <a:spcPct val="94000"/>
-              </a:lnSpc>
-              <a:spcBef>
-                <a:spcPts val="499"/>
-              </a:spcBef>
-              <a:spcAft>
-                <a:spcPts val="201"/>
-              </a:spcAft>
-              <a:buNone/>
-            </a:pPr>
-            <a:endParaRPr b="0" lang="en-US" sz="2000" spc="-1" strike="noStrike">
-              <a:solidFill>
-                <a:schemeClr val="dk2"/>
-              </a:solidFill>
-              <a:latin typeface="Franklin Gothic Book"/>
+              <a:t> Outils</a:t>
+            </a:r>
+            <a:endParaRPr lang="fr-FR" sz="4000" b="0" strike="noStrike" spc="-1">
+              <a:solidFill>
+                <a:srgbClr val="000000"/>
+              </a:solidFill>
+              <a:latin typeface="Arial"/>
             </a:endParaRPr>
           </a:p>
         </p:txBody>
       </p:sp>
     </p:spTree>
   </p:cSld>
-  <mc:AlternateContent>
-    <mc:Choice Requires="p14">
-      <p:transition spd="slow" p14:dur="2000"/>
-    </mc:Choice>
-    <mc:Fallback>
-      <p:transition spd="slow"/>
-    </mc:Fallback>
-  </mc:AlternateContent>
+  <p:clrMapOvr>
+    <a:masterClrMapping/>
+  </p:clrMapOvr>
 </p:sld>
 </file>
 
-<file path=ppt/slides/slide4.xml><?xml version="1.0" encoding="utf-8"?>
-<p:sld xmlns:a="http://schemas.openxmlformats.org/drawingml/2006/main" xmlns:p="http://schemas.openxmlformats.org/presentationml/2006/main" xmlns:r="http://schemas.openxmlformats.org/officeDocument/2006/relationships" xmlns:p14="http://schemas.microsoft.com/office/powerpoint/2010/main" xmlns:p15="http://schemas.microsoft.com/office/powerpoint/2012/main" xmlns:mc="http://schemas.openxmlformats.org/markup-compatibility/2006">
+<file path=ppt/slides/slide3.xml><?xml version="1.0" encoding="utf-8"?>
+<p:sld xmlns:a="http://schemas.openxmlformats.org/drawingml/2006/main" xmlns:r="http://schemas.openxmlformats.org/officeDocument/2006/relationships" xmlns:p="http://schemas.openxmlformats.org/presentationml/2006/main">
   <p:cSld>
     <p:spTree>
       <p:nvGrpSpPr>
@@ -4156,18 +4307,18 @@
       </p:grpSpPr>
       <p:sp>
         <p:nvSpPr>
-          <p:cNvPr id="50" name="PlaceHolder 1"/>
-          <p:cNvSpPr>
-            <a:spLocks noGrp="1"/>
-          </p:cNvSpPr>
-          <p:nvPr>
-            <p:ph/>
+          <p:cNvPr id="48" name="PlaceHolder 1"/>
+          <p:cNvSpPr>
+            <a:spLocks noGrp="1"/>
+          </p:cNvSpPr>
+          <p:nvPr>
+            <p:ph type="title"/>
           </p:nvPr>
         </p:nvSpPr>
         <p:spPr>
           <a:xfrm>
-            <a:off x="1371600" y="801360"/>
-            <a:ext cx="9600840" cy="5065920"/>
+            <a:off x="4114800" y="534971"/>
+            <a:ext cx="5170602" cy="899269"/>
           </a:xfrm>
           <a:prstGeom prst="rect">
             <a:avLst/>
@@ -4178,9 +4329,67 @@
           </a:ln>
         </p:spPr>
         <p:txBody>
-          <a:bodyPr lIns="91440" rIns="91440" tIns="45720" bIns="45720" anchor="t">
+          <a:bodyPr lIns="91440" tIns="45720" rIns="91440" bIns="45720" anchor="t">
             <a:noAutofit/>
           </a:bodyPr>
+          <a:lstStyle/>
+          <a:p>
+            <a:pPr marL="857160" indent="-857160" defTabSz="914400">
+              <a:lnSpc>
+                <a:spcPct val="89000"/>
+              </a:lnSpc>
+              <a:buClr>
+                <a:srgbClr val="191B0E"/>
+              </a:buClr>
+              <a:buFont typeface="Franklin Gothic Book"/>
+              <a:buAutoNum type="romanUcPeriod"/>
+            </a:pPr>
+            <a:r>
+              <a:rPr lang="fr-FR" sz="4400" b="0" strike="noStrike" spc="-1" dirty="0">
+                <a:solidFill>
+                  <a:schemeClr val="dk2"/>
+                </a:solidFill>
+                <a:latin typeface="Franklin Gothic Book"/>
+              </a:rPr>
+              <a:t>La cryptographie</a:t>
+            </a:r>
+            <a:endParaRPr lang="en-US" sz="4400" b="0" strike="noStrike" spc="-1" dirty="0">
+              <a:solidFill>
+                <a:schemeClr val="dk1"/>
+              </a:solidFill>
+              <a:latin typeface="Franklin Gothic Book"/>
+            </a:endParaRPr>
+          </a:p>
+        </p:txBody>
+      </p:sp>
+      <p:sp>
+        <p:nvSpPr>
+          <p:cNvPr id="49" name="PlaceHolder 2"/>
+          <p:cNvSpPr>
+            <a:spLocks noGrp="1"/>
+          </p:cNvSpPr>
+          <p:nvPr>
+            <p:ph/>
+          </p:nvPr>
+        </p:nvSpPr>
+        <p:spPr>
+          <a:xfrm>
+            <a:off x="1371600" y="1434239"/>
+            <a:ext cx="9600840" cy="3995599"/>
+          </a:xfrm>
+          <a:prstGeom prst="rect">
+            <a:avLst/>
+          </a:prstGeom>
+          <a:noFill/>
+          <a:ln w="0">
+            <a:noFill/>
+          </a:ln>
+        </p:spPr>
+        <p:txBody>
+          <a:bodyPr lIns="91440" tIns="45720" rIns="91440" bIns="45720" anchor="t">
+            <a:normAutofit fontScale="97938"/>
+          </a:bodyPr>
+          <a:lstStyle/>
           <a:p>
             <a:pPr marL="384120" indent="-384120" defTabSz="914400">
               <a:lnSpc>
@@ -4193,21 +4402,21 @@
                 <a:spcPts val="201"/>
               </a:spcAft>
               <a:buClr>
-                <a:srgbClr val="191b0e"/>
+                <a:srgbClr val="191B0E"/>
               </a:buClr>
               <a:buFont typeface="Franklin Gothic Book"/>
               <a:buChar char="■"/>
             </a:pPr>
             <a:r>
-              <a:rPr b="0" lang="fr-FR" sz="2000" spc="-1" strike="noStrike">
+              <a:rPr lang="fr-FR" sz="2000" b="0" strike="noStrike" spc="-1" dirty="0">
                 <a:solidFill>
                   <a:schemeClr val="dk2"/>
                 </a:solidFill>
                 <a:latin typeface="Franklin Gothic Book"/>
               </a:rPr>
-              <a:t>Historiquement :</a:t>
-            </a:r>
-            <a:endParaRPr b="0" lang="en-US" sz="2000" spc="-1" strike="noStrike">
+              <a:t>A veut transmettre un message à B sans que C ne puisse le comprendre,</a:t>
+            </a:r>
+            <a:endParaRPr lang="en-US" sz="2000" b="0" strike="noStrike" spc="-1" dirty="0">
               <a:solidFill>
                 <a:schemeClr val="dk2"/>
               </a:solidFill>
@@ -4215,7 +4424,40 @@
             </a:endParaRPr>
           </a:p>
           <a:p>
-            <a:pPr lvl="1" marL="914400" indent="-384120" defTabSz="914400">
+            <a:pPr marL="384120" indent="-384120" defTabSz="914400">
+              <a:lnSpc>
+                <a:spcPct val="94000"/>
+              </a:lnSpc>
+              <a:spcBef>
+                <a:spcPts val="1001"/>
+              </a:spcBef>
+              <a:spcAft>
+                <a:spcPts val="201"/>
+              </a:spcAft>
+              <a:buClr>
+                <a:srgbClr val="191B0E"/>
+              </a:buClr>
+              <a:buFont typeface="Franklin Gothic Book"/>
+              <a:buChar char="■"/>
+            </a:pPr>
+            <a:r>
+              <a:rPr lang="fr-FR" sz="2000" b="0" strike="noStrike" spc="-1" dirty="0">
+                <a:solidFill>
+                  <a:schemeClr val="dk2"/>
+                </a:solidFill>
+                <a:latin typeface="Franklin Gothic Book"/>
+              </a:rPr>
+              <a:t>4 principes fondamentaux:</a:t>
+            </a:r>
+            <a:endParaRPr lang="en-US" sz="2000" b="0" strike="noStrike" spc="-1" dirty="0">
+              <a:solidFill>
+                <a:schemeClr val="dk2"/>
+              </a:solidFill>
+              <a:latin typeface="Franklin Gothic Book"/>
+            </a:endParaRPr>
+          </a:p>
+          <a:p>
+            <a:pPr marL="914400" lvl="1" indent="-384120" defTabSz="914400">
               <a:lnSpc>
                 <a:spcPct val="94000"/>
               </a:lnSpc>
@@ -4226,21 +4468,21 @@
                 <a:spcPts val="201"/>
               </a:spcAft>
               <a:buClr>
-                <a:srgbClr val="191b0e"/>
+                <a:srgbClr val="191B0E"/>
               </a:buClr>
               <a:buFont typeface="Franklin Gothic Book"/>
               <a:buChar char="–"/>
             </a:pPr>
             <a:r>
-              <a:rPr b="0" i="1" lang="fr-FR" sz="2000" spc="-1" strike="noStrike">
+              <a:rPr lang="fr-FR" sz="2000" b="0" i="1" strike="noStrike" spc="-1" dirty="0">
                 <a:solidFill>
                   <a:schemeClr val="dk2"/>
                 </a:solidFill>
                 <a:latin typeface="Franklin Gothic Book"/>
               </a:rPr>
-              <a:t>Chiffrement de César</a:t>
-            </a:r>
-            <a:endParaRPr b="0" lang="en-US" sz="2000" spc="-1" strike="noStrike">
+              <a:t>Confidentialité</a:t>
+            </a:r>
+            <a:endParaRPr lang="en-US" sz="2000" b="0" strike="noStrike" spc="-1" dirty="0">
               <a:solidFill>
                 <a:schemeClr val="dk2"/>
               </a:solidFill>
@@ -4248,7 +4490,7 @@
             </a:endParaRPr>
           </a:p>
           <a:p>
-            <a:pPr lvl="1" marL="914400" indent="-384120" defTabSz="914400">
+            <a:pPr marL="914400" lvl="1" indent="-384120" defTabSz="914400">
               <a:lnSpc>
                 <a:spcPct val="94000"/>
               </a:lnSpc>
@@ -4259,21 +4501,87 @@
                 <a:spcPts val="201"/>
               </a:spcAft>
               <a:buClr>
-                <a:srgbClr val="191b0e"/>
+                <a:srgbClr val="191B0E"/>
               </a:buClr>
               <a:buFont typeface="Franklin Gothic Book"/>
               <a:buChar char="–"/>
             </a:pPr>
             <a:r>
-              <a:rPr b="0" i="1" lang="fr-FR" sz="2000" spc="-1" strike="noStrike">
+              <a:rPr lang="fr-FR" sz="2000" b="0" i="1" strike="noStrike" spc="-1" dirty="0">
                 <a:solidFill>
                   <a:schemeClr val="dk2"/>
                 </a:solidFill>
                 <a:latin typeface="Franklin Gothic Book"/>
               </a:rPr>
-              <a:t>Machine Enigma</a:t>
-            </a:r>
-            <a:endParaRPr b="0" lang="en-US" sz="2000" spc="-1" strike="noStrike">
+              <a:t>Authenticité</a:t>
+            </a:r>
+            <a:endParaRPr lang="en-US" sz="2000" b="0" strike="noStrike" spc="-1" dirty="0">
+              <a:solidFill>
+                <a:schemeClr val="dk2"/>
+              </a:solidFill>
+              <a:latin typeface="Franklin Gothic Book"/>
+            </a:endParaRPr>
+          </a:p>
+          <a:p>
+            <a:pPr marL="914400" lvl="1" indent="-384120" defTabSz="914400">
+              <a:lnSpc>
+                <a:spcPct val="94000"/>
+              </a:lnSpc>
+              <a:spcBef>
+                <a:spcPts val="499"/>
+              </a:spcBef>
+              <a:spcAft>
+                <a:spcPts val="201"/>
+              </a:spcAft>
+              <a:buClr>
+                <a:srgbClr val="191B0E"/>
+              </a:buClr>
+              <a:buFont typeface="Franklin Gothic Book"/>
+              <a:buChar char="–"/>
+            </a:pPr>
+            <a:r>
+              <a:rPr lang="fr-FR" sz="2000" b="0" i="1" strike="noStrike" spc="-1" dirty="0">
+                <a:solidFill>
+                  <a:schemeClr val="dk2"/>
+                </a:solidFill>
+                <a:latin typeface="Franklin Gothic Book"/>
+              </a:rPr>
+              <a:t>Intégrité</a:t>
+            </a:r>
+            <a:endParaRPr lang="en-US" sz="2000" b="0" strike="noStrike" spc="-1" dirty="0">
+              <a:solidFill>
+                <a:schemeClr val="dk2"/>
+              </a:solidFill>
+              <a:latin typeface="Franklin Gothic Book"/>
+            </a:endParaRPr>
+          </a:p>
+          <a:p>
+            <a:pPr marL="914400" lvl="1" indent="-384120" defTabSz="914400">
+              <a:lnSpc>
+                <a:spcPct val="94000"/>
+              </a:lnSpc>
+              <a:spcBef>
+                <a:spcPts val="499"/>
+              </a:spcBef>
+              <a:spcAft>
+                <a:spcPts val="201"/>
+              </a:spcAft>
+              <a:buClr>
+                <a:srgbClr val="191B0E"/>
+              </a:buClr>
+              <a:buFont typeface="Franklin Gothic Book"/>
+              <a:buChar char="–"/>
+            </a:pPr>
+            <a:r>
+              <a:rPr lang="fr-FR" sz="2000" b="0" i="1" strike="noStrike" spc="-1" dirty="0">
+                <a:solidFill>
+                  <a:schemeClr val="dk2"/>
+                </a:solidFill>
+                <a:latin typeface="Franklin Gothic Book"/>
+              </a:rPr>
+              <a:t>Non répudiation </a:t>
+            </a:r>
+            <a:endParaRPr lang="en-US" sz="2000" b="0" strike="noStrike" spc="-1" dirty="0">
               <a:solidFill>
                 <a:schemeClr val="dk2"/>
               </a:solidFill>
@@ -4292,21 +4600,21 @@
                 <a:spcPts val="201"/>
               </a:spcAft>
               <a:buClr>
-                <a:srgbClr val="191b0e"/>
+                <a:srgbClr val="191B0E"/>
               </a:buClr>
               <a:buFont typeface="Franklin Gothic Book"/>
               <a:buChar char="■"/>
             </a:pPr>
             <a:r>
-              <a:rPr b="0" lang="fr-FR" sz="2000" spc="-1" strike="noStrike">
+              <a:rPr lang="fr-FR" sz="2000" b="0" strike="noStrike" spc="-1" dirty="0">
                 <a:solidFill>
                   <a:schemeClr val="dk2"/>
                 </a:solidFill>
                 <a:latin typeface="Franklin Gothic Book"/>
               </a:rPr>
-              <a:t>Des classiques d’aujourd’hui :</a:t>
-            </a:r>
-            <a:endParaRPr b="0" lang="en-US" sz="2000" spc="-1" strike="noStrike">
+              <a:t>Deux types de cryptographie:</a:t>
+            </a:r>
+            <a:endParaRPr lang="en-US" sz="2000" b="0" strike="noStrike" spc="-1" dirty="0">
               <a:solidFill>
                 <a:schemeClr val="dk2"/>
               </a:solidFill>
@@ -4314,7 +4622,7 @@
             </a:endParaRPr>
           </a:p>
           <a:p>
-            <a:pPr lvl="1" marL="914400" indent="-384120" defTabSz="914400">
+            <a:pPr marL="914400" lvl="1" indent="-384120" defTabSz="914400">
               <a:lnSpc>
                 <a:spcPct val="94000"/>
               </a:lnSpc>
@@ -4325,21 +4633,21 @@
                 <a:spcPts val="201"/>
               </a:spcAft>
               <a:buClr>
-                <a:srgbClr val="191b0e"/>
+                <a:srgbClr val="191B0E"/>
               </a:buClr>
               <a:buFont typeface="Franklin Gothic Book"/>
               <a:buChar char="–"/>
             </a:pPr>
             <a:r>
-              <a:rPr b="0" i="1" lang="fr-FR" sz="2000" spc="-1" strike="noStrike">
+              <a:rPr lang="fr-FR" sz="2000" b="0" i="1" strike="noStrike" spc="-1" dirty="0">
                 <a:solidFill>
                   <a:schemeClr val="dk2"/>
                 </a:solidFill>
                 <a:latin typeface="Franklin Gothic Book"/>
               </a:rPr>
-              <a:t>RSA</a:t>
-            </a:r>
-            <a:endParaRPr b="0" lang="en-US" sz="2000" spc="-1" strike="noStrike">
+              <a:t>Symétrique</a:t>
+            </a:r>
+            <a:endParaRPr lang="en-US" sz="2000" b="0" strike="noStrike" spc="-1" dirty="0">
               <a:solidFill>
                 <a:schemeClr val="dk2"/>
               </a:solidFill>
@@ -4347,7 +4655,7 @@
             </a:endParaRPr>
           </a:p>
           <a:p>
-            <a:pPr lvl="1" marL="914400" indent="-384120" defTabSz="914400">
+            <a:pPr marL="914400" lvl="1" indent="-384120" defTabSz="914400">
               <a:lnSpc>
                 <a:spcPct val="94000"/>
               </a:lnSpc>
@@ -4358,54 +4666,21 @@
                 <a:spcPts val="201"/>
               </a:spcAft>
               <a:buClr>
-                <a:srgbClr val="191b0e"/>
+                <a:srgbClr val="191B0E"/>
               </a:buClr>
               <a:buFont typeface="Franklin Gothic Book"/>
               <a:buChar char="–"/>
             </a:pPr>
             <a:r>
-              <a:rPr b="0" i="1" lang="fr-FR" sz="2000" spc="-1" strike="noStrike">
+              <a:rPr lang="fr-FR" sz="2000" b="0" i="1" strike="noStrike" spc="-1" dirty="0">
                 <a:solidFill>
                   <a:schemeClr val="dk2"/>
                 </a:solidFill>
                 <a:latin typeface="Franklin Gothic Book"/>
               </a:rPr>
-              <a:t>OTP</a:t>
-            </a:r>
-            <a:endParaRPr b="0" lang="en-US" sz="2000" spc="-1" strike="noStrike">
-              <a:solidFill>
-                <a:schemeClr val="dk2"/>
-              </a:solidFill>
-              <a:latin typeface="Franklin Gothic Book"/>
-            </a:endParaRPr>
-          </a:p>
-          <a:p>
-            <a:pPr marL="384120" indent="-384120" defTabSz="914400">
-              <a:lnSpc>
-                <a:spcPct val="94000"/>
-              </a:lnSpc>
-              <a:spcBef>
-                <a:spcPts val="1001"/>
-              </a:spcBef>
-              <a:spcAft>
-                <a:spcPts val="201"/>
-              </a:spcAft>
-              <a:buClr>
-                <a:srgbClr val="191b0e"/>
-              </a:buClr>
-              <a:buFont typeface="Franklin Gothic Book"/>
-              <a:buChar char="■"/>
-            </a:pPr>
-            <a:r>
-              <a:rPr b="0" lang="fr-FR" sz="2000" spc="-1" strike="noStrike">
-                <a:solidFill>
-                  <a:schemeClr val="dk2"/>
-                </a:solidFill>
-                <a:latin typeface="Franklin Gothic Book"/>
-              </a:rPr>
-              <a:t>Bientôt l’ère post-quantique...</a:t>
-            </a:r>
-            <a:endParaRPr b="0" lang="en-US" sz="2000" spc="-1" strike="noStrike">
+              <a:t>Asymétrique </a:t>
+            </a:r>
+            <a:endParaRPr lang="en-US" sz="2000" b="0" strike="noStrike" spc="-1" dirty="0">
               <a:solidFill>
                 <a:schemeClr val="dk2"/>
               </a:solidFill>
@@ -4425,7 +4700,7 @@
               </a:spcAft>
               <a:buNone/>
             </a:pPr>
-            <a:endParaRPr b="0" lang="en-US" sz="2000" spc="-1" strike="noStrike">
+            <a:endParaRPr lang="en-US" sz="2000" b="0" strike="noStrike" spc="-1" dirty="0">
               <a:solidFill>
                 <a:schemeClr val="dk2"/>
               </a:solidFill>
@@ -4436,19 +4711,14 @@
       </p:sp>
     </p:spTree>
   </p:cSld>
-  <mc:AlternateContent>
-    <mc:Choice Requires="p14">
-      <p:transition spd="slow" p14:dur="2000"/>
-    </mc:Choice>
-    <mc:Fallback>
-      <p:transition spd="slow"/>
-    </mc:Fallback>
-  </mc:AlternateContent>
+  <p:clrMapOvr>
+    <a:masterClrMapping/>
+  </p:clrMapOvr>
 </p:sld>
 </file>
 
-<file path=ppt/slides/slide5.xml><?xml version="1.0" encoding="utf-8"?>
-<p:sld xmlns:a="http://schemas.openxmlformats.org/drawingml/2006/main" xmlns:p="http://schemas.openxmlformats.org/presentationml/2006/main" xmlns:r="http://schemas.openxmlformats.org/officeDocument/2006/relationships" xmlns:p14="http://schemas.microsoft.com/office/powerpoint/2010/main" xmlns:p15="http://schemas.microsoft.com/office/powerpoint/2012/main" xmlns:mc="http://schemas.openxmlformats.org/markup-compatibility/2006">
+<file path=ppt/slides/slide4.xml><?xml version="1.0" encoding="utf-8"?>
+<p:sld xmlns:a="http://schemas.openxmlformats.org/drawingml/2006/main" xmlns:r="http://schemas.openxmlformats.org/officeDocument/2006/relationships" xmlns:p="http://schemas.openxmlformats.org/presentationml/2006/main">
   <p:cSld>
     <p:spTree>
       <p:nvGrpSpPr>
@@ -4466,18 +4736,18 @@
       </p:grpSpPr>
       <p:sp>
         <p:nvSpPr>
-          <p:cNvPr id="51" name="PlaceHolder 1"/>
-          <p:cNvSpPr>
-            <a:spLocks noGrp="1"/>
-          </p:cNvSpPr>
-          <p:nvPr>
-            <p:ph type="title"/>
+          <p:cNvPr id="50" name="PlaceHolder 1"/>
+          <p:cNvSpPr>
+            <a:spLocks noGrp="1"/>
+          </p:cNvSpPr>
+          <p:nvPr>
+            <p:ph/>
           </p:nvPr>
         </p:nvSpPr>
         <p:spPr>
           <a:xfrm>
-            <a:off x="1371600" y="685800"/>
-            <a:ext cx="9600840" cy="1485720"/>
+            <a:off x="1295580" y="1216139"/>
+            <a:ext cx="9600840" cy="4411663"/>
           </a:xfrm>
           <a:prstGeom prst="rect">
             <a:avLst/>
@@ -4488,65 +4758,10 @@
           </a:ln>
         </p:spPr>
         <p:txBody>
-          <a:bodyPr lIns="91440" rIns="91440" tIns="45720" bIns="45720" anchor="t">
+          <a:bodyPr lIns="91440" tIns="45720" rIns="91440" bIns="45720" anchor="t">
             <a:noAutofit/>
           </a:bodyPr>
-          <a:p>
-            <a:pPr marL="857160" indent="-857160" defTabSz="914400">
-              <a:lnSpc>
-                <a:spcPct val="89000"/>
-              </a:lnSpc>
-              <a:buClr>
-                <a:srgbClr val="191b0e"/>
-              </a:buClr>
-              <a:buFont typeface="Franklin Gothic Book"/>
-              <a:buAutoNum type="romanUcPeriod" startAt="2"/>
-            </a:pPr>
-            <a:r>
-              <a:rPr b="0" lang="fr-FR" sz="4400" spc="-1" strike="noStrike">
-                <a:solidFill>
-                  <a:schemeClr val="dk2"/>
-                </a:solidFill>
-                <a:latin typeface="Franklin Gothic Book"/>
-              </a:rPr>
-              <a:t>Utilisation</a:t>
-            </a:r>
-            <a:endParaRPr b="0" lang="en-US" sz="4400" spc="-1" strike="noStrike">
-              <a:solidFill>
-                <a:schemeClr val="dk1"/>
-              </a:solidFill>
-              <a:latin typeface="Franklin Gothic Book"/>
-            </a:endParaRPr>
-          </a:p>
-        </p:txBody>
-      </p:sp>
-      <p:sp>
-        <p:nvSpPr>
-          <p:cNvPr id="52" name="PlaceHolder 2"/>
-          <p:cNvSpPr>
-            <a:spLocks noGrp="1"/>
-          </p:cNvSpPr>
-          <p:nvPr>
-            <p:ph/>
-          </p:nvPr>
-        </p:nvSpPr>
-        <p:spPr>
-          <a:xfrm>
-            <a:off x="1371600" y="2286000"/>
-            <a:ext cx="9600840" cy="3580920"/>
-          </a:xfrm>
-          <a:prstGeom prst="rect">
-            <a:avLst/>
-          </a:prstGeom>
-          <a:noFill/>
-          <a:ln w="0">
-            <a:noFill/>
-          </a:ln>
-        </p:spPr>
-        <p:txBody>
-          <a:bodyPr lIns="91440" rIns="91440" tIns="45720" bIns="45720" anchor="t">
-            <a:noAutofit/>
-          </a:bodyPr>
+          <a:lstStyle/>
           <a:p>
             <a:pPr marL="384120" indent="-384120" defTabSz="914400">
               <a:lnSpc>
@@ -4559,21 +4774,21 @@
                 <a:spcPts val="201"/>
               </a:spcAft>
               <a:buClr>
-                <a:srgbClr val="191b0e"/>
+                <a:srgbClr val="191B0E"/>
               </a:buClr>
               <a:buFont typeface="Franklin Gothic Book"/>
               <a:buChar char="■"/>
             </a:pPr>
             <a:r>
-              <a:rPr b="0" lang="fr-FR" sz="2000" spc="-1" strike="noStrike">
+              <a:rPr lang="fr-FR" sz="2000" b="0" strike="noStrike" spc="-1" dirty="0">
                 <a:solidFill>
                   <a:schemeClr val="dk2"/>
                 </a:solidFill>
                 <a:latin typeface="Franklin Gothic Book"/>
               </a:rPr>
-              <a:t>Protocoles et algorithmes que vous utilisez:</a:t>
-            </a:r>
-            <a:endParaRPr b="0" lang="en-US" sz="2000" spc="-1" strike="noStrike">
+              <a:t>Historiquement :</a:t>
+            </a:r>
+            <a:endParaRPr lang="en-US" sz="2000" b="0" strike="noStrike" spc="-1" dirty="0">
               <a:solidFill>
                 <a:schemeClr val="dk2"/>
               </a:solidFill>
@@ -4581,7 +4796,7 @@
             </a:endParaRPr>
           </a:p>
           <a:p>
-            <a:pPr lvl="1" marL="914400" indent="-384120" defTabSz="914400">
+            <a:pPr marL="914400" lvl="1" indent="-384120" defTabSz="914400">
               <a:lnSpc>
                 <a:spcPct val="94000"/>
               </a:lnSpc>
@@ -4592,21 +4807,21 @@
                 <a:spcPts val="201"/>
               </a:spcAft>
               <a:buClr>
-                <a:srgbClr val="191b0e"/>
+                <a:srgbClr val="191B0E"/>
               </a:buClr>
               <a:buFont typeface="Franklin Gothic Book"/>
               <a:buChar char="–"/>
             </a:pPr>
             <a:r>
-              <a:rPr b="0" i="1" lang="fr-FR" sz="2000" spc="-1" strike="noStrike">
+              <a:rPr lang="fr-FR" sz="2000" b="0" i="1" strike="noStrike" spc="-1" dirty="0">
                 <a:solidFill>
                   <a:schemeClr val="dk2"/>
                 </a:solidFill>
                 <a:latin typeface="Franklin Gothic Book"/>
               </a:rPr>
-              <a:t>TLS (HTTPS)</a:t>
-            </a:r>
-            <a:endParaRPr b="0" lang="en-US" sz="2000" spc="-1" strike="noStrike">
+              <a:t>Chiffrement de César</a:t>
+            </a:r>
+            <a:endParaRPr lang="en-US" sz="2000" b="0" strike="noStrike" spc="-1" dirty="0">
               <a:solidFill>
                 <a:schemeClr val="dk2"/>
               </a:solidFill>
@@ -4614,7 +4829,7 @@
             </a:endParaRPr>
           </a:p>
           <a:p>
-            <a:pPr lvl="1" marL="914400" indent="-384120" defTabSz="914400">
+            <a:pPr marL="914400" lvl="1" indent="-384120" defTabSz="914400">
               <a:lnSpc>
                 <a:spcPct val="94000"/>
               </a:lnSpc>
@@ -4625,21 +4840,21 @@
                 <a:spcPts val="201"/>
               </a:spcAft>
               <a:buClr>
-                <a:srgbClr val="191b0e"/>
+                <a:srgbClr val="191B0E"/>
               </a:buClr>
               <a:buFont typeface="Franklin Gothic Book"/>
               <a:buChar char="–"/>
             </a:pPr>
             <a:r>
-              <a:rPr b="0" i="1" lang="fr-FR" sz="2000" spc="-1" strike="noStrike">
+              <a:rPr lang="fr-FR" sz="2000" b="0" i="1" strike="noStrike" spc="-1" dirty="0">
                 <a:solidFill>
                   <a:schemeClr val="dk2"/>
                 </a:solidFill>
                 <a:latin typeface="Franklin Gothic Book"/>
               </a:rPr>
-              <a:t>RSA (Clefs ssh)</a:t>
-            </a:r>
-            <a:endParaRPr b="0" lang="en-US" sz="2000" spc="-1" strike="noStrike">
+              <a:t>Machine Enigma</a:t>
+            </a:r>
+            <a:endParaRPr lang="en-US" sz="2000" b="0" strike="noStrike" spc="-1" dirty="0">
               <a:solidFill>
                 <a:schemeClr val="dk2"/>
               </a:solidFill>
@@ -4647,7 +4862,40 @@
             </a:endParaRPr>
           </a:p>
           <a:p>
-            <a:pPr lvl="1" marL="914400" indent="-384120" defTabSz="914400">
+            <a:pPr marL="384120" indent="-384120" defTabSz="914400">
+              <a:lnSpc>
+                <a:spcPct val="94000"/>
+              </a:lnSpc>
+              <a:spcBef>
+                <a:spcPts val="1001"/>
+              </a:spcBef>
+              <a:spcAft>
+                <a:spcPts val="201"/>
+              </a:spcAft>
+              <a:buClr>
+                <a:srgbClr val="191B0E"/>
+              </a:buClr>
+              <a:buFont typeface="Franklin Gothic Book"/>
+              <a:buChar char="■"/>
+            </a:pPr>
+            <a:r>
+              <a:rPr lang="fr-FR" sz="2000" b="0" strike="noStrike" spc="-1" dirty="0">
+                <a:solidFill>
+                  <a:schemeClr val="dk2"/>
+                </a:solidFill>
+                <a:latin typeface="Franklin Gothic Book"/>
+              </a:rPr>
+              <a:t>Des classiques d’aujourd’hui :</a:t>
+            </a:r>
+            <a:endParaRPr lang="en-US" sz="2000" b="0" strike="noStrike" spc="-1" dirty="0">
+              <a:solidFill>
+                <a:schemeClr val="dk2"/>
+              </a:solidFill>
+              <a:latin typeface="Franklin Gothic Book"/>
+            </a:endParaRPr>
+          </a:p>
+          <a:p>
+            <a:pPr marL="914400" lvl="1" indent="-384120" defTabSz="914400">
               <a:lnSpc>
                 <a:spcPct val="94000"/>
               </a:lnSpc>
@@ -4658,21 +4906,107 @@
                 <a:spcPts val="201"/>
               </a:spcAft>
               <a:buClr>
-                <a:srgbClr val="191b0e"/>
+                <a:srgbClr val="191B0E"/>
               </a:buClr>
               <a:buFont typeface="Franklin Gothic Book"/>
               <a:buChar char="–"/>
             </a:pPr>
             <a:r>
-              <a:rPr b="0" i="1" lang="fr-FR" sz="2000" spc="-1" strike="noStrike">
+              <a:rPr lang="fr-FR" sz="2000" b="0" i="1" strike="noStrike" spc="-1" dirty="0">
                 <a:solidFill>
                   <a:schemeClr val="dk2"/>
                 </a:solidFill>
                 <a:latin typeface="Franklin Gothic Book"/>
               </a:rPr>
-              <a:t>AES (WIFI WPA2)</a:t>
-            </a:r>
-            <a:endParaRPr b="0" lang="en-US" sz="2000" spc="-1" strike="noStrike">
+              <a:t>RSA</a:t>
+            </a:r>
+            <a:endParaRPr lang="en-US" sz="2000" b="0" strike="noStrike" spc="-1" dirty="0">
+              <a:solidFill>
+                <a:schemeClr val="dk2"/>
+              </a:solidFill>
+              <a:latin typeface="Franklin Gothic Book"/>
+            </a:endParaRPr>
+          </a:p>
+          <a:p>
+            <a:pPr marL="914400" lvl="1" indent="-384120" defTabSz="914400">
+              <a:lnSpc>
+                <a:spcPct val="94000"/>
+              </a:lnSpc>
+              <a:spcBef>
+                <a:spcPts val="499"/>
+              </a:spcBef>
+              <a:spcAft>
+                <a:spcPts val="201"/>
+              </a:spcAft>
+              <a:buClr>
+                <a:srgbClr val="191B0E"/>
+              </a:buClr>
+              <a:buFont typeface="Franklin Gothic Book"/>
+              <a:buChar char="–"/>
+            </a:pPr>
+            <a:r>
+              <a:rPr lang="fr-FR" sz="2000" b="0" i="1" strike="noStrike" spc="-1" dirty="0">
+                <a:solidFill>
+                  <a:schemeClr val="dk2"/>
+                </a:solidFill>
+                <a:latin typeface="Franklin Gothic Book"/>
+              </a:rPr>
+              <a:t>OTP</a:t>
+            </a:r>
+            <a:endParaRPr lang="en-US" sz="2000" b="0" strike="noStrike" spc="-1" dirty="0">
+              <a:solidFill>
+                <a:schemeClr val="dk2"/>
+              </a:solidFill>
+              <a:latin typeface="Franklin Gothic Book"/>
+            </a:endParaRPr>
+          </a:p>
+          <a:p>
+            <a:pPr marL="384120" indent="-384120" defTabSz="914400">
+              <a:lnSpc>
+                <a:spcPct val="94000"/>
+              </a:lnSpc>
+              <a:spcBef>
+                <a:spcPts val="1001"/>
+              </a:spcBef>
+              <a:spcAft>
+                <a:spcPts val="201"/>
+              </a:spcAft>
+              <a:buClr>
+                <a:srgbClr val="191B0E"/>
+              </a:buClr>
+              <a:buFont typeface="Franklin Gothic Book"/>
+              <a:buChar char="■"/>
+            </a:pPr>
+            <a:r>
+              <a:rPr lang="fr-FR" sz="2000" b="0" strike="noStrike" spc="-1" dirty="0">
+                <a:solidFill>
+                  <a:schemeClr val="dk2"/>
+                </a:solidFill>
+                <a:latin typeface="Franklin Gothic Book"/>
+              </a:rPr>
+              <a:t>Bientôt l’ère post-quantique...</a:t>
+            </a:r>
+            <a:endParaRPr lang="en-US" sz="2000" b="0" strike="noStrike" spc="-1" dirty="0">
+              <a:solidFill>
+                <a:schemeClr val="dk2"/>
+              </a:solidFill>
+              <a:latin typeface="Franklin Gothic Book"/>
+            </a:endParaRPr>
+          </a:p>
+          <a:p>
+            <a:pPr indent="0" defTabSz="914400">
+              <a:lnSpc>
+                <a:spcPct val="94000"/>
+              </a:lnSpc>
+              <a:spcBef>
+                <a:spcPts val="499"/>
+              </a:spcBef>
+              <a:spcAft>
+                <a:spcPts val="201"/>
+              </a:spcAft>
+              <a:buNone/>
+            </a:pPr>
+            <a:endParaRPr lang="en-US" sz="2000" b="0" strike="noStrike" spc="-1" dirty="0">
               <a:solidFill>
                 <a:schemeClr val="dk2"/>
               </a:solidFill>
@@ -4683,19 +5017,14 @@
       </p:sp>
     </p:spTree>
   </p:cSld>
-  <mc:AlternateContent>
-    <mc:Choice Requires="p14">
-      <p:transition spd="slow" p14:dur="2000"/>
-    </mc:Choice>
-    <mc:Fallback>
-      <p:transition spd="slow"/>
-    </mc:Fallback>
-  </mc:AlternateContent>
+  <p:clrMapOvr>
+    <a:masterClrMapping/>
+  </p:clrMapOvr>
 </p:sld>
 </file>
 
-<file path=ppt/slides/slide6.xml><?xml version="1.0" encoding="utf-8"?>
-<p:sld xmlns:a="http://schemas.openxmlformats.org/drawingml/2006/main" xmlns:p="http://schemas.openxmlformats.org/presentationml/2006/main" xmlns:r="http://schemas.openxmlformats.org/officeDocument/2006/relationships" xmlns:p14="http://schemas.microsoft.com/office/powerpoint/2010/main" xmlns:p15="http://schemas.microsoft.com/office/powerpoint/2012/main" xmlns:mc="http://schemas.openxmlformats.org/markup-compatibility/2006">
+<file path=ppt/slides/slide5.xml><?xml version="1.0" encoding="utf-8"?>
+<p:sld xmlns:a="http://schemas.openxmlformats.org/drawingml/2006/main" xmlns:r="http://schemas.openxmlformats.org/officeDocument/2006/relationships" xmlns:p="http://schemas.openxmlformats.org/presentationml/2006/main">
   <p:cSld>
     <p:spTree>
       <p:nvGrpSpPr>
@@ -4713,7 +5042,7 @@
       </p:grpSpPr>
       <p:sp>
         <p:nvSpPr>
-          <p:cNvPr id="53" name="PlaceHolder 1"/>
+          <p:cNvPr id="51" name="PlaceHolder 1"/>
           <p:cNvSpPr>
             <a:spLocks noGrp="1"/>
           </p:cNvSpPr>
@@ -4723,8 +5052,8 @@
         </p:nvSpPr>
         <p:spPr>
           <a:xfrm>
-            <a:off x="1371600" y="685800"/>
-            <a:ext cx="9600840" cy="1485720"/>
+            <a:off x="4255416" y="495540"/>
+            <a:ext cx="3681167" cy="794208"/>
           </a:xfrm>
           <a:prstGeom prst="rect">
             <a:avLst/>
@@ -4735,30 +5064,31 @@
           </a:ln>
         </p:spPr>
         <p:txBody>
-          <a:bodyPr lIns="91440" rIns="91440" tIns="45720" bIns="45720" anchor="t">
+          <a:bodyPr lIns="91440" tIns="45720" rIns="91440" bIns="45720" anchor="t">
             <a:noAutofit/>
           </a:bodyPr>
+          <a:lstStyle/>
           <a:p>
             <a:pPr marL="857160" indent="-857160" defTabSz="914400">
               <a:lnSpc>
                 <a:spcPct val="89000"/>
               </a:lnSpc>
               <a:buClr>
-                <a:srgbClr val="191b0e"/>
+                <a:srgbClr val="191B0E"/>
               </a:buClr>
               <a:buFont typeface="Franklin Gothic Book"/>
-              <a:buAutoNum type="romanUcPeriod" startAt="3"/>
-            </a:pPr>
-            <a:r>
-              <a:rPr b="0" lang="fr-FR" sz="4400" spc="-1" strike="noStrike">
+              <a:buAutoNum type="romanUcPeriod" startAt="2"/>
+            </a:pPr>
+            <a:r>
+              <a:rPr lang="fr-FR" sz="4400" b="0" strike="noStrike" spc="-1" dirty="0">
                 <a:solidFill>
                   <a:schemeClr val="dk2"/>
                 </a:solidFill>
                 <a:latin typeface="Franklin Gothic Book"/>
               </a:rPr>
-              <a:t>Types de cryptographie</a:t>
-            </a:r>
-            <a:endParaRPr b="0" lang="en-US" sz="4400" spc="-1" strike="noStrike">
+              <a:t>Utilisation</a:t>
+            </a:r>
+            <a:endParaRPr lang="en-US" sz="4400" b="0" strike="noStrike" spc="-1" dirty="0">
               <a:solidFill>
                 <a:schemeClr val="dk1"/>
               </a:solidFill>
@@ -4769,7 +5099,7 @@
       </p:sp>
       <p:sp>
         <p:nvSpPr>
-          <p:cNvPr id="54" name="PlaceHolder 2"/>
+          <p:cNvPr id="52" name="PlaceHolder 2"/>
           <p:cNvSpPr>
             <a:spLocks noGrp="1"/>
           </p:cNvSpPr>
@@ -4779,8 +5109,8 @@
         </p:nvSpPr>
         <p:spPr>
           <a:xfrm>
-            <a:off x="1620000" y="2340000"/>
-            <a:ext cx="5940000" cy="4128480"/>
+            <a:off x="1295580" y="1289748"/>
+            <a:ext cx="9600840" cy="3580920"/>
           </a:xfrm>
           <a:prstGeom prst="rect">
             <a:avLst/>
@@ -4791,9 +5121,10 @@
           </a:ln>
         </p:spPr>
         <p:txBody>
-          <a:bodyPr lIns="91440" rIns="91440" tIns="45720" bIns="45720" anchor="t">
+          <a:bodyPr lIns="91440" tIns="45720" rIns="91440" bIns="45720" anchor="t">
             <a:noAutofit/>
           </a:bodyPr>
+          <a:lstStyle/>
           <a:p>
             <a:pPr marL="384120" indent="-384120" defTabSz="914400">
               <a:lnSpc>
@@ -4806,21 +5137,21 @@
                 <a:spcPts val="201"/>
               </a:spcAft>
               <a:buClr>
-                <a:srgbClr val="191b0e"/>
+                <a:srgbClr val="191B0E"/>
               </a:buClr>
               <a:buFont typeface="Franklin Gothic Book"/>
               <a:buChar char="■"/>
             </a:pPr>
             <a:r>
-              <a:rPr b="0" lang="fr-FR" sz="2000" spc="-1" strike="noStrike">
+              <a:rPr lang="fr-FR" sz="2000" b="0" strike="noStrike" spc="-1" dirty="0">
                 <a:solidFill>
                   <a:schemeClr val="dk2"/>
                 </a:solidFill>
                 <a:latin typeface="Franklin Gothic Book"/>
               </a:rPr>
-              <a:t>Une même clef pour chiffrer et déchirer</a:t>
-            </a:r>
-            <a:endParaRPr b="0" lang="en-US" sz="2000" spc="-1" strike="noStrike">
+              <a:t>Protocoles et algorithmes que vous utilisez:</a:t>
+            </a:r>
+            <a:endParaRPr lang="en-US" sz="2000" b="0" strike="noStrike" spc="-1" dirty="0">
               <a:solidFill>
                 <a:schemeClr val="dk2"/>
               </a:solidFill>
@@ -4828,73 +5159,7 @@
             </a:endParaRPr>
           </a:p>
           <a:p>
-            <a:pPr marL="384120" indent="-384120" defTabSz="914400">
-              <a:lnSpc>
-                <a:spcPct val="94000"/>
-              </a:lnSpc>
-              <a:spcBef>
-                <a:spcPts val="1001"/>
-              </a:spcBef>
-              <a:spcAft>
-                <a:spcPts val="201"/>
-              </a:spcAft>
-              <a:buClr>
-                <a:srgbClr val="191b0e"/>
-              </a:buClr>
-              <a:buFont typeface="Franklin Gothic Book"/>
-              <a:buChar char="■"/>
-            </a:pPr>
-            <a:r>
-              <a:rPr b="0" lang="fr-FR" sz="2000" spc="-1" strike="noStrike">
-                <a:solidFill>
-                  <a:schemeClr val="dk2"/>
-                </a:solidFill>
-                <a:latin typeface="Franklin Gothic Book"/>
-              </a:rPr>
-              <a:t>Demande un canal sûr pour l’échange de la clef</a:t>
-            </a:r>
-            <a:endParaRPr b="0" lang="en-US" sz="2000" spc="-1" strike="noStrike">
-              <a:solidFill>
-                <a:schemeClr val="dk2"/>
-              </a:solidFill>
-              <a:latin typeface="Franklin Gothic Book"/>
-            </a:endParaRPr>
-          </a:p>
-          <a:p>
-            <a:pPr marL="384120" indent="-384120" defTabSz="914400">
-              <a:lnSpc>
-                <a:spcPct val="94000"/>
-              </a:lnSpc>
-              <a:spcBef>
-                <a:spcPts val="1001"/>
-              </a:spcBef>
-              <a:spcAft>
-                <a:spcPts val="201"/>
-              </a:spcAft>
-              <a:buClr>
-                <a:srgbClr val="191b0e"/>
-              </a:buClr>
-              <a:buFont typeface="Franklin Gothic Book"/>
-              <a:buChar char="■"/>
-            </a:pPr>
-            <a:r>
-              <a:rPr b="0" lang="fr-FR" sz="2000" spc="-1" strike="noStrike">
-                <a:solidFill>
-                  <a:schemeClr val="dk2"/>
-                </a:solidFill>
-                <a:latin typeface="Franklin Gothic Book"/>
-              </a:rPr>
-              <a:t>Exemple historique : Vigenère</a:t>
-            </a:r>
-            <a:endParaRPr b="0" lang="en-US" sz="2000" spc="-1" strike="noStrike">
-              <a:solidFill>
-                <a:schemeClr val="dk2"/>
-              </a:solidFill>
-              <a:latin typeface="Franklin Gothic Book"/>
-            </a:endParaRPr>
-          </a:p>
-          <a:p>
-            <a:pPr lvl="1" marL="914400" indent="-384120" defTabSz="914400">
+            <a:pPr marL="914400" lvl="1" indent="-384120" defTabSz="914400">
               <a:lnSpc>
                 <a:spcPct val="94000"/>
               </a:lnSpc>
@@ -4905,21 +5170,21 @@
                 <a:spcPts val="201"/>
               </a:spcAft>
               <a:buClr>
-                <a:srgbClr val="191b0e"/>
+                <a:srgbClr val="191B0E"/>
               </a:buClr>
               <a:buFont typeface="Franklin Gothic Book"/>
               <a:buChar char="–"/>
             </a:pPr>
             <a:r>
-              <a:rPr b="0" i="1" lang="fr-FR" sz="2000" spc="-1" strike="noStrike">
+              <a:rPr lang="fr-FR" sz="2000" b="0" i="1" strike="noStrike" spc="-1" dirty="0">
                 <a:solidFill>
                   <a:schemeClr val="dk2"/>
                 </a:solidFill>
                 <a:latin typeface="Franklin Gothic Book"/>
               </a:rPr>
-              <a:t>Problème : attaque par analyse de fréquence</a:t>
-            </a:r>
-            <a:endParaRPr b="0" lang="en-US" sz="2000" spc="-1" strike="noStrike">
+              <a:t>TLS (HTTPS)</a:t>
+            </a:r>
+            <a:endParaRPr lang="en-US" sz="2000" b="0" strike="noStrike" spc="-1" dirty="0">
               <a:solidFill>
                 <a:schemeClr val="dk2"/>
               </a:solidFill>
@@ -4927,7 +5192,7 @@
             </a:endParaRPr>
           </a:p>
           <a:p>
-            <a:pPr indent="0" defTabSz="914400">
+            <a:pPr marL="914400" lvl="1" indent="-384120" defTabSz="914400">
               <a:lnSpc>
                 <a:spcPct val="94000"/>
               </a:lnSpc>
@@ -4937,122 +5202,91 @@
               <a:spcAft>
                 <a:spcPts val="201"/>
               </a:spcAft>
-              <a:buNone/>
-            </a:pPr>
-            <a:endParaRPr b="0" lang="en-US" sz="2000" spc="-1" strike="noStrike">
-              <a:solidFill>
-                <a:schemeClr val="dk2"/>
-              </a:solidFill>
-              <a:latin typeface="Franklin Gothic Book"/>
-            </a:endParaRPr>
-          </a:p>
-        </p:txBody>
-      </p:sp>
-      <p:sp>
-        <p:nvSpPr>
-          <p:cNvPr id="55" name="ZoneTexte 6"/>
-          <p:cNvSpPr/>
-          <p:nvPr/>
-        </p:nvSpPr>
-        <p:spPr>
-          <a:xfrm>
-            <a:off x="1904040" y="1630800"/>
-            <a:ext cx="6015960" cy="578160"/>
-          </a:xfrm>
-          <a:prstGeom prst="rect">
-            <a:avLst/>
-          </a:prstGeom>
-          <a:noFill/>
-          <a:ln w="0">
-            <a:noFill/>
-          </a:ln>
-        </p:spPr>
-        <p:style>
-          <a:lnRef idx="0"/>
-          <a:fillRef idx="0"/>
-          <a:effectRef idx="0"/>
-          <a:fontRef idx="minor"/>
-        </p:style>
-        <p:txBody>
-          <a:bodyPr lIns="90000" rIns="90000" tIns="45000" bIns="45000" anchor="t">
-            <a:spAutoFit/>
-          </a:bodyPr>
-          <a:p>
-            <a:pPr marL="343080" indent="-343080" defTabSz="457200">
-              <a:lnSpc>
-                <a:spcPct val="100000"/>
-              </a:lnSpc>
               <a:buClr>
-                <a:srgbClr val="000000"/>
+                <a:srgbClr val="191B0E"/>
               </a:buClr>
               <a:buFont typeface="Franklin Gothic Book"/>
-              <a:buAutoNum type="alphaUcPeriod"/>
-            </a:pPr>
-            <a:r>
-              <a:rPr b="0" lang="fr-FR" sz="3200" spc="-1" strike="noStrike">
+              <a:buChar char="–"/>
+            </a:pPr>
+            <a:r>
+              <a:rPr lang="fr-FR" sz="2000" b="0" i="1" strike="noStrike" spc="-1" dirty="0">
                 <a:solidFill>
-                  <a:schemeClr val="dk1"/>
+                  <a:schemeClr val="dk2"/>
                 </a:solidFill>
                 <a:latin typeface="Franklin Gothic Book"/>
               </a:rPr>
-              <a:t> </a:t>
-            </a:r>
-            <a:r>
-              <a:rPr b="0" lang="fr-FR" sz="3200" spc="-1" strike="noStrike">
+              <a:t>RSA (Clefs </a:t>
+            </a:r>
+            <a:r>
+              <a:rPr lang="fr-FR" sz="2000" b="0" i="1" strike="noStrike" spc="-1" dirty="0" err="1">
                 <a:solidFill>
-                  <a:schemeClr val="dk1"/>
+                  <a:schemeClr val="dk2"/>
                 </a:solidFill>
                 <a:latin typeface="Franklin Gothic Book"/>
               </a:rPr>
-              <a:t>Chiffrement symétrique</a:t>
-            </a:r>
-            <a:endParaRPr b="0" lang="fr-FR" sz="3200" spc="-1" strike="noStrike">
-              <a:solidFill>
-                <a:srgbClr val="000000"/>
-              </a:solidFill>
-              <a:latin typeface="Arial"/>
-            </a:endParaRPr>
-          </a:p>
-        </p:txBody>
-      </p:sp>
-      <p:pic>
-        <p:nvPicPr>
-          <p:cNvPr id="56" name="Image 7" descr=""/>
-          <p:cNvPicPr/>
-          <p:nvPr/>
-        </p:nvPicPr>
-        <p:blipFill>
-          <a:blip r:embed="rId1"/>
-          <a:stretch/>
-        </p:blipFill>
-        <p:spPr>
-          <a:xfrm>
-            <a:off x="7530840" y="1923120"/>
-            <a:ext cx="4514400" cy="1809360"/>
-          </a:xfrm>
-          <a:prstGeom prst="rect">
-            <a:avLst/>
-          </a:prstGeom>
-          <a:ln w="0">
-            <a:noFill/>
-          </a:ln>
-        </p:spPr>
-      </p:pic>
+              <a:t>ssh</a:t>
+            </a:r>
+            <a:r>
+              <a:rPr lang="fr-FR" sz="2000" b="0" i="1" strike="noStrike" spc="-1" dirty="0">
+                <a:solidFill>
+                  <a:schemeClr val="dk2"/>
+                </a:solidFill>
+                <a:latin typeface="Franklin Gothic Book"/>
+              </a:rPr>
+              <a:t>)</a:t>
+            </a:r>
+            <a:endParaRPr lang="en-US" sz="2000" b="0" strike="noStrike" spc="-1" dirty="0">
+              <a:solidFill>
+                <a:schemeClr val="dk2"/>
+              </a:solidFill>
+              <a:latin typeface="Franklin Gothic Book"/>
+            </a:endParaRPr>
+          </a:p>
+          <a:p>
+            <a:pPr marL="914400" lvl="1" indent="-384120" defTabSz="914400">
+              <a:lnSpc>
+                <a:spcPct val="94000"/>
+              </a:lnSpc>
+              <a:spcBef>
+                <a:spcPts val="499"/>
+              </a:spcBef>
+              <a:spcAft>
+                <a:spcPts val="201"/>
+              </a:spcAft>
+              <a:buClr>
+                <a:srgbClr val="191B0E"/>
+              </a:buClr>
+              <a:buFont typeface="Franklin Gothic Book"/>
+              <a:buChar char="–"/>
+            </a:pPr>
+            <a:r>
+              <a:rPr lang="fr-FR" sz="2000" b="0" i="1" strike="noStrike" spc="-1" dirty="0">
+                <a:solidFill>
+                  <a:schemeClr val="dk2"/>
+                </a:solidFill>
+                <a:latin typeface="Franklin Gothic Book"/>
+              </a:rPr>
+              <a:t>AES (WIFI WPA2)</a:t>
+            </a:r>
+            <a:endParaRPr lang="en-US" sz="2000" b="0" strike="noStrike" spc="-1" dirty="0">
+              <a:solidFill>
+                <a:schemeClr val="dk2"/>
+              </a:solidFill>
+              <a:latin typeface="Franklin Gothic Book"/>
+            </a:endParaRPr>
+          </a:p>
+        </p:txBody>
+      </p:sp>
     </p:spTree>
   </p:cSld>
-  <mc:AlternateContent>
-    <mc:Choice Requires="p14">
-      <p:transition spd="slow" p14:dur="2000"/>
-    </mc:Choice>
-    <mc:Fallback>
-      <p:transition spd="slow"/>
-    </mc:Fallback>
-  </mc:AlternateContent>
+  <p:clrMapOvr>
+    <a:masterClrMapping/>
+  </p:clrMapOvr>
 </p:sld>
 </file>
 
-<file path=ppt/slides/slide7.xml><?xml version="1.0" encoding="utf-8"?>
-<p:sld xmlns:a="http://schemas.openxmlformats.org/drawingml/2006/main" xmlns:p="http://schemas.openxmlformats.org/presentationml/2006/main" xmlns:r="http://schemas.openxmlformats.org/officeDocument/2006/relationships" xmlns:p14="http://schemas.microsoft.com/office/powerpoint/2010/main" xmlns:p15="http://schemas.microsoft.com/office/powerpoint/2012/main" xmlns:mc="http://schemas.openxmlformats.org/markup-compatibility/2006">
+<file path=ppt/slides/slide6.xml><?xml version="1.0" encoding="utf-8"?>
+<p:sld xmlns:a="http://schemas.openxmlformats.org/drawingml/2006/main" xmlns:r="http://schemas.openxmlformats.org/officeDocument/2006/relationships" xmlns:p="http://schemas.openxmlformats.org/presentationml/2006/main">
   <p:cSld>
     <p:spTree>
       <p:nvGrpSpPr>
@@ -5070,14 +5304,253 @@
       </p:grpSpPr>
       <p:sp>
         <p:nvSpPr>
-          <p:cNvPr id="57" name="Espace réservé du contenu 4"/>
+          <p:cNvPr id="53" name="PlaceHolder 1"/>
+          <p:cNvSpPr>
+            <a:spLocks noGrp="1"/>
+          </p:cNvSpPr>
+          <p:nvPr>
+            <p:ph type="title"/>
+          </p:nvPr>
+        </p:nvSpPr>
+        <p:spPr>
+          <a:xfrm>
+            <a:off x="4180788" y="516118"/>
+            <a:ext cx="6735451" cy="841342"/>
+          </a:xfrm>
+          <a:prstGeom prst="rect">
+            <a:avLst/>
+          </a:prstGeom>
+          <a:noFill/>
+          <a:ln w="0">
+            <a:noFill/>
+          </a:ln>
+        </p:spPr>
+        <p:txBody>
+          <a:bodyPr lIns="91440" tIns="45720" rIns="91440" bIns="45720" anchor="t">
+            <a:noAutofit/>
+          </a:bodyPr>
+          <a:lstStyle/>
+          <a:p>
+            <a:pPr marL="857160" indent="-857160" defTabSz="914400">
+              <a:lnSpc>
+                <a:spcPct val="89000"/>
+              </a:lnSpc>
+              <a:buClr>
+                <a:srgbClr val="191B0E"/>
+              </a:buClr>
+              <a:buFont typeface="Franklin Gothic Book"/>
+              <a:buAutoNum type="romanUcPeriod" startAt="3"/>
+            </a:pPr>
+            <a:r>
+              <a:rPr lang="fr-FR" sz="4400" b="0" strike="noStrike" spc="-1" dirty="0">
+                <a:solidFill>
+                  <a:schemeClr val="dk2"/>
+                </a:solidFill>
+                <a:latin typeface="Franklin Gothic Book"/>
+              </a:rPr>
+              <a:t>Types de cryptographie</a:t>
+            </a:r>
+            <a:endParaRPr lang="en-US" sz="4400" b="0" strike="noStrike" spc="-1" dirty="0">
+              <a:solidFill>
+                <a:schemeClr val="dk1"/>
+              </a:solidFill>
+              <a:latin typeface="Franklin Gothic Book"/>
+            </a:endParaRPr>
+          </a:p>
+        </p:txBody>
+      </p:sp>
+      <p:sp>
+        <p:nvSpPr>
+          <p:cNvPr id="54" name="PlaceHolder 2"/>
+          <p:cNvSpPr>
+            <a:spLocks noGrp="1"/>
+          </p:cNvSpPr>
+          <p:nvPr>
+            <p:ph/>
+          </p:nvPr>
+        </p:nvSpPr>
+        <p:spPr>
+          <a:xfrm>
+            <a:off x="1620000" y="2340000"/>
+            <a:ext cx="5940000" cy="2203720"/>
+          </a:xfrm>
+          <a:prstGeom prst="rect">
+            <a:avLst/>
+          </a:prstGeom>
+          <a:noFill/>
+          <a:ln w="0">
+            <a:noFill/>
+          </a:ln>
+        </p:spPr>
+        <p:txBody>
+          <a:bodyPr lIns="91440" tIns="45720" rIns="91440" bIns="45720" anchor="t">
+            <a:noAutofit/>
+          </a:bodyPr>
+          <a:lstStyle/>
+          <a:p>
+            <a:pPr marL="384120" indent="-384120" defTabSz="914400">
+              <a:lnSpc>
+                <a:spcPct val="94000"/>
+              </a:lnSpc>
+              <a:spcBef>
+                <a:spcPts val="1001"/>
+              </a:spcBef>
+              <a:spcAft>
+                <a:spcPts val="201"/>
+              </a:spcAft>
+              <a:buClr>
+                <a:srgbClr val="191B0E"/>
+              </a:buClr>
+              <a:buFont typeface="Franklin Gothic Book"/>
+              <a:buChar char="■"/>
+            </a:pPr>
+            <a:r>
+              <a:rPr lang="fr-FR" sz="2000" b="0" strike="noStrike" spc="-1" dirty="0">
+                <a:solidFill>
+                  <a:schemeClr val="dk2"/>
+                </a:solidFill>
+                <a:latin typeface="Franklin Gothic Book"/>
+              </a:rPr>
+              <a:t>Une même clef pour chiffrer et déchirer</a:t>
+            </a:r>
+            <a:endParaRPr lang="en-US" sz="2000" b="0" strike="noStrike" spc="-1" dirty="0">
+              <a:solidFill>
+                <a:schemeClr val="dk2"/>
+              </a:solidFill>
+              <a:latin typeface="Franklin Gothic Book"/>
+            </a:endParaRPr>
+          </a:p>
+          <a:p>
+            <a:pPr marL="384120" indent="-384120" defTabSz="914400">
+              <a:lnSpc>
+                <a:spcPct val="94000"/>
+              </a:lnSpc>
+              <a:spcBef>
+                <a:spcPts val="1001"/>
+              </a:spcBef>
+              <a:spcAft>
+                <a:spcPts val="201"/>
+              </a:spcAft>
+              <a:buClr>
+                <a:srgbClr val="191B0E"/>
+              </a:buClr>
+              <a:buFont typeface="Franklin Gothic Book"/>
+              <a:buChar char="■"/>
+            </a:pPr>
+            <a:r>
+              <a:rPr lang="fr-FR" sz="2000" b="0" strike="noStrike" spc="-1" dirty="0">
+                <a:solidFill>
+                  <a:schemeClr val="dk2"/>
+                </a:solidFill>
+                <a:latin typeface="Franklin Gothic Book"/>
+              </a:rPr>
+              <a:t>Demande un canal sûr pour l’échange de la clef</a:t>
+            </a:r>
+            <a:endParaRPr lang="en-US" sz="2000" b="0" strike="noStrike" spc="-1" dirty="0">
+              <a:solidFill>
+                <a:schemeClr val="dk2"/>
+              </a:solidFill>
+              <a:latin typeface="Franklin Gothic Book"/>
+            </a:endParaRPr>
+          </a:p>
+          <a:p>
+            <a:pPr marL="384120" indent="-384120" defTabSz="914400">
+              <a:lnSpc>
+                <a:spcPct val="94000"/>
+              </a:lnSpc>
+              <a:spcBef>
+                <a:spcPts val="1001"/>
+              </a:spcBef>
+              <a:spcAft>
+                <a:spcPts val="201"/>
+              </a:spcAft>
+              <a:buClr>
+                <a:srgbClr val="191B0E"/>
+              </a:buClr>
+              <a:buFont typeface="Franklin Gothic Book"/>
+              <a:buChar char="■"/>
+            </a:pPr>
+            <a:r>
+              <a:rPr lang="fr-FR" sz="2000" b="0" strike="noStrike" spc="-1" dirty="0">
+                <a:solidFill>
+                  <a:schemeClr val="dk2"/>
+                </a:solidFill>
+                <a:latin typeface="Franklin Gothic Book"/>
+              </a:rPr>
+              <a:t>Exemple historique : Vigenère</a:t>
+            </a:r>
+            <a:endParaRPr lang="en-US" sz="2000" b="0" strike="noStrike" spc="-1" dirty="0">
+              <a:solidFill>
+                <a:schemeClr val="dk2"/>
+              </a:solidFill>
+              <a:latin typeface="Franklin Gothic Book"/>
+            </a:endParaRPr>
+          </a:p>
+          <a:p>
+            <a:pPr marL="914400" lvl="1" indent="-384120" defTabSz="914400">
+              <a:lnSpc>
+                <a:spcPct val="94000"/>
+              </a:lnSpc>
+              <a:spcBef>
+                <a:spcPts val="499"/>
+              </a:spcBef>
+              <a:spcAft>
+                <a:spcPts val="201"/>
+              </a:spcAft>
+              <a:buClr>
+                <a:srgbClr val="191B0E"/>
+              </a:buClr>
+              <a:buFont typeface="Franklin Gothic Book"/>
+              <a:buChar char="–"/>
+            </a:pPr>
+            <a:r>
+              <a:rPr lang="fr-FR" sz="2000" b="0" i="1" strike="noStrike" spc="-1" dirty="0">
+                <a:solidFill>
+                  <a:schemeClr val="dk2"/>
+                </a:solidFill>
+                <a:latin typeface="Franklin Gothic Book"/>
+              </a:rPr>
+              <a:t>Problème : attaque par analyse de fréquence</a:t>
+            </a:r>
+            <a:endParaRPr lang="en-US" sz="2000" b="0" strike="noStrike" spc="-1" dirty="0">
+              <a:solidFill>
+                <a:schemeClr val="dk2"/>
+              </a:solidFill>
+              <a:latin typeface="Franklin Gothic Book"/>
+            </a:endParaRPr>
+          </a:p>
+          <a:p>
+            <a:pPr indent="0" defTabSz="914400">
+              <a:lnSpc>
+                <a:spcPct val="94000"/>
+              </a:lnSpc>
+              <a:spcBef>
+                <a:spcPts val="499"/>
+              </a:spcBef>
+              <a:spcAft>
+                <a:spcPts val="201"/>
+              </a:spcAft>
+              <a:buNone/>
+            </a:pPr>
+            <a:endParaRPr lang="en-US" sz="2000" b="0" strike="noStrike" spc="-1" dirty="0">
+              <a:solidFill>
+                <a:schemeClr val="dk2"/>
+              </a:solidFill>
+              <a:latin typeface="Franklin Gothic Book"/>
+            </a:endParaRPr>
+          </a:p>
+        </p:txBody>
+      </p:sp>
+      <p:sp>
+        <p:nvSpPr>
+          <p:cNvPr id="55" name="ZoneTexte 6"/>
           <p:cNvSpPr/>
           <p:nvPr/>
         </p:nvSpPr>
         <p:spPr>
           <a:xfrm>
-            <a:off x="2403720" y="659880"/>
-            <a:ext cx="8709840" cy="4128480"/>
+            <a:off x="1904040" y="1559650"/>
+            <a:ext cx="6015960" cy="578160"/>
           </a:xfrm>
           <a:prstGeom prst="rect">
             <a:avLst/>
@@ -5088,15 +5561,135 @@
           </a:ln>
         </p:spPr>
         <p:style>
-          <a:lnRef idx="0"/>
-          <a:fillRef idx="0"/>
-          <a:effectRef idx="0"/>
+          <a:lnRef idx="0">
+            <a:scrgbClr r="0" g="0" b="0"/>
+          </a:lnRef>
+          <a:fillRef idx="0">
+            <a:scrgbClr r="0" g="0" b="0"/>
+          </a:fillRef>
+          <a:effectRef idx="0">
+            <a:scrgbClr r="0" g="0" b="0"/>
+          </a:effectRef>
           <a:fontRef idx="minor"/>
         </p:style>
         <p:txBody>
-          <a:bodyPr lIns="90000" rIns="90000" tIns="45000" bIns="45000" anchor="t">
+          <a:bodyPr lIns="90000" tIns="45000" rIns="90000" bIns="45000" anchor="t">
+            <a:spAutoFit/>
+          </a:bodyPr>
+          <a:lstStyle/>
+          <a:p>
+            <a:pPr marL="343080" indent="-343080" defTabSz="457200">
+              <a:lnSpc>
+                <a:spcPct val="100000"/>
+              </a:lnSpc>
+              <a:buClr>
+                <a:srgbClr val="000000"/>
+              </a:buClr>
+              <a:buFont typeface="Franklin Gothic Book"/>
+              <a:buAutoNum type="alphaUcPeriod"/>
+            </a:pPr>
+            <a:r>
+              <a:rPr lang="fr-FR" sz="3200" b="0" strike="noStrike" spc="-1" dirty="0">
+                <a:solidFill>
+                  <a:schemeClr val="dk1"/>
+                </a:solidFill>
+                <a:latin typeface="Franklin Gothic Book"/>
+              </a:rPr>
+              <a:t> Chiffrement symétrique</a:t>
+            </a:r>
+            <a:endParaRPr lang="fr-FR" sz="3200" b="0" strike="noStrike" spc="-1" dirty="0">
+              <a:solidFill>
+                <a:srgbClr val="000000"/>
+              </a:solidFill>
+              <a:latin typeface="Arial"/>
+            </a:endParaRPr>
+          </a:p>
+        </p:txBody>
+      </p:sp>
+      <p:pic>
+        <p:nvPicPr>
+          <p:cNvPr id="56" name="Image 7"/>
+          <p:cNvPicPr/>
+          <p:nvPr/>
+        </p:nvPicPr>
+        <p:blipFill>
+          <a:blip r:embed="rId2"/>
+          <a:stretch/>
+        </p:blipFill>
+        <p:spPr>
+          <a:xfrm>
+            <a:off x="2544061" y="4827600"/>
+            <a:ext cx="4514400" cy="1809360"/>
+          </a:xfrm>
+          <a:prstGeom prst="rect">
+            <a:avLst/>
+          </a:prstGeom>
+          <a:ln w="0">
+            <a:noFill/>
+          </a:ln>
+        </p:spPr>
+      </p:pic>
+    </p:spTree>
+  </p:cSld>
+  <p:clrMapOvr>
+    <a:masterClrMapping/>
+  </p:clrMapOvr>
+</p:sld>
+</file>
+
+<file path=ppt/slides/slide7.xml><?xml version="1.0" encoding="utf-8"?>
+<p:sld xmlns:a="http://schemas.openxmlformats.org/drawingml/2006/main" xmlns:r="http://schemas.openxmlformats.org/officeDocument/2006/relationships" xmlns:p="http://schemas.openxmlformats.org/presentationml/2006/main">
+  <p:cSld>
+    <p:spTree>
+      <p:nvGrpSpPr>
+        <p:cNvPr id="1" name=""/>
+        <p:cNvGrpSpPr/>
+        <p:nvPr/>
+      </p:nvGrpSpPr>
+      <p:grpSpPr>
+        <a:xfrm>
+          <a:off x="0" y="0"/>
+          <a:ext cx="0" cy="0"/>
+          <a:chOff x="0" y="0"/>
+          <a:chExt cx="0" cy="0"/>
+        </a:xfrm>
+      </p:grpSpPr>
+      <p:sp>
+        <p:nvSpPr>
+          <p:cNvPr id="57" name="Espace réservé du contenu 4"/>
+          <p:cNvSpPr/>
+          <p:nvPr/>
+        </p:nvSpPr>
+        <p:spPr>
+          <a:xfrm>
+            <a:off x="1395052" y="1299960"/>
+            <a:ext cx="8022325" cy="2064240"/>
+          </a:xfrm>
+          <a:prstGeom prst="rect">
+            <a:avLst/>
+          </a:prstGeom>
+          <a:noFill/>
+          <a:ln w="0">
+            <a:noFill/>
+          </a:ln>
+        </p:spPr>
+        <p:style>
+          <a:lnRef idx="0">
+            <a:scrgbClr r="0" g="0" b="0"/>
+          </a:lnRef>
+          <a:fillRef idx="0">
+            <a:scrgbClr r="0" g="0" b="0"/>
+          </a:fillRef>
+          <a:effectRef idx="0">
+            <a:scrgbClr r="0" g="0" b="0"/>
+          </a:effectRef>
+          <a:fontRef idx="minor"/>
+        </p:style>
+        <p:txBody>
+          <a:bodyPr lIns="90000" tIns="45000" rIns="90000" bIns="45000" anchor="t">
             <a:noAutofit/>
           </a:bodyPr>
+          <a:lstStyle/>
           <a:p>
             <a:pPr marL="384120" indent="-384120" defTabSz="914400">
               <a:lnSpc>
@@ -5109,13 +5702,13 @@
                 <a:spcPts val="201"/>
               </a:spcAft>
               <a:buClr>
-                <a:srgbClr val="191b0e"/>
+                <a:srgbClr val="191B0E"/>
               </a:buClr>
               <a:buFont typeface="Franklin Gothic Book"/>
               <a:buChar char="■"/>
             </a:pPr>
             <a:r>
-              <a:rPr b="0" lang="fr-FR" sz="2000" spc="-1" strike="noStrike">
+              <a:rPr lang="fr-FR" sz="2000" b="0" strike="noStrike" spc="-1" dirty="0">
                 <a:solidFill>
                   <a:schemeClr val="dk2"/>
                 </a:solidFill>
@@ -5123,7 +5716,7 @@
               </a:rPr>
               <a:t>Exemple de chiffre parfait (OTP) :</a:t>
             </a:r>
-            <a:endParaRPr b="0" lang="fr-FR" sz="2000" spc="-1" strike="noStrike">
+            <a:endParaRPr lang="fr-FR" sz="2000" b="0" strike="noStrike" spc="-1" dirty="0">
               <a:solidFill>
                 <a:srgbClr val="000000"/>
               </a:solidFill>
@@ -5131,7 +5724,7 @@
             </a:endParaRPr>
           </a:p>
           <a:p>
-            <a:pPr lvl="1" marL="914400" indent="-384120" defTabSz="914400">
+            <a:pPr marL="914400" lvl="1" indent="-384120" defTabSz="914400">
               <a:lnSpc>
                 <a:spcPct val="94000"/>
               </a:lnSpc>
@@ -5142,13 +5735,13 @@
                 <a:spcPts val="201"/>
               </a:spcAft>
               <a:buClr>
-                <a:srgbClr val="191b0e"/>
+                <a:srgbClr val="191B0E"/>
               </a:buClr>
               <a:buFont typeface="Franklin Gothic Book"/>
               <a:buChar char="–"/>
             </a:pPr>
             <a:r>
-              <a:rPr b="0" i="1" lang="fr-FR" sz="2000" spc="-1" strike="noStrike">
+              <a:rPr lang="fr-FR" sz="2000" b="0" i="1" strike="noStrike" spc="-1" dirty="0">
                 <a:solidFill>
                   <a:schemeClr val="dk2"/>
                 </a:solidFill>
@@ -5156,7 +5749,7 @@
               </a:rPr>
               <a:t>Clef de la taille du message</a:t>
             </a:r>
-            <a:endParaRPr b="0" lang="fr-FR" sz="2000" spc="-1" strike="noStrike">
+            <a:endParaRPr lang="fr-FR" sz="2000" b="0" strike="noStrike" spc="-1" dirty="0">
               <a:solidFill>
                 <a:srgbClr val="000000"/>
               </a:solidFill>
@@ -5164,7 +5757,7 @@
             </a:endParaRPr>
           </a:p>
           <a:p>
-            <a:pPr lvl="1" marL="914400" indent="-384120" defTabSz="914400">
+            <a:pPr marL="914400" lvl="1" indent="-384120" defTabSz="914400">
               <a:lnSpc>
                 <a:spcPct val="94000"/>
               </a:lnSpc>
@@ -5175,13 +5768,13 @@
                 <a:spcPts val="201"/>
               </a:spcAft>
               <a:buClr>
-                <a:srgbClr val="191b0e"/>
+                <a:srgbClr val="191B0E"/>
               </a:buClr>
               <a:buFont typeface="Franklin Gothic Book"/>
               <a:buChar char="–"/>
             </a:pPr>
             <a:r>
-              <a:rPr b="0" i="1" lang="fr-FR" sz="2000" spc="-1" strike="noStrike">
+              <a:rPr lang="fr-FR" sz="2000" b="0" i="1" strike="noStrike" spc="-1" dirty="0">
                 <a:solidFill>
                   <a:schemeClr val="dk2"/>
                 </a:solidFill>
@@ -5189,7 +5782,7 @@
               </a:rPr>
               <a:t>Clef parfaitement aléatoire</a:t>
             </a:r>
-            <a:endParaRPr b="0" lang="fr-FR" sz="2000" spc="-1" strike="noStrike">
+            <a:endParaRPr lang="fr-FR" sz="2000" b="0" strike="noStrike" spc="-1" dirty="0">
               <a:solidFill>
                 <a:srgbClr val="000000"/>
               </a:solidFill>
@@ -5197,7 +5790,7 @@
             </a:endParaRPr>
           </a:p>
           <a:p>
-            <a:pPr lvl="1" marL="914400" indent="-384120" defTabSz="914400">
+            <a:pPr marL="914400" lvl="1" indent="-384120" defTabSz="914400">
               <a:lnSpc>
                 <a:spcPct val="94000"/>
               </a:lnSpc>
@@ -5208,13 +5801,13 @@
                 <a:spcPts val="201"/>
               </a:spcAft>
               <a:buClr>
-                <a:srgbClr val="191b0e"/>
+                <a:srgbClr val="191B0E"/>
               </a:buClr>
               <a:buFont typeface="Franklin Gothic Book"/>
               <a:buChar char="–"/>
             </a:pPr>
             <a:r>
-              <a:rPr b="0" i="1" lang="fr-FR" sz="2000" spc="-1" strike="noStrike">
+              <a:rPr lang="fr-FR" sz="2000" b="0" i="1" strike="noStrike" spc="-1" dirty="0">
                 <a:solidFill>
                   <a:schemeClr val="dk2"/>
                 </a:solidFill>
@@ -5222,7 +5815,7 @@
               </a:rPr>
               <a:t>Clef utilisée une seule fois</a:t>
             </a:r>
-            <a:endParaRPr b="0" lang="fr-FR" sz="2000" spc="-1" strike="noStrike">
+            <a:endParaRPr lang="fr-FR" sz="2000" b="0" strike="noStrike" spc="-1" dirty="0">
               <a:solidFill>
                 <a:srgbClr val="000000"/>
               </a:solidFill>
@@ -5230,7 +5823,7 @@
             </a:endParaRPr>
           </a:p>
           <a:p>
-            <a:pPr lvl="1" marL="914400" indent="-384120" defTabSz="914400">
+            <a:pPr marL="914400" lvl="1" indent="-384120" defTabSz="914400">
               <a:lnSpc>
                 <a:spcPct val="94000"/>
               </a:lnSpc>
@@ -5241,13 +5834,13 @@
                 <a:spcPts val="201"/>
               </a:spcAft>
               <a:buClr>
-                <a:srgbClr val="191b0e"/>
+                <a:srgbClr val="191B0E"/>
               </a:buClr>
               <a:buFont typeface="Franklin Gothic Book"/>
               <a:buChar char="–"/>
             </a:pPr>
             <a:r>
-              <a:rPr b="0" i="1" lang="fr-FR" sz="2000" spc="-1" strike="noStrike">
+              <a:rPr lang="fr-FR" sz="2000" b="0" i="1" strike="noStrike" spc="-1" dirty="0">
                 <a:solidFill>
                   <a:schemeClr val="dk2"/>
                 </a:solidFill>
@@ -5255,7 +5848,7 @@
               </a:rPr>
               <a:t>XOR de la clef et du message pour obtenir le chiffré</a:t>
             </a:r>
-            <a:endParaRPr b="0" lang="fr-FR" sz="2000" spc="-1" strike="noStrike">
+            <a:endParaRPr lang="fr-FR" sz="2000" b="0" strike="noStrike" spc="-1" dirty="0">
               <a:solidFill>
                 <a:srgbClr val="000000"/>
               </a:solidFill>
@@ -5274,7 +5867,7 @@
                 <a:spcPts val="201"/>
               </a:spcAft>
             </a:pPr>
-            <a:endParaRPr b="0" lang="fr-FR" sz="2000" spc="-1" strike="noStrike">
+            <a:endParaRPr lang="fr-FR" sz="2000" b="0" strike="noStrike" spc="-1" dirty="0">
               <a:solidFill>
                 <a:srgbClr val="000000"/>
               </a:solidFill>
@@ -5285,17 +5878,17 @@
       </p:sp>
       <p:pic>
         <p:nvPicPr>
-          <p:cNvPr id="58" name="Image 3" descr=""/>
+          <p:cNvPr id="58" name="Image 3"/>
           <p:cNvPicPr/>
           <p:nvPr/>
         </p:nvPicPr>
         <p:blipFill>
-          <a:blip r:embed="rId1"/>
+          <a:blip r:embed="rId2"/>
           <a:stretch/>
         </p:blipFill>
         <p:spPr>
           <a:xfrm>
-            <a:off x="2160000" y="3493800"/>
+            <a:off x="1549647" y="3295800"/>
             <a:ext cx="2733840" cy="2262240"/>
           </a:xfrm>
           <a:prstGeom prst="rect">
@@ -5313,12 +5906,12 @@
           <p:nvPr/>
         </p:nvPicPr>
         <p:blipFill>
-          <a:blip r:embed="rId2"/>
+          <a:blip r:embed="rId3"/>
           <a:stretch/>
         </p:blipFill>
         <p:spPr>
           <a:xfrm>
-            <a:off x="6131880" y="3493800"/>
+            <a:off x="4840407" y="3295800"/>
             <a:ext cx="4509360" cy="2262240"/>
           </a:xfrm>
           <a:prstGeom prst="rect">
@@ -5337,7 +5930,7 @@
         </p:nvSpPr>
         <p:spPr>
           <a:xfrm>
-            <a:off x="2160000" y="5756040"/>
+            <a:off x="1549647" y="5558040"/>
             <a:ext cx="2585520" cy="363960"/>
           </a:xfrm>
           <a:prstGeom prst="rect">
@@ -5349,15 +5942,22 @@
           </a:ln>
         </p:spPr>
         <p:style>
-          <a:lnRef idx="0"/>
-          <a:fillRef idx="0"/>
-          <a:effectRef idx="0"/>
+          <a:lnRef idx="0">
+            <a:scrgbClr r="0" g="0" b="0"/>
+          </a:lnRef>
+          <a:fillRef idx="0">
+            <a:scrgbClr r="0" g="0" b="0"/>
+          </a:fillRef>
+          <a:effectRef idx="0">
+            <a:scrgbClr r="0" g="0" b="0"/>
+          </a:effectRef>
           <a:fontRef idx="minor"/>
         </p:style>
         <p:txBody>
-          <a:bodyPr lIns="90000" rIns="90000" tIns="45000" bIns="45000" anchor="t">
+          <a:bodyPr lIns="90000" tIns="45000" rIns="90000" bIns="45000" anchor="t">
             <a:spAutoFit/>
           </a:bodyPr>
+          <a:lstStyle/>
           <a:p>
             <a:pPr defTabSz="457200">
               <a:lnSpc>
@@ -5365,7 +5965,7 @@
               </a:lnSpc>
             </a:pPr>
             <a:r>
-              <a:rPr b="0" i="1" lang="fr-FR" sz="1800" spc="-1" strike="noStrike">
+              <a:rPr lang="fr-FR" sz="1800" b="0" i="1" strike="noStrike" spc="-1" dirty="0">
                 <a:solidFill>
                   <a:schemeClr val="dk1">
                     <a:lumMod val="75000"/>
@@ -5376,7 +5976,7 @@
               </a:rPr>
               <a:t>Illustration du XOR</a:t>
             </a:r>
-            <a:endParaRPr b="0" lang="fr-FR" sz="1800" spc="-1" strike="noStrike">
+            <a:endParaRPr lang="fr-FR" sz="1800" b="0" strike="noStrike" spc="-1" dirty="0">
               <a:solidFill>
                 <a:srgbClr val="000000"/>
               </a:solidFill>
@@ -5393,7 +5993,7 @@
         </p:nvSpPr>
         <p:spPr>
           <a:xfrm>
-            <a:off x="6131880" y="5756040"/>
+            <a:off x="4840407" y="5558040"/>
             <a:ext cx="2585520" cy="363960"/>
           </a:xfrm>
           <a:prstGeom prst="rect">
@@ -5405,15 +6005,22 @@
           </a:ln>
         </p:spPr>
         <p:style>
-          <a:lnRef idx="0"/>
-          <a:fillRef idx="0"/>
-          <a:effectRef idx="0"/>
+          <a:lnRef idx="0">
+            <a:scrgbClr r="0" g="0" b="0"/>
+          </a:lnRef>
+          <a:fillRef idx="0">
+            <a:scrgbClr r="0" g="0" b="0"/>
+          </a:fillRef>
+          <a:effectRef idx="0">
+            <a:scrgbClr r="0" g="0" b="0"/>
+          </a:effectRef>
           <a:fontRef idx="minor"/>
         </p:style>
         <p:txBody>
-          <a:bodyPr lIns="90000" rIns="90000" tIns="45000" bIns="45000" anchor="t">
+          <a:bodyPr lIns="90000" tIns="45000" rIns="90000" bIns="45000" anchor="t">
             <a:spAutoFit/>
           </a:bodyPr>
+          <a:lstStyle/>
           <a:p>
             <a:pPr defTabSz="457200">
               <a:lnSpc>
@@ -5421,7 +6028,7 @@
               </a:lnSpc>
             </a:pPr>
             <a:r>
-              <a:rPr b="0" i="1" lang="fr-FR" sz="1800" spc="-1" strike="noStrike">
+              <a:rPr lang="fr-FR" sz="1800" b="0" i="1" strike="noStrike" spc="-1">
                 <a:solidFill>
                   <a:schemeClr val="dk1">
                     <a:lumMod val="75000"/>
@@ -5432,7 +6039,7 @@
               </a:rPr>
               <a:t>Illustration de l’OTP</a:t>
             </a:r>
-            <a:endParaRPr b="0" lang="fr-FR" sz="1800" spc="-1" strike="noStrike">
+            <a:endParaRPr lang="fr-FR" sz="1800" b="0" strike="noStrike" spc="-1">
               <a:solidFill>
                 <a:srgbClr val="000000"/>
               </a:solidFill>
@@ -5443,66 +6050,1284 @@
       </p:sp>
     </p:spTree>
   </p:cSld>
-  <mc:AlternateContent>
-    <mc:Choice Requires="p14">
-      <p:transition spd="slow" p14:dur="2000"/>
-    </mc:Choice>
-    <mc:Fallback>
-      <p:transition spd="slow"/>
-    </mc:Fallback>
-  </mc:AlternateContent>
+  <p:clrMapOvr>
+    <a:masterClrMapping/>
+  </p:clrMapOvr>
+</p:sld>
+</file>
+
+<file path=ppt/slides/slide8.xml><?xml version="1.0" encoding="utf-8"?>
+<p:sld xmlns:a="http://schemas.openxmlformats.org/drawingml/2006/main" xmlns:r="http://schemas.openxmlformats.org/officeDocument/2006/relationships" xmlns:p="http://schemas.openxmlformats.org/presentationml/2006/main">
+  <p:cSld>
+    <p:spTree>
+      <p:nvGrpSpPr>
+        <p:cNvPr id="1" name=""/>
+        <p:cNvGrpSpPr/>
+        <p:nvPr/>
+      </p:nvGrpSpPr>
+      <p:grpSpPr>
+        <a:xfrm>
+          <a:off x="0" y="0"/>
+          <a:ext cx="0" cy="0"/>
+          <a:chOff x="0" y="0"/>
+          <a:chExt cx="0" cy="0"/>
+        </a:xfrm>
+      </p:grpSpPr>
+      <p:sp>
+        <p:nvSpPr>
+          <p:cNvPr id="4" name="ZoneTexte 6">
+            <a:extLst>
+              <a:ext uri="{FF2B5EF4-FFF2-40B4-BE49-F238E27FC236}">
+                <a16:creationId xmlns:a16="http://schemas.microsoft.com/office/drawing/2014/main" id="{C3A74A05-8184-3719-E662-C900961F5404}"/>
+              </a:ext>
+            </a:extLst>
+          </p:cNvPr>
+          <p:cNvSpPr/>
+          <p:nvPr/>
+        </p:nvSpPr>
+        <p:spPr>
+          <a:xfrm>
+            <a:off x="1904040" y="1559650"/>
+            <a:ext cx="6015960" cy="578160"/>
+          </a:xfrm>
+          <a:prstGeom prst="rect">
+            <a:avLst/>
+          </a:prstGeom>
+          <a:noFill/>
+          <a:ln w="0">
+            <a:noFill/>
+          </a:ln>
+        </p:spPr>
+        <p:style>
+          <a:lnRef idx="0">
+            <a:scrgbClr r="0" g="0" b="0"/>
+          </a:lnRef>
+          <a:fillRef idx="0">
+            <a:scrgbClr r="0" g="0" b="0"/>
+          </a:fillRef>
+          <a:effectRef idx="0">
+            <a:scrgbClr r="0" g="0" b="0"/>
+          </a:effectRef>
+          <a:fontRef idx="minor"/>
+        </p:style>
+        <p:txBody>
+          <a:bodyPr lIns="90000" tIns="45000" rIns="90000" bIns="45000" anchor="t">
+            <a:spAutoFit/>
+          </a:bodyPr>
+          <a:lstStyle/>
+          <a:p>
+            <a:pPr marL="514350" indent="-514350" defTabSz="457200">
+              <a:lnSpc>
+                <a:spcPct val="100000"/>
+              </a:lnSpc>
+              <a:buClr>
+                <a:srgbClr val="000000"/>
+              </a:buClr>
+              <a:buFont typeface="+mj-lt"/>
+              <a:buAutoNum type="alphaUcPeriod" startAt="2"/>
+            </a:pPr>
+            <a:r>
+              <a:rPr lang="fr-FR" sz="3200" b="0" strike="noStrike" spc="-1" dirty="0">
+                <a:solidFill>
+                  <a:schemeClr val="dk1"/>
+                </a:solidFill>
+                <a:latin typeface="Franklin Gothic Book"/>
+              </a:rPr>
+              <a:t> Chiffrement asymétrique</a:t>
+            </a:r>
+            <a:endParaRPr lang="fr-FR" sz="3200" b="0" strike="noStrike" spc="-1" dirty="0">
+              <a:solidFill>
+                <a:srgbClr val="000000"/>
+              </a:solidFill>
+              <a:latin typeface="Arial"/>
+            </a:endParaRPr>
+          </a:p>
+        </p:txBody>
+      </p:sp>
+      <p:sp>
+        <p:nvSpPr>
+          <p:cNvPr id="5" name="PlaceHolder 2">
+            <a:extLst>
+              <a:ext uri="{FF2B5EF4-FFF2-40B4-BE49-F238E27FC236}">
+                <a16:creationId xmlns:a16="http://schemas.microsoft.com/office/drawing/2014/main" id="{F9B70794-C686-2873-FE21-B081AA0C8A1C}"/>
+              </a:ext>
+            </a:extLst>
+          </p:cNvPr>
+          <p:cNvSpPr txBox="1">
+            <a:spLocks/>
+          </p:cNvSpPr>
+          <p:nvPr/>
+        </p:nvSpPr>
+        <p:spPr>
+          <a:xfrm>
+            <a:off x="1620000" y="2340000"/>
+            <a:ext cx="5940000" cy="1402441"/>
+          </a:xfrm>
+          <a:prstGeom prst="rect">
+            <a:avLst/>
+          </a:prstGeom>
+          <a:noFill/>
+          <a:ln w="0">
+            <a:noFill/>
+          </a:ln>
+        </p:spPr>
+        <p:txBody>
+          <a:bodyPr lIns="91440" tIns="45720" rIns="91440" bIns="45720" anchor="t">
+            <a:noAutofit/>
+          </a:bodyPr>
+          <a:lstStyle>
+            <a:lvl1pPr algn="l" defTabSz="914400" rtl="0" eaLnBrk="1" latinLnBrk="0" hangingPunct="1">
+              <a:lnSpc>
+                <a:spcPct val="90000"/>
+              </a:lnSpc>
+              <a:spcBef>
+                <a:spcPct val="0"/>
+              </a:spcBef>
+              <a:buNone/>
+              <a:defRPr sz="4400" kern="1200">
+                <a:solidFill>
+                  <a:schemeClr val="tx1"/>
+                </a:solidFill>
+                <a:latin typeface="+mj-lt"/>
+                <a:ea typeface="+mj-ea"/>
+                <a:cs typeface="+mj-cs"/>
+              </a:defRPr>
+            </a:lvl1pPr>
+          </a:lstStyle>
+          <a:p>
+            <a:pPr marL="384120" indent="-384120">
+              <a:lnSpc>
+                <a:spcPct val="94000"/>
+              </a:lnSpc>
+              <a:spcBef>
+                <a:spcPts val="1001"/>
+              </a:spcBef>
+              <a:spcAft>
+                <a:spcPts val="201"/>
+              </a:spcAft>
+              <a:buClr>
+                <a:srgbClr val="191B0E"/>
+              </a:buClr>
+              <a:buFont typeface="Franklin Gothic Book"/>
+              <a:buChar char="■"/>
+            </a:pPr>
+            <a:r>
+              <a:rPr lang="fr-FR" sz="2000" spc="-1" dirty="0">
+                <a:solidFill>
+                  <a:schemeClr val="dk2"/>
+                </a:solidFill>
+                <a:latin typeface="Franklin Gothic Book"/>
+              </a:rPr>
+              <a:t>Une clef publique pour chiffré</a:t>
+            </a:r>
+          </a:p>
+          <a:p>
+            <a:pPr marL="384120" indent="-384120">
+              <a:lnSpc>
+                <a:spcPct val="94000"/>
+              </a:lnSpc>
+              <a:spcBef>
+                <a:spcPts val="1001"/>
+              </a:spcBef>
+              <a:spcAft>
+                <a:spcPts val="201"/>
+              </a:spcAft>
+              <a:buClr>
+                <a:srgbClr val="191B0E"/>
+              </a:buClr>
+              <a:buFont typeface="Franklin Gothic Book"/>
+              <a:buChar char="■"/>
+            </a:pPr>
+            <a:r>
+              <a:rPr lang="fr-FR" sz="2000" spc="-1" dirty="0">
+                <a:solidFill>
+                  <a:schemeClr val="dk2"/>
+                </a:solidFill>
+                <a:latin typeface="Franklin Gothic Book"/>
+              </a:rPr>
+              <a:t>Une clef privée pour déchiffré</a:t>
+            </a:r>
+          </a:p>
+          <a:p>
+            <a:pPr marL="384120" indent="-384120">
+              <a:lnSpc>
+                <a:spcPct val="94000"/>
+              </a:lnSpc>
+              <a:spcBef>
+                <a:spcPts val="1001"/>
+              </a:spcBef>
+              <a:spcAft>
+                <a:spcPts val="201"/>
+              </a:spcAft>
+              <a:buClr>
+                <a:srgbClr val="191B0E"/>
+              </a:buClr>
+              <a:buFont typeface="Franklin Gothic Book"/>
+              <a:buChar char="■"/>
+            </a:pPr>
+            <a:r>
+              <a:rPr lang="fr-FR" sz="2000" spc="-1" dirty="0">
+                <a:solidFill>
+                  <a:schemeClr val="dk2"/>
+                </a:solidFill>
+                <a:latin typeface="Franklin Gothic Book"/>
+              </a:rPr>
+              <a:t>RSA est un super exemple </a:t>
+            </a:r>
+          </a:p>
+          <a:p>
+            <a:pPr marL="841320" lvl="1" indent="-384120">
+              <a:lnSpc>
+                <a:spcPct val="94000"/>
+              </a:lnSpc>
+              <a:spcBef>
+                <a:spcPts val="1001"/>
+              </a:spcBef>
+              <a:spcAft>
+                <a:spcPts val="201"/>
+              </a:spcAft>
+              <a:buClr>
+                <a:srgbClr val="191B0E"/>
+              </a:buClr>
+              <a:buFont typeface="Franklin Gothic Book"/>
+              <a:buChar char="■"/>
+            </a:pPr>
+            <a:endParaRPr lang="en-US" sz="100" spc="-1" dirty="0">
+              <a:solidFill>
+                <a:schemeClr val="dk2"/>
+              </a:solidFill>
+              <a:latin typeface="Franklin Gothic Book"/>
+            </a:endParaRPr>
+          </a:p>
+        </p:txBody>
+      </p:sp>
+      <p:pic>
+        <p:nvPicPr>
+          <p:cNvPr id="6" name="Image 5">
+            <a:extLst>
+              <a:ext uri="{FF2B5EF4-FFF2-40B4-BE49-F238E27FC236}">
+                <a16:creationId xmlns:a16="http://schemas.microsoft.com/office/drawing/2014/main" id="{AD53316F-3909-EB59-9B04-ADD8019613CE}"/>
+              </a:ext>
+            </a:extLst>
+          </p:cNvPr>
+          <p:cNvPicPr>
+            <a:picLocks noChangeAspect="1"/>
+          </p:cNvPicPr>
+          <p:nvPr/>
+        </p:nvPicPr>
+        <p:blipFill rotWithShape="1">
+          <a:blip r:embed="rId2"/>
+          <a:srcRect t="21477"/>
+          <a:stretch/>
+        </p:blipFill>
+        <p:spPr>
+          <a:xfrm>
+            <a:off x="1687396" y="4053526"/>
+            <a:ext cx="5353443" cy="1972411"/>
+          </a:xfrm>
+          <a:prstGeom prst="rect">
+            <a:avLst/>
+          </a:prstGeom>
+        </p:spPr>
+      </p:pic>
+      <p:sp>
+        <p:nvSpPr>
+          <p:cNvPr id="7" name="ZoneTexte 8">
+            <a:extLst>
+              <a:ext uri="{FF2B5EF4-FFF2-40B4-BE49-F238E27FC236}">
+                <a16:creationId xmlns:a16="http://schemas.microsoft.com/office/drawing/2014/main" id="{F3055FED-ACD6-18FC-6663-E999BB9FD20A}"/>
+              </a:ext>
+            </a:extLst>
+          </p:cNvPr>
+          <p:cNvSpPr/>
+          <p:nvPr/>
+        </p:nvSpPr>
+        <p:spPr>
+          <a:xfrm>
+            <a:off x="1687396" y="6025937"/>
+            <a:ext cx="2585520" cy="367878"/>
+          </a:xfrm>
+          <a:prstGeom prst="rect">
+            <a:avLst/>
+          </a:prstGeom>
+          <a:noFill/>
+          <a:ln w="0">
+            <a:noFill/>
+          </a:ln>
+        </p:spPr>
+        <p:style>
+          <a:lnRef idx="0">
+            <a:scrgbClr r="0" g="0" b="0"/>
+          </a:lnRef>
+          <a:fillRef idx="0">
+            <a:scrgbClr r="0" g="0" b="0"/>
+          </a:fillRef>
+          <a:effectRef idx="0">
+            <a:scrgbClr r="0" g="0" b="0"/>
+          </a:effectRef>
+          <a:fontRef idx="minor"/>
+        </p:style>
+        <p:txBody>
+          <a:bodyPr lIns="90000" tIns="45000" rIns="90000" bIns="45000" anchor="t">
+            <a:spAutoFit/>
+          </a:bodyPr>
+          <a:lstStyle/>
+          <a:p>
+            <a:pPr defTabSz="457200">
+              <a:lnSpc>
+                <a:spcPct val="100000"/>
+              </a:lnSpc>
+            </a:pPr>
+            <a:r>
+              <a:rPr lang="fr-FR" sz="1800" b="0" i="1" strike="noStrike" spc="-1" dirty="0">
+                <a:solidFill>
+                  <a:schemeClr val="dk1">
+                    <a:lumMod val="75000"/>
+                    <a:lumOff val="25000"/>
+                  </a:schemeClr>
+                </a:solidFill>
+                <a:latin typeface="Franklin Gothic Book"/>
+              </a:rPr>
+              <a:t>Illustration de RSA</a:t>
+            </a:r>
+            <a:endParaRPr lang="fr-FR" sz="1800" b="0" strike="noStrike" spc="-1" dirty="0">
+              <a:solidFill>
+                <a:srgbClr val="000000"/>
+              </a:solidFill>
+              <a:latin typeface="Arial"/>
+            </a:endParaRPr>
+          </a:p>
+        </p:txBody>
+      </p:sp>
+    </p:spTree>
+    <p:extLst>
+      <p:ext uri="{BB962C8B-B14F-4D97-AF65-F5344CB8AC3E}">
+        <p14:creationId xmlns:p14="http://schemas.microsoft.com/office/powerpoint/2010/main" val="2594376842"/>
+      </p:ext>
+    </p:extLst>
+  </p:cSld>
+  <p:clrMapOvr>
+    <a:masterClrMapping/>
+  </p:clrMapOvr>
+</p:sld>
+</file>
+
+<file path=ppt/slides/slide9.xml><?xml version="1.0" encoding="utf-8"?>
+<p:sld xmlns:a="http://schemas.openxmlformats.org/drawingml/2006/main" xmlns:r="http://schemas.openxmlformats.org/officeDocument/2006/relationships" xmlns:p="http://schemas.openxmlformats.org/presentationml/2006/main">
+  <p:cSld>
+    <p:spTree>
+      <p:nvGrpSpPr>
+        <p:cNvPr id="1" name=""/>
+        <p:cNvGrpSpPr/>
+        <p:nvPr/>
+      </p:nvGrpSpPr>
+      <p:grpSpPr>
+        <a:xfrm>
+          <a:off x="0" y="0"/>
+          <a:ext cx="0" cy="0"/>
+          <a:chOff x="0" y="0"/>
+          <a:chExt cx="0" cy="0"/>
+        </a:xfrm>
+      </p:grpSpPr>
+      <p:sp>
+        <p:nvSpPr>
+          <p:cNvPr id="4" name="ZoneTexte 6">
+            <a:extLst>
+              <a:ext uri="{FF2B5EF4-FFF2-40B4-BE49-F238E27FC236}">
+                <a16:creationId xmlns:a16="http://schemas.microsoft.com/office/drawing/2014/main" id="{022461FE-20FA-DE00-E477-0E3DD91A5C7D}"/>
+              </a:ext>
+            </a:extLst>
+          </p:cNvPr>
+          <p:cNvSpPr/>
+          <p:nvPr/>
+        </p:nvSpPr>
+        <p:spPr>
+          <a:xfrm>
+            <a:off x="4327445" y="665821"/>
+            <a:ext cx="6015960" cy="578160"/>
+          </a:xfrm>
+          <a:prstGeom prst="rect">
+            <a:avLst/>
+          </a:prstGeom>
+          <a:noFill/>
+          <a:ln w="0">
+            <a:noFill/>
+          </a:ln>
+        </p:spPr>
+        <p:style>
+          <a:lnRef idx="0">
+            <a:scrgbClr r="0" g="0" b="0"/>
+          </a:lnRef>
+          <a:fillRef idx="0">
+            <a:scrgbClr r="0" g="0" b="0"/>
+          </a:fillRef>
+          <a:effectRef idx="0">
+            <a:scrgbClr r="0" g="0" b="0"/>
+          </a:effectRef>
+          <a:fontRef idx="minor"/>
+        </p:style>
+        <p:txBody>
+          <a:bodyPr lIns="90000" tIns="45000" rIns="90000" bIns="45000" anchor="t">
+            <a:spAutoFit/>
+          </a:bodyPr>
+          <a:lstStyle/>
+          <a:p>
+            <a:pPr defTabSz="457200">
+              <a:lnSpc>
+                <a:spcPct val="100000"/>
+              </a:lnSpc>
+              <a:buClr>
+                <a:srgbClr val="000000"/>
+              </a:buClr>
+            </a:pPr>
+            <a:r>
+              <a:rPr lang="fr-FR" sz="3200" b="0" strike="noStrike" spc="-1" dirty="0">
+                <a:solidFill>
+                  <a:srgbClr val="000000"/>
+                </a:solidFill>
+                <a:latin typeface="Arial"/>
+              </a:rPr>
+              <a:t>Recette de RSA</a:t>
+            </a:r>
+          </a:p>
+        </p:txBody>
+      </p:sp>
+      <mc:AlternateContent xmlns:mc="http://schemas.openxmlformats.org/markup-compatibility/2006">
+        <mc:Choice xmlns:a14="http://schemas.microsoft.com/office/drawing/2010/main" Requires="a14">
+          <p:sp>
+            <p:nvSpPr>
+              <p:cNvPr id="6" name="ZoneTexte 5">
+                <a:extLst>
+                  <a:ext uri="{FF2B5EF4-FFF2-40B4-BE49-F238E27FC236}">
+                    <a16:creationId xmlns:a16="http://schemas.microsoft.com/office/drawing/2014/main" id="{6CA9C687-C1AC-4B30-4532-BCFD95EF1B94}"/>
+                  </a:ext>
+                </a:extLst>
+              </p:cNvPr>
+              <p:cNvSpPr txBox="1"/>
+              <p:nvPr/>
+            </p:nvSpPr>
+            <p:spPr>
+              <a:xfrm>
+                <a:off x="1589777" y="1591221"/>
+                <a:ext cx="8927184" cy="4464171"/>
+              </a:xfrm>
+              <a:prstGeom prst="rect">
+                <a:avLst/>
+              </a:prstGeom>
+              <a:noFill/>
+            </p:spPr>
+            <p:txBody>
+              <a:bodyPr wrap="square" rtlCol="0">
+                <a:spAutoFit/>
+              </a:bodyPr>
+              <a:lstStyle/>
+              <a:p>
+                <a:pPr marL="285750" indent="-285750">
+                  <a:lnSpc>
+                    <a:spcPct val="150000"/>
+                  </a:lnSpc>
+                  <a:buFont typeface="Wingdings" panose="05000000000000000000" pitchFamily="2" charset="2"/>
+                  <a:buChar char="§"/>
+                </a:pPr>
+                <a14:m>
+                  <m:oMath xmlns:m="http://schemas.openxmlformats.org/officeDocument/2006/math">
+                    <m:r>
+                      <a:rPr lang="fr-FR" sz="2400" b="0" i="1" smtClean="0">
+                        <a:solidFill>
+                          <a:srgbClr val="FF0000"/>
+                        </a:solidFill>
+                        <a:latin typeface="Cambria Math" panose="02040503050406030204" pitchFamily="18" charset="0"/>
+                      </a:rPr>
+                      <m:t>𝑝</m:t>
+                    </m:r>
+                  </m:oMath>
+                </a14:m>
+                <a:r>
+                  <a:rPr lang="fr-FR" sz="2400" dirty="0">
+                    <a:solidFill>
+                      <a:srgbClr val="FF0000"/>
+                    </a:solidFill>
+                  </a:rPr>
+                  <a:t> </a:t>
+                </a:r>
+                <a:r>
+                  <a:rPr lang="fr-FR" sz="2400" dirty="0"/>
+                  <a:t>et </a:t>
+                </a:r>
+                <a14:m>
+                  <m:oMath xmlns:m="http://schemas.openxmlformats.org/officeDocument/2006/math">
+                    <m:r>
+                      <a:rPr lang="fr-FR" sz="2400" b="0" i="1" smtClean="0">
+                        <a:solidFill>
+                          <a:srgbClr val="FF0000"/>
+                        </a:solidFill>
+                        <a:latin typeface="Cambria Math" panose="02040503050406030204" pitchFamily="18" charset="0"/>
+                      </a:rPr>
+                      <m:t>𝑞</m:t>
+                    </m:r>
+                  </m:oMath>
+                </a14:m>
+                <a:r>
+                  <a:rPr lang="fr-FR" sz="2400" dirty="0">
+                    <a:solidFill>
+                      <a:srgbClr val="FF0000"/>
+                    </a:solidFill>
+                  </a:rPr>
+                  <a:t> </a:t>
+                </a:r>
+                <a:r>
+                  <a:rPr lang="fr-FR" sz="2400" dirty="0"/>
+                  <a:t>deux</a:t>
+                </a:r>
+                <a:r>
+                  <a:rPr lang="fr-FR" sz="2400" b="1" dirty="0"/>
+                  <a:t> nombres premiers </a:t>
+                </a:r>
+                <a:r>
+                  <a:rPr lang="fr-FR" sz="2400" dirty="0"/>
+                  <a:t>assez grand</a:t>
+                </a:r>
+              </a:p>
+              <a:p>
+                <a:pPr marL="285750" indent="-285750">
+                  <a:lnSpc>
+                    <a:spcPct val="150000"/>
+                  </a:lnSpc>
+                  <a:buFont typeface="Wingdings" panose="05000000000000000000" pitchFamily="2" charset="2"/>
+                  <a:buChar char="§"/>
+                </a:pPr>
+                <a14:m>
+                  <m:oMath xmlns:m="http://schemas.openxmlformats.org/officeDocument/2006/math">
+                    <m:r>
+                      <a:rPr lang="fr-FR" sz="2400" b="0" i="1" smtClean="0">
+                        <a:solidFill>
+                          <a:srgbClr val="FF0000"/>
+                        </a:solidFill>
+                        <a:latin typeface="Cambria Math" panose="02040503050406030204" pitchFamily="18" charset="0"/>
+                      </a:rPr>
+                      <m:t>𝑛</m:t>
+                    </m:r>
+                    <m:r>
+                      <a:rPr lang="fr-FR" sz="2400" b="0" i="1" smtClean="0">
+                        <a:latin typeface="Cambria Math" panose="02040503050406030204" pitchFamily="18" charset="0"/>
+                      </a:rPr>
+                      <m:t>=</m:t>
+                    </m:r>
+                    <m:r>
+                      <a:rPr lang="fr-FR" sz="2400" b="0" i="1" smtClean="0">
+                        <a:latin typeface="Cambria Math" panose="02040503050406030204" pitchFamily="18" charset="0"/>
+                      </a:rPr>
+                      <m:t>𝑝</m:t>
+                    </m:r>
+                    <m:r>
+                      <a:rPr lang="fr-FR" sz="2400" b="0" i="1" smtClean="0">
+                        <a:latin typeface="Cambria Math" panose="02040503050406030204" pitchFamily="18" charset="0"/>
+                      </a:rPr>
+                      <m:t>∗</m:t>
+                    </m:r>
+                    <m:r>
+                      <a:rPr lang="fr-FR" sz="2400" b="0" i="1" smtClean="0">
+                        <a:latin typeface="Cambria Math" panose="02040503050406030204" pitchFamily="18" charset="0"/>
+                      </a:rPr>
+                      <m:t>𝑞</m:t>
+                    </m:r>
+                  </m:oMath>
+                </a14:m>
+                <a:r>
+                  <a:rPr lang="fr-FR" sz="2400" dirty="0"/>
+                  <a:t> le </a:t>
+                </a:r>
+                <a:r>
+                  <a:rPr lang="fr-FR" sz="2400" b="1" dirty="0"/>
+                  <a:t>module</a:t>
+                </a:r>
+                <a:r>
+                  <a:rPr lang="fr-FR" sz="2400" dirty="0"/>
+                  <a:t> </a:t>
+                </a:r>
+              </a:p>
+              <a:p>
+                <a:pPr marL="285750" indent="-285750">
+                  <a:lnSpc>
+                    <a:spcPct val="150000"/>
+                  </a:lnSpc>
+                  <a:buFont typeface="Wingdings" panose="05000000000000000000" pitchFamily="2" charset="2"/>
+                  <a:buChar char="§"/>
+                </a:pPr>
+                <a14:m>
+                  <m:oMath xmlns:m="http://schemas.openxmlformats.org/officeDocument/2006/math">
+                    <m:r>
+                      <a:rPr lang="fr-FR" sz="2400" b="0" i="1" smtClean="0">
+                        <a:solidFill>
+                          <a:srgbClr val="FF0000"/>
+                        </a:solidFill>
+                        <a:latin typeface="Cambria Math" panose="02040503050406030204" pitchFamily="18" charset="0"/>
+                        <a:ea typeface="Cambria Math" panose="02040503050406030204" pitchFamily="18" charset="0"/>
+                      </a:rPr>
+                      <m:t>𝜑</m:t>
+                    </m:r>
+                    <m:d>
+                      <m:dPr>
+                        <m:ctrlPr>
+                          <a:rPr lang="fr-FR" sz="2400" b="0" i="1" smtClean="0">
+                            <a:solidFill>
+                              <a:srgbClr val="FF0000"/>
+                            </a:solidFill>
+                            <a:latin typeface="Cambria Math" panose="02040503050406030204" pitchFamily="18" charset="0"/>
+                            <a:ea typeface="Cambria Math" panose="02040503050406030204" pitchFamily="18" charset="0"/>
+                          </a:rPr>
+                        </m:ctrlPr>
+                      </m:dPr>
+                      <m:e>
+                        <m:r>
+                          <a:rPr lang="fr-FR" sz="2400" b="0" i="1" smtClean="0">
+                            <a:solidFill>
+                              <a:srgbClr val="FF0000"/>
+                            </a:solidFill>
+                            <a:latin typeface="Cambria Math" panose="02040503050406030204" pitchFamily="18" charset="0"/>
+                            <a:ea typeface="Cambria Math" panose="02040503050406030204" pitchFamily="18" charset="0"/>
+                          </a:rPr>
+                          <m:t>𝑛</m:t>
+                        </m:r>
+                      </m:e>
+                    </m:d>
+                    <m:r>
+                      <a:rPr lang="fr-FR" sz="2400" b="0" i="1" smtClean="0">
+                        <a:latin typeface="Cambria Math" panose="02040503050406030204" pitchFamily="18" charset="0"/>
+                        <a:ea typeface="Cambria Math" panose="02040503050406030204" pitchFamily="18" charset="0"/>
+                      </a:rPr>
+                      <m:t>=(</m:t>
+                    </m:r>
+                    <m:r>
+                      <a:rPr lang="fr-FR" sz="2400" b="0" i="1" smtClean="0">
+                        <a:latin typeface="Cambria Math" panose="02040503050406030204" pitchFamily="18" charset="0"/>
+                        <a:ea typeface="Cambria Math" panose="02040503050406030204" pitchFamily="18" charset="0"/>
+                      </a:rPr>
+                      <m:t>𝑝</m:t>
+                    </m:r>
+                    <m:r>
+                      <a:rPr lang="fr-FR" sz="2400" b="0" i="1" smtClean="0">
+                        <a:latin typeface="Cambria Math" panose="02040503050406030204" pitchFamily="18" charset="0"/>
+                        <a:ea typeface="Cambria Math" panose="02040503050406030204" pitchFamily="18" charset="0"/>
+                      </a:rPr>
+                      <m:t>−1)(</m:t>
+                    </m:r>
+                    <m:r>
+                      <a:rPr lang="fr-FR" sz="2400" b="0" i="1" smtClean="0">
+                        <a:latin typeface="Cambria Math" panose="02040503050406030204" pitchFamily="18" charset="0"/>
+                        <a:ea typeface="Cambria Math" panose="02040503050406030204" pitchFamily="18" charset="0"/>
+                      </a:rPr>
+                      <m:t>𝑞</m:t>
+                    </m:r>
+                    <m:r>
+                      <a:rPr lang="fr-FR" sz="2400" b="0" i="1" smtClean="0">
+                        <a:latin typeface="Cambria Math" panose="02040503050406030204" pitchFamily="18" charset="0"/>
+                        <a:ea typeface="Cambria Math" panose="02040503050406030204" pitchFamily="18" charset="0"/>
+                      </a:rPr>
+                      <m:t>−1)</m:t>
+                    </m:r>
+                  </m:oMath>
+                </a14:m>
+                <a:r>
+                  <a:rPr lang="fr-FR" sz="2400" dirty="0"/>
+                  <a:t> l’</a:t>
+                </a:r>
+                <a:r>
+                  <a:rPr lang="fr-FR" sz="2400" b="1" dirty="0"/>
+                  <a:t>indicatrice d’Euler</a:t>
+                </a:r>
+              </a:p>
+              <a:p>
+                <a:pPr marL="285750" indent="-285750">
+                  <a:lnSpc>
+                    <a:spcPct val="150000"/>
+                  </a:lnSpc>
+                  <a:buFont typeface="Wingdings" panose="05000000000000000000" pitchFamily="2" charset="2"/>
+                  <a:buChar char="§"/>
+                </a:pPr>
+                <a14:m>
+                  <m:oMath xmlns:m="http://schemas.openxmlformats.org/officeDocument/2006/math">
+                    <m:r>
+                      <a:rPr lang="fr-FR" sz="2400" b="0" i="1" smtClean="0">
+                        <a:solidFill>
+                          <a:srgbClr val="FF0000"/>
+                        </a:solidFill>
+                        <a:latin typeface="Cambria Math" panose="02040503050406030204" pitchFamily="18" charset="0"/>
+                      </a:rPr>
+                      <m:t>𝑒</m:t>
+                    </m:r>
+                  </m:oMath>
+                </a14:m>
+                <a:r>
+                  <a:rPr lang="fr-FR" sz="2400" dirty="0"/>
+                  <a:t> un nombre premier, </a:t>
+                </a:r>
+                <a14:m>
+                  <m:oMath xmlns:m="http://schemas.openxmlformats.org/officeDocument/2006/math">
+                    <m:d>
+                      <m:dPr>
+                        <m:ctrlPr>
+                          <a:rPr lang="fr-FR" sz="2400" b="0" i="1" smtClean="0">
+                            <a:latin typeface="Cambria Math" panose="02040503050406030204" pitchFamily="18" charset="0"/>
+                          </a:rPr>
+                        </m:ctrlPr>
+                      </m:dPr>
+                      <m:e>
+                        <m:r>
+                          <a:rPr lang="fr-FR" sz="2400" b="0" i="1" smtClean="0">
+                            <a:latin typeface="Cambria Math" panose="02040503050406030204" pitchFamily="18" charset="0"/>
+                          </a:rPr>
+                          <m:t>𝑒</m:t>
+                        </m:r>
+                        <m:r>
+                          <a:rPr lang="fr-FR" sz="2400" b="0" i="1" smtClean="0">
+                            <a:latin typeface="Cambria Math" panose="02040503050406030204" pitchFamily="18" charset="0"/>
+                          </a:rPr>
+                          <m:t>,</m:t>
+                        </m:r>
+                        <m:r>
+                          <a:rPr lang="fr-FR" sz="2400" b="0" i="1" smtClean="0">
+                            <a:latin typeface="Cambria Math" panose="02040503050406030204" pitchFamily="18" charset="0"/>
+                          </a:rPr>
+                          <m:t>𝑛</m:t>
+                        </m:r>
+                      </m:e>
+                    </m:d>
+                  </m:oMath>
+                </a14:m>
+                <a:r>
+                  <a:rPr lang="fr-FR" sz="2400" dirty="0"/>
+                  <a:t> </a:t>
+                </a:r>
+                <a:r>
+                  <a:rPr lang="fr-FR" sz="2400" b="1" dirty="0"/>
+                  <a:t>la clef publique</a:t>
+                </a:r>
+              </a:p>
+              <a:p>
+                <a:pPr marL="285750" indent="-285750">
+                  <a:lnSpc>
+                    <a:spcPct val="150000"/>
+                  </a:lnSpc>
+                  <a:buFont typeface="Wingdings" panose="05000000000000000000" pitchFamily="2" charset="2"/>
+                  <a:buChar char="§"/>
+                </a:pPr>
+                <a14:m>
+                  <m:oMath xmlns:m="http://schemas.openxmlformats.org/officeDocument/2006/math">
+                    <m:r>
+                      <a:rPr lang="fr-FR" sz="2400" b="0" i="1" smtClean="0">
+                        <a:solidFill>
+                          <a:srgbClr val="FF0000"/>
+                        </a:solidFill>
+                        <a:latin typeface="Cambria Math" panose="02040503050406030204" pitchFamily="18" charset="0"/>
+                      </a:rPr>
+                      <m:t>𝑚</m:t>
+                    </m:r>
+                  </m:oMath>
+                </a14:m>
+                <a:r>
+                  <a:rPr lang="fr-FR" sz="2400" dirty="0"/>
+                  <a:t> </a:t>
+                </a:r>
+                <a:r>
+                  <a:rPr lang="fr-FR" sz="2400" b="1" dirty="0"/>
+                  <a:t>message en clair</a:t>
+                </a:r>
+              </a:p>
+              <a:p>
+                <a:pPr marL="285750" indent="-285750">
+                  <a:lnSpc>
+                    <a:spcPct val="150000"/>
+                  </a:lnSpc>
+                  <a:buFont typeface="Wingdings" panose="05000000000000000000" pitchFamily="2" charset="2"/>
+                  <a:buChar char="§"/>
+                </a:pPr>
+                <a14:m>
+                  <m:oMath xmlns:m="http://schemas.openxmlformats.org/officeDocument/2006/math">
+                    <m:r>
+                      <a:rPr lang="fr-FR" sz="2400" b="0" i="1" smtClean="0">
+                        <a:solidFill>
+                          <a:srgbClr val="FF0000"/>
+                        </a:solidFill>
+                        <a:latin typeface="Cambria Math" panose="02040503050406030204" pitchFamily="18" charset="0"/>
+                      </a:rPr>
+                      <m:t>𝑑</m:t>
+                    </m:r>
+                    <m:r>
+                      <a:rPr lang="fr-FR" sz="2400" b="0" i="1" smtClean="0">
+                        <a:latin typeface="Cambria Math" panose="02040503050406030204" pitchFamily="18" charset="0"/>
+                        <a:ea typeface="Cambria Math" panose="02040503050406030204" pitchFamily="18" charset="0"/>
+                      </a:rPr>
+                      <m:t>≡</m:t>
+                    </m:r>
+                    <m:sSup>
+                      <m:sSupPr>
+                        <m:ctrlPr>
+                          <a:rPr lang="fr-FR" sz="2400" b="0" i="1" smtClean="0">
+                            <a:latin typeface="Cambria Math" panose="02040503050406030204" pitchFamily="18" charset="0"/>
+                          </a:rPr>
+                        </m:ctrlPr>
+                      </m:sSupPr>
+                      <m:e>
+                        <m:r>
+                          <a:rPr lang="fr-FR" sz="2400" b="0" i="1" smtClean="0">
+                            <a:latin typeface="Cambria Math" panose="02040503050406030204" pitchFamily="18" charset="0"/>
+                          </a:rPr>
+                          <m:t>𝑒</m:t>
+                        </m:r>
+                      </m:e>
+                      <m:sup>
+                        <m:r>
+                          <a:rPr lang="fr-FR" sz="2400" b="0" i="1" smtClean="0">
+                            <a:latin typeface="Cambria Math" panose="02040503050406030204" pitchFamily="18" charset="0"/>
+                          </a:rPr>
+                          <m:t>−1</m:t>
+                        </m:r>
+                      </m:sup>
+                    </m:sSup>
+                    <m:r>
+                      <a:rPr lang="fr-FR" sz="2400" b="0" i="1" smtClean="0">
+                        <a:latin typeface="Cambria Math" panose="02040503050406030204" pitchFamily="18" charset="0"/>
+                      </a:rPr>
+                      <m:t>[</m:t>
+                    </m:r>
+                    <m:r>
+                      <a:rPr lang="fr-FR" sz="2400" b="0" i="1" smtClean="0">
+                        <a:latin typeface="Cambria Math" panose="02040503050406030204" pitchFamily="18" charset="0"/>
+                        <a:ea typeface="Cambria Math" panose="02040503050406030204" pitchFamily="18" charset="0"/>
+                      </a:rPr>
+                      <m:t>𝜑</m:t>
+                    </m:r>
+                    <m:r>
+                      <a:rPr lang="fr-FR" sz="2400" b="0" i="1" smtClean="0">
+                        <a:latin typeface="Cambria Math" panose="02040503050406030204" pitchFamily="18" charset="0"/>
+                        <a:ea typeface="Cambria Math" panose="02040503050406030204" pitchFamily="18" charset="0"/>
+                      </a:rPr>
+                      <m:t>(</m:t>
+                    </m:r>
+                    <m:r>
+                      <a:rPr lang="fr-FR" sz="2400" b="0" i="1" smtClean="0">
+                        <a:latin typeface="Cambria Math" panose="02040503050406030204" pitchFamily="18" charset="0"/>
+                        <a:ea typeface="Cambria Math" panose="02040503050406030204" pitchFamily="18" charset="0"/>
+                      </a:rPr>
+                      <m:t>𝑛</m:t>
+                    </m:r>
+                    <m:r>
+                      <a:rPr lang="fr-FR" sz="2400" b="0" i="1" smtClean="0">
+                        <a:latin typeface="Cambria Math" panose="02040503050406030204" pitchFamily="18" charset="0"/>
+                        <a:ea typeface="Cambria Math" panose="02040503050406030204" pitchFamily="18" charset="0"/>
+                      </a:rPr>
+                      <m:t>)]</m:t>
+                    </m:r>
+                  </m:oMath>
+                </a14:m>
+                <a:r>
+                  <a:rPr lang="fr-FR" sz="2400" dirty="0"/>
+                  <a:t> la </a:t>
+                </a:r>
+                <a:r>
+                  <a:rPr lang="fr-FR" sz="2400" b="1" dirty="0"/>
+                  <a:t>clef privée</a:t>
+                </a:r>
+              </a:p>
+              <a:p>
+                <a:pPr marL="285750" indent="-285750">
+                  <a:lnSpc>
+                    <a:spcPct val="150000"/>
+                  </a:lnSpc>
+                  <a:buFont typeface="Wingdings" panose="05000000000000000000" pitchFamily="2" charset="2"/>
+                  <a:buChar char="§"/>
+                </a:pPr>
+                <a14:m>
+                  <m:oMath xmlns:m="http://schemas.openxmlformats.org/officeDocument/2006/math">
+                    <m:r>
+                      <a:rPr lang="fr-FR" sz="2400" b="0" i="1" smtClean="0">
+                        <a:solidFill>
+                          <a:srgbClr val="FF0000"/>
+                        </a:solidFill>
+                        <a:latin typeface="Cambria Math" panose="02040503050406030204" pitchFamily="18" charset="0"/>
+                      </a:rPr>
+                      <m:t>𝑐</m:t>
+                    </m:r>
+                    <m:r>
+                      <a:rPr lang="fr-FR" sz="2400" b="0" i="1" smtClean="0">
+                        <a:latin typeface="Cambria Math" panose="02040503050406030204" pitchFamily="18" charset="0"/>
+                        <a:ea typeface="Cambria Math" panose="02040503050406030204" pitchFamily="18" charset="0"/>
+                      </a:rPr>
+                      <m:t>≡</m:t>
+                    </m:r>
+                    <m:sSup>
+                      <m:sSupPr>
+                        <m:ctrlPr>
+                          <a:rPr lang="fr-FR" sz="2400" b="0" i="1" smtClean="0">
+                            <a:latin typeface="Cambria Math" panose="02040503050406030204" pitchFamily="18" charset="0"/>
+                          </a:rPr>
+                        </m:ctrlPr>
+                      </m:sSupPr>
+                      <m:e>
+                        <m:r>
+                          <a:rPr lang="fr-FR" sz="2400" b="0" i="1" smtClean="0">
+                            <a:latin typeface="Cambria Math" panose="02040503050406030204" pitchFamily="18" charset="0"/>
+                          </a:rPr>
+                          <m:t>𝑚</m:t>
+                        </m:r>
+                      </m:e>
+                      <m:sup>
+                        <m:r>
+                          <a:rPr lang="fr-FR" sz="2400" b="0" i="1" smtClean="0">
+                            <a:latin typeface="Cambria Math" panose="02040503050406030204" pitchFamily="18" charset="0"/>
+                          </a:rPr>
+                          <m:t>𝑒</m:t>
+                        </m:r>
+                      </m:sup>
+                    </m:sSup>
+                    <m:r>
+                      <a:rPr lang="fr-FR" sz="2400" b="0" i="1" smtClean="0">
+                        <a:latin typeface="Cambria Math" panose="02040503050406030204" pitchFamily="18" charset="0"/>
+                      </a:rPr>
+                      <m:t>[</m:t>
+                    </m:r>
+                    <m:r>
+                      <a:rPr lang="fr-FR" sz="2400" b="0" i="1" smtClean="0">
+                        <a:latin typeface="Cambria Math" panose="02040503050406030204" pitchFamily="18" charset="0"/>
+                      </a:rPr>
+                      <m:t>𝑛</m:t>
+                    </m:r>
+                    <m:r>
+                      <a:rPr lang="fr-FR" sz="2400" b="0" i="1" smtClean="0">
+                        <a:latin typeface="Cambria Math" panose="02040503050406030204" pitchFamily="18" charset="0"/>
+                      </a:rPr>
+                      <m:t>]</m:t>
+                    </m:r>
+                  </m:oMath>
+                </a14:m>
+                <a:r>
+                  <a:rPr lang="fr-FR" sz="2400" dirty="0"/>
+                  <a:t> le </a:t>
+                </a:r>
+                <a:r>
+                  <a:rPr lang="fr-FR" sz="2400" b="1" dirty="0"/>
+                  <a:t>message chiffré</a:t>
+                </a:r>
+              </a:p>
+              <a:p>
+                <a:pPr marL="285750" indent="-285750">
+                  <a:lnSpc>
+                    <a:spcPct val="150000"/>
+                  </a:lnSpc>
+                  <a:buFont typeface="Wingdings" panose="05000000000000000000" pitchFamily="2" charset="2"/>
+                  <a:buChar char="§"/>
+                </a:pPr>
+                <a14:m>
+                  <m:oMath xmlns:m="http://schemas.openxmlformats.org/officeDocument/2006/math">
+                    <m:sSup>
+                      <m:sSupPr>
+                        <m:ctrlPr>
+                          <a:rPr lang="fr-FR" sz="2400" i="1" smtClean="0">
+                            <a:latin typeface="Cambria Math" panose="02040503050406030204" pitchFamily="18" charset="0"/>
+                          </a:rPr>
+                        </m:ctrlPr>
+                      </m:sSupPr>
+                      <m:e>
+                        <m:r>
+                          <a:rPr lang="fr-FR" sz="2400" b="0" i="1" smtClean="0">
+                            <a:latin typeface="Cambria Math" panose="02040503050406030204" pitchFamily="18" charset="0"/>
+                          </a:rPr>
+                          <m:t>𝑐</m:t>
+                        </m:r>
+                      </m:e>
+                      <m:sup>
+                        <m:r>
+                          <a:rPr lang="fr-FR" sz="2400" b="0" i="1" smtClean="0">
+                            <a:latin typeface="Cambria Math" panose="02040503050406030204" pitchFamily="18" charset="0"/>
+                          </a:rPr>
+                          <m:t>𝑑</m:t>
+                        </m:r>
+                      </m:sup>
+                    </m:sSup>
+                    <m:r>
+                      <a:rPr lang="fr-FR" sz="2400" i="1" smtClean="0">
+                        <a:latin typeface="Cambria Math" panose="02040503050406030204" pitchFamily="18" charset="0"/>
+                        <a:ea typeface="Cambria Math" panose="02040503050406030204" pitchFamily="18" charset="0"/>
+                      </a:rPr>
+                      <m:t>≡</m:t>
+                    </m:r>
+                    <m:r>
+                      <a:rPr lang="fr-FR" sz="2400" b="0" i="1" smtClean="0">
+                        <a:latin typeface="Cambria Math" panose="02040503050406030204" pitchFamily="18" charset="0"/>
+                        <a:ea typeface="Cambria Math" panose="02040503050406030204" pitchFamily="18" charset="0"/>
+                      </a:rPr>
+                      <m:t>(</m:t>
+                    </m:r>
+                    <m:sSup>
+                      <m:sSupPr>
+                        <m:ctrlPr>
+                          <a:rPr lang="fr-FR" sz="2400" b="0" i="1" smtClean="0">
+                            <a:latin typeface="Cambria Math" panose="02040503050406030204" pitchFamily="18" charset="0"/>
+                            <a:ea typeface="Cambria Math" panose="02040503050406030204" pitchFamily="18" charset="0"/>
+                          </a:rPr>
+                        </m:ctrlPr>
+                      </m:sSupPr>
+                      <m:e>
+                        <m:sSup>
+                          <m:sSupPr>
+                            <m:ctrlPr>
+                              <a:rPr lang="fr-FR" sz="2400" b="0" i="1" smtClean="0">
+                                <a:latin typeface="Cambria Math" panose="02040503050406030204" pitchFamily="18" charset="0"/>
+                                <a:ea typeface="Cambria Math" panose="02040503050406030204" pitchFamily="18" charset="0"/>
+                              </a:rPr>
+                            </m:ctrlPr>
+                          </m:sSupPr>
+                          <m:e>
+                            <m:r>
+                              <a:rPr lang="fr-FR" sz="2400" b="0" i="1" smtClean="0">
+                                <a:latin typeface="Cambria Math" panose="02040503050406030204" pitchFamily="18" charset="0"/>
+                                <a:ea typeface="Cambria Math" panose="02040503050406030204" pitchFamily="18" charset="0"/>
+                              </a:rPr>
+                              <m:t>𝑚</m:t>
+                            </m:r>
+                          </m:e>
+                          <m:sup>
+                            <m:r>
+                              <a:rPr lang="fr-FR" sz="2400" b="0" i="1" smtClean="0">
+                                <a:latin typeface="Cambria Math" panose="02040503050406030204" pitchFamily="18" charset="0"/>
+                                <a:ea typeface="Cambria Math" panose="02040503050406030204" pitchFamily="18" charset="0"/>
+                              </a:rPr>
+                              <m:t>𝑒</m:t>
+                            </m:r>
+                          </m:sup>
+                        </m:sSup>
+                        <m:r>
+                          <a:rPr lang="fr-FR" sz="2400" b="0" i="1" smtClean="0">
+                            <a:latin typeface="Cambria Math" panose="02040503050406030204" pitchFamily="18" charset="0"/>
+                            <a:ea typeface="Cambria Math" panose="02040503050406030204" pitchFamily="18" charset="0"/>
+                          </a:rPr>
+                          <m:t>)</m:t>
+                        </m:r>
+                      </m:e>
+                      <m:sup>
+                        <m:r>
+                          <a:rPr lang="fr-FR" sz="2400" b="0" i="1" smtClean="0">
+                            <a:latin typeface="Cambria Math" panose="02040503050406030204" pitchFamily="18" charset="0"/>
+                            <a:ea typeface="Cambria Math" panose="02040503050406030204" pitchFamily="18" charset="0"/>
+                          </a:rPr>
+                          <m:t>𝑑</m:t>
+                        </m:r>
+                      </m:sup>
+                    </m:sSup>
+                    <m:r>
+                      <a:rPr lang="fr-FR" sz="2400" b="0" i="1" smtClean="0">
+                        <a:latin typeface="Cambria Math" panose="02040503050406030204" pitchFamily="18" charset="0"/>
+                        <a:ea typeface="Cambria Math" panose="02040503050406030204" pitchFamily="18" charset="0"/>
+                      </a:rPr>
+                      <m:t>≡</m:t>
+                    </m:r>
+                    <m:sSup>
+                      <m:sSupPr>
+                        <m:ctrlPr>
+                          <a:rPr lang="fr-FR" sz="2400" b="0" i="1" smtClean="0">
+                            <a:latin typeface="Cambria Math" panose="02040503050406030204" pitchFamily="18" charset="0"/>
+                            <a:ea typeface="Cambria Math" panose="02040503050406030204" pitchFamily="18" charset="0"/>
+                          </a:rPr>
+                        </m:ctrlPr>
+                      </m:sSupPr>
+                      <m:e>
+                        <m:r>
+                          <a:rPr lang="fr-FR" sz="2400" b="0" i="1" smtClean="0">
+                            <a:latin typeface="Cambria Math" panose="02040503050406030204" pitchFamily="18" charset="0"/>
+                            <a:ea typeface="Cambria Math" panose="02040503050406030204" pitchFamily="18" charset="0"/>
+                          </a:rPr>
+                          <m:t>𝑚</m:t>
+                        </m:r>
+                      </m:e>
+                      <m:sup>
+                        <m:r>
+                          <a:rPr lang="fr-FR" sz="2400" b="0" i="1" smtClean="0">
+                            <a:latin typeface="Cambria Math" panose="02040503050406030204" pitchFamily="18" charset="0"/>
+                            <a:ea typeface="Cambria Math" panose="02040503050406030204" pitchFamily="18" charset="0"/>
+                          </a:rPr>
+                          <m:t>𝑒𝑑</m:t>
+                        </m:r>
+                      </m:sup>
+                    </m:sSup>
+                    <m:r>
+                      <a:rPr lang="fr-FR" sz="2400" b="0" i="1" smtClean="0">
+                        <a:latin typeface="Cambria Math" panose="02040503050406030204" pitchFamily="18" charset="0"/>
+                        <a:ea typeface="Cambria Math" panose="02040503050406030204" pitchFamily="18" charset="0"/>
+                      </a:rPr>
+                      <m:t>≡</m:t>
+                    </m:r>
+                    <m:r>
+                      <a:rPr lang="fr-FR" sz="2400" b="0" i="1" smtClean="0">
+                        <a:latin typeface="Cambria Math" panose="02040503050406030204" pitchFamily="18" charset="0"/>
+                        <a:ea typeface="Cambria Math" panose="02040503050406030204" pitchFamily="18" charset="0"/>
+                      </a:rPr>
+                      <m:t>𝑚</m:t>
+                    </m:r>
+                    <m:r>
+                      <a:rPr lang="fr-FR" sz="2400" b="0" i="1" smtClean="0">
+                        <a:latin typeface="Cambria Math" panose="02040503050406030204" pitchFamily="18" charset="0"/>
+                        <a:ea typeface="Cambria Math" panose="02040503050406030204" pitchFamily="18" charset="0"/>
+                      </a:rPr>
+                      <m:t>[</m:t>
+                    </m:r>
+                    <m:r>
+                      <a:rPr lang="fr-FR" sz="2400" b="0" i="1" smtClean="0">
+                        <a:latin typeface="Cambria Math" panose="02040503050406030204" pitchFamily="18" charset="0"/>
+                        <a:ea typeface="Cambria Math" panose="02040503050406030204" pitchFamily="18" charset="0"/>
+                      </a:rPr>
+                      <m:t>𝑛</m:t>
+                    </m:r>
+                    <m:r>
+                      <a:rPr lang="fr-FR" sz="2400" b="0" i="1" smtClean="0">
+                        <a:latin typeface="Cambria Math" panose="02040503050406030204" pitchFamily="18" charset="0"/>
+                        <a:ea typeface="Cambria Math" panose="02040503050406030204" pitchFamily="18" charset="0"/>
+                      </a:rPr>
+                      <m:t>]</m:t>
+                    </m:r>
+                  </m:oMath>
+                </a14:m>
+                <a:endParaRPr lang="fr-FR" sz="2400" dirty="0"/>
+              </a:p>
+            </p:txBody>
+          </p:sp>
+        </mc:Choice>
+        <mc:Fallback>
+          <p:sp>
+            <p:nvSpPr>
+              <p:cNvPr id="6" name="ZoneTexte 5">
+                <a:extLst>
+                  <a:ext uri="{FF2B5EF4-FFF2-40B4-BE49-F238E27FC236}">
+                    <a16:creationId xmlns:a16="http://schemas.microsoft.com/office/drawing/2014/main" id="{6CA9C687-C1AC-4B30-4532-BCFD95EF1B94}"/>
+                  </a:ext>
+                </a:extLst>
+              </p:cNvPr>
+              <p:cNvSpPr txBox="1">
+                <a:spLocks noRot="1" noChangeAspect="1" noMove="1" noResize="1" noEditPoints="1" noAdjustHandles="1" noChangeArrowheads="1" noChangeShapeType="1" noTextEdit="1"/>
+              </p:cNvSpPr>
+              <p:nvPr/>
+            </p:nvSpPr>
+            <p:spPr>
+              <a:xfrm>
+                <a:off x="1589777" y="1591221"/>
+                <a:ext cx="8927184" cy="4464171"/>
+              </a:xfrm>
+              <a:prstGeom prst="rect">
+                <a:avLst/>
+              </a:prstGeom>
+              <a:blipFill>
+                <a:blip r:embed="rId2"/>
+                <a:stretch>
+                  <a:fillRect l="-956" b="-1913"/>
+                </a:stretch>
+              </a:blipFill>
+            </p:spPr>
+            <p:txBody>
+              <a:bodyPr/>
+              <a:lstStyle/>
+              <a:p>
+                <a:r>
+                  <a:rPr lang="fr-FR">
+                    <a:noFill/>
+                  </a:rPr>
+                  <a:t> </a:t>
+                </a:r>
+              </a:p>
+            </p:txBody>
+          </p:sp>
+        </mc:Fallback>
+      </mc:AlternateContent>
+      <p:pic>
+        <p:nvPicPr>
+          <p:cNvPr id="7" name="Image 6">
+            <a:extLst>
+              <a:ext uri="{FF2B5EF4-FFF2-40B4-BE49-F238E27FC236}">
+                <a16:creationId xmlns:a16="http://schemas.microsoft.com/office/drawing/2014/main" id="{55944820-1199-CF42-D856-4BE60B69A0CF}"/>
+              </a:ext>
+            </a:extLst>
+          </p:cNvPr>
+          <p:cNvPicPr>
+            <a:picLocks noChangeAspect="1"/>
+          </p:cNvPicPr>
+          <p:nvPr/>
+        </p:nvPicPr>
+        <p:blipFill rotWithShape="1">
+          <a:blip r:embed="rId3"/>
+          <a:srcRect r="34692" b="20776"/>
+          <a:stretch/>
+        </p:blipFill>
+        <p:spPr>
+          <a:xfrm>
+            <a:off x="10013678" y="4360119"/>
+            <a:ext cx="1006567" cy="1348033"/>
+          </a:xfrm>
+          <a:prstGeom prst="rect">
+            <a:avLst/>
+          </a:prstGeom>
+        </p:spPr>
+      </p:pic>
+    </p:spTree>
+    <p:extLst>
+      <p:ext uri="{BB962C8B-B14F-4D97-AF65-F5344CB8AC3E}">
+        <p14:creationId xmlns:p14="http://schemas.microsoft.com/office/powerpoint/2010/main" val="2776367335"/>
+      </p:ext>
+    </p:extLst>
+  </p:cSld>
+  <p:clrMapOvr>
+    <a:masterClrMapping/>
+  </p:clrMapOvr>
 </p:sld>
 </file>
 
 <file path=ppt/theme/theme1.xml><?xml version="1.0" encoding="utf-8"?>
-<a:theme xmlns:a="http://schemas.openxmlformats.org/drawingml/2006/main" xmlns:r="http://schemas.openxmlformats.org/officeDocument/2006/relationships" name="Cadrage">
+<a:theme xmlns:a="http://schemas.openxmlformats.org/drawingml/2006/main" name="Cadrage">
   <a:themeElements>
     <a:clrScheme name="Cadrage">
       <a:dk1>
         <a:srgbClr val="000000"/>
       </a:dk1>
       <a:lt1>
-        <a:srgbClr val="ffffff"/>
+        <a:srgbClr val="FFFFFF"/>
       </a:lt1>
       <a:dk2>
-        <a:srgbClr val="191b0e"/>
+        <a:srgbClr val="191B0E"/>
       </a:dk2>
       <a:lt2>
-        <a:srgbClr val="efede3"/>
+        <a:srgbClr val="EFEDE3"/>
       </a:lt2>
       <a:accent1>
-        <a:srgbClr val="8c8d86"/>
+        <a:srgbClr val="8C8D86"/>
       </a:accent1>
       <a:accent2>
-        <a:srgbClr val="e6c069"/>
+        <a:srgbClr val="E6C069"/>
       </a:accent2>
       <a:accent3>
-        <a:srgbClr val="897b61"/>
+        <a:srgbClr val="897B61"/>
       </a:accent3>
       <a:accent4>
-        <a:srgbClr val="8dab8e"/>
+        <a:srgbClr val="8DAB8E"/>
       </a:accent4>
       <a:accent5>
-        <a:srgbClr val="77a2bb"/>
+        <a:srgbClr val="77A2BB"/>
       </a:accent5>
       <a:accent6>
-        <a:srgbClr val="e28394"/>
+        <a:srgbClr val="E28394"/>
       </a:accent6>
       <a:hlink>
-        <a:srgbClr val="77a2bb"/>
+        <a:srgbClr val="77A2BB"/>
       </a:hlink>
       <a:folHlink>
-        <a:srgbClr val="957a99"/>
+        <a:srgbClr val="957A99"/>
       </a:folHlink>
     </a:clrScheme>
     <a:fontScheme name="Cadrage">
       <a:majorFont>
-        <a:latin typeface="Franklin Gothic Book" panose="020B0503020102020204" pitchFamily="0" charset="1"/>
+        <a:latin typeface="Franklin Gothic Book" panose="020B0503020102020204"/>
         <a:ea typeface=""/>
         <a:cs typeface=""/>
       </a:majorFont>
       <a:minorFont>
-        <a:latin typeface="Franklin Gothic Book" panose="020B0503020102020204" pitchFamily="0" charset="1"/>
+        <a:latin typeface="Franklin Gothic Book" panose="020B0503020102020204"/>
         <a:ea typeface=""/>
         <a:cs typeface=""/>
       </a:minorFont>
@@ -5534,7 +7359,7 @@
             </a:gs>
           </a:gsLst>
           <a:lin ang="5400000" scaled="0"/>
-          <a:tileRect l="0" t="0" r="0" b="0"/>
+          <a:tileRect/>
         </a:gradFill>
         <a:gradFill>
           <a:gsLst>
@@ -5558,7 +7383,7 @@
             </a:gs>
           </a:gsLst>
           <a:lin ang="5400000" scaled="0"/>
-          <a:tileRect l="0" t="0" r="0" b="0"/>
+          <a:tileRect/>
         </a:gradFill>
       </a:fillStyleLst>
       <a:lnStyleLst>
@@ -5615,10 +7440,12 @@
             </a:gs>
           </a:gsLst>
           <a:lin ang="5400000" scaled="0"/>
-          <a:tileRect l="0" t="0" r="0" b="0"/>
+          <a:tileRect/>
         </a:gradFill>
       </a:bgFillStyleLst>
     </a:fmtScheme>
   </a:themeElements>
+  <a:objectDefaults/>
+  <a:extraClrSchemeLst/>
 </a:theme>
 </file>
--- a/presentation.pptx
+++ b/presentation.pptx
@@ -1,123 +1,28 @@
 
 <file path=ppt/presentation.xml><?xml version="1.0" encoding="utf-8"?>
-<p:presentation xmlns:a="http://schemas.openxmlformats.org/drawingml/2006/main" xmlns:r="http://schemas.openxmlformats.org/officeDocument/2006/relationships" xmlns:p="http://schemas.openxmlformats.org/presentationml/2006/main">
+<p:presentation xmlns:a="http://schemas.openxmlformats.org/drawingml/2006/main" xmlns:p="http://schemas.openxmlformats.org/presentationml/2006/main" xmlns:r="http://schemas.openxmlformats.org/officeDocument/2006/relationships" xmlns:p14="http://schemas.microsoft.com/office/powerpoint/2010/main" xmlns:p15="http://schemas.microsoft.com/office/powerpoint/2012/main" xmlns:mc="http://schemas.openxmlformats.org/markup-compatibility/2006">
   <p:sldMasterIdLst>
-    <p:sldMasterId id="2147483648" r:id="rId1"/>
+    <p:sldMasterId id="2147483648" r:id="rId2"/>
   </p:sldMasterIdLst>
   <p:sldIdLst>
-    <p:sldId id="256" r:id="rId2"/>
-    <p:sldId id="257" r:id="rId3"/>
-    <p:sldId id="258" r:id="rId4"/>
-    <p:sldId id="259" r:id="rId5"/>
-    <p:sldId id="260" r:id="rId6"/>
-    <p:sldId id="261" r:id="rId7"/>
-    <p:sldId id="262" r:id="rId8"/>
-    <p:sldId id="264" r:id="rId9"/>
-    <p:sldId id="265" r:id="rId10"/>
-    <p:sldId id="263" r:id="rId11"/>
+    <p:sldId id="256" r:id="rId3"/>
+    <p:sldId id="257" r:id="rId4"/>
+    <p:sldId id="258" r:id="rId5"/>
+    <p:sldId id="259" r:id="rId6"/>
+    <p:sldId id="260" r:id="rId7"/>
+    <p:sldId id="261" r:id="rId8"/>
+    <p:sldId id="262" r:id="rId9"/>
+    <p:sldId id="263" r:id="rId10"/>
+    <p:sldId id="264" r:id="rId11"/>
+    <p:sldId id="265" r:id="rId12"/>
   </p:sldIdLst>
   <p:sldSz cx="12192000" cy="6858000"/>
   <p:notesSz cx="7559675" cy="10691813"/>
-  <p:defaultTextStyle>
-    <a:defPPr>
-      <a:defRPr lang="fr-FR"/>
-    </a:defPPr>
-    <a:lvl1pPr marL="0" algn="l" defTabSz="914400" rtl="0" eaLnBrk="1" latinLnBrk="0" hangingPunct="1">
-      <a:defRPr sz="1800" kern="1200">
-        <a:solidFill>
-          <a:schemeClr val="tx1"/>
-        </a:solidFill>
-        <a:latin typeface="+mn-lt"/>
-        <a:ea typeface="+mn-ea"/>
-        <a:cs typeface="+mn-cs"/>
-      </a:defRPr>
-    </a:lvl1pPr>
-    <a:lvl2pPr marL="457200" algn="l" defTabSz="914400" rtl="0" eaLnBrk="1" latinLnBrk="0" hangingPunct="1">
-      <a:defRPr sz="1800" kern="1200">
-        <a:solidFill>
-          <a:schemeClr val="tx1"/>
-        </a:solidFill>
-        <a:latin typeface="+mn-lt"/>
-        <a:ea typeface="+mn-ea"/>
-        <a:cs typeface="+mn-cs"/>
-      </a:defRPr>
-    </a:lvl2pPr>
-    <a:lvl3pPr marL="914400" algn="l" defTabSz="914400" rtl="0" eaLnBrk="1" latinLnBrk="0" hangingPunct="1">
-      <a:defRPr sz="1800" kern="1200">
-        <a:solidFill>
-          <a:schemeClr val="tx1"/>
-        </a:solidFill>
-        <a:latin typeface="+mn-lt"/>
-        <a:ea typeface="+mn-ea"/>
-        <a:cs typeface="+mn-cs"/>
-      </a:defRPr>
-    </a:lvl3pPr>
-    <a:lvl4pPr marL="1371600" algn="l" defTabSz="914400" rtl="0" eaLnBrk="1" latinLnBrk="0" hangingPunct="1">
-      <a:defRPr sz="1800" kern="1200">
-        <a:solidFill>
-          <a:schemeClr val="tx1"/>
-        </a:solidFill>
-        <a:latin typeface="+mn-lt"/>
-        <a:ea typeface="+mn-ea"/>
-        <a:cs typeface="+mn-cs"/>
-      </a:defRPr>
-    </a:lvl4pPr>
-    <a:lvl5pPr marL="1828800" algn="l" defTabSz="914400" rtl="0" eaLnBrk="1" latinLnBrk="0" hangingPunct="1">
-      <a:defRPr sz="1800" kern="1200">
-        <a:solidFill>
-          <a:schemeClr val="tx1"/>
-        </a:solidFill>
-        <a:latin typeface="+mn-lt"/>
-        <a:ea typeface="+mn-ea"/>
-        <a:cs typeface="+mn-cs"/>
-      </a:defRPr>
-    </a:lvl5pPr>
-    <a:lvl6pPr marL="2286000" algn="l" defTabSz="914400" rtl="0" eaLnBrk="1" latinLnBrk="0" hangingPunct="1">
-      <a:defRPr sz="1800" kern="1200">
-        <a:solidFill>
-          <a:schemeClr val="tx1"/>
-        </a:solidFill>
-        <a:latin typeface="+mn-lt"/>
-        <a:ea typeface="+mn-ea"/>
-        <a:cs typeface="+mn-cs"/>
-      </a:defRPr>
-    </a:lvl6pPr>
-    <a:lvl7pPr marL="2743200" algn="l" defTabSz="914400" rtl="0" eaLnBrk="1" latinLnBrk="0" hangingPunct="1">
-      <a:defRPr sz="1800" kern="1200">
-        <a:solidFill>
-          <a:schemeClr val="tx1"/>
-        </a:solidFill>
-        <a:latin typeface="+mn-lt"/>
-        <a:ea typeface="+mn-ea"/>
-        <a:cs typeface="+mn-cs"/>
-      </a:defRPr>
-    </a:lvl7pPr>
-    <a:lvl8pPr marL="3200400" algn="l" defTabSz="914400" rtl="0" eaLnBrk="1" latinLnBrk="0" hangingPunct="1">
-      <a:defRPr sz="1800" kern="1200">
-        <a:solidFill>
-          <a:schemeClr val="tx1"/>
-        </a:solidFill>
-        <a:latin typeface="+mn-lt"/>
-        <a:ea typeface="+mn-ea"/>
-        <a:cs typeface="+mn-cs"/>
-      </a:defRPr>
-    </a:lvl8pPr>
-    <a:lvl9pPr marL="3657600" algn="l" defTabSz="914400" rtl="0" eaLnBrk="1" latinLnBrk="0" hangingPunct="1">
-      <a:defRPr sz="1800" kern="1200">
-        <a:solidFill>
-          <a:schemeClr val="tx1"/>
-        </a:solidFill>
-        <a:latin typeface="+mn-lt"/>
-        <a:ea typeface="+mn-ea"/>
-        <a:cs typeface="+mn-cs"/>
-      </a:defRPr>
-    </a:lvl9pPr>
-  </p:defaultTextStyle>
 </p:presentation>
 </file>
 
 <file path=ppt/slideLayouts/slideLayout1.xml><?xml version="1.0" encoding="utf-8"?>
-<p:sldLayout xmlns:a="http://schemas.openxmlformats.org/drawingml/2006/main" xmlns:r="http://schemas.openxmlformats.org/officeDocument/2006/relationships" xmlns:p="http://schemas.openxmlformats.org/presentationml/2006/main" type="blank" preserve="1">
+<p:sldLayout xmlns:a="http://schemas.openxmlformats.org/drawingml/2006/main" xmlns:p="http://schemas.openxmlformats.org/presentationml/2006/main" xmlns:r="http://schemas.openxmlformats.org/officeDocument/2006/relationships" xmlns:p14="http://schemas.microsoft.com/office/powerpoint/2010/main" xmlns:p15="http://schemas.microsoft.com/office/powerpoint/2012/main" xmlns:mc="http://schemas.openxmlformats.org/markup-compatibility/2006" type="blank" preserve="1">
   <p:cSld name="Blank Slide">
     <p:spTree>
       <p:nvGrpSpPr>
@@ -140,13 +45,12 @@
             <a:spLocks noGrp="1"/>
           </p:cNvSpPr>
           <p:nvPr>
-            <p:ph type="ftr" idx="2"/>
+            <p:ph type="ftr" idx="1"/>
           </p:nvPr>
         </p:nvSpPr>
         <p:spPr/>
         <p:txBody>
           <a:bodyPr/>
-          <a:lstStyle/>
           <a:p>
             <a:r>
               <a:t>Footer</a:t>
@@ -161,18 +65,16 @@
             <a:spLocks noGrp="1"/>
           </p:cNvSpPr>
           <p:nvPr>
-            <p:ph type="sldNum" idx="3"/>
+            <p:ph type="sldNum" idx="2"/>
           </p:nvPr>
         </p:nvSpPr>
         <p:spPr/>
         <p:txBody>
           <a:bodyPr/>
-          <a:lstStyle/>
-          <a:p>
-            <a:fld id="{701B7393-A9FB-4657-ACAD-74D87D20167E}" type="slidenum">
-              <a:t>‹N°›</a:t>
+          <a:p>
+            <a:fld id="{A892196D-6031-440F-B104-89AB122FE362}" type="slidenum">
+              <a:t>&lt;#&gt;</a:t>
             </a:fld>
-            <a:endParaRPr/>
           </a:p>
         </p:txBody>
       </p:sp>
@@ -183,28 +85,27 @@
             <a:spLocks noGrp="1"/>
           </p:cNvSpPr>
           <p:nvPr>
-            <p:ph type="dt" idx="1"/>
+            <p:ph type="dt" idx="3"/>
           </p:nvPr>
         </p:nvSpPr>
         <p:spPr/>
         <p:txBody>
           <a:bodyPr/>
-          <a:lstStyle/>
-          <a:p>
-            <a:endParaRPr/>
+          <a:p>
+            <a:r>
+              <a:rPr lang="fr-FR"/>
+              <a:t/>
+            </a:r>
           </a:p>
         </p:txBody>
       </p:sp>
     </p:spTree>
   </p:cSld>
-  <p:clrMapOvr>
-    <a:masterClrMapping/>
-  </p:clrMapOvr>
 </p:sldLayout>
 </file>
 
 <file path=ppt/slideLayouts/slideLayout10.xml><?xml version="1.0" encoding="utf-8"?>
-<p:sldLayout xmlns:a="http://schemas.openxmlformats.org/drawingml/2006/main" xmlns:r="http://schemas.openxmlformats.org/officeDocument/2006/relationships" xmlns:p="http://schemas.openxmlformats.org/presentationml/2006/main" type="objOverTx" preserve="1">
+<p:sldLayout xmlns:a="http://schemas.openxmlformats.org/drawingml/2006/main" xmlns:p="http://schemas.openxmlformats.org/presentationml/2006/main" xmlns:r="http://schemas.openxmlformats.org/officeDocument/2006/relationships" xmlns:p14="http://schemas.microsoft.com/office/powerpoint/2010/main" xmlns:p15="http://schemas.microsoft.com/office/powerpoint/2012/main" xmlns:mc="http://schemas.openxmlformats.org/markup-compatibility/2006" type="objOverTx" preserve="1">
   <p:cSld name="Title, Content over Content">
     <p:spTree>
       <p:nvGrpSpPr>
@@ -222,7 +123,7 @@
       </p:grpSpPr>
       <p:sp>
         <p:nvSpPr>
-          <p:cNvPr id="30" name="PlaceHolder 1"/>
+          <p:cNvPr id="28" name="PlaceHolder 1"/>
           <p:cNvSpPr>
             <a:spLocks noGrp="1"/>
           </p:cNvSpPr>
@@ -233,7 +134,7 @@
         <p:spPr>
           <a:xfrm>
             <a:off x="609480" y="273600"/>
-            <a:ext cx="10972440" cy="1144800"/>
+            <a:ext cx="10972080" cy="1144440"/>
           </a:xfrm>
           <a:prstGeom prst="rect">
             <a:avLst/>
@@ -244,15 +145,14 @@
           </a:ln>
         </p:spPr>
         <p:txBody>
-          <a:bodyPr lIns="0" tIns="0" rIns="0" bIns="0" anchor="ctr">
+          <a:bodyPr lIns="0" rIns="0" tIns="0" bIns="0" anchor="ctr">
             <a:noAutofit/>
           </a:bodyPr>
-          <a:lstStyle/>
           <a:p>
             <a:pPr indent="0">
               <a:buNone/>
             </a:pPr>
-            <a:endParaRPr lang="en-US" sz="1800" b="0" strike="noStrike" spc="-1">
+            <a:endParaRPr b="0" lang="fr-FR" sz="1800" spc="-1" strike="noStrike">
               <a:solidFill>
                 <a:schemeClr val="dk1"/>
               </a:solidFill>
@@ -263,7 +163,7 @@
       </p:sp>
       <p:sp>
         <p:nvSpPr>
-          <p:cNvPr id="31" name="PlaceHolder 2"/>
+          <p:cNvPr id="29" name="PlaceHolder 2"/>
           <p:cNvSpPr>
             <a:spLocks noGrp="1"/>
           </p:cNvSpPr>
@@ -285,23 +185,22 @@
           </a:ln>
         </p:spPr>
         <p:txBody>
-          <a:bodyPr lIns="0" tIns="0" rIns="0" bIns="0" anchor="t">
+          <a:bodyPr lIns="0" rIns="0" tIns="0" bIns="0" anchor="t">
             <a:normAutofit/>
           </a:bodyPr>
-          <a:lstStyle/>
           <a:p>
             <a:pPr indent="0">
               <a:lnSpc>
-                <a:spcPct val="94000"/>
+                <a:spcPct val="90000"/>
               </a:lnSpc>
               <a:spcBef>
                 <a:spcPts val="1417"/>
               </a:spcBef>
               <a:buNone/>
             </a:pPr>
-            <a:endParaRPr lang="en-US" sz="2000" b="0" strike="noStrike" spc="-1">
-              <a:solidFill>
-                <a:schemeClr val="dk2"/>
+            <a:endParaRPr b="0" lang="fr-FR" sz="2800" spc="-1" strike="noStrike">
+              <a:solidFill>
+                <a:schemeClr val="dk1"/>
               </a:solidFill>
               <a:latin typeface="Franklin Gothic Book"/>
             </a:endParaRPr>
@@ -310,7 +209,7 @@
       </p:sp>
       <p:sp>
         <p:nvSpPr>
-          <p:cNvPr id="32" name="PlaceHolder 3"/>
+          <p:cNvPr id="30" name="PlaceHolder 3"/>
           <p:cNvSpPr>
             <a:spLocks noGrp="1"/>
           </p:cNvSpPr>
@@ -332,23 +231,22 @@
           </a:ln>
         </p:spPr>
         <p:txBody>
-          <a:bodyPr lIns="0" tIns="0" rIns="0" bIns="0" anchor="t">
+          <a:bodyPr lIns="0" rIns="0" tIns="0" bIns="0" anchor="t">
             <a:normAutofit/>
           </a:bodyPr>
-          <a:lstStyle/>
           <a:p>
             <a:pPr indent="0">
               <a:lnSpc>
-                <a:spcPct val="94000"/>
+                <a:spcPct val="90000"/>
               </a:lnSpc>
               <a:spcBef>
                 <a:spcPts val="1417"/>
               </a:spcBef>
               <a:buNone/>
             </a:pPr>
-            <a:endParaRPr lang="en-US" sz="2000" b="0" strike="noStrike" spc="-1">
-              <a:solidFill>
-                <a:schemeClr val="dk2"/>
+            <a:endParaRPr b="0" lang="fr-FR" sz="2800" spc="-1" strike="noStrike">
+              <a:solidFill>
+                <a:schemeClr val="dk1"/>
               </a:solidFill>
               <a:latin typeface="Franklin Gothic Book"/>
             </a:endParaRPr>
@@ -362,13 +260,12 @@
             <a:spLocks noGrp="1"/>
           </p:cNvSpPr>
           <p:nvPr>
-            <p:ph type="ftr" idx="2"/>
+            <p:ph type="ftr" idx="1"/>
           </p:nvPr>
         </p:nvSpPr>
         <p:spPr/>
         <p:txBody>
           <a:bodyPr/>
-          <a:lstStyle/>
           <a:p>
             <a:r>
               <a:t>Footer</a:t>
@@ -383,18 +280,16 @@
             <a:spLocks noGrp="1"/>
           </p:cNvSpPr>
           <p:nvPr>
-            <p:ph type="sldNum" idx="3"/>
+            <p:ph type="sldNum" idx="2"/>
           </p:nvPr>
         </p:nvSpPr>
         <p:spPr/>
         <p:txBody>
           <a:bodyPr/>
-          <a:lstStyle/>
-          <a:p>
-            <a:fld id="{7B77C397-9459-48C4-B642-1FB2F72FDDB2}" type="slidenum">
-              <a:t>‹N°›</a:t>
+          <a:p>
+            <a:fld id="{171BDC30-1351-4B02-8BE8-320A5D67DFE8}" type="slidenum">
+              <a:t>&lt;#&gt;</a:t>
             </a:fld>
-            <a:endParaRPr/>
           </a:p>
         </p:txBody>
       </p:sp>
@@ -405,28 +300,27 @@
             <a:spLocks noGrp="1"/>
           </p:cNvSpPr>
           <p:nvPr>
-            <p:ph type="dt" idx="1"/>
+            <p:ph type="dt" idx="3"/>
           </p:nvPr>
         </p:nvSpPr>
         <p:spPr/>
         <p:txBody>
           <a:bodyPr/>
-          <a:lstStyle/>
-          <a:p>
-            <a:endParaRPr/>
+          <a:p>
+            <a:r>
+              <a:rPr lang="fr-FR"/>
+              <a:t/>
+            </a:r>
           </a:p>
         </p:txBody>
       </p:sp>
     </p:spTree>
   </p:cSld>
-  <p:clrMapOvr>
-    <a:masterClrMapping/>
-  </p:clrMapOvr>
 </p:sldLayout>
 </file>
 
 <file path=ppt/slideLayouts/slideLayout11.xml><?xml version="1.0" encoding="utf-8"?>
-<p:sldLayout xmlns:a="http://schemas.openxmlformats.org/drawingml/2006/main" xmlns:r="http://schemas.openxmlformats.org/officeDocument/2006/relationships" xmlns:p="http://schemas.openxmlformats.org/presentationml/2006/main" type="fourObj" preserve="1">
+<p:sldLayout xmlns:a="http://schemas.openxmlformats.org/drawingml/2006/main" xmlns:p="http://schemas.openxmlformats.org/presentationml/2006/main" xmlns:r="http://schemas.openxmlformats.org/officeDocument/2006/relationships" xmlns:p14="http://schemas.microsoft.com/office/powerpoint/2010/main" xmlns:p15="http://schemas.microsoft.com/office/powerpoint/2012/main" xmlns:mc="http://schemas.openxmlformats.org/markup-compatibility/2006" type="fourObj" preserve="1">
   <p:cSld name="Title, 4 Content">
     <p:spTree>
       <p:nvGrpSpPr>
@@ -444,7 +338,7 @@
       </p:grpSpPr>
       <p:sp>
         <p:nvSpPr>
-          <p:cNvPr id="33" name="PlaceHolder 1"/>
+          <p:cNvPr id="31" name="PlaceHolder 1"/>
           <p:cNvSpPr>
             <a:spLocks noGrp="1"/>
           </p:cNvSpPr>
@@ -455,7 +349,7 @@
         <p:spPr>
           <a:xfrm>
             <a:off x="609480" y="273600"/>
-            <a:ext cx="10972440" cy="1144800"/>
+            <a:ext cx="10972080" cy="1144440"/>
           </a:xfrm>
           <a:prstGeom prst="rect">
             <a:avLst/>
@@ -466,15 +360,14 @@
           </a:ln>
         </p:spPr>
         <p:txBody>
-          <a:bodyPr lIns="0" tIns="0" rIns="0" bIns="0" anchor="ctr">
+          <a:bodyPr lIns="0" rIns="0" tIns="0" bIns="0" anchor="ctr">
             <a:noAutofit/>
           </a:bodyPr>
-          <a:lstStyle/>
           <a:p>
             <a:pPr indent="0">
               <a:buNone/>
             </a:pPr>
-            <a:endParaRPr lang="en-US" sz="1800" b="0" strike="noStrike" spc="-1">
+            <a:endParaRPr b="0" lang="fr-FR" sz="1800" spc="-1" strike="noStrike">
               <a:solidFill>
                 <a:schemeClr val="dk1"/>
               </a:solidFill>
@@ -485,7 +378,7 @@
       </p:sp>
       <p:sp>
         <p:nvSpPr>
-          <p:cNvPr id="34" name="PlaceHolder 2"/>
+          <p:cNvPr id="32" name="PlaceHolder 2"/>
           <p:cNvSpPr>
             <a:spLocks noGrp="1"/>
           </p:cNvSpPr>
@@ -507,23 +400,22 @@
           </a:ln>
         </p:spPr>
         <p:txBody>
-          <a:bodyPr lIns="0" tIns="0" rIns="0" bIns="0" anchor="t">
+          <a:bodyPr lIns="0" rIns="0" tIns="0" bIns="0" anchor="t">
             <a:normAutofit/>
           </a:bodyPr>
-          <a:lstStyle/>
           <a:p>
             <a:pPr indent="0">
               <a:lnSpc>
-                <a:spcPct val="94000"/>
+                <a:spcPct val="90000"/>
               </a:lnSpc>
               <a:spcBef>
                 <a:spcPts val="1417"/>
               </a:spcBef>
               <a:buNone/>
             </a:pPr>
-            <a:endParaRPr lang="en-US" sz="2000" b="0" strike="noStrike" spc="-1">
-              <a:solidFill>
-                <a:schemeClr val="dk2"/>
+            <a:endParaRPr b="0" lang="fr-FR" sz="2800" spc="-1" strike="noStrike">
+              <a:solidFill>
+                <a:schemeClr val="dk1"/>
               </a:solidFill>
               <a:latin typeface="Franklin Gothic Book"/>
             </a:endParaRPr>
@@ -532,7 +424,7 @@
       </p:sp>
       <p:sp>
         <p:nvSpPr>
-          <p:cNvPr id="35" name="PlaceHolder 3"/>
+          <p:cNvPr id="33" name="PlaceHolder 3"/>
           <p:cNvSpPr>
             <a:spLocks noGrp="1"/>
           </p:cNvSpPr>
@@ -554,23 +446,22 @@
           </a:ln>
         </p:spPr>
         <p:txBody>
-          <a:bodyPr lIns="0" tIns="0" rIns="0" bIns="0" anchor="t">
+          <a:bodyPr lIns="0" rIns="0" tIns="0" bIns="0" anchor="t">
             <a:normAutofit/>
           </a:bodyPr>
-          <a:lstStyle/>
           <a:p>
             <a:pPr indent="0">
               <a:lnSpc>
-                <a:spcPct val="94000"/>
+                <a:spcPct val="90000"/>
               </a:lnSpc>
               <a:spcBef>
                 <a:spcPts val="1417"/>
               </a:spcBef>
               <a:buNone/>
             </a:pPr>
-            <a:endParaRPr lang="en-US" sz="2000" b="0" strike="noStrike" spc="-1">
-              <a:solidFill>
-                <a:schemeClr val="dk2"/>
+            <a:endParaRPr b="0" lang="fr-FR" sz="2800" spc="-1" strike="noStrike">
+              <a:solidFill>
+                <a:schemeClr val="dk1"/>
               </a:solidFill>
               <a:latin typeface="Franklin Gothic Book"/>
             </a:endParaRPr>
@@ -579,7 +470,7 @@
       </p:sp>
       <p:sp>
         <p:nvSpPr>
-          <p:cNvPr id="36" name="PlaceHolder 4"/>
+          <p:cNvPr id="34" name="PlaceHolder 4"/>
           <p:cNvSpPr>
             <a:spLocks noGrp="1"/>
           </p:cNvSpPr>
@@ -601,23 +492,22 @@
           </a:ln>
         </p:spPr>
         <p:txBody>
-          <a:bodyPr lIns="0" tIns="0" rIns="0" bIns="0" anchor="t">
+          <a:bodyPr lIns="0" rIns="0" tIns="0" bIns="0" anchor="t">
             <a:normAutofit/>
           </a:bodyPr>
-          <a:lstStyle/>
           <a:p>
             <a:pPr indent="0">
               <a:lnSpc>
-                <a:spcPct val="94000"/>
+                <a:spcPct val="90000"/>
               </a:lnSpc>
               <a:spcBef>
                 <a:spcPts val="1417"/>
               </a:spcBef>
               <a:buNone/>
             </a:pPr>
-            <a:endParaRPr lang="en-US" sz="2000" b="0" strike="noStrike" spc="-1">
-              <a:solidFill>
-                <a:schemeClr val="dk2"/>
+            <a:endParaRPr b="0" lang="fr-FR" sz="2800" spc="-1" strike="noStrike">
+              <a:solidFill>
+                <a:schemeClr val="dk1"/>
               </a:solidFill>
               <a:latin typeface="Franklin Gothic Book"/>
             </a:endParaRPr>
@@ -626,7 +516,7 @@
       </p:sp>
       <p:sp>
         <p:nvSpPr>
-          <p:cNvPr id="37" name="PlaceHolder 5"/>
+          <p:cNvPr id="35" name="PlaceHolder 5"/>
           <p:cNvSpPr>
             <a:spLocks noGrp="1"/>
           </p:cNvSpPr>
@@ -648,23 +538,22 @@
           </a:ln>
         </p:spPr>
         <p:txBody>
-          <a:bodyPr lIns="0" tIns="0" rIns="0" bIns="0" anchor="t">
+          <a:bodyPr lIns="0" rIns="0" tIns="0" bIns="0" anchor="t">
             <a:normAutofit/>
           </a:bodyPr>
-          <a:lstStyle/>
           <a:p>
             <a:pPr indent="0">
               <a:lnSpc>
-                <a:spcPct val="94000"/>
+                <a:spcPct val="90000"/>
               </a:lnSpc>
               <a:spcBef>
                 <a:spcPts val="1417"/>
               </a:spcBef>
               <a:buNone/>
             </a:pPr>
-            <a:endParaRPr lang="en-US" sz="2000" b="0" strike="noStrike" spc="-1">
-              <a:solidFill>
-                <a:schemeClr val="dk2"/>
+            <a:endParaRPr b="0" lang="fr-FR" sz="2800" spc="-1" strike="noStrike">
+              <a:solidFill>
+                <a:schemeClr val="dk1"/>
               </a:solidFill>
               <a:latin typeface="Franklin Gothic Book"/>
             </a:endParaRPr>
@@ -678,13 +567,12 @@
             <a:spLocks noGrp="1"/>
           </p:cNvSpPr>
           <p:nvPr>
-            <p:ph type="ftr" idx="2"/>
+            <p:ph type="ftr" idx="1"/>
           </p:nvPr>
         </p:nvSpPr>
         <p:spPr/>
         <p:txBody>
           <a:bodyPr/>
-          <a:lstStyle/>
           <a:p>
             <a:r>
               <a:t>Footer</a:t>
@@ -699,18 +587,16 @@
             <a:spLocks noGrp="1"/>
           </p:cNvSpPr>
           <p:nvPr>
-            <p:ph type="sldNum" idx="3"/>
+            <p:ph type="sldNum" idx="2"/>
           </p:nvPr>
         </p:nvSpPr>
         <p:spPr/>
         <p:txBody>
           <a:bodyPr/>
-          <a:lstStyle/>
-          <a:p>
-            <a:fld id="{4CFD15F7-C2F6-455B-AE41-2F61207245AD}" type="slidenum">
-              <a:t>‹N°›</a:t>
+          <a:p>
+            <a:fld id="{C820917E-E9F8-48C4-95A3-FA3337B79C24}" type="slidenum">
+              <a:t>&lt;#&gt;</a:t>
             </a:fld>
-            <a:endParaRPr/>
           </a:p>
         </p:txBody>
       </p:sp>
@@ -721,28 +607,27 @@
             <a:spLocks noGrp="1"/>
           </p:cNvSpPr>
           <p:nvPr>
-            <p:ph type="dt" idx="1"/>
+            <p:ph type="dt" idx="3"/>
           </p:nvPr>
         </p:nvSpPr>
         <p:spPr/>
         <p:txBody>
           <a:bodyPr/>
-          <a:lstStyle/>
-          <a:p>
-            <a:endParaRPr/>
+          <a:p>
+            <a:r>
+              <a:rPr lang="fr-FR"/>
+              <a:t/>
+            </a:r>
           </a:p>
         </p:txBody>
       </p:sp>
     </p:spTree>
   </p:cSld>
-  <p:clrMapOvr>
-    <a:masterClrMapping/>
-  </p:clrMapOvr>
 </p:sldLayout>
 </file>
 
 <file path=ppt/slideLayouts/slideLayout12.xml><?xml version="1.0" encoding="utf-8"?>
-<p:sldLayout xmlns:a="http://schemas.openxmlformats.org/drawingml/2006/main" xmlns:r="http://schemas.openxmlformats.org/officeDocument/2006/relationships" xmlns:p="http://schemas.openxmlformats.org/presentationml/2006/main" type="blank" preserve="1">
+<p:sldLayout xmlns:a="http://schemas.openxmlformats.org/drawingml/2006/main" xmlns:p="http://schemas.openxmlformats.org/presentationml/2006/main" xmlns:r="http://schemas.openxmlformats.org/officeDocument/2006/relationships" xmlns:p14="http://schemas.microsoft.com/office/powerpoint/2010/main" xmlns:p15="http://schemas.microsoft.com/office/powerpoint/2012/main" xmlns:mc="http://schemas.openxmlformats.org/markup-compatibility/2006" type="blank" preserve="1">
   <p:cSld name="Title, 6 Content">
     <p:spTree>
       <p:nvGrpSpPr>
@@ -760,7 +645,7 @@
       </p:grpSpPr>
       <p:sp>
         <p:nvSpPr>
-          <p:cNvPr id="38" name="PlaceHolder 1"/>
+          <p:cNvPr id="36" name="PlaceHolder 1"/>
           <p:cNvSpPr>
             <a:spLocks noGrp="1"/>
           </p:cNvSpPr>
@@ -771,7 +656,7 @@
         <p:spPr>
           <a:xfrm>
             <a:off x="609480" y="273600"/>
-            <a:ext cx="10972440" cy="1144800"/>
+            <a:ext cx="10972080" cy="1144440"/>
           </a:xfrm>
           <a:prstGeom prst="rect">
             <a:avLst/>
@@ -782,15 +667,14 @@
           </a:ln>
         </p:spPr>
         <p:txBody>
-          <a:bodyPr lIns="0" tIns="0" rIns="0" bIns="0" anchor="ctr">
+          <a:bodyPr lIns="0" rIns="0" tIns="0" bIns="0" anchor="ctr">
             <a:noAutofit/>
           </a:bodyPr>
-          <a:lstStyle/>
           <a:p>
             <a:pPr indent="0">
               <a:buNone/>
             </a:pPr>
-            <a:endParaRPr lang="en-US" sz="1800" b="0" strike="noStrike" spc="-1">
+            <a:endParaRPr b="0" lang="fr-FR" sz="1800" spc="-1" strike="noStrike">
               <a:solidFill>
                 <a:schemeClr val="dk1"/>
               </a:solidFill>
@@ -801,7 +685,7 @@
       </p:sp>
       <p:sp>
         <p:nvSpPr>
-          <p:cNvPr id="39" name="PlaceHolder 2"/>
+          <p:cNvPr id="37" name="PlaceHolder 2"/>
           <p:cNvSpPr>
             <a:spLocks noGrp="1"/>
           </p:cNvSpPr>
@@ -823,23 +707,22 @@
           </a:ln>
         </p:spPr>
         <p:txBody>
-          <a:bodyPr lIns="0" tIns="0" rIns="0" bIns="0" anchor="t">
+          <a:bodyPr lIns="0" rIns="0" tIns="0" bIns="0" anchor="t">
             <a:normAutofit/>
           </a:bodyPr>
-          <a:lstStyle/>
           <a:p>
             <a:pPr indent="0">
               <a:lnSpc>
-                <a:spcPct val="94000"/>
+                <a:spcPct val="90000"/>
               </a:lnSpc>
               <a:spcBef>
                 <a:spcPts val="1417"/>
               </a:spcBef>
               <a:buNone/>
             </a:pPr>
-            <a:endParaRPr lang="en-US" sz="2000" b="0" strike="noStrike" spc="-1">
-              <a:solidFill>
-                <a:schemeClr val="dk2"/>
+            <a:endParaRPr b="0" lang="fr-FR" sz="2800" spc="-1" strike="noStrike">
+              <a:solidFill>
+                <a:schemeClr val="dk1"/>
               </a:solidFill>
               <a:latin typeface="Franklin Gothic Book"/>
             </a:endParaRPr>
@@ -848,7 +731,7 @@
       </p:sp>
       <p:sp>
         <p:nvSpPr>
-          <p:cNvPr id="40" name="PlaceHolder 3"/>
+          <p:cNvPr id="38" name="PlaceHolder 3"/>
           <p:cNvSpPr>
             <a:spLocks noGrp="1"/>
           </p:cNvSpPr>
@@ -870,23 +753,22 @@
           </a:ln>
         </p:spPr>
         <p:txBody>
-          <a:bodyPr lIns="0" tIns="0" rIns="0" bIns="0" anchor="t">
+          <a:bodyPr lIns="0" rIns="0" tIns="0" bIns="0" anchor="t">
             <a:normAutofit/>
           </a:bodyPr>
-          <a:lstStyle/>
           <a:p>
             <a:pPr indent="0">
               <a:lnSpc>
-                <a:spcPct val="94000"/>
+                <a:spcPct val="90000"/>
               </a:lnSpc>
               <a:spcBef>
                 <a:spcPts val="1417"/>
               </a:spcBef>
               <a:buNone/>
             </a:pPr>
-            <a:endParaRPr lang="en-US" sz="2000" b="0" strike="noStrike" spc="-1">
-              <a:solidFill>
-                <a:schemeClr val="dk2"/>
+            <a:endParaRPr b="0" lang="fr-FR" sz="2800" spc="-1" strike="noStrike">
+              <a:solidFill>
+                <a:schemeClr val="dk1"/>
               </a:solidFill>
               <a:latin typeface="Franklin Gothic Book"/>
             </a:endParaRPr>
@@ -895,7 +777,7 @@
       </p:sp>
       <p:sp>
         <p:nvSpPr>
-          <p:cNvPr id="41" name="PlaceHolder 4"/>
+          <p:cNvPr id="39" name="PlaceHolder 4"/>
           <p:cNvSpPr>
             <a:spLocks noGrp="1"/>
           </p:cNvSpPr>
@@ -917,23 +799,22 @@
           </a:ln>
         </p:spPr>
         <p:txBody>
-          <a:bodyPr lIns="0" tIns="0" rIns="0" bIns="0" anchor="t">
+          <a:bodyPr lIns="0" rIns="0" tIns="0" bIns="0" anchor="t">
             <a:normAutofit/>
           </a:bodyPr>
-          <a:lstStyle/>
           <a:p>
             <a:pPr indent="0">
               <a:lnSpc>
-                <a:spcPct val="94000"/>
+                <a:spcPct val="90000"/>
               </a:lnSpc>
               <a:spcBef>
                 <a:spcPts val="1417"/>
               </a:spcBef>
               <a:buNone/>
             </a:pPr>
-            <a:endParaRPr lang="en-US" sz="2000" b="0" strike="noStrike" spc="-1">
-              <a:solidFill>
-                <a:schemeClr val="dk2"/>
+            <a:endParaRPr b="0" lang="fr-FR" sz="2800" spc="-1" strike="noStrike">
+              <a:solidFill>
+                <a:schemeClr val="dk1"/>
               </a:solidFill>
               <a:latin typeface="Franklin Gothic Book"/>
             </a:endParaRPr>
@@ -942,7 +823,7 @@
       </p:sp>
       <p:sp>
         <p:nvSpPr>
-          <p:cNvPr id="42" name="PlaceHolder 5"/>
+          <p:cNvPr id="40" name="PlaceHolder 5"/>
           <p:cNvSpPr>
             <a:spLocks noGrp="1"/>
           </p:cNvSpPr>
@@ -964,23 +845,22 @@
           </a:ln>
         </p:spPr>
         <p:txBody>
-          <a:bodyPr lIns="0" tIns="0" rIns="0" bIns="0" anchor="t">
+          <a:bodyPr lIns="0" rIns="0" tIns="0" bIns="0" anchor="t">
             <a:normAutofit/>
           </a:bodyPr>
-          <a:lstStyle/>
           <a:p>
             <a:pPr indent="0">
               <a:lnSpc>
-                <a:spcPct val="94000"/>
+                <a:spcPct val="90000"/>
               </a:lnSpc>
               <a:spcBef>
                 <a:spcPts val="1417"/>
               </a:spcBef>
               <a:buNone/>
             </a:pPr>
-            <a:endParaRPr lang="en-US" sz="2000" b="0" strike="noStrike" spc="-1">
-              <a:solidFill>
-                <a:schemeClr val="dk2"/>
+            <a:endParaRPr b="0" lang="fr-FR" sz="2800" spc="-1" strike="noStrike">
+              <a:solidFill>
+                <a:schemeClr val="dk1"/>
               </a:solidFill>
               <a:latin typeface="Franklin Gothic Book"/>
             </a:endParaRPr>
@@ -989,7 +869,7 @@
       </p:sp>
       <p:sp>
         <p:nvSpPr>
-          <p:cNvPr id="43" name="PlaceHolder 6"/>
+          <p:cNvPr id="41" name="PlaceHolder 6"/>
           <p:cNvSpPr>
             <a:spLocks noGrp="1"/>
           </p:cNvSpPr>
@@ -1011,23 +891,22 @@
           </a:ln>
         </p:spPr>
         <p:txBody>
-          <a:bodyPr lIns="0" tIns="0" rIns="0" bIns="0" anchor="t">
+          <a:bodyPr lIns="0" rIns="0" tIns="0" bIns="0" anchor="t">
             <a:normAutofit/>
           </a:bodyPr>
-          <a:lstStyle/>
           <a:p>
             <a:pPr indent="0">
               <a:lnSpc>
-                <a:spcPct val="94000"/>
+                <a:spcPct val="90000"/>
               </a:lnSpc>
               <a:spcBef>
                 <a:spcPts val="1417"/>
               </a:spcBef>
               <a:buNone/>
             </a:pPr>
-            <a:endParaRPr lang="en-US" sz="2000" b="0" strike="noStrike" spc="-1">
-              <a:solidFill>
-                <a:schemeClr val="dk2"/>
+            <a:endParaRPr b="0" lang="fr-FR" sz="2800" spc="-1" strike="noStrike">
+              <a:solidFill>
+                <a:schemeClr val="dk1"/>
               </a:solidFill>
               <a:latin typeface="Franklin Gothic Book"/>
             </a:endParaRPr>
@@ -1036,7 +915,7 @@
       </p:sp>
       <p:sp>
         <p:nvSpPr>
-          <p:cNvPr id="44" name="PlaceHolder 7"/>
+          <p:cNvPr id="42" name="PlaceHolder 7"/>
           <p:cNvSpPr>
             <a:spLocks noGrp="1"/>
           </p:cNvSpPr>
@@ -1058,23 +937,22 @@
           </a:ln>
         </p:spPr>
         <p:txBody>
-          <a:bodyPr lIns="0" tIns="0" rIns="0" bIns="0" anchor="t">
+          <a:bodyPr lIns="0" rIns="0" tIns="0" bIns="0" anchor="t">
             <a:normAutofit/>
           </a:bodyPr>
-          <a:lstStyle/>
           <a:p>
             <a:pPr indent="0">
               <a:lnSpc>
-                <a:spcPct val="94000"/>
+                <a:spcPct val="90000"/>
               </a:lnSpc>
               <a:spcBef>
                 <a:spcPts val="1417"/>
               </a:spcBef>
               <a:buNone/>
             </a:pPr>
-            <a:endParaRPr lang="en-US" sz="2000" b="0" strike="noStrike" spc="-1">
-              <a:solidFill>
-                <a:schemeClr val="dk2"/>
+            <a:endParaRPr b="0" lang="fr-FR" sz="2800" spc="-1" strike="noStrike">
+              <a:solidFill>
+                <a:schemeClr val="dk1"/>
               </a:solidFill>
               <a:latin typeface="Franklin Gothic Book"/>
             </a:endParaRPr>
@@ -1088,13 +966,12 @@
             <a:spLocks noGrp="1"/>
           </p:cNvSpPr>
           <p:nvPr>
-            <p:ph type="ftr" idx="2"/>
+            <p:ph type="ftr" idx="1"/>
           </p:nvPr>
         </p:nvSpPr>
         <p:spPr/>
         <p:txBody>
           <a:bodyPr/>
-          <a:lstStyle/>
           <a:p>
             <a:r>
               <a:t>Footer</a:t>
@@ -1109,18 +986,16 @@
             <a:spLocks noGrp="1"/>
           </p:cNvSpPr>
           <p:nvPr>
-            <p:ph type="sldNum" idx="3"/>
+            <p:ph type="sldNum" idx="2"/>
           </p:nvPr>
         </p:nvSpPr>
         <p:spPr/>
         <p:txBody>
           <a:bodyPr/>
-          <a:lstStyle/>
-          <a:p>
-            <a:fld id="{B86F7ABB-E99B-496F-AE95-AE47F2942D2D}" type="slidenum">
-              <a:t>‹N°›</a:t>
+          <a:p>
+            <a:fld id="{4105F410-61ED-43F3-B13F-740D47611669}" type="slidenum">
+              <a:t>&lt;#&gt;</a:t>
             </a:fld>
-            <a:endParaRPr/>
           </a:p>
         </p:txBody>
       </p:sp>
@@ -1131,28 +1006,27 @@
             <a:spLocks noGrp="1"/>
           </p:cNvSpPr>
           <p:nvPr>
-            <p:ph type="dt" idx="1"/>
+            <p:ph type="dt" idx="3"/>
           </p:nvPr>
         </p:nvSpPr>
         <p:spPr/>
         <p:txBody>
           <a:bodyPr/>
-          <a:lstStyle/>
-          <a:p>
-            <a:endParaRPr/>
+          <a:p>
+            <a:r>
+              <a:rPr lang="fr-FR"/>
+              <a:t/>
+            </a:r>
           </a:p>
         </p:txBody>
       </p:sp>
     </p:spTree>
   </p:cSld>
-  <p:clrMapOvr>
-    <a:masterClrMapping/>
-  </p:clrMapOvr>
 </p:sldLayout>
 </file>
 
 <file path=ppt/slideLayouts/slideLayout2.xml><?xml version="1.0" encoding="utf-8"?>
-<p:sldLayout xmlns:a="http://schemas.openxmlformats.org/drawingml/2006/main" xmlns:r="http://schemas.openxmlformats.org/officeDocument/2006/relationships" xmlns:p="http://schemas.openxmlformats.org/presentationml/2006/main" type="tx" preserve="1">
+<p:sldLayout xmlns:a="http://schemas.openxmlformats.org/drawingml/2006/main" xmlns:p="http://schemas.openxmlformats.org/presentationml/2006/main" xmlns:r="http://schemas.openxmlformats.org/officeDocument/2006/relationships" xmlns:p14="http://schemas.microsoft.com/office/powerpoint/2010/main" xmlns:p15="http://schemas.microsoft.com/office/powerpoint/2012/main" xmlns:mc="http://schemas.openxmlformats.org/markup-compatibility/2006" type="tx" preserve="1">
   <p:cSld name="Title Slide">
     <p:spTree>
       <p:nvGrpSpPr>
@@ -1170,7 +1044,7 @@
       </p:grpSpPr>
       <p:sp>
         <p:nvSpPr>
-          <p:cNvPr id="9" name="PlaceHolder 1"/>
+          <p:cNvPr id="7" name="PlaceHolder 1"/>
           <p:cNvSpPr>
             <a:spLocks noGrp="1"/>
           </p:cNvSpPr>
@@ -1181,7 +1055,7 @@
         <p:spPr>
           <a:xfrm>
             <a:off x="609480" y="273600"/>
-            <a:ext cx="10972440" cy="1144800"/>
+            <a:ext cx="10972080" cy="1144440"/>
           </a:xfrm>
           <a:prstGeom prst="rect">
             <a:avLst/>
@@ -1192,15 +1066,14 @@
           </a:ln>
         </p:spPr>
         <p:txBody>
-          <a:bodyPr lIns="0" tIns="0" rIns="0" bIns="0" anchor="ctr">
+          <a:bodyPr lIns="0" rIns="0" tIns="0" bIns="0" anchor="ctr">
             <a:noAutofit/>
           </a:bodyPr>
-          <a:lstStyle/>
           <a:p>
             <a:pPr indent="0">
               <a:buNone/>
             </a:pPr>
-            <a:endParaRPr lang="en-US" sz="1800" b="0" strike="noStrike" spc="-1">
+            <a:endParaRPr b="0" lang="fr-FR" sz="1800" spc="-1" strike="noStrike">
               <a:solidFill>
                 <a:schemeClr val="dk1"/>
               </a:solidFill>
@@ -1211,7 +1084,7 @@
       </p:sp>
       <p:sp>
         <p:nvSpPr>
-          <p:cNvPr id="10" name="PlaceHolder 2"/>
+          <p:cNvPr id="8" name="PlaceHolder 2"/>
           <p:cNvSpPr>
             <a:spLocks noGrp="1"/>
           </p:cNvSpPr>
@@ -1233,15 +1106,14 @@
           </a:ln>
         </p:spPr>
         <p:txBody>
-          <a:bodyPr lIns="0" tIns="0" rIns="0" bIns="0" anchor="ctr">
+          <a:bodyPr lIns="0" rIns="0" tIns="0" bIns="0" anchor="ctr">
             <a:noAutofit/>
           </a:bodyPr>
-          <a:lstStyle/>
           <a:p>
             <a:pPr indent="0" algn="ctr">
               <a:buNone/>
             </a:pPr>
-            <a:endParaRPr lang="fr-FR" sz="3200" b="0" strike="noStrike" spc="-1">
+            <a:endParaRPr b="0" lang="fr-FR" sz="3200" spc="-1" strike="noStrike">
               <a:solidFill>
                 <a:srgbClr val="000000"/>
               </a:solidFill>
@@ -1257,13 +1129,12 @@
             <a:spLocks noGrp="1"/>
           </p:cNvSpPr>
           <p:nvPr>
-            <p:ph type="ftr" idx="2"/>
+            <p:ph type="ftr" idx="1"/>
           </p:nvPr>
         </p:nvSpPr>
         <p:spPr/>
         <p:txBody>
           <a:bodyPr/>
-          <a:lstStyle/>
           <a:p>
             <a:r>
               <a:t>Footer</a:t>
@@ -1278,18 +1149,16 @@
             <a:spLocks noGrp="1"/>
           </p:cNvSpPr>
           <p:nvPr>
-            <p:ph type="sldNum" idx="3"/>
+            <p:ph type="sldNum" idx="2"/>
           </p:nvPr>
         </p:nvSpPr>
         <p:spPr/>
         <p:txBody>
           <a:bodyPr/>
-          <a:lstStyle/>
-          <a:p>
-            <a:fld id="{4050DEA5-576D-4E0B-81DA-6C67D049DA73}" type="slidenum">
-              <a:t>‹N°›</a:t>
+          <a:p>
+            <a:fld id="{E34C7BBF-BCEF-45D4-84AA-FA87F378FC8B}" type="slidenum">
+              <a:t>&lt;#&gt;</a:t>
             </a:fld>
-            <a:endParaRPr/>
           </a:p>
         </p:txBody>
       </p:sp>
@@ -1300,28 +1169,27 @@
             <a:spLocks noGrp="1"/>
           </p:cNvSpPr>
           <p:nvPr>
-            <p:ph type="dt" idx="1"/>
+            <p:ph type="dt" idx="3"/>
           </p:nvPr>
         </p:nvSpPr>
         <p:spPr/>
         <p:txBody>
           <a:bodyPr/>
-          <a:lstStyle/>
-          <a:p>
-            <a:endParaRPr/>
+          <a:p>
+            <a:r>
+              <a:rPr lang="fr-FR"/>
+              <a:t/>
+            </a:r>
           </a:p>
         </p:txBody>
       </p:sp>
     </p:spTree>
   </p:cSld>
-  <p:clrMapOvr>
-    <a:masterClrMapping/>
-  </p:clrMapOvr>
 </p:sldLayout>
 </file>
 
 <file path=ppt/slideLayouts/slideLayout3.xml><?xml version="1.0" encoding="utf-8"?>
-<p:sldLayout xmlns:a="http://schemas.openxmlformats.org/drawingml/2006/main" xmlns:r="http://schemas.openxmlformats.org/officeDocument/2006/relationships" xmlns:p="http://schemas.openxmlformats.org/presentationml/2006/main" type="obj" preserve="1">
+<p:sldLayout xmlns:a="http://schemas.openxmlformats.org/drawingml/2006/main" xmlns:p="http://schemas.openxmlformats.org/presentationml/2006/main" xmlns:r="http://schemas.openxmlformats.org/officeDocument/2006/relationships" xmlns:p14="http://schemas.microsoft.com/office/powerpoint/2010/main" xmlns:p15="http://schemas.microsoft.com/office/powerpoint/2012/main" xmlns:mc="http://schemas.openxmlformats.org/markup-compatibility/2006" type="obj" preserve="1">
   <p:cSld name="Title, Content">
     <p:spTree>
       <p:nvGrpSpPr>
@@ -1339,7 +1207,7 @@
       </p:grpSpPr>
       <p:sp>
         <p:nvSpPr>
-          <p:cNvPr id="11" name="PlaceHolder 1"/>
+          <p:cNvPr id="9" name="PlaceHolder 1"/>
           <p:cNvSpPr>
             <a:spLocks noGrp="1"/>
           </p:cNvSpPr>
@@ -1350,7 +1218,7 @@
         <p:spPr>
           <a:xfrm>
             <a:off x="609480" y="273600"/>
-            <a:ext cx="10972440" cy="1144800"/>
+            <a:ext cx="10972080" cy="1144440"/>
           </a:xfrm>
           <a:prstGeom prst="rect">
             <a:avLst/>
@@ -1361,15 +1229,14 @@
           </a:ln>
         </p:spPr>
         <p:txBody>
-          <a:bodyPr lIns="0" tIns="0" rIns="0" bIns="0" anchor="ctr">
+          <a:bodyPr lIns="0" rIns="0" tIns="0" bIns="0" anchor="ctr">
             <a:noAutofit/>
           </a:bodyPr>
-          <a:lstStyle/>
           <a:p>
             <a:pPr indent="0">
               <a:buNone/>
             </a:pPr>
-            <a:endParaRPr lang="en-US" sz="1800" b="0" strike="noStrike" spc="-1">
+            <a:endParaRPr b="0" lang="fr-FR" sz="1800" spc="-1" strike="noStrike">
               <a:solidFill>
                 <a:schemeClr val="dk1"/>
               </a:solidFill>
@@ -1380,7 +1247,7 @@
       </p:sp>
       <p:sp>
         <p:nvSpPr>
-          <p:cNvPr id="12" name="PlaceHolder 2"/>
+          <p:cNvPr id="10" name="PlaceHolder 2"/>
           <p:cNvSpPr>
             <a:spLocks noGrp="1"/>
           </p:cNvSpPr>
@@ -1402,23 +1269,22 @@
           </a:ln>
         </p:spPr>
         <p:txBody>
-          <a:bodyPr lIns="0" tIns="0" rIns="0" bIns="0" anchor="t">
+          <a:bodyPr lIns="0" rIns="0" tIns="0" bIns="0" anchor="t">
             <a:normAutofit/>
           </a:bodyPr>
-          <a:lstStyle/>
           <a:p>
             <a:pPr indent="0">
               <a:lnSpc>
-                <a:spcPct val="94000"/>
+                <a:spcPct val="90000"/>
               </a:lnSpc>
               <a:spcBef>
                 <a:spcPts val="1417"/>
               </a:spcBef>
               <a:buNone/>
             </a:pPr>
-            <a:endParaRPr lang="en-US" sz="2000" b="0" strike="noStrike" spc="-1">
-              <a:solidFill>
-                <a:schemeClr val="dk2"/>
+            <a:endParaRPr b="0" lang="fr-FR" sz="2800" spc="-1" strike="noStrike">
+              <a:solidFill>
+                <a:schemeClr val="dk1"/>
               </a:solidFill>
               <a:latin typeface="Franklin Gothic Book"/>
             </a:endParaRPr>
@@ -1432,13 +1298,12 @@
             <a:spLocks noGrp="1"/>
           </p:cNvSpPr>
           <p:nvPr>
-            <p:ph type="ftr" idx="2"/>
+            <p:ph type="ftr" idx="1"/>
           </p:nvPr>
         </p:nvSpPr>
         <p:spPr/>
         <p:txBody>
           <a:bodyPr/>
-          <a:lstStyle/>
           <a:p>
             <a:r>
               <a:t>Footer</a:t>
@@ -1453,18 +1318,16 @@
             <a:spLocks noGrp="1"/>
           </p:cNvSpPr>
           <p:nvPr>
-            <p:ph type="sldNum" idx="3"/>
+            <p:ph type="sldNum" idx="2"/>
           </p:nvPr>
         </p:nvSpPr>
         <p:spPr/>
         <p:txBody>
           <a:bodyPr/>
-          <a:lstStyle/>
-          <a:p>
-            <a:fld id="{770B470A-27AD-40A2-82B4-2FAF12C38DEC}" type="slidenum">
-              <a:t>‹N°›</a:t>
+          <a:p>
+            <a:fld id="{F76EFBE1-A010-4AAF-9C46-2DC184A26166}" type="slidenum">
+              <a:t>&lt;#&gt;</a:t>
             </a:fld>
-            <a:endParaRPr/>
           </a:p>
         </p:txBody>
       </p:sp>
@@ -1475,28 +1338,27 @@
             <a:spLocks noGrp="1"/>
           </p:cNvSpPr>
           <p:nvPr>
-            <p:ph type="dt" idx="1"/>
+            <p:ph type="dt" idx="3"/>
           </p:nvPr>
         </p:nvSpPr>
         <p:spPr/>
         <p:txBody>
           <a:bodyPr/>
-          <a:lstStyle/>
-          <a:p>
-            <a:endParaRPr/>
+          <a:p>
+            <a:r>
+              <a:rPr lang="fr-FR"/>
+              <a:t/>
+            </a:r>
           </a:p>
         </p:txBody>
       </p:sp>
     </p:spTree>
   </p:cSld>
-  <p:clrMapOvr>
-    <a:masterClrMapping/>
-  </p:clrMapOvr>
 </p:sldLayout>
 </file>
 
 <file path=ppt/slideLayouts/slideLayout4.xml><?xml version="1.0" encoding="utf-8"?>
-<p:sldLayout xmlns:a="http://schemas.openxmlformats.org/drawingml/2006/main" xmlns:r="http://schemas.openxmlformats.org/officeDocument/2006/relationships" xmlns:p="http://schemas.openxmlformats.org/presentationml/2006/main" type="twoObj" preserve="1">
+<p:sldLayout xmlns:a="http://schemas.openxmlformats.org/drawingml/2006/main" xmlns:p="http://schemas.openxmlformats.org/presentationml/2006/main" xmlns:r="http://schemas.openxmlformats.org/officeDocument/2006/relationships" xmlns:p14="http://schemas.microsoft.com/office/powerpoint/2010/main" xmlns:p15="http://schemas.microsoft.com/office/powerpoint/2012/main" xmlns:mc="http://schemas.openxmlformats.org/markup-compatibility/2006" type="twoObj" preserve="1">
   <p:cSld name="Title, 2 Content">
     <p:spTree>
       <p:nvGrpSpPr>
@@ -1514,7 +1376,7 @@
       </p:grpSpPr>
       <p:sp>
         <p:nvSpPr>
-          <p:cNvPr id="13" name="PlaceHolder 1"/>
+          <p:cNvPr id="11" name="PlaceHolder 1"/>
           <p:cNvSpPr>
             <a:spLocks noGrp="1"/>
           </p:cNvSpPr>
@@ -1525,7 +1387,7 @@
         <p:spPr>
           <a:xfrm>
             <a:off x="609480" y="273600"/>
-            <a:ext cx="10972440" cy="1144800"/>
+            <a:ext cx="10972080" cy="1144440"/>
           </a:xfrm>
           <a:prstGeom prst="rect">
             <a:avLst/>
@@ -1536,15 +1398,14 @@
           </a:ln>
         </p:spPr>
         <p:txBody>
-          <a:bodyPr lIns="0" tIns="0" rIns="0" bIns="0" anchor="ctr">
+          <a:bodyPr lIns="0" rIns="0" tIns="0" bIns="0" anchor="ctr">
             <a:noAutofit/>
           </a:bodyPr>
-          <a:lstStyle/>
           <a:p>
             <a:pPr indent="0">
               <a:buNone/>
             </a:pPr>
-            <a:endParaRPr lang="en-US" sz="1800" b="0" strike="noStrike" spc="-1">
+            <a:endParaRPr b="0" lang="fr-FR" sz="1800" spc="-1" strike="noStrike">
               <a:solidFill>
                 <a:schemeClr val="dk1"/>
               </a:solidFill>
@@ -1555,7 +1416,7 @@
       </p:sp>
       <p:sp>
         <p:nvSpPr>
-          <p:cNvPr id="14" name="PlaceHolder 2"/>
+          <p:cNvPr id="12" name="PlaceHolder 2"/>
           <p:cNvSpPr>
             <a:spLocks noGrp="1"/>
           </p:cNvSpPr>
@@ -1577,23 +1438,22 @@
           </a:ln>
         </p:spPr>
         <p:txBody>
-          <a:bodyPr lIns="0" tIns="0" rIns="0" bIns="0" anchor="t">
+          <a:bodyPr lIns="0" rIns="0" tIns="0" bIns="0" anchor="t">
             <a:normAutofit/>
           </a:bodyPr>
-          <a:lstStyle/>
           <a:p>
             <a:pPr indent="0">
               <a:lnSpc>
-                <a:spcPct val="94000"/>
+                <a:spcPct val="90000"/>
               </a:lnSpc>
               <a:spcBef>
                 <a:spcPts val="1417"/>
               </a:spcBef>
               <a:buNone/>
             </a:pPr>
-            <a:endParaRPr lang="en-US" sz="2000" b="0" strike="noStrike" spc="-1">
-              <a:solidFill>
-                <a:schemeClr val="dk2"/>
+            <a:endParaRPr b="0" lang="fr-FR" sz="2800" spc="-1" strike="noStrike">
+              <a:solidFill>
+                <a:schemeClr val="dk1"/>
               </a:solidFill>
               <a:latin typeface="Franklin Gothic Book"/>
             </a:endParaRPr>
@@ -1602,7 +1462,7 @@
       </p:sp>
       <p:sp>
         <p:nvSpPr>
-          <p:cNvPr id="15" name="PlaceHolder 3"/>
+          <p:cNvPr id="13" name="PlaceHolder 3"/>
           <p:cNvSpPr>
             <a:spLocks noGrp="1"/>
           </p:cNvSpPr>
@@ -1624,23 +1484,22 @@
           </a:ln>
         </p:spPr>
         <p:txBody>
-          <a:bodyPr lIns="0" tIns="0" rIns="0" bIns="0" anchor="t">
+          <a:bodyPr lIns="0" rIns="0" tIns="0" bIns="0" anchor="t">
             <a:normAutofit/>
           </a:bodyPr>
-          <a:lstStyle/>
           <a:p>
             <a:pPr indent="0">
               <a:lnSpc>
-                <a:spcPct val="94000"/>
+                <a:spcPct val="90000"/>
               </a:lnSpc>
               <a:spcBef>
                 <a:spcPts val="1417"/>
               </a:spcBef>
               <a:buNone/>
             </a:pPr>
-            <a:endParaRPr lang="en-US" sz="2000" b="0" strike="noStrike" spc="-1">
-              <a:solidFill>
-                <a:schemeClr val="dk2"/>
+            <a:endParaRPr b="0" lang="fr-FR" sz="2800" spc="-1" strike="noStrike">
+              <a:solidFill>
+                <a:schemeClr val="dk1"/>
               </a:solidFill>
               <a:latin typeface="Franklin Gothic Book"/>
             </a:endParaRPr>
@@ -1654,13 +1513,12 @@
             <a:spLocks noGrp="1"/>
           </p:cNvSpPr>
           <p:nvPr>
-            <p:ph type="ftr" idx="2"/>
+            <p:ph type="ftr" idx="1"/>
           </p:nvPr>
         </p:nvSpPr>
         <p:spPr/>
         <p:txBody>
           <a:bodyPr/>
-          <a:lstStyle/>
           <a:p>
             <a:r>
               <a:t>Footer</a:t>
@@ -1675,18 +1533,16 @@
             <a:spLocks noGrp="1"/>
           </p:cNvSpPr>
           <p:nvPr>
-            <p:ph type="sldNum" idx="3"/>
+            <p:ph type="sldNum" idx="2"/>
           </p:nvPr>
         </p:nvSpPr>
         <p:spPr/>
         <p:txBody>
           <a:bodyPr/>
-          <a:lstStyle/>
-          <a:p>
-            <a:fld id="{988AC622-430F-4BE7-BC64-221FFE75759D}" type="slidenum">
-              <a:t>‹N°›</a:t>
+          <a:p>
+            <a:fld id="{6DC99256-94B3-4E25-9FD1-7B5CBC7F6ACC}" type="slidenum">
+              <a:t>&lt;#&gt;</a:t>
             </a:fld>
-            <a:endParaRPr/>
           </a:p>
         </p:txBody>
       </p:sp>
@@ -1697,28 +1553,27 @@
             <a:spLocks noGrp="1"/>
           </p:cNvSpPr>
           <p:nvPr>
-            <p:ph type="dt" idx="1"/>
+            <p:ph type="dt" idx="3"/>
           </p:nvPr>
         </p:nvSpPr>
         <p:spPr/>
         <p:txBody>
           <a:bodyPr/>
-          <a:lstStyle/>
-          <a:p>
-            <a:endParaRPr/>
+          <a:p>
+            <a:r>
+              <a:rPr lang="fr-FR"/>
+              <a:t/>
+            </a:r>
           </a:p>
         </p:txBody>
       </p:sp>
     </p:spTree>
   </p:cSld>
-  <p:clrMapOvr>
-    <a:masterClrMapping/>
-  </p:clrMapOvr>
 </p:sldLayout>
 </file>
 
 <file path=ppt/slideLayouts/slideLayout5.xml><?xml version="1.0" encoding="utf-8"?>
-<p:sldLayout xmlns:a="http://schemas.openxmlformats.org/drawingml/2006/main" xmlns:r="http://schemas.openxmlformats.org/officeDocument/2006/relationships" xmlns:p="http://schemas.openxmlformats.org/presentationml/2006/main" type="titleOnly" preserve="1">
+<p:sldLayout xmlns:a="http://schemas.openxmlformats.org/drawingml/2006/main" xmlns:p="http://schemas.openxmlformats.org/presentationml/2006/main" xmlns:r="http://schemas.openxmlformats.org/officeDocument/2006/relationships" xmlns:p14="http://schemas.microsoft.com/office/powerpoint/2010/main" xmlns:p15="http://schemas.microsoft.com/office/powerpoint/2012/main" xmlns:mc="http://schemas.openxmlformats.org/markup-compatibility/2006" type="titleOnly" preserve="1">
   <p:cSld name="Title Only">
     <p:spTree>
       <p:nvGrpSpPr>
@@ -1736,7 +1591,7 @@
       </p:grpSpPr>
       <p:sp>
         <p:nvSpPr>
-          <p:cNvPr id="16" name="PlaceHolder 1"/>
+          <p:cNvPr id="14" name="PlaceHolder 1"/>
           <p:cNvSpPr>
             <a:spLocks noGrp="1"/>
           </p:cNvSpPr>
@@ -1747,7 +1602,7 @@
         <p:spPr>
           <a:xfrm>
             <a:off x="609480" y="273600"/>
-            <a:ext cx="10972440" cy="1144800"/>
+            <a:ext cx="10972080" cy="1144440"/>
           </a:xfrm>
           <a:prstGeom prst="rect">
             <a:avLst/>
@@ -1758,15 +1613,14 @@
           </a:ln>
         </p:spPr>
         <p:txBody>
-          <a:bodyPr lIns="0" tIns="0" rIns="0" bIns="0" anchor="ctr">
+          <a:bodyPr lIns="0" rIns="0" tIns="0" bIns="0" anchor="ctr">
             <a:noAutofit/>
           </a:bodyPr>
-          <a:lstStyle/>
           <a:p>
             <a:pPr indent="0">
               <a:buNone/>
             </a:pPr>
-            <a:endParaRPr lang="en-US" sz="1800" b="0" strike="noStrike" spc="-1">
+            <a:endParaRPr b="0" lang="fr-FR" sz="1800" spc="-1" strike="noStrike">
               <a:solidFill>
                 <a:schemeClr val="dk1"/>
               </a:solidFill>
@@ -1782,13 +1636,12 @@
             <a:spLocks noGrp="1"/>
           </p:cNvSpPr>
           <p:nvPr>
-            <p:ph type="ftr" idx="2"/>
+            <p:ph type="ftr" idx="1"/>
           </p:nvPr>
         </p:nvSpPr>
         <p:spPr/>
         <p:txBody>
           <a:bodyPr/>
-          <a:lstStyle/>
           <a:p>
             <a:r>
               <a:t>Footer</a:t>
@@ -1803,18 +1656,16 @@
             <a:spLocks noGrp="1"/>
           </p:cNvSpPr>
           <p:nvPr>
-            <p:ph type="sldNum" idx="3"/>
+            <p:ph type="sldNum" idx="2"/>
           </p:nvPr>
         </p:nvSpPr>
         <p:spPr/>
         <p:txBody>
           <a:bodyPr/>
-          <a:lstStyle/>
-          <a:p>
-            <a:fld id="{F5B21CD1-2939-48F3-AAD4-020D066D8DC8}" type="slidenum">
-              <a:t>‹N°›</a:t>
+          <a:p>
+            <a:fld id="{FB36FE6E-17B1-4A97-B343-A32FF3312C1A}" type="slidenum">
+              <a:t>&lt;#&gt;</a:t>
             </a:fld>
-            <a:endParaRPr/>
           </a:p>
         </p:txBody>
       </p:sp>
@@ -1825,28 +1676,27 @@
             <a:spLocks noGrp="1"/>
           </p:cNvSpPr>
           <p:nvPr>
-            <p:ph type="dt" idx="1"/>
+            <p:ph type="dt" idx="3"/>
           </p:nvPr>
         </p:nvSpPr>
         <p:spPr/>
         <p:txBody>
           <a:bodyPr/>
-          <a:lstStyle/>
-          <a:p>
-            <a:endParaRPr/>
+          <a:p>
+            <a:r>
+              <a:rPr lang="fr-FR"/>
+              <a:t/>
+            </a:r>
           </a:p>
         </p:txBody>
       </p:sp>
     </p:spTree>
   </p:cSld>
-  <p:clrMapOvr>
-    <a:masterClrMapping/>
-  </p:clrMapOvr>
 </p:sldLayout>
 </file>
 
 <file path=ppt/slideLayouts/slideLayout6.xml><?xml version="1.0" encoding="utf-8"?>
-<p:sldLayout xmlns:a="http://schemas.openxmlformats.org/drawingml/2006/main" xmlns:r="http://schemas.openxmlformats.org/officeDocument/2006/relationships" xmlns:p="http://schemas.openxmlformats.org/presentationml/2006/main" type="objOnly" preserve="1">
+<p:sldLayout xmlns:a="http://schemas.openxmlformats.org/drawingml/2006/main" xmlns:p="http://schemas.openxmlformats.org/presentationml/2006/main" xmlns:r="http://schemas.openxmlformats.org/officeDocument/2006/relationships" xmlns:p14="http://schemas.microsoft.com/office/powerpoint/2010/main" xmlns:p15="http://schemas.microsoft.com/office/powerpoint/2012/main" xmlns:mc="http://schemas.openxmlformats.org/markup-compatibility/2006" type="objOnly" preserve="1">
   <p:cSld name="Centered Text">
     <p:spTree>
       <p:nvGrpSpPr>
@@ -1864,7 +1714,7 @@
       </p:grpSpPr>
       <p:sp>
         <p:nvSpPr>
-          <p:cNvPr id="17" name="PlaceHolder 1"/>
+          <p:cNvPr id="15" name="PlaceHolder 1"/>
           <p:cNvSpPr>
             <a:spLocks noGrp="1"/>
           </p:cNvSpPr>
@@ -1875,7 +1725,7 @@
         <p:spPr>
           <a:xfrm>
             <a:off x="609480" y="273600"/>
-            <a:ext cx="10972440" cy="5307840"/>
+            <a:ext cx="10972080" cy="5306400"/>
           </a:xfrm>
           <a:prstGeom prst="rect">
             <a:avLst/>
@@ -1886,13 +1736,12 @@
           </a:ln>
         </p:spPr>
         <p:txBody>
-          <a:bodyPr lIns="0" tIns="0" rIns="0" bIns="0" anchor="ctr">
+          <a:bodyPr lIns="0" rIns="0" tIns="0" bIns="0" anchor="ctr">
             <a:noAutofit/>
           </a:bodyPr>
-          <a:lstStyle/>
           <a:p>
             <a:pPr algn="ctr"/>
-            <a:endParaRPr lang="fr-FR" sz="3200" b="0" strike="noStrike" spc="-1">
+            <a:endParaRPr b="0" lang="fr-FR" sz="3200" spc="-1" strike="noStrike">
               <a:solidFill>
                 <a:srgbClr val="000000"/>
               </a:solidFill>
@@ -1908,13 +1757,12 @@
             <a:spLocks noGrp="1"/>
           </p:cNvSpPr>
           <p:nvPr>
-            <p:ph type="ftr" idx="2"/>
+            <p:ph type="ftr" idx="1"/>
           </p:nvPr>
         </p:nvSpPr>
         <p:spPr/>
         <p:txBody>
           <a:bodyPr/>
-          <a:lstStyle/>
           <a:p>
             <a:r>
               <a:t>Footer</a:t>
@@ -1929,18 +1777,16 @@
             <a:spLocks noGrp="1"/>
           </p:cNvSpPr>
           <p:nvPr>
-            <p:ph type="sldNum" idx="3"/>
+            <p:ph type="sldNum" idx="2"/>
           </p:nvPr>
         </p:nvSpPr>
         <p:spPr/>
         <p:txBody>
           <a:bodyPr/>
-          <a:lstStyle/>
-          <a:p>
-            <a:fld id="{87080C09-77E1-405A-A0F3-805D6C0C3D3A}" type="slidenum">
-              <a:t>‹N°›</a:t>
+          <a:p>
+            <a:fld id="{8AB65581-1989-415C-8D00-4C4D5F593A94}" type="slidenum">
+              <a:t>&lt;#&gt;</a:t>
             </a:fld>
-            <a:endParaRPr/>
           </a:p>
         </p:txBody>
       </p:sp>
@@ -1951,28 +1797,27 @@
             <a:spLocks noGrp="1"/>
           </p:cNvSpPr>
           <p:nvPr>
-            <p:ph type="dt" idx="1"/>
+            <p:ph type="dt" idx="3"/>
           </p:nvPr>
         </p:nvSpPr>
         <p:spPr/>
         <p:txBody>
           <a:bodyPr/>
-          <a:lstStyle/>
-          <a:p>
-            <a:endParaRPr/>
+          <a:p>
+            <a:r>
+              <a:rPr lang="fr-FR"/>
+              <a:t/>
+            </a:r>
           </a:p>
         </p:txBody>
       </p:sp>
     </p:spTree>
   </p:cSld>
-  <p:clrMapOvr>
-    <a:masterClrMapping/>
-  </p:clrMapOvr>
 </p:sldLayout>
 </file>
 
 <file path=ppt/slideLayouts/slideLayout7.xml><?xml version="1.0" encoding="utf-8"?>
-<p:sldLayout xmlns:a="http://schemas.openxmlformats.org/drawingml/2006/main" xmlns:r="http://schemas.openxmlformats.org/officeDocument/2006/relationships" xmlns:p="http://schemas.openxmlformats.org/presentationml/2006/main" type="twoObjAndObj" preserve="1">
+<p:sldLayout xmlns:a="http://schemas.openxmlformats.org/drawingml/2006/main" xmlns:p="http://schemas.openxmlformats.org/presentationml/2006/main" xmlns:r="http://schemas.openxmlformats.org/officeDocument/2006/relationships" xmlns:p14="http://schemas.microsoft.com/office/powerpoint/2010/main" xmlns:p15="http://schemas.microsoft.com/office/powerpoint/2012/main" xmlns:mc="http://schemas.openxmlformats.org/markup-compatibility/2006" type="twoObjAndObj" preserve="1">
   <p:cSld name="Title, 2 Content and Content">
     <p:spTree>
       <p:nvGrpSpPr>
@@ -1990,7 +1835,7 @@
       </p:grpSpPr>
       <p:sp>
         <p:nvSpPr>
-          <p:cNvPr id="18" name="PlaceHolder 1"/>
+          <p:cNvPr id="16" name="PlaceHolder 1"/>
           <p:cNvSpPr>
             <a:spLocks noGrp="1"/>
           </p:cNvSpPr>
@@ -2001,7 +1846,7 @@
         <p:spPr>
           <a:xfrm>
             <a:off x="609480" y="273600"/>
-            <a:ext cx="10972440" cy="1144800"/>
+            <a:ext cx="10972080" cy="1144440"/>
           </a:xfrm>
           <a:prstGeom prst="rect">
             <a:avLst/>
@@ -2012,15 +1857,14 @@
           </a:ln>
         </p:spPr>
         <p:txBody>
-          <a:bodyPr lIns="0" tIns="0" rIns="0" bIns="0" anchor="ctr">
+          <a:bodyPr lIns="0" rIns="0" tIns="0" bIns="0" anchor="ctr">
             <a:noAutofit/>
           </a:bodyPr>
-          <a:lstStyle/>
           <a:p>
             <a:pPr indent="0">
               <a:buNone/>
             </a:pPr>
-            <a:endParaRPr lang="en-US" sz="1800" b="0" strike="noStrike" spc="-1">
+            <a:endParaRPr b="0" lang="fr-FR" sz="1800" spc="-1" strike="noStrike">
               <a:solidFill>
                 <a:schemeClr val="dk1"/>
               </a:solidFill>
@@ -2031,7 +1875,7 @@
       </p:sp>
       <p:sp>
         <p:nvSpPr>
-          <p:cNvPr id="19" name="PlaceHolder 2"/>
+          <p:cNvPr id="17" name="PlaceHolder 2"/>
           <p:cNvSpPr>
             <a:spLocks noGrp="1"/>
           </p:cNvSpPr>
@@ -2053,23 +1897,22 @@
           </a:ln>
         </p:spPr>
         <p:txBody>
-          <a:bodyPr lIns="0" tIns="0" rIns="0" bIns="0" anchor="t">
+          <a:bodyPr lIns="0" rIns="0" tIns="0" bIns="0" anchor="t">
             <a:normAutofit/>
           </a:bodyPr>
-          <a:lstStyle/>
           <a:p>
             <a:pPr indent="0">
               <a:lnSpc>
-                <a:spcPct val="94000"/>
+                <a:spcPct val="90000"/>
               </a:lnSpc>
               <a:spcBef>
                 <a:spcPts val="1417"/>
               </a:spcBef>
               <a:buNone/>
             </a:pPr>
-            <a:endParaRPr lang="en-US" sz="2000" b="0" strike="noStrike" spc="-1">
-              <a:solidFill>
-                <a:schemeClr val="dk2"/>
+            <a:endParaRPr b="0" lang="fr-FR" sz="2800" spc="-1" strike="noStrike">
+              <a:solidFill>
+                <a:schemeClr val="dk1"/>
               </a:solidFill>
               <a:latin typeface="Franklin Gothic Book"/>
             </a:endParaRPr>
@@ -2078,7 +1921,7 @@
       </p:sp>
       <p:sp>
         <p:nvSpPr>
-          <p:cNvPr id="20" name="PlaceHolder 3"/>
+          <p:cNvPr id="18" name="PlaceHolder 3"/>
           <p:cNvSpPr>
             <a:spLocks noGrp="1"/>
           </p:cNvSpPr>
@@ -2100,23 +1943,22 @@
           </a:ln>
         </p:spPr>
         <p:txBody>
-          <a:bodyPr lIns="0" tIns="0" rIns="0" bIns="0" anchor="t">
+          <a:bodyPr lIns="0" rIns="0" tIns="0" bIns="0" anchor="t">
             <a:normAutofit/>
           </a:bodyPr>
-          <a:lstStyle/>
           <a:p>
             <a:pPr indent="0">
               <a:lnSpc>
-                <a:spcPct val="94000"/>
+                <a:spcPct val="90000"/>
               </a:lnSpc>
               <a:spcBef>
                 <a:spcPts val="1417"/>
               </a:spcBef>
               <a:buNone/>
             </a:pPr>
-            <a:endParaRPr lang="en-US" sz="2000" b="0" strike="noStrike" spc="-1">
-              <a:solidFill>
-                <a:schemeClr val="dk2"/>
+            <a:endParaRPr b="0" lang="fr-FR" sz="2800" spc="-1" strike="noStrike">
+              <a:solidFill>
+                <a:schemeClr val="dk1"/>
               </a:solidFill>
               <a:latin typeface="Franklin Gothic Book"/>
             </a:endParaRPr>
@@ -2125,7 +1967,7 @@
       </p:sp>
       <p:sp>
         <p:nvSpPr>
-          <p:cNvPr id="21" name="PlaceHolder 4"/>
+          <p:cNvPr id="19" name="PlaceHolder 4"/>
           <p:cNvSpPr>
             <a:spLocks noGrp="1"/>
           </p:cNvSpPr>
@@ -2147,23 +1989,22 @@
           </a:ln>
         </p:spPr>
         <p:txBody>
-          <a:bodyPr lIns="0" tIns="0" rIns="0" bIns="0" anchor="t">
+          <a:bodyPr lIns="0" rIns="0" tIns="0" bIns="0" anchor="t">
             <a:normAutofit/>
           </a:bodyPr>
-          <a:lstStyle/>
           <a:p>
             <a:pPr indent="0">
               <a:lnSpc>
-                <a:spcPct val="94000"/>
+                <a:spcPct val="90000"/>
               </a:lnSpc>
               <a:spcBef>
                 <a:spcPts val="1417"/>
               </a:spcBef>
               <a:buNone/>
             </a:pPr>
-            <a:endParaRPr lang="en-US" sz="2000" b="0" strike="noStrike" spc="-1">
-              <a:solidFill>
-                <a:schemeClr val="dk2"/>
+            <a:endParaRPr b="0" lang="fr-FR" sz="2800" spc="-1" strike="noStrike">
+              <a:solidFill>
+                <a:schemeClr val="dk1"/>
               </a:solidFill>
               <a:latin typeface="Franklin Gothic Book"/>
             </a:endParaRPr>
@@ -2177,13 +2018,12 @@
             <a:spLocks noGrp="1"/>
           </p:cNvSpPr>
           <p:nvPr>
-            <p:ph type="ftr" idx="2"/>
+            <p:ph type="ftr" idx="1"/>
           </p:nvPr>
         </p:nvSpPr>
         <p:spPr/>
         <p:txBody>
           <a:bodyPr/>
-          <a:lstStyle/>
           <a:p>
             <a:r>
               <a:t>Footer</a:t>
@@ -2198,18 +2038,16 @@
             <a:spLocks noGrp="1"/>
           </p:cNvSpPr>
           <p:nvPr>
-            <p:ph type="sldNum" idx="3"/>
+            <p:ph type="sldNum" idx="2"/>
           </p:nvPr>
         </p:nvSpPr>
         <p:spPr/>
         <p:txBody>
           <a:bodyPr/>
-          <a:lstStyle/>
-          <a:p>
-            <a:fld id="{38AED095-BAB7-41BD-A60E-9D20CC25184A}" type="slidenum">
-              <a:t>‹N°›</a:t>
+          <a:p>
+            <a:fld id="{A8D2C814-3473-4376-A4D0-6FA83D5F3814}" type="slidenum">
+              <a:t>&lt;#&gt;</a:t>
             </a:fld>
-            <a:endParaRPr/>
           </a:p>
         </p:txBody>
       </p:sp>
@@ -2220,28 +2058,27 @@
             <a:spLocks noGrp="1"/>
           </p:cNvSpPr>
           <p:nvPr>
-            <p:ph type="dt" idx="1"/>
+            <p:ph type="dt" idx="3"/>
           </p:nvPr>
         </p:nvSpPr>
         <p:spPr/>
         <p:txBody>
           <a:bodyPr/>
-          <a:lstStyle/>
-          <a:p>
-            <a:endParaRPr/>
+          <a:p>
+            <a:r>
+              <a:rPr lang="fr-FR"/>
+              <a:t/>
+            </a:r>
           </a:p>
         </p:txBody>
       </p:sp>
     </p:spTree>
   </p:cSld>
-  <p:clrMapOvr>
-    <a:masterClrMapping/>
-  </p:clrMapOvr>
 </p:sldLayout>
 </file>
 
 <file path=ppt/slideLayouts/slideLayout8.xml><?xml version="1.0" encoding="utf-8"?>
-<p:sldLayout xmlns:a="http://schemas.openxmlformats.org/drawingml/2006/main" xmlns:r="http://schemas.openxmlformats.org/officeDocument/2006/relationships" xmlns:p="http://schemas.openxmlformats.org/presentationml/2006/main" type="objAndTwoObj" preserve="1">
+<p:sldLayout xmlns:a="http://schemas.openxmlformats.org/drawingml/2006/main" xmlns:p="http://schemas.openxmlformats.org/presentationml/2006/main" xmlns:r="http://schemas.openxmlformats.org/officeDocument/2006/relationships" xmlns:p14="http://schemas.microsoft.com/office/powerpoint/2010/main" xmlns:p15="http://schemas.microsoft.com/office/powerpoint/2012/main" xmlns:mc="http://schemas.openxmlformats.org/markup-compatibility/2006" type="objAndTwoObj" preserve="1">
   <p:cSld name="Title Content and 2 Content">
     <p:spTree>
       <p:nvGrpSpPr>
@@ -2259,7 +2096,7 @@
       </p:grpSpPr>
       <p:sp>
         <p:nvSpPr>
-          <p:cNvPr id="22" name="PlaceHolder 1"/>
+          <p:cNvPr id="20" name="PlaceHolder 1"/>
           <p:cNvSpPr>
             <a:spLocks noGrp="1"/>
           </p:cNvSpPr>
@@ -2270,7 +2107,7 @@
         <p:spPr>
           <a:xfrm>
             <a:off x="609480" y="273600"/>
-            <a:ext cx="10972440" cy="1144800"/>
+            <a:ext cx="10972080" cy="1144440"/>
           </a:xfrm>
           <a:prstGeom prst="rect">
             <a:avLst/>
@@ -2281,15 +2118,14 @@
           </a:ln>
         </p:spPr>
         <p:txBody>
-          <a:bodyPr lIns="0" tIns="0" rIns="0" bIns="0" anchor="ctr">
+          <a:bodyPr lIns="0" rIns="0" tIns="0" bIns="0" anchor="ctr">
             <a:noAutofit/>
           </a:bodyPr>
-          <a:lstStyle/>
           <a:p>
             <a:pPr indent="0">
               <a:buNone/>
             </a:pPr>
-            <a:endParaRPr lang="en-US" sz="1800" b="0" strike="noStrike" spc="-1">
+            <a:endParaRPr b="0" lang="fr-FR" sz="1800" spc="-1" strike="noStrike">
               <a:solidFill>
                 <a:schemeClr val="dk1"/>
               </a:solidFill>
@@ -2300,7 +2136,7 @@
       </p:sp>
       <p:sp>
         <p:nvSpPr>
-          <p:cNvPr id="23" name="PlaceHolder 2"/>
+          <p:cNvPr id="21" name="PlaceHolder 2"/>
           <p:cNvSpPr>
             <a:spLocks noGrp="1"/>
           </p:cNvSpPr>
@@ -2322,23 +2158,22 @@
           </a:ln>
         </p:spPr>
         <p:txBody>
-          <a:bodyPr lIns="0" tIns="0" rIns="0" bIns="0" anchor="t">
+          <a:bodyPr lIns="0" rIns="0" tIns="0" bIns="0" anchor="t">
             <a:normAutofit/>
           </a:bodyPr>
-          <a:lstStyle/>
           <a:p>
             <a:pPr indent="0">
               <a:lnSpc>
-                <a:spcPct val="94000"/>
+                <a:spcPct val="90000"/>
               </a:lnSpc>
               <a:spcBef>
                 <a:spcPts val="1417"/>
               </a:spcBef>
               <a:buNone/>
             </a:pPr>
-            <a:endParaRPr lang="en-US" sz="2000" b="0" strike="noStrike" spc="-1">
-              <a:solidFill>
-                <a:schemeClr val="dk2"/>
+            <a:endParaRPr b="0" lang="fr-FR" sz="2800" spc="-1" strike="noStrike">
+              <a:solidFill>
+                <a:schemeClr val="dk1"/>
               </a:solidFill>
               <a:latin typeface="Franklin Gothic Book"/>
             </a:endParaRPr>
@@ -2347,7 +2182,7 @@
       </p:sp>
       <p:sp>
         <p:nvSpPr>
-          <p:cNvPr id="24" name="PlaceHolder 3"/>
+          <p:cNvPr id="22" name="PlaceHolder 3"/>
           <p:cNvSpPr>
             <a:spLocks noGrp="1"/>
           </p:cNvSpPr>
@@ -2369,23 +2204,22 @@
           </a:ln>
         </p:spPr>
         <p:txBody>
-          <a:bodyPr lIns="0" tIns="0" rIns="0" bIns="0" anchor="t">
+          <a:bodyPr lIns="0" rIns="0" tIns="0" bIns="0" anchor="t">
             <a:normAutofit/>
           </a:bodyPr>
-          <a:lstStyle/>
           <a:p>
             <a:pPr indent="0">
               <a:lnSpc>
-                <a:spcPct val="94000"/>
+                <a:spcPct val="90000"/>
               </a:lnSpc>
               <a:spcBef>
                 <a:spcPts val="1417"/>
               </a:spcBef>
               <a:buNone/>
             </a:pPr>
-            <a:endParaRPr lang="en-US" sz="2000" b="0" strike="noStrike" spc="-1">
-              <a:solidFill>
-                <a:schemeClr val="dk2"/>
+            <a:endParaRPr b="0" lang="fr-FR" sz="2800" spc="-1" strike="noStrike">
+              <a:solidFill>
+                <a:schemeClr val="dk1"/>
               </a:solidFill>
               <a:latin typeface="Franklin Gothic Book"/>
             </a:endParaRPr>
@@ -2394,7 +2228,7 @@
       </p:sp>
       <p:sp>
         <p:nvSpPr>
-          <p:cNvPr id="25" name="PlaceHolder 4"/>
+          <p:cNvPr id="23" name="PlaceHolder 4"/>
           <p:cNvSpPr>
             <a:spLocks noGrp="1"/>
           </p:cNvSpPr>
@@ -2416,23 +2250,22 @@
           </a:ln>
         </p:spPr>
         <p:txBody>
-          <a:bodyPr lIns="0" tIns="0" rIns="0" bIns="0" anchor="t">
+          <a:bodyPr lIns="0" rIns="0" tIns="0" bIns="0" anchor="t">
             <a:normAutofit/>
           </a:bodyPr>
-          <a:lstStyle/>
           <a:p>
             <a:pPr indent="0">
               <a:lnSpc>
-                <a:spcPct val="94000"/>
+                <a:spcPct val="90000"/>
               </a:lnSpc>
               <a:spcBef>
                 <a:spcPts val="1417"/>
               </a:spcBef>
               <a:buNone/>
             </a:pPr>
-            <a:endParaRPr lang="en-US" sz="2000" b="0" strike="noStrike" spc="-1">
-              <a:solidFill>
-                <a:schemeClr val="dk2"/>
+            <a:endParaRPr b="0" lang="fr-FR" sz="2800" spc="-1" strike="noStrike">
+              <a:solidFill>
+                <a:schemeClr val="dk1"/>
               </a:solidFill>
               <a:latin typeface="Franklin Gothic Book"/>
             </a:endParaRPr>
@@ -2446,13 +2279,12 @@
             <a:spLocks noGrp="1"/>
           </p:cNvSpPr>
           <p:nvPr>
-            <p:ph type="ftr" idx="2"/>
+            <p:ph type="ftr" idx="1"/>
           </p:nvPr>
         </p:nvSpPr>
         <p:spPr/>
         <p:txBody>
           <a:bodyPr/>
-          <a:lstStyle/>
           <a:p>
             <a:r>
               <a:t>Footer</a:t>
@@ -2467,18 +2299,16 @@
             <a:spLocks noGrp="1"/>
           </p:cNvSpPr>
           <p:nvPr>
-            <p:ph type="sldNum" idx="3"/>
+            <p:ph type="sldNum" idx="2"/>
           </p:nvPr>
         </p:nvSpPr>
         <p:spPr/>
         <p:txBody>
           <a:bodyPr/>
-          <a:lstStyle/>
-          <a:p>
-            <a:fld id="{5EA527D4-7499-450B-BA12-9DFEE40AB417}" type="slidenum">
-              <a:t>‹N°›</a:t>
+          <a:p>
+            <a:fld id="{B94F592F-61F6-4B4F-8B1D-AADB18CFD210}" type="slidenum">
+              <a:t>&lt;#&gt;</a:t>
             </a:fld>
-            <a:endParaRPr/>
           </a:p>
         </p:txBody>
       </p:sp>
@@ -2489,28 +2319,27 @@
             <a:spLocks noGrp="1"/>
           </p:cNvSpPr>
           <p:nvPr>
-            <p:ph type="dt" idx="1"/>
+            <p:ph type="dt" idx="3"/>
           </p:nvPr>
         </p:nvSpPr>
         <p:spPr/>
         <p:txBody>
           <a:bodyPr/>
-          <a:lstStyle/>
-          <a:p>
-            <a:endParaRPr/>
+          <a:p>
+            <a:r>
+              <a:rPr lang="fr-FR"/>
+              <a:t/>
+            </a:r>
           </a:p>
         </p:txBody>
       </p:sp>
     </p:spTree>
   </p:cSld>
-  <p:clrMapOvr>
-    <a:masterClrMapping/>
-  </p:clrMapOvr>
 </p:sldLayout>
 </file>
 
 <file path=ppt/slideLayouts/slideLayout9.xml><?xml version="1.0" encoding="utf-8"?>
-<p:sldLayout xmlns:a="http://schemas.openxmlformats.org/drawingml/2006/main" xmlns:r="http://schemas.openxmlformats.org/officeDocument/2006/relationships" xmlns:p="http://schemas.openxmlformats.org/presentationml/2006/main" type="twoObjOverTx" preserve="1">
+<p:sldLayout xmlns:a="http://schemas.openxmlformats.org/drawingml/2006/main" xmlns:p="http://schemas.openxmlformats.org/presentationml/2006/main" xmlns:r="http://schemas.openxmlformats.org/officeDocument/2006/relationships" xmlns:p14="http://schemas.microsoft.com/office/powerpoint/2010/main" xmlns:p15="http://schemas.microsoft.com/office/powerpoint/2012/main" xmlns:mc="http://schemas.openxmlformats.org/markup-compatibility/2006" type="twoObjOverTx" preserve="1">
   <p:cSld name="Title, 2 Content over Content">
     <p:spTree>
       <p:nvGrpSpPr>
@@ -2528,7 +2357,7 @@
       </p:grpSpPr>
       <p:sp>
         <p:nvSpPr>
-          <p:cNvPr id="26" name="PlaceHolder 1"/>
+          <p:cNvPr id="24" name="PlaceHolder 1"/>
           <p:cNvSpPr>
             <a:spLocks noGrp="1"/>
           </p:cNvSpPr>
@@ -2539,7 +2368,7 @@
         <p:spPr>
           <a:xfrm>
             <a:off x="609480" y="273600"/>
-            <a:ext cx="10972440" cy="1144800"/>
+            <a:ext cx="10972080" cy="1144440"/>
           </a:xfrm>
           <a:prstGeom prst="rect">
             <a:avLst/>
@@ -2550,15 +2379,14 @@
           </a:ln>
         </p:spPr>
         <p:txBody>
-          <a:bodyPr lIns="0" tIns="0" rIns="0" bIns="0" anchor="ctr">
+          <a:bodyPr lIns="0" rIns="0" tIns="0" bIns="0" anchor="ctr">
             <a:noAutofit/>
           </a:bodyPr>
-          <a:lstStyle/>
           <a:p>
             <a:pPr indent="0">
               <a:buNone/>
             </a:pPr>
-            <a:endParaRPr lang="en-US" sz="1800" b="0" strike="noStrike" spc="-1">
+            <a:endParaRPr b="0" lang="fr-FR" sz="1800" spc="-1" strike="noStrike">
               <a:solidFill>
                 <a:schemeClr val="dk1"/>
               </a:solidFill>
@@ -2569,7 +2397,7 @@
       </p:sp>
       <p:sp>
         <p:nvSpPr>
-          <p:cNvPr id="27" name="PlaceHolder 2"/>
+          <p:cNvPr id="25" name="PlaceHolder 2"/>
           <p:cNvSpPr>
             <a:spLocks noGrp="1"/>
           </p:cNvSpPr>
@@ -2591,23 +2419,22 @@
           </a:ln>
         </p:spPr>
         <p:txBody>
-          <a:bodyPr lIns="0" tIns="0" rIns="0" bIns="0" anchor="t">
+          <a:bodyPr lIns="0" rIns="0" tIns="0" bIns="0" anchor="t">
             <a:normAutofit/>
           </a:bodyPr>
-          <a:lstStyle/>
           <a:p>
             <a:pPr indent="0">
               <a:lnSpc>
-                <a:spcPct val="94000"/>
+                <a:spcPct val="90000"/>
               </a:lnSpc>
               <a:spcBef>
                 <a:spcPts val="1417"/>
               </a:spcBef>
               <a:buNone/>
             </a:pPr>
-            <a:endParaRPr lang="en-US" sz="2000" b="0" strike="noStrike" spc="-1">
-              <a:solidFill>
-                <a:schemeClr val="dk2"/>
+            <a:endParaRPr b="0" lang="fr-FR" sz="2800" spc="-1" strike="noStrike">
+              <a:solidFill>
+                <a:schemeClr val="dk1"/>
               </a:solidFill>
               <a:latin typeface="Franklin Gothic Book"/>
             </a:endParaRPr>
@@ -2616,7 +2443,7 @@
       </p:sp>
       <p:sp>
         <p:nvSpPr>
-          <p:cNvPr id="28" name="PlaceHolder 3"/>
+          <p:cNvPr id="26" name="PlaceHolder 3"/>
           <p:cNvSpPr>
             <a:spLocks noGrp="1"/>
           </p:cNvSpPr>
@@ -2638,23 +2465,22 @@
           </a:ln>
         </p:spPr>
         <p:txBody>
-          <a:bodyPr lIns="0" tIns="0" rIns="0" bIns="0" anchor="t">
+          <a:bodyPr lIns="0" rIns="0" tIns="0" bIns="0" anchor="t">
             <a:normAutofit/>
           </a:bodyPr>
-          <a:lstStyle/>
           <a:p>
             <a:pPr indent="0">
               <a:lnSpc>
-                <a:spcPct val="94000"/>
+                <a:spcPct val="90000"/>
               </a:lnSpc>
               <a:spcBef>
                 <a:spcPts val="1417"/>
               </a:spcBef>
               <a:buNone/>
             </a:pPr>
-            <a:endParaRPr lang="en-US" sz="2000" b="0" strike="noStrike" spc="-1">
-              <a:solidFill>
-                <a:schemeClr val="dk2"/>
+            <a:endParaRPr b="0" lang="fr-FR" sz="2800" spc="-1" strike="noStrike">
+              <a:solidFill>
+                <a:schemeClr val="dk1"/>
               </a:solidFill>
               <a:latin typeface="Franklin Gothic Book"/>
             </a:endParaRPr>
@@ -2663,7 +2489,7 @@
       </p:sp>
       <p:sp>
         <p:nvSpPr>
-          <p:cNvPr id="29" name="PlaceHolder 4"/>
+          <p:cNvPr id="27" name="PlaceHolder 4"/>
           <p:cNvSpPr>
             <a:spLocks noGrp="1"/>
           </p:cNvSpPr>
@@ -2685,23 +2511,22 @@
           </a:ln>
         </p:spPr>
         <p:txBody>
-          <a:bodyPr lIns="0" tIns="0" rIns="0" bIns="0" anchor="t">
+          <a:bodyPr lIns="0" rIns="0" tIns="0" bIns="0" anchor="t">
             <a:normAutofit/>
           </a:bodyPr>
-          <a:lstStyle/>
           <a:p>
             <a:pPr indent="0">
               <a:lnSpc>
-                <a:spcPct val="94000"/>
+                <a:spcPct val="90000"/>
               </a:lnSpc>
               <a:spcBef>
                 <a:spcPts val="1417"/>
               </a:spcBef>
               <a:buNone/>
             </a:pPr>
-            <a:endParaRPr lang="en-US" sz="2000" b="0" strike="noStrike" spc="-1">
-              <a:solidFill>
-                <a:schemeClr val="dk2"/>
+            <a:endParaRPr b="0" lang="fr-FR" sz="2800" spc="-1" strike="noStrike">
+              <a:solidFill>
+                <a:schemeClr val="dk1"/>
               </a:solidFill>
               <a:latin typeface="Franklin Gothic Book"/>
             </a:endParaRPr>
@@ -2715,13 +2540,12 @@
             <a:spLocks noGrp="1"/>
           </p:cNvSpPr>
           <p:nvPr>
-            <p:ph type="ftr" idx="2"/>
+            <p:ph type="ftr" idx="1"/>
           </p:nvPr>
         </p:nvSpPr>
         <p:spPr/>
         <p:txBody>
           <a:bodyPr/>
-          <a:lstStyle/>
           <a:p>
             <a:r>
               <a:t>Footer</a:t>
@@ -2736,18 +2560,16 @@
             <a:spLocks noGrp="1"/>
           </p:cNvSpPr>
           <p:nvPr>
-            <p:ph type="sldNum" idx="3"/>
+            <p:ph type="sldNum" idx="2"/>
           </p:nvPr>
         </p:nvSpPr>
         <p:spPr/>
         <p:txBody>
           <a:bodyPr/>
-          <a:lstStyle/>
-          <a:p>
-            <a:fld id="{8B815978-6B9B-4983-8030-64681B3137F7}" type="slidenum">
-              <a:t>‹N°›</a:t>
+          <a:p>
+            <a:fld id="{8AE09226-A6F5-4BAD-88BB-7AE0170D369D}" type="slidenum">
+              <a:t>&lt;#&gt;</a:t>
             </a:fld>
-            <a:endParaRPr/>
           </a:p>
         </p:txBody>
       </p:sp>
@@ -2758,35 +2580,33 @@
             <a:spLocks noGrp="1"/>
           </p:cNvSpPr>
           <p:nvPr>
-            <p:ph type="dt" idx="1"/>
+            <p:ph type="dt" idx="3"/>
           </p:nvPr>
         </p:nvSpPr>
         <p:spPr/>
         <p:txBody>
           <a:bodyPr/>
-          <a:lstStyle/>
-          <a:p>
-            <a:endParaRPr/>
+          <a:p>
+            <a:r>
+              <a:rPr lang="fr-FR"/>
+              <a:t/>
+            </a:r>
           </a:p>
         </p:txBody>
       </p:sp>
     </p:spTree>
   </p:cSld>
-  <p:clrMapOvr>
-    <a:masterClrMapping/>
-  </p:clrMapOvr>
 </p:sldLayout>
 </file>
 
 <file path=ppt/slideMasters/slideMaster1.xml><?xml version="1.0" encoding="utf-8"?>
-<p:sldMaster xmlns:a="http://schemas.openxmlformats.org/drawingml/2006/main" xmlns:r="http://schemas.openxmlformats.org/officeDocument/2006/relationships" xmlns:p="http://schemas.openxmlformats.org/presentationml/2006/main">
+<p:sldMaster xmlns:a="http://schemas.openxmlformats.org/drawingml/2006/main" xmlns:p="http://schemas.openxmlformats.org/presentationml/2006/main" xmlns:r="http://schemas.openxmlformats.org/officeDocument/2006/relationships" xmlns:p14="http://schemas.microsoft.com/office/powerpoint/2010/main" xmlns:p15="http://schemas.microsoft.com/office/powerpoint/2012/main" xmlns:mc="http://schemas.openxmlformats.org/markup-compatibility/2006">
   <p:cSld>
     <p:bg>
       <p:bgPr>
         <a:solidFill>
           <a:schemeClr val="lt2"/>
         </a:solidFill>
-        <a:effectLst/>
       </p:bgPr>
     </p:bg>
     <p:spTree>
@@ -2805,14 +2625,14 @@
       </p:grpSpPr>
       <p:sp>
         <p:nvSpPr>
-          <p:cNvPr id="9" name="Rectangle 8" hidden="1"/>
+          <p:cNvPr id="0" name="Rectangle 8" hidden="1"/>
           <p:cNvSpPr/>
           <p:nvPr/>
         </p:nvSpPr>
         <p:spPr>
           <a:xfrm>
             <a:off x="478080" y="360"/>
-            <a:ext cx="228240" cy="6857640"/>
+            <a:ext cx="227880" cy="6857280"/>
           </a:xfrm>
           <a:prstGeom prst="rect">
             <a:avLst/>
@@ -2839,294 +2659,58 @@
           <a:fontRef idx="minor"/>
         </p:style>
         <p:txBody>
-          <a:bodyPr lIns="90000" tIns="45000" rIns="90000" bIns="45000" anchor="t">
+          <a:bodyPr lIns="90000" rIns="90000" tIns="45000" bIns="45000" anchor="t">
             <a:noAutofit/>
           </a:bodyPr>
-          <a:lstStyle/>
-          <a:p>
-            <a:endParaRPr lang="fr-FR" sz="1800" b="0" strike="noStrike" spc="-1">
-              <a:solidFill>
-                <a:srgbClr val="FFFFFF"/>
+          <a:p>
+            <a:pPr defTabSz="914400">
+              <a:lnSpc>
+                <a:spcPct val="100000"/>
+              </a:lnSpc>
+            </a:pPr>
+            <a:endParaRPr b="0" lang="fr-FR" sz="1800" spc="-1" strike="noStrike">
+              <a:solidFill>
+                <a:srgbClr val="ffffff"/>
               </a:solidFill>
               <a:latin typeface="Arial"/>
-            </a:endParaRPr>
-          </a:p>
-        </p:txBody>
-      </p:sp>
-      <p:sp>
-        <p:nvSpPr>
-          <p:cNvPr id="10" name="PlaceHolder 1"/>
-          <p:cNvSpPr>
-            <a:spLocks noGrp="1"/>
-          </p:cNvSpPr>
-          <p:nvPr>
-            <p:ph type="title"/>
-          </p:nvPr>
-        </p:nvSpPr>
-        <p:spPr>
-          <a:xfrm>
-            <a:off x="1915200" y="1788480"/>
-            <a:ext cx="8361000" cy="2097720"/>
-          </a:xfrm>
-          <a:prstGeom prst="rect">
-            <a:avLst/>
-          </a:prstGeom>
-          <a:noFill/>
-          <a:ln w="0">
-            <a:noFill/>
-          </a:ln>
-        </p:spPr>
-        <p:txBody>
-          <a:bodyPr lIns="91440" tIns="45720" rIns="91440" bIns="45720" anchor="b">
-            <a:noAutofit/>
-          </a:bodyPr>
-          <a:lstStyle/>
-          <a:p>
-            <a:pPr indent="0" algn="ctr" defTabSz="914400">
-              <a:lnSpc>
-                <a:spcPct val="89000"/>
-              </a:lnSpc>
-              <a:buNone/>
-            </a:pPr>
-            <a:r>
-              <a:rPr lang="fr-FR" sz="7200" b="0" strike="noStrike" cap="all" spc="-1">
-                <a:solidFill>
-                  <a:schemeClr val="dk2"/>
-                </a:solidFill>
-                <a:latin typeface="Franklin Gothic Book"/>
-              </a:rPr>
-              <a:t>Modifiez le style du titre</a:t>
-            </a:r>
-            <a:endParaRPr lang="en-US" sz="7200" b="0" strike="noStrike" spc="-1">
-              <a:solidFill>
-                <a:schemeClr val="dk1"/>
-              </a:solidFill>
-              <a:latin typeface="Franklin Gothic Book"/>
-            </a:endParaRPr>
-          </a:p>
-        </p:txBody>
-      </p:sp>
-      <p:sp>
-        <p:nvSpPr>
-          <p:cNvPr id="2" name="PlaceHolder 2"/>
-          <p:cNvSpPr>
-            <a:spLocks noGrp="1"/>
-          </p:cNvSpPr>
-          <p:nvPr>
-            <p:ph type="dt" idx="1"/>
-          </p:nvPr>
-        </p:nvSpPr>
-        <p:spPr>
-          <a:xfrm>
-            <a:off x="752760" y="6453360"/>
-            <a:ext cx="1607760" cy="404280"/>
-          </a:xfrm>
-          <a:prstGeom prst="rect">
-            <a:avLst/>
-          </a:prstGeom>
-          <a:noFill/>
-          <a:ln w="0">
-            <a:noFill/>
-          </a:ln>
-        </p:spPr>
-        <p:txBody>
-          <a:bodyPr lIns="91440" tIns="45720" rIns="91440" bIns="45720" anchor="ctr">
-            <a:noAutofit/>
-          </a:bodyPr>
-          <a:lstStyle>
-            <a:lvl1pPr indent="0" defTabSz="457200">
-              <a:lnSpc>
-                <a:spcPct val="100000"/>
-              </a:lnSpc>
-              <a:buNone/>
-              <a:defRPr lang="fr-FR" sz="1200" b="0" strike="noStrike" spc="-1">
-                <a:solidFill>
-                  <a:schemeClr val="dk2"/>
-                </a:solidFill>
-                <a:latin typeface="Franklin Gothic Book"/>
-              </a:defRPr>
-            </a:lvl1pPr>
-          </a:lstStyle>
-          <a:p>
-            <a:pPr indent="0" defTabSz="457200">
-              <a:lnSpc>
-                <a:spcPct val="100000"/>
-              </a:lnSpc>
-              <a:buNone/>
-            </a:pPr>
-            <a:r>
-              <a:rPr lang="fr-FR" sz="1200" b="0" strike="noStrike" spc="-1">
-                <a:solidFill>
-                  <a:schemeClr val="dk2"/>
-                </a:solidFill>
-                <a:latin typeface="Franklin Gothic Book"/>
-              </a:rPr>
-              <a:t>&lt;date/heure&gt;</a:t>
-            </a:r>
-            <a:endParaRPr lang="fr-FR" sz="1200" b="0" strike="noStrike" spc="-1">
-              <a:solidFill>
-                <a:srgbClr val="000000"/>
-              </a:solidFill>
-              <a:latin typeface="Times New Roman"/>
-            </a:endParaRPr>
-          </a:p>
-        </p:txBody>
-      </p:sp>
-      <p:sp>
-        <p:nvSpPr>
-          <p:cNvPr id="3" name="PlaceHolder 3"/>
-          <p:cNvSpPr>
-            <a:spLocks noGrp="1"/>
-          </p:cNvSpPr>
-          <p:nvPr>
-            <p:ph type="ftr" idx="2"/>
-          </p:nvPr>
-        </p:nvSpPr>
-        <p:spPr>
-          <a:xfrm>
-            <a:off x="2584080" y="6453360"/>
-            <a:ext cx="7022880" cy="404280"/>
-          </a:xfrm>
-          <a:prstGeom prst="rect">
-            <a:avLst/>
-          </a:prstGeom>
-          <a:noFill/>
-          <a:ln w="0">
-            <a:noFill/>
-          </a:ln>
-        </p:spPr>
-        <p:txBody>
-          <a:bodyPr lIns="91440" tIns="45720" rIns="91440" bIns="45720" anchor="ctr">
-            <a:noAutofit/>
-          </a:bodyPr>
-          <a:lstStyle>
-            <a:lvl1pPr indent="0" algn="ctr">
-              <a:buNone/>
-              <a:defRPr lang="fr-FR" sz="1400" b="0" strike="noStrike" spc="-1">
-                <a:solidFill>
-                  <a:srgbClr val="000000"/>
-                </a:solidFill>
-                <a:latin typeface="Times New Roman"/>
-              </a:defRPr>
-            </a:lvl1pPr>
-          </a:lstStyle>
-          <a:p>
-            <a:pPr indent="0" algn="ctr">
-              <a:buNone/>
-            </a:pPr>
-            <a:r>
-              <a:rPr lang="fr-FR" sz="1400" b="0" strike="noStrike" spc="-1">
-                <a:solidFill>
-                  <a:srgbClr val="000000"/>
-                </a:solidFill>
-                <a:latin typeface="Times New Roman"/>
-              </a:rPr>
-              <a:t>&lt;pied de page&gt;</a:t>
-            </a:r>
-          </a:p>
-        </p:txBody>
-      </p:sp>
-      <p:sp>
-        <p:nvSpPr>
-          <p:cNvPr id="4" name="PlaceHolder 4"/>
-          <p:cNvSpPr>
-            <a:spLocks noGrp="1"/>
-          </p:cNvSpPr>
-          <p:nvPr>
-            <p:ph type="sldNum" idx="3"/>
-          </p:nvPr>
-        </p:nvSpPr>
-        <p:spPr>
-          <a:xfrm>
-            <a:off x="9830520" y="6453360"/>
-            <a:ext cx="1595880" cy="404280"/>
-          </a:xfrm>
-          <a:prstGeom prst="rect">
-            <a:avLst/>
-          </a:prstGeom>
-          <a:noFill/>
-          <a:ln w="0">
-            <a:noFill/>
-          </a:ln>
-        </p:spPr>
-        <p:txBody>
-          <a:bodyPr lIns="91440" tIns="45720" rIns="91440" bIns="45720" anchor="ctr">
-            <a:noAutofit/>
-          </a:bodyPr>
-          <a:lstStyle>
-            <a:lvl1pPr indent="0" algn="r" defTabSz="457200">
-              <a:lnSpc>
-                <a:spcPct val="100000"/>
-              </a:lnSpc>
-              <a:buNone/>
-              <a:defRPr lang="fr-FR" sz="1200" b="0" strike="noStrike" spc="-1">
-                <a:solidFill>
-                  <a:schemeClr val="dk2"/>
-                </a:solidFill>
-                <a:latin typeface="Franklin Gothic Book"/>
-              </a:defRPr>
-            </a:lvl1pPr>
-          </a:lstStyle>
-          <a:p>
-            <a:pPr indent="0" algn="r" defTabSz="457200">
-              <a:lnSpc>
-                <a:spcPct val="100000"/>
-              </a:lnSpc>
-              <a:buNone/>
-            </a:pPr>
-            <a:fld id="{33DFA861-915D-4077-AA18-E8E7368A3FAA}" type="slidenum">
-              <a:rPr lang="fr-FR" sz="1200" b="0" strike="noStrike" spc="-1">
-                <a:solidFill>
-                  <a:schemeClr val="dk2"/>
-                </a:solidFill>
-                <a:latin typeface="Franklin Gothic Book"/>
-              </a:rPr>
-              <a:t>‹N°›</a:t>
-            </a:fld>
-            <a:endParaRPr lang="fr-FR" sz="1200" b="0" strike="noStrike" spc="-1">
-              <a:solidFill>
-                <a:srgbClr val="000000"/>
-              </a:solidFill>
-              <a:latin typeface="Times New Roman"/>
             </a:endParaRPr>
           </a:p>
         </p:txBody>
       </p:sp>
       <p:grpSp>
         <p:nvGrpSpPr>
-          <p:cNvPr id="5" name="Group 6"/>
+          <p:cNvPr id="1" name="Group 6"/>
           <p:cNvGrpSpPr/>
           <p:nvPr/>
         </p:nvGrpSpPr>
         <p:grpSpPr>
           <a:xfrm>
-            <a:off x="752760" y="744120"/>
-            <a:ext cx="10673640" cy="5349600"/>
-            <a:chOff x="752760" y="744120"/>
-            <a:chExt cx="10673640" cy="5349600"/>
+            <a:off x="752040" y="743760"/>
+            <a:ext cx="10674000" cy="5349600"/>
+            <a:chOff x="752040" y="743760"/>
+            <a:chExt cx="10674000" cy="5349600"/>
           </a:xfrm>
         </p:grpSpPr>
         <p:sp>
           <p:nvSpPr>
-            <p:cNvPr id="6" name="Freeform 6"/>
+            <p:cNvPr id="2" name="Freeform 6"/>
             <p:cNvSpPr/>
             <p:nvPr/>
           </p:nvSpPr>
           <p:spPr>
             <a:xfrm>
               <a:off x="8151840" y="1685520"/>
-              <a:ext cx="3274560" cy="4408200"/>
+              <a:ext cx="3274200" cy="4407840"/>
             </a:xfrm>
             <a:custGeom>
               <a:avLst/>
               <a:gdLst>
-                <a:gd name="textAreaLeft" fmla="*/ 0 w 3274560"/>
-                <a:gd name="textAreaRight" fmla="*/ 3274920 w 3274560"/>
-                <a:gd name="textAreaTop" fmla="*/ 0 h 4408200"/>
-                <a:gd name="textAreaBottom" fmla="*/ 4408560 h 4408200"/>
+                <a:gd name="textAreaLeft" fmla="*/ 0 w 3274200"/>
+                <a:gd name="textAreaRight" fmla="*/ 3274920 w 3274200"/>
+                <a:gd name="textAreaTop" fmla="*/ 0 h 4407840"/>
+                <a:gd name="textAreaBottom" fmla="*/ 4408560 h 4407840"/>
               </a:gdLst>
               <a:ahLst/>
-              <a:cxnLst/>
               <a:rect l="textAreaLeft" t="textAreaTop" r="textAreaRight" b="textAreaBottom"/>
               <a:pathLst>
                 <a:path w="10000" h="10000">
@@ -3163,26 +2747,24 @@
             </a:ln>
           </p:spPr>
           <p:style>
-            <a:lnRef idx="0">
-              <a:scrgbClr r="0" g="0" b="0"/>
-            </a:lnRef>
-            <a:fillRef idx="0">
-              <a:scrgbClr r="0" g="0" b="0"/>
-            </a:fillRef>
-            <a:effectRef idx="0">
-              <a:scrgbClr r="0" g="0" b="0"/>
-            </a:effectRef>
+            <a:lnRef idx="0"/>
+            <a:fillRef idx="0"/>
+            <a:effectRef idx="0"/>
             <a:fontRef idx="minor"/>
           </p:style>
           <p:txBody>
-            <a:bodyPr lIns="90000" tIns="45000" rIns="90000" bIns="45000" anchor="t">
+            <a:bodyPr lIns="90000" rIns="90000" tIns="45000" bIns="45000" anchor="t">
               <a:noAutofit/>
             </a:bodyPr>
-            <a:lstStyle/>
             <a:p>
-              <a:endParaRPr lang="fr-FR" sz="1800" b="0" strike="noStrike" spc="-1">
-                <a:solidFill>
-                  <a:srgbClr val="FFFFFF"/>
+              <a:pPr defTabSz="914400">
+                <a:lnSpc>
+                  <a:spcPct val="100000"/>
+                </a:lnSpc>
+              </a:pPr>
+              <a:endParaRPr b="0" lang="fr-FR" sz="1800" spc="-1" strike="noStrike">
+                <a:solidFill>
+                  <a:srgbClr val="ffffff"/>
                 </a:solidFill>
                 <a:latin typeface="Arial"/>
               </a:endParaRPr>
@@ -3191,25 +2773,24 @@
         </p:sp>
         <p:sp>
           <p:nvSpPr>
-            <p:cNvPr id="7" name="Freeform 6"/>
+            <p:cNvPr id="3" name="Freeform 6"/>
             <p:cNvSpPr/>
             <p:nvPr/>
           </p:nvSpPr>
           <p:spPr>
             <a:xfrm flipH="1" flipV="1">
-              <a:off x="752400" y="743760"/>
-              <a:ext cx="3275280" cy="4408200"/>
+              <a:off x="751320" y="743760"/>
+              <a:ext cx="3274920" cy="4407840"/>
             </a:xfrm>
             <a:custGeom>
               <a:avLst/>
               <a:gdLst>
-                <a:gd name="textAreaLeft" fmla="*/ 360 w 3275280"/>
-                <a:gd name="textAreaRight" fmla="*/ 3276000 w 3275280"/>
-                <a:gd name="textAreaTop" fmla="*/ -360 h 4408200"/>
-                <a:gd name="textAreaBottom" fmla="*/ 4408200 h 4408200"/>
+                <a:gd name="textAreaLeft" fmla="*/ 360 w 3274920"/>
+                <a:gd name="textAreaRight" fmla="*/ 3276000 w 3274920"/>
+                <a:gd name="textAreaTop" fmla="*/ -360 h 4407840"/>
+                <a:gd name="textAreaBottom" fmla="*/ 4408200 h 4407840"/>
               </a:gdLst>
               <a:ahLst/>
-              <a:cxnLst/>
               <a:rect l="textAreaLeft" t="textAreaTop" r="textAreaRight" b="textAreaBottom"/>
               <a:pathLst>
                 <a:path w="10002" h="10000">
@@ -3248,26 +2829,24 @@
             </a:ln>
           </p:spPr>
           <p:style>
-            <a:lnRef idx="0">
-              <a:scrgbClr r="0" g="0" b="0"/>
-            </a:lnRef>
-            <a:fillRef idx="0">
-              <a:scrgbClr r="0" g="0" b="0"/>
-            </a:fillRef>
-            <a:effectRef idx="0">
-              <a:scrgbClr r="0" g="0" b="0"/>
-            </a:effectRef>
+            <a:lnRef idx="0"/>
+            <a:fillRef idx="0"/>
+            <a:effectRef idx="0"/>
             <a:fontRef idx="minor"/>
           </p:style>
           <p:txBody>
-            <a:bodyPr lIns="90000" tIns="45000" rIns="90000" bIns="45000" anchor="t">
+            <a:bodyPr lIns="90000" rIns="90000" tIns="45000" bIns="45000" anchor="t">
               <a:noAutofit/>
             </a:bodyPr>
-            <a:lstStyle/>
             <a:p>
-              <a:endParaRPr lang="fr-FR" sz="1800" b="0" strike="noStrike" spc="-1">
-                <a:solidFill>
-                  <a:srgbClr val="FFFFFF"/>
+              <a:pPr defTabSz="914400">
+                <a:lnSpc>
+                  <a:spcPct val="100000"/>
+                </a:lnSpc>
+              </a:pPr>
+              <a:endParaRPr b="0" lang="fr-FR" sz="1800" spc="-1" strike="noStrike">
+                <a:solidFill>
+                  <a:srgbClr val="ffffff"/>
                 </a:solidFill>
                 <a:latin typeface="Arial"/>
               </a:endParaRPr>
@@ -3277,18 +2856,18 @@
       </p:grpSp>
       <p:sp>
         <p:nvSpPr>
-          <p:cNvPr id="8" name="PlaceHolder 5"/>
-          <p:cNvSpPr>
-            <a:spLocks noGrp="1"/>
-          </p:cNvSpPr>
-          <p:nvPr>
-            <p:ph type="body"/>
-          </p:nvPr>
-        </p:nvSpPr>
-        <p:spPr>
-          <a:xfrm>
-            <a:off x="609480" y="1604520"/>
-            <a:ext cx="10972440" cy="3977280"/>
+          <p:cNvPr id="4" name="PlaceHolder 1"/>
+          <p:cNvSpPr>
+            <a:spLocks noGrp="1"/>
+          </p:cNvSpPr>
+          <p:nvPr>
+            <p:ph type="ftr" idx="1"/>
+          </p:nvPr>
+        </p:nvSpPr>
+        <p:spPr>
+          <a:xfrm>
+            <a:off x="2584080" y="6453360"/>
+            <a:ext cx="7022520" cy="403920"/>
           </a:xfrm>
           <a:prstGeom prst="rect">
             <a:avLst/>
@@ -3299,489 +2878,208 @@
           </a:ln>
         </p:spPr>
         <p:txBody>
-          <a:bodyPr lIns="0" tIns="0" rIns="0" bIns="0" anchor="t">
-            <a:normAutofit/>
+          <a:bodyPr lIns="91440" rIns="91440" tIns="45720" bIns="45720" anchor="ctr">
+            <a:noAutofit/>
           </a:bodyPr>
-          <a:lstStyle/>
-          <a:p>
-            <a:pPr marL="432000" indent="-324000">
-              <a:lnSpc>
-                <a:spcPct val="94000"/>
-              </a:lnSpc>
-              <a:spcBef>
-                <a:spcPts val="1417"/>
-              </a:spcBef>
-              <a:buClr>
+          <a:lstStyle>
+            <a:lvl1pPr indent="0" algn="ctr" defTabSz="914400">
+              <a:lnSpc>
+                <a:spcPct val="100000"/>
+              </a:lnSpc>
+              <a:buNone/>
+              <a:tabLst>
+                <a:tab algn="l" pos="0"/>
+              </a:tabLst>
+              <a:defRPr b="0" lang="fr-FR" sz="1400" spc="-1" strike="noStrike">
+                <a:solidFill>
+                  <a:srgbClr val="000000"/>
+                </a:solidFill>
+                <a:latin typeface="Times New Roman"/>
+              </a:defRPr>
+            </a:lvl1pPr>
+          </a:lstStyle>
+          <a:p>
+            <a:pPr indent="0" algn="ctr" defTabSz="914400">
+              <a:lnSpc>
+                <a:spcPct val="100000"/>
+              </a:lnSpc>
+              <a:buNone/>
+              <a:tabLst>
+                <a:tab algn="l" pos="0"/>
+              </a:tabLst>
+            </a:pPr>
+            <a:r>
+              <a:rPr b="0" lang="fr-FR" sz="1400" spc="-1" strike="noStrike">
+                <a:solidFill>
+                  <a:srgbClr val="000000"/>
+                </a:solidFill>
+                <a:latin typeface="Times New Roman"/>
+              </a:rPr>
+              <a:t>&lt;pied de page&gt;</a:t>
+            </a:r>
+            <a:endParaRPr b="0" lang="fr-FR" sz="1400" spc="-1" strike="noStrike">
+              <a:solidFill>
                 <a:srgbClr val="000000"/>
-              </a:buClr>
-              <a:buSzPct val="45000"/>
-              <a:buFont typeface="Wingdings" charset="2"/>
-              <a:buChar char=""/>
-            </a:pPr>
-            <a:r>
-              <a:rPr lang="en-US" sz="2000" b="0" strike="noStrike" spc="-1">
+              </a:solidFill>
+              <a:latin typeface="Times New Roman"/>
+            </a:endParaRPr>
+          </a:p>
+        </p:txBody>
+      </p:sp>
+      <p:sp>
+        <p:nvSpPr>
+          <p:cNvPr id="5" name="PlaceHolder 2"/>
+          <p:cNvSpPr>
+            <a:spLocks noGrp="1"/>
+          </p:cNvSpPr>
+          <p:nvPr>
+            <p:ph type="sldNum" idx="2"/>
+          </p:nvPr>
+        </p:nvSpPr>
+        <p:spPr>
+          <a:xfrm>
+            <a:off x="9830520" y="6453360"/>
+            <a:ext cx="1595520" cy="403920"/>
+          </a:xfrm>
+          <a:prstGeom prst="rect">
+            <a:avLst/>
+          </a:prstGeom>
+          <a:noFill/>
+          <a:ln w="0">
+            <a:noFill/>
+          </a:ln>
+        </p:spPr>
+        <p:txBody>
+          <a:bodyPr lIns="91440" rIns="91440" tIns="45720" bIns="45720" anchor="ctr">
+            <a:noAutofit/>
+          </a:bodyPr>
+          <a:lstStyle>
+            <a:lvl1pPr indent="0" algn="r" defTabSz="457200">
+              <a:lnSpc>
+                <a:spcPct val="100000"/>
+              </a:lnSpc>
+              <a:buNone/>
+              <a:tabLst>
+                <a:tab algn="l" pos="0"/>
+              </a:tabLst>
+              <a:defRPr b="0" lang="fr-FR" sz="1200" spc="-1" strike="noStrike">
                 <a:solidFill>
                   <a:schemeClr val="dk2"/>
                 </a:solidFill>
                 <a:latin typeface="Franklin Gothic Book"/>
-              </a:rPr>
-              <a:t>Cliquez pour éditer le format du plan de texte</a:t>
-            </a:r>
-          </a:p>
-          <a:p>
-            <a:pPr marL="864000" lvl="1" indent="-324000">
-              <a:lnSpc>
-                <a:spcPct val="94000"/>
-              </a:lnSpc>
-              <a:spcBef>
-                <a:spcPts val="1134"/>
-              </a:spcBef>
-              <a:buClr>
+              </a:defRPr>
+            </a:lvl1pPr>
+          </a:lstStyle>
+          <a:p>
+            <a:pPr indent="0" algn="r" defTabSz="457200">
+              <a:lnSpc>
+                <a:spcPct val="100000"/>
+              </a:lnSpc>
+              <a:buNone/>
+              <a:tabLst>
+                <a:tab algn="l" pos="0"/>
+              </a:tabLst>
+            </a:pPr>
+            <a:fld id="{8405F077-1FE9-43C5-8342-ED6E0786B741}" type="slidenum">
+              <a:rPr b="0" lang="fr-FR" sz="1200" spc="-1" strike="noStrike">
+                <a:solidFill>
+                  <a:schemeClr val="dk2"/>
+                </a:solidFill>
+                <a:latin typeface="Franklin Gothic Book"/>
+              </a:rPr>
+              <a:t>&lt;numéro&gt;</a:t>
+            </a:fld>
+            <a:endParaRPr b="0" lang="fr-FR" sz="1200" spc="-1" strike="noStrike">
+              <a:solidFill>
                 <a:srgbClr val="000000"/>
-              </a:buClr>
-              <a:buSzPct val="75000"/>
-              <a:buFont typeface="Symbol" charset="2"/>
-              <a:buChar char=""/>
-            </a:pPr>
-            <a:r>
-              <a:rPr lang="en-US" sz="1800" b="0" strike="noStrike" spc="-1">
-                <a:solidFill>
-                  <a:schemeClr val="dk2"/>
-                </a:solidFill>
-                <a:latin typeface="Franklin Gothic Book"/>
-              </a:rPr>
-              <a:t>Second niveau de plan</a:t>
-            </a:r>
-          </a:p>
-          <a:p>
-            <a:pPr marL="1296000" lvl="2" indent="-288000">
-              <a:lnSpc>
-                <a:spcPct val="94000"/>
-              </a:lnSpc>
-              <a:spcBef>
-                <a:spcPts val="850"/>
-              </a:spcBef>
-              <a:buClr>
+              </a:solidFill>
+              <a:latin typeface="Times New Roman"/>
+            </a:endParaRPr>
+          </a:p>
+        </p:txBody>
+      </p:sp>
+      <p:sp>
+        <p:nvSpPr>
+          <p:cNvPr id="6" name="PlaceHolder 3"/>
+          <p:cNvSpPr>
+            <a:spLocks noGrp="1"/>
+          </p:cNvSpPr>
+          <p:nvPr>
+            <p:ph type="dt" idx="3"/>
+          </p:nvPr>
+        </p:nvSpPr>
+        <p:spPr>
+          <a:xfrm>
+            <a:off x="752760" y="6453360"/>
+            <a:ext cx="1607400" cy="403920"/>
+          </a:xfrm>
+          <a:prstGeom prst="rect">
+            <a:avLst/>
+          </a:prstGeom>
+          <a:noFill/>
+          <a:ln w="0">
+            <a:noFill/>
+          </a:ln>
+        </p:spPr>
+        <p:txBody>
+          <a:bodyPr lIns="91440" rIns="91440" tIns="45720" bIns="45720" anchor="ctr">
+            <a:noAutofit/>
+          </a:bodyPr>
+          <a:lstStyle>
+            <a:lvl1pPr indent="0">
+              <a:buNone/>
+              <a:defRPr b="0" lang="fr-FR" sz="1400" spc="-1" strike="noStrike">
+                <a:solidFill>
+                  <a:srgbClr val="000000"/>
+                </a:solidFill>
+                <a:latin typeface="Times New Roman"/>
+              </a:defRPr>
+            </a:lvl1pPr>
+          </a:lstStyle>
+          <a:p>
+            <a:pPr indent="0">
+              <a:buNone/>
+            </a:pPr>
+            <a:r>
+              <a:rPr b="0" lang="fr-FR" sz="1400" spc="-1" strike="noStrike">
+                <a:solidFill>
+                  <a:srgbClr val="000000"/>
+                </a:solidFill>
+                <a:latin typeface="Times New Roman"/>
+              </a:rPr>
+              <a:t>&lt;date/heure&gt;</a:t>
+            </a:r>
+            <a:endParaRPr b="0" lang="fr-FR" sz="1400" spc="-1" strike="noStrike">
+              <a:solidFill>
                 <a:srgbClr val="000000"/>
-              </a:buClr>
-              <a:buSzPct val="45000"/>
-              <a:buFont typeface="Wingdings" charset="2"/>
-              <a:buChar char=""/>
-            </a:pPr>
-            <a:r>
-              <a:rPr lang="en-US" sz="1800" b="0" i="1" strike="noStrike" spc="-1">
-                <a:solidFill>
-                  <a:schemeClr val="dk2"/>
-                </a:solidFill>
-                <a:latin typeface="Franklin Gothic Book"/>
-              </a:rPr>
-              <a:t>Troisième niveau de plan</a:t>
-            </a:r>
-          </a:p>
-          <a:p>
-            <a:pPr marL="1728000" lvl="3" indent="-216000">
-              <a:lnSpc>
-                <a:spcPct val="94000"/>
-              </a:lnSpc>
-              <a:spcBef>
-                <a:spcPts val="567"/>
-              </a:spcBef>
-              <a:buClr>
-                <a:srgbClr val="000000"/>
-              </a:buClr>
-              <a:buSzPct val="75000"/>
-              <a:buFont typeface="Symbol" charset="2"/>
-              <a:buChar char=""/>
-            </a:pPr>
-            <a:r>
-              <a:rPr lang="en-US" sz="1600" b="0" strike="noStrike" spc="-1">
-                <a:solidFill>
-                  <a:schemeClr val="dk2"/>
-                </a:solidFill>
-                <a:latin typeface="Franklin Gothic Book"/>
-              </a:rPr>
-              <a:t>Quatrième niveau de plan</a:t>
-            </a:r>
-          </a:p>
-          <a:p>
-            <a:pPr marL="2160000" lvl="4" indent="-216000">
-              <a:lnSpc>
-                <a:spcPct val="94000"/>
-              </a:lnSpc>
-              <a:spcBef>
-                <a:spcPts val="283"/>
-              </a:spcBef>
-              <a:buClr>
-                <a:srgbClr val="000000"/>
-              </a:buClr>
-              <a:buSzPct val="45000"/>
-              <a:buFont typeface="Wingdings" charset="2"/>
-              <a:buChar char=""/>
-            </a:pPr>
-            <a:r>
-              <a:rPr lang="en-US" sz="2000" b="0" strike="noStrike" spc="-1">
-                <a:solidFill>
-                  <a:schemeClr val="dk2"/>
-                </a:solidFill>
-                <a:latin typeface="Franklin Gothic Book"/>
-              </a:rPr>
-              <a:t>Cinquième niveau de plan</a:t>
-            </a:r>
-          </a:p>
-          <a:p>
-            <a:pPr marL="2592000" lvl="5" indent="-216000">
-              <a:lnSpc>
-                <a:spcPct val="94000"/>
-              </a:lnSpc>
-              <a:spcBef>
-                <a:spcPts val="283"/>
-              </a:spcBef>
-              <a:buClr>
-                <a:srgbClr val="000000"/>
-              </a:buClr>
-              <a:buSzPct val="45000"/>
-              <a:buFont typeface="Wingdings" charset="2"/>
-              <a:buChar char=""/>
-            </a:pPr>
-            <a:r>
-              <a:rPr lang="en-US" sz="2000" b="0" strike="noStrike" spc="-1">
-                <a:solidFill>
-                  <a:schemeClr val="dk2"/>
-                </a:solidFill>
-                <a:latin typeface="Franklin Gothic Book"/>
-              </a:rPr>
-              <a:t>Sixième niveau de plan</a:t>
-            </a:r>
-          </a:p>
-          <a:p>
-            <a:pPr marL="3024000" lvl="6" indent="-216000">
-              <a:lnSpc>
-                <a:spcPct val="94000"/>
-              </a:lnSpc>
-              <a:spcBef>
-                <a:spcPts val="283"/>
-              </a:spcBef>
-              <a:buClr>
-                <a:srgbClr val="000000"/>
-              </a:buClr>
-              <a:buSzPct val="45000"/>
-              <a:buFont typeface="Wingdings" charset="2"/>
-              <a:buChar char=""/>
-            </a:pPr>
-            <a:r>
-              <a:rPr lang="en-US" sz="2000" b="0" strike="noStrike" spc="-1">
-                <a:solidFill>
-                  <a:schemeClr val="dk2"/>
-                </a:solidFill>
-                <a:latin typeface="Franklin Gothic Book"/>
-              </a:rPr>
-              <a:t>Septième niveau de plan</a:t>
-            </a:r>
+              </a:solidFill>
+              <a:latin typeface="Times New Roman"/>
+            </a:endParaRPr>
           </a:p>
         </p:txBody>
       </p:sp>
     </p:spTree>
   </p:cSld>
-  <p:clrMap bg1="lt1" tx1="dk1" bg2="lt2" tx2="dk2" accent1="accent1" accent2="accent2" accent3="accent3" accent4="accent4" accent5="accent5" accent6="accent6" hlink="hlink" folHlink="folHlink"/>
+  <p:clrMap bg1="lt1" bg2="lt2" tx1="dk1" tx2="dk2" accent1="accent1" accent2="accent2" accent3="accent3" accent4="accent4" accent5="accent5" accent6="accent6" hlink="hlink" folHlink="folHlink"/>
   <p:sldLayoutIdLst>
-    <p:sldLayoutId id="2147483649" r:id="rId1"/>
-    <p:sldLayoutId id="2147483650" r:id="rId2"/>
-    <p:sldLayoutId id="2147483651" r:id="rId3"/>
-    <p:sldLayoutId id="2147483652" r:id="rId4"/>
-    <p:sldLayoutId id="2147483653" r:id="rId5"/>
-    <p:sldLayoutId id="2147483654" r:id="rId6"/>
-    <p:sldLayoutId id="2147483655" r:id="rId7"/>
-    <p:sldLayoutId id="2147483656" r:id="rId8"/>
-    <p:sldLayoutId id="2147483657" r:id="rId9"/>
-    <p:sldLayoutId id="2147483658" r:id="rId10"/>
-    <p:sldLayoutId id="2147483659" r:id="rId11"/>
-    <p:sldLayoutId id="2147483660" r:id="rId12"/>
+    <p:sldLayoutId id="2147483649" r:id="rId2"/>
+    <p:sldLayoutId id="2147483650" r:id="rId3"/>
+    <p:sldLayoutId id="2147483651" r:id="rId4"/>
+    <p:sldLayoutId id="2147483652" r:id="rId5"/>
+    <p:sldLayoutId id="2147483653" r:id="rId6"/>
+    <p:sldLayoutId id="2147483654" r:id="rId7"/>
+    <p:sldLayoutId id="2147483655" r:id="rId8"/>
+    <p:sldLayoutId id="2147483656" r:id="rId9"/>
+    <p:sldLayoutId id="2147483657" r:id="rId10"/>
+    <p:sldLayoutId id="2147483658" r:id="rId11"/>
+    <p:sldLayoutId id="2147483659" r:id="rId12"/>
+    <p:sldLayoutId id="2147483660" r:id="rId13"/>
   </p:sldLayoutIdLst>
-  <p:txStyles>
-    <p:titleStyle>
-      <a:lvl1pPr algn="l" defTabSz="914400" rtl="0" eaLnBrk="1" latinLnBrk="0" hangingPunct="1">
-        <a:lnSpc>
-          <a:spcPct val="90000"/>
-        </a:lnSpc>
-        <a:spcBef>
-          <a:spcPct val="0"/>
-        </a:spcBef>
-        <a:buNone/>
-        <a:defRPr sz="4400" kern="1200">
-          <a:solidFill>
-            <a:schemeClr val="tx1"/>
-          </a:solidFill>
-          <a:latin typeface="+mj-lt"/>
-          <a:ea typeface="+mj-ea"/>
-          <a:cs typeface="+mj-cs"/>
-        </a:defRPr>
-      </a:lvl1pPr>
-    </p:titleStyle>
-    <p:bodyStyle>
-      <a:lvl1pPr marL="228600" indent="-228600" algn="l" defTabSz="914400" rtl="0" eaLnBrk="1" latinLnBrk="0" hangingPunct="1">
-        <a:lnSpc>
-          <a:spcPct val="90000"/>
-        </a:lnSpc>
-        <a:spcBef>
-          <a:spcPts val="1000"/>
-        </a:spcBef>
-        <a:buFont typeface="Arial" panose="020B0604020202020204" pitchFamily="34" charset="0"/>
-        <a:buChar char="•"/>
-        <a:defRPr sz="2800" kern="1200">
-          <a:solidFill>
-            <a:schemeClr val="tx1"/>
-          </a:solidFill>
-          <a:latin typeface="+mn-lt"/>
-          <a:ea typeface="+mn-ea"/>
-          <a:cs typeface="+mn-cs"/>
-        </a:defRPr>
-      </a:lvl1pPr>
-      <a:lvl2pPr marL="685800" indent="-228600" algn="l" defTabSz="914400" rtl="0" eaLnBrk="1" latinLnBrk="0" hangingPunct="1">
-        <a:lnSpc>
-          <a:spcPct val="90000"/>
-        </a:lnSpc>
-        <a:spcBef>
-          <a:spcPts val="500"/>
-        </a:spcBef>
-        <a:buFont typeface="Arial" panose="020B0604020202020204" pitchFamily="34" charset="0"/>
-        <a:buChar char="•"/>
-        <a:defRPr sz="2400" kern="1200">
-          <a:solidFill>
-            <a:schemeClr val="tx1"/>
-          </a:solidFill>
-          <a:latin typeface="+mn-lt"/>
-          <a:ea typeface="+mn-ea"/>
-          <a:cs typeface="+mn-cs"/>
-        </a:defRPr>
-      </a:lvl2pPr>
-      <a:lvl3pPr marL="1143000" indent="-228600" algn="l" defTabSz="914400" rtl="0" eaLnBrk="1" latinLnBrk="0" hangingPunct="1">
-        <a:lnSpc>
-          <a:spcPct val="90000"/>
-        </a:lnSpc>
-        <a:spcBef>
-          <a:spcPts val="500"/>
-        </a:spcBef>
-        <a:buFont typeface="Arial" panose="020B0604020202020204" pitchFamily="34" charset="0"/>
-        <a:buChar char="•"/>
-        <a:defRPr sz="2000" kern="1200">
-          <a:solidFill>
-            <a:schemeClr val="tx1"/>
-          </a:solidFill>
-          <a:latin typeface="+mn-lt"/>
-          <a:ea typeface="+mn-ea"/>
-          <a:cs typeface="+mn-cs"/>
-        </a:defRPr>
-      </a:lvl3pPr>
-      <a:lvl4pPr marL="1600200" indent="-228600" algn="l" defTabSz="914400" rtl="0" eaLnBrk="1" latinLnBrk="0" hangingPunct="1">
-        <a:lnSpc>
-          <a:spcPct val="90000"/>
-        </a:lnSpc>
-        <a:spcBef>
-          <a:spcPts val="500"/>
-        </a:spcBef>
-        <a:buFont typeface="Arial" panose="020B0604020202020204" pitchFamily="34" charset="0"/>
-        <a:buChar char="•"/>
-        <a:defRPr sz="1800" kern="1200">
-          <a:solidFill>
-            <a:schemeClr val="tx1"/>
-          </a:solidFill>
-          <a:latin typeface="+mn-lt"/>
-          <a:ea typeface="+mn-ea"/>
-          <a:cs typeface="+mn-cs"/>
-        </a:defRPr>
-      </a:lvl4pPr>
-      <a:lvl5pPr marL="2057400" indent="-228600" algn="l" defTabSz="914400" rtl="0" eaLnBrk="1" latinLnBrk="0" hangingPunct="1">
-        <a:lnSpc>
-          <a:spcPct val="90000"/>
-        </a:lnSpc>
-        <a:spcBef>
-          <a:spcPts val="500"/>
-        </a:spcBef>
-        <a:buFont typeface="Arial" panose="020B0604020202020204" pitchFamily="34" charset="0"/>
-        <a:buChar char="•"/>
-        <a:defRPr sz="1800" kern="1200">
-          <a:solidFill>
-            <a:schemeClr val="tx1"/>
-          </a:solidFill>
-          <a:latin typeface="+mn-lt"/>
-          <a:ea typeface="+mn-ea"/>
-          <a:cs typeface="+mn-cs"/>
-        </a:defRPr>
-      </a:lvl5pPr>
-      <a:lvl6pPr marL="2514600" indent="-228600" algn="l" defTabSz="914400" rtl="0" eaLnBrk="1" latinLnBrk="0" hangingPunct="1">
-        <a:lnSpc>
-          <a:spcPct val="90000"/>
-        </a:lnSpc>
-        <a:spcBef>
-          <a:spcPts val="500"/>
-        </a:spcBef>
-        <a:buFont typeface="Arial" panose="020B0604020202020204" pitchFamily="34" charset="0"/>
-        <a:buChar char="•"/>
-        <a:defRPr sz="1800" kern="1200">
-          <a:solidFill>
-            <a:schemeClr val="tx1"/>
-          </a:solidFill>
-          <a:latin typeface="+mn-lt"/>
-          <a:ea typeface="+mn-ea"/>
-          <a:cs typeface="+mn-cs"/>
-        </a:defRPr>
-      </a:lvl6pPr>
-      <a:lvl7pPr marL="2971800" indent="-228600" algn="l" defTabSz="914400" rtl="0" eaLnBrk="1" latinLnBrk="0" hangingPunct="1">
-        <a:lnSpc>
-          <a:spcPct val="90000"/>
-        </a:lnSpc>
-        <a:spcBef>
-          <a:spcPts val="500"/>
-        </a:spcBef>
-        <a:buFont typeface="Arial" panose="020B0604020202020204" pitchFamily="34" charset="0"/>
-        <a:buChar char="•"/>
-        <a:defRPr sz="1800" kern="1200">
-          <a:solidFill>
-            <a:schemeClr val="tx1"/>
-          </a:solidFill>
-          <a:latin typeface="+mn-lt"/>
-          <a:ea typeface="+mn-ea"/>
-          <a:cs typeface="+mn-cs"/>
-        </a:defRPr>
-      </a:lvl7pPr>
-      <a:lvl8pPr marL="3429000" indent="-228600" algn="l" defTabSz="914400" rtl="0" eaLnBrk="1" latinLnBrk="0" hangingPunct="1">
-        <a:lnSpc>
-          <a:spcPct val="90000"/>
-        </a:lnSpc>
-        <a:spcBef>
-          <a:spcPts val="500"/>
-        </a:spcBef>
-        <a:buFont typeface="Arial" panose="020B0604020202020204" pitchFamily="34" charset="0"/>
-        <a:buChar char="•"/>
-        <a:defRPr sz="1800" kern="1200">
-          <a:solidFill>
-            <a:schemeClr val="tx1"/>
-          </a:solidFill>
-          <a:latin typeface="+mn-lt"/>
-          <a:ea typeface="+mn-ea"/>
-          <a:cs typeface="+mn-cs"/>
-        </a:defRPr>
-      </a:lvl8pPr>
-      <a:lvl9pPr marL="3886200" indent="-228600" algn="l" defTabSz="914400" rtl="0" eaLnBrk="1" latinLnBrk="0" hangingPunct="1">
-        <a:lnSpc>
-          <a:spcPct val="90000"/>
-        </a:lnSpc>
-        <a:spcBef>
-          <a:spcPts val="500"/>
-        </a:spcBef>
-        <a:buFont typeface="Arial" panose="020B0604020202020204" pitchFamily="34" charset="0"/>
-        <a:buChar char="•"/>
-        <a:defRPr sz="1800" kern="1200">
-          <a:solidFill>
-            <a:schemeClr val="tx1"/>
-          </a:solidFill>
-          <a:latin typeface="+mn-lt"/>
-          <a:ea typeface="+mn-ea"/>
-          <a:cs typeface="+mn-cs"/>
-        </a:defRPr>
-      </a:lvl9pPr>
-    </p:bodyStyle>
-    <p:otherStyle>
-      <a:defPPr>
-        <a:defRPr lang="fr-FR"/>
-      </a:defPPr>
-      <a:lvl1pPr marL="0" algn="l" defTabSz="914400" rtl="0" eaLnBrk="1" latinLnBrk="0" hangingPunct="1">
-        <a:defRPr sz="1800" kern="1200">
-          <a:solidFill>
-            <a:schemeClr val="tx1"/>
-          </a:solidFill>
-          <a:latin typeface="+mn-lt"/>
-          <a:ea typeface="+mn-ea"/>
-          <a:cs typeface="+mn-cs"/>
-        </a:defRPr>
-      </a:lvl1pPr>
-      <a:lvl2pPr marL="457200" algn="l" defTabSz="914400" rtl="0" eaLnBrk="1" latinLnBrk="0" hangingPunct="1">
-        <a:defRPr sz="1800" kern="1200">
-          <a:solidFill>
-            <a:schemeClr val="tx1"/>
-          </a:solidFill>
-          <a:latin typeface="+mn-lt"/>
-          <a:ea typeface="+mn-ea"/>
-          <a:cs typeface="+mn-cs"/>
-        </a:defRPr>
-      </a:lvl2pPr>
-      <a:lvl3pPr marL="914400" algn="l" defTabSz="914400" rtl="0" eaLnBrk="1" latinLnBrk="0" hangingPunct="1">
-        <a:defRPr sz="1800" kern="1200">
-          <a:solidFill>
-            <a:schemeClr val="tx1"/>
-          </a:solidFill>
-          <a:latin typeface="+mn-lt"/>
-          <a:ea typeface="+mn-ea"/>
-          <a:cs typeface="+mn-cs"/>
-        </a:defRPr>
-      </a:lvl3pPr>
-      <a:lvl4pPr marL="1371600" algn="l" defTabSz="914400" rtl="0" eaLnBrk="1" latinLnBrk="0" hangingPunct="1">
-        <a:defRPr sz="1800" kern="1200">
-          <a:solidFill>
-            <a:schemeClr val="tx1"/>
-          </a:solidFill>
-          <a:latin typeface="+mn-lt"/>
-          <a:ea typeface="+mn-ea"/>
-          <a:cs typeface="+mn-cs"/>
-        </a:defRPr>
-      </a:lvl4pPr>
-      <a:lvl5pPr marL="1828800" algn="l" defTabSz="914400" rtl="0" eaLnBrk="1" latinLnBrk="0" hangingPunct="1">
-        <a:defRPr sz="1800" kern="1200">
-          <a:solidFill>
-            <a:schemeClr val="tx1"/>
-          </a:solidFill>
-          <a:latin typeface="+mn-lt"/>
-          <a:ea typeface="+mn-ea"/>
-          <a:cs typeface="+mn-cs"/>
-        </a:defRPr>
-      </a:lvl5pPr>
-      <a:lvl6pPr marL="2286000" algn="l" defTabSz="914400" rtl="0" eaLnBrk="1" latinLnBrk="0" hangingPunct="1">
-        <a:defRPr sz="1800" kern="1200">
-          <a:solidFill>
-            <a:schemeClr val="tx1"/>
-          </a:solidFill>
-          <a:latin typeface="+mn-lt"/>
-          <a:ea typeface="+mn-ea"/>
-          <a:cs typeface="+mn-cs"/>
-        </a:defRPr>
-      </a:lvl6pPr>
-      <a:lvl7pPr marL="2743200" algn="l" defTabSz="914400" rtl="0" eaLnBrk="1" latinLnBrk="0" hangingPunct="1">
-        <a:defRPr sz="1800" kern="1200">
-          <a:solidFill>
-            <a:schemeClr val="tx1"/>
-          </a:solidFill>
-          <a:latin typeface="+mn-lt"/>
-          <a:ea typeface="+mn-ea"/>
-          <a:cs typeface="+mn-cs"/>
-        </a:defRPr>
-      </a:lvl7pPr>
-      <a:lvl8pPr marL="3200400" algn="l" defTabSz="914400" rtl="0" eaLnBrk="1" latinLnBrk="0" hangingPunct="1">
-        <a:defRPr sz="1800" kern="1200">
-          <a:solidFill>
-            <a:schemeClr val="tx1"/>
-          </a:solidFill>
-          <a:latin typeface="+mn-lt"/>
-          <a:ea typeface="+mn-ea"/>
-          <a:cs typeface="+mn-cs"/>
-        </a:defRPr>
-      </a:lvl8pPr>
-      <a:lvl9pPr marL="3657600" algn="l" defTabSz="914400" rtl="0" eaLnBrk="1" latinLnBrk="0" hangingPunct="1">
-        <a:defRPr sz="1800" kern="1200">
-          <a:solidFill>
-            <a:schemeClr val="tx1"/>
-          </a:solidFill>
-          <a:latin typeface="+mn-lt"/>
-          <a:ea typeface="+mn-ea"/>
-          <a:cs typeface="+mn-cs"/>
-        </a:defRPr>
-      </a:lvl9pPr>
-    </p:otherStyle>
-  </p:txStyles>
 </p:sldMaster>
 </file>
 
 <file path=ppt/slides/slide1.xml><?xml version="1.0" encoding="utf-8"?>
-<p:sld xmlns:a="http://schemas.openxmlformats.org/drawingml/2006/main" xmlns:r="http://schemas.openxmlformats.org/officeDocument/2006/relationships" xmlns:p="http://schemas.openxmlformats.org/presentationml/2006/main">
+<p:sld xmlns:a="http://schemas.openxmlformats.org/drawingml/2006/main" xmlns:p="http://schemas.openxmlformats.org/presentationml/2006/main" xmlns:r="http://schemas.openxmlformats.org/officeDocument/2006/relationships" xmlns:p14="http://schemas.microsoft.com/office/powerpoint/2010/main" xmlns:p15="http://schemas.microsoft.com/office/powerpoint/2012/main" xmlns:mc="http://schemas.openxmlformats.org/markup-compatibility/2006">
   <p:cSld>
     <p:spTree>
       <p:nvGrpSpPr>
@@ -3799,7 +3097,7 @@
       </p:grpSpPr>
       <p:sp>
         <p:nvSpPr>
-          <p:cNvPr id="45" name="PlaceHolder 1"/>
+          <p:cNvPr id="43" name="PlaceHolder 1"/>
           <p:cNvSpPr>
             <a:spLocks noGrp="1"/>
           </p:cNvSpPr>
@@ -3810,7 +3108,7 @@
         <p:spPr>
           <a:xfrm>
             <a:off x="1915200" y="1788480"/>
-            <a:ext cx="8361000" cy="2097720"/>
+            <a:ext cx="8360640" cy="2097360"/>
           </a:xfrm>
           <a:prstGeom prst="rect">
             <a:avLst/>
@@ -3821,19 +3119,21 @@
           </a:ln>
         </p:spPr>
         <p:txBody>
-          <a:bodyPr lIns="91440" tIns="45720" rIns="91440" bIns="45720" anchor="b">
+          <a:bodyPr lIns="91440" rIns="91440" tIns="45720" bIns="45720" anchor="b">
             <a:noAutofit/>
           </a:bodyPr>
-          <a:lstStyle/>
           <a:p>
             <a:pPr indent="0" algn="ctr" defTabSz="914400">
               <a:lnSpc>
                 <a:spcPct val="89000"/>
               </a:lnSpc>
               <a:buNone/>
-            </a:pPr>
-            <a:r>
-              <a:rPr lang="fr-FR" sz="7200" b="0" strike="noStrike" cap="all" spc="-1">
+              <a:tabLst>
+                <a:tab algn="l" pos="0"/>
+              </a:tabLst>
+            </a:pPr>
+            <a:r>
+              <a:rPr b="0" lang="fr-FR" sz="7200" spc="-1" strike="noStrike" cap="all">
                 <a:solidFill>
                   <a:schemeClr val="dk2"/>
                 </a:solidFill>
@@ -3841,7 +3141,7 @@
               </a:rPr>
               <a:t>Cryptographie </a:t>
             </a:r>
-            <a:endParaRPr lang="en-US" sz="7200" b="0" strike="noStrike" spc="-1">
+            <a:endParaRPr b="0" lang="fr-FR" sz="7200" spc="-1" strike="noStrike">
               <a:solidFill>
                 <a:schemeClr val="dk1"/>
               </a:solidFill>
@@ -3852,7 +3152,7 @@
       </p:sp>
       <p:sp>
         <p:nvSpPr>
-          <p:cNvPr id="46" name="PlaceHolder 2"/>
+          <p:cNvPr id="44" name="PlaceHolder 2"/>
           <p:cNvSpPr>
             <a:spLocks noGrp="1"/>
           </p:cNvSpPr>
@@ -3863,7 +3163,7 @@
         <p:spPr>
           <a:xfrm>
             <a:off x="2679840" y="3956400"/>
-            <a:ext cx="6831360" cy="1085760"/>
+            <a:ext cx="6831000" cy="1085400"/>
           </a:xfrm>
           <a:prstGeom prst="rect">
             <a:avLst/>
@@ -3874,22 +3174,24 @@
           </a:ln>
         </p:spPr>
         <p:txBody>
-          <a:bodyPr lIns="91440" tIns="45720" rIns="91440" bIns="45720" anchor="t">
+          <a:bodyPr lIns="91440" rIns="91440" tIns="45720" bIns="45720" anchor="t">
             <a:noAutofit/>
           </a:bodyPr>
-          <a:lstStyle/>
-          <a:p>
-            <a:pPr indent="0" defTabSz="914400">
+          <a:p>
+            <a:pPr marL="228600" indent="0" defTabSz="914400">
               <a:lnSpc>
                 <a:spcPct val="112000"/>
               </a:lnSpc>
+              <a:spcBef>
+                <a:spcPts val="1001"/>
+              </a:spcBef>
               <a:buNone/>
               <a:tabLst>
-                <a:tab pos="0" algn="l"/>
+                <a:tab algn="l" pos="0"/>
               </a:tabLst>
             </a:pPr>
             <a:r>
-              <a:rPr lang="fr-FR" sz="2300" b="0" strike="noStrike" spc="-1">
+              <a:rPr b="0" lang="fr-FR" sz="2300" spc="-1" strike="noStrike">
                 <a:solidFill>
                   <a:schemeClr val="dk2"/>
                 </a:solidFill>
@@ -3897,7 +3199,7 @@
               </a:rPr>
               <a:t>Edouard LEFIZELIER</a:t>
             </a:r>
-            <a:endParaRPr lang="fr-FR" sz="2300" b="0" strike="noStrike" spc="-1">
+            <a:endParaRPr b="0" lang="fr-FR" sz="2300" spc="-1" strike="noStrike">
               <a:solidFill>
                 <a:srgbClr val="000000"/>
               </a:solidFill>
@@ -3905,17 +3207,20 @@
             </a:endParaRPr>
           </a:p>
           <a:p>
-            <a:pPr indent="0" defTabSz="914400">
+            <a:pPr marL="228600" indent="0" defTabSz="914400">
               <a:lnSpc>
                 <a:spcPct val="112000"/>
               </a:lnSpc>
+              <a:spcBef>
+                <a:spcPts val="1001"/>
+              </a:spcBef>
               <a:buNone/>
               <a:tabLst>
-                <a:tab pos="0" algn="l"/>
+                <a:tab algn="l" pos="0"/>
               </a:tabLst>
             </a:pPr>
             <a:r>
-              <a:rPr lang="fr-FR" sz="2300" b="0" strike="noStrike" spc="-1">
+              <a:rPr b="0" lang="fr-FR" sz="2300" spc="-1" strike="noStrike">
                 <a:solidFill>
                   <a:schemeClr val="dk2"/>
                 </a:solidFill>
@@ -3923,7 +3228,7 @@
               </a:rPr>
               <a:t>Nathan MAILLET</a:t>
             </a:r>
-            <a:endParaRPr lang="fr-FR" sz="2300" b="0" strike="noStrike" spc="-1">
+            <a:endParaRPr b="0" lang="fr-FR" sz="2300" spc="-1" strike="noStrike">
               <a:solidFill>
                 <a:srgbClr val="000000"/>
               </a:solidFill>
@@ -3934,14 +3239,19 @@
       </p:sp>
     </p:spTree>
   </p:cSld>
-  <p:clrMapOvr>
-    <a:masterClrMapping/>
-  </p:clrMapOvr>
+  <mc:AlternateContent>
+    <mc:Choice Requires="p14">
+      <p:transition spd="slow" p14:dur="2000"/>
+    </mc:Choice>
+    <mc:Fallback>
+      <p:transition spd="slow"/>
+    </mc:Fallback>
+  </mc:AlternateContent>
 </p:sld>
 </file>
 
 <file path=ppt/slides/slide10.xml><?xml version="1.0" encoding="utf-8"?>
-<p:sld xmlns:a="http://schemas.openxmlformats.org/drawingml/2006/main" xmlns:r="http://schemas.openxmlformats.org/officeDocument/2006/relationships" xmlns:p="http://schemas.openxmlformats.org/presentationml/2006/main">
+<p:sld xmlns:a="http://schemas.openxmlformats.org/drawingml/2006/main" xmlns:p="http://schemas.openxmlformats.org/presentationml/2006/main" xmlns:r="http://schemas.openxmlformats.org/officeDocument/2006/relationships" xmlns:p14="http://schemas.microsoft.com/office/powerpoint/2010/main" xmlns:p15="http://schemas.microsoft.com/office/powerpoint/2012/main" xmlns:mc="http://schemas.openxmlformats.org/markup-compatibility/2006">
   <p:cSld>
     <p:spTree>
       <p:nvGrpSpPr>
@@ -3959,13 +3269,7 @@
       </p:grpSpPr>
       <p:sp>
         <p:nvSpPr>
-          <p:cNvPr id="3" name="Sous-titre 2">
-            <a:extLst>
-              <a:ext uri="{FF2B5EF4-FFF2-40B4-BE49-F238E27FC236}">
-                <a16:creationId xmlns:a16="http://schemas.microsoft.com/office/drawing/2014/main" id="{89CC28A4-7F02-AE62-B43F-787A011524F9}"/>
-              </a:ext>
-            </a:extLst>
-          </p:cNvPr>
+          <p:cNvPr id="67" name="PlaceHolder 1"/>
           <p:cNvSpPr>
             <a:spLocks noGrp="1"/>
           </p:cNvSpPr>
@@ -3975,74 +3279,8 @@
         </p:nvSpPr>
         <p:spPr>
           <a:xfrm>
-            <a:off x="1404594" y="1357459"/>
-            <a:ext cx="9511645" cy="4232635"/>
-          </a:xfrm>
-        </p:spPr>
-        <p:txBody>
-          <a:bodyPr anchor="t"/>
-          <a:lstStyle/>
-          <a:p>
-            <a:pPr>
-              <a:buFont typeface="Wingdings" panose="05000000000000000000" pitchFamily="2" charset="2"/>
-              <a:buChar char="§"/>
-            </a:pPr>
-            <a:r>
-              <a:rPr lang="fr-FR" sz="2400" dirty="0" err="1"/>
-              <a:t>Cyberchef</a:t>
-            </a:r>
-            <a:r>
-              <a:rPr lang="fr-FR" sz="2400" dirty="0"/>
-              <a:t>:</a:t>
-            </a:r>
-          </a:p>
-          <a:p>
-            <a:pPr>
-              <a:buFont typeface="Wingdings" panose="05000000000000000000" pitchFamily="2" charset="2"/>
-              <a:buChar char="§"/>
-            </a:pPr>
-            <a:r>
-              <a:rPr lang="fr-FR" sz="2400" dirty="0"/>
-              <a:t>Module RSA python:</a:t>
-            </a:r>
-          </a:p>
-          <a:p>
-            <a:pPr>
-              <a:buFont typeface="Wingdings" panose="05000000000000000000" pitchFamily="2" charset="2"/>
-              <a:buChar char="§"/>
-            </a:pPr>
-            <a:r>
-              <a:rPr lang="fr-FR" sz="2400" dirty="0"/>
-              <a:t>Sage python</a:t>
-            </a:r>
-          </a:p>
-          <a:p>
-            <a:pPr>
-              <a:buFont typeface="Wingdings" panose="05000000000000000000" pitchFamily="2" charset="2"/>
-              <a:buChar char="§"/>
-            </a:pPr>
-            <a:endParaRPr lang="fr-FR" dirty="0"/>
-          </a:p>
-        </p:txBody>
-      </p:sp>
-      <p:sp>
-        <p:nvSpPr>
-          <p:cNvPr id="4" name="PlaceHolder 1">
-            <a:extLst>
-              <a:ext uri="{FF2B5EF4-FFF2-40B4-BE49-F238E27FC236}">
-                <a16:creationId xmlns:a16="http://schemas.microsoft.com/office/drawing/2014/main" id="{37BC35B3-CDD8-1180-49CB-9FA3CEBE15B2}"/>
-              </a:ext>
-            </a:extLst>
-          </p:cNvPr>
-          <p:cNvSpPr txBox="1">
-            <a:spLocks/>
-          </p:cNvSpPr>
-          <p:nvPr/>
-        </p:nvSpPr>
-        <p:spPr>
-          <a:xfrm>
-            <a:off x="4180788" y="516118"/>
-            <a:ext cx="6735451" cy="841342"/>
+            <a:off x="1404720" y="1357560"/>
+            <a:ext cx="9511200" cy="4232160"/>
           </a:xfrm>
           <a:prstGeom prst="rect">
             <a:avLst/>
@@ -4053,41 +3291,159 @@
           </a:ln>
         </p:spPr>
         <p:txBody>
-          <a:bodyPr lIns="91440" tIns="45720" rIns="91440" bIns="45720" anchor="t">
+          <a:bodyPr lIns="0" rIns="0" tIns="0" bIns="0" anchor="t">
             <a:noAutofit/>
           </a:bodyPr>
-          <a:lstStyle>
-            <a:lvl1pPr algn="l" defTabSz="914400" rtl="0" eaLnBrk="1" latinLnBrk="0" hangingPunct="1">
+          <a:p>
+            <a:pPr marL="228600" indent="-228600" defTabSz="914400">
               <a:lnSpc>
                 <a:spcPct val="90000"/>
               </a:lnSpc>
               <a:spcBef>
-                <a:spcPct val="0"/>
-              </a:spcBef>
-              <a:buNone/>
-              <a:defRPr sz="4400" kern="1200">
-                <a:solidFill>
-                  <a:schemeClr val="tx1"/>
-                </a:solidFill>
-                <a:latin typeface="+mj-lt"/>
-                <a:ea typeface="+mj-ea"/>
-                <a:cs typeface="+mj-cs"/>
-              </a:defRPr>
-            </a:lvl1pPr>
-          </a:lstStyle>
-          <a:p>
-            <a:pPr marL="857250" indent="-857250">
+                <a:spcPts val="1001"/>
+              </a:spcBef>
+              <a:buClr>
+                <a:srgbClr val="000000"/>
+              </a:buClr>
+              <a:buFont typeface="Wingdings" charset="2"/>
+              <a:buChar char=""/>
+            </a:pPr>
+            <a:r>
+              <a:rPr b="0" lang="fr-FR" sz="2400" spc="-1" strike="noStrike">
+                <a:solidFill>
+                  <a:schemeClr val="dk1"/>
+                </a:solidFill>
+                <a:latin typeface="Franklin Gothic Book"/>
+              </a:rPr>
+              <a:t>Cyberchef</a:t>
+            </a:r>
+            <a:endParaRPr b="0" lang="fr-FR" sz="2400" spc="-1" strike="noStrike">
+              <a:solidFill>
+                <a:srgbClr val="000000"/>
+              </a:solidFill>
+              <a:latin typeface="Arial"/>
+            </a:endParaRPr>
+          </a:p>
+          <a:p>
+            <a:pPr marL="228600" indent="-228600" defTabSz="914400">
+              <a:lnSpc>
+                <a:spcPct val="90000"/>
+              </a:lnSpc>
+              <a:spcBef>
+                <a:spcPts val="1001"/>
+              </a:spcBef>
+              <a:buClr>
+                <a:srgbClr val="000000"/>
+              </a:buClr>
+              <a:buFont typeface="Wingdings" charset="2"/>
+              <a:buChar char=""/>
+            </a:pPr>
+            <a:r>
+              <a:rPr b="0" lang="fr-FR" sz="2400" spc="-1" strike="noStrike">
+                <a:solidFill>
+                  <a:schemeClr val="dk1"/>
+                </a:solidFill>
+                <a:latin typeface="Franklin Gothic Book"/>
+              </a:rPr>
+              <a:t>Pycryptodome</a:t>
+            </a:r>
+            <a:endParaRPr b="0" lang="fr-FR" sz="2400" spc="-1" strike="noStrike">
+              <a:solidFill>
+                <a:srgbClr val="000000"/>
+              </a:solidFill>
+              <a:latin typeface="Arial"/>
+            </a:endParaRPr>
+          </a:p>
+          <a:p>
+            <a:pPr marL="228600" indent="-228600" defTabSz="914400">
+              <a:lnSpc>
+                <a:spcPct val="90000"/>
+              </a:lnSpc>
+              <a:spcBef>
+                <a:spcPts val="1001"/>
+              </a:spcBef>
+              <a:buClr>
+                <a:srgbClr val="000000"/>
+              </a:buClr>
+              <a:buFont typeface="Wingdings" charset="2"/>
+              <a:buChar char=""/>
+            </a:pPr>
+            <a:r>
+              <a:rPr b="0" lang="fr-FR" sz="2400" spc="-1" strike="noStrike">
+                <a:solidFill>
+                  <a:schemeClr val="dk1"/>
+                </a:solidFill>
+                <a:latin typeface="Franklin Gothic Book"/>
+              </a:rPr>
+              <a:t>Sagemath</a:t>
+            </a:r>
+            <a:endParaRPr b="0" lang="fr-FR" sz="2400" spc="-1" strike="noStrike">
+              <a:solidFill>
+                <a:srgbClr val="000000"/>
+              </a:solidFill>
+              <a:latin typeface="Arial"/>
+            </a:endParaRPr>
+          </a:p>
+          <a:p>
+            <a:pPr defTabSz="914400">
+              <a:lnSpc>
+                <a:spcPct val="90000"/>
+              </a:lnSpc>
+              <a:spcBef>
+                <a:spcPts val="1001"/>
+              </a:spcBef>
+            </a:pPr>
+            <a:endParaRPr b="0" lang="fr-FR" sz="2800" spc="-1" strike="noStrike">
+              <a:solidFill>
+                <a:srgbClr val="000000"/>
+              </a:solidFill>
+              <a:latin typeface="Arial"/>
+            </a:endParaRPr>
+          </a:p>
+        </p:txBody>
+      </p:sp>
+      <p:sp>
+        <p:nvSpPr>
+          <p:cNvPr id="68" name="PlaceHolder 1"/>
+          <p:cNvSpPr/>
+          <p:nvPr/>
+        </p:nvSpPr>
+        <p:spPr>
+          <a:xfrm>
+            <a:off x="4180680" y="516240"/>
+            <a:ext cx="6735240" cy="840960"/>
+          </a:xfrm>
+          <a:prstGeom prst="rect">
+            <a:avLst/>
+          </a:prstGeom>
+          <a:noFill/>
+          <a:ln w="0">
+            <a:noFill/>
+          </a:ln>
+        </p:spPr>
+        <p:style>
+          <a:lnRef idx="0"/>
+          <a:fillRef idx="0"/>
+          <a:effectRef idx="0"/>
+          <a:fontRef idx="minor"/>
+        </p:style>
+        <p:txBody>
+          <a:bodyPr anchor="t">
+            <a:noAutofit/>
+          </a:bodyPr>
+          <a:p>
+            <a:pPr marL="857160" indent="-857160" defTabSz="914400">
               <a:lnSpc>
                 <a:spcPct val="89000"/>
               </a:lnSpc>
               <a:buClr>
-                <a:srgbClr val="191B0E"/>
+                <a:srgbClr val="191b0e"/>
               </a:buClr>
-              <a:buFont typeface="+mj-lt"/>
+              <a:buFont typeface="Franklin Gothic Book"/>
               <a:buAutoNum type="romanUcPeriod" startAt="4"/>
             </a:pPr>
             <a:r>
-              <a:rPr lang="en-US" spc="-1" dirty="0" err="1">
+              <a:rPr b="0" lang="en-US" sz="4400" spc="-1" strike="noStrike">
                 <a:solidFill>
                   <a:schemeClr val="dk1"/>
                 </a:solidFill>
@@ -4095,30 +3451,30 @@
               </a:rPr>
               <a:t>Outils</a:t>
             </a:r>
-            <a:endParaRPr lang="en-US" spc="-1" dirty="0">
-              <a:solidFill>
-                <a:schemeClr val="dk1"/>
-              </a:solidFill>
-              <a:latin typeface="Franklin Gothic Book"/>
+            <a:endParaRPr b="0" lang="fr-FR" sz="4400" spc="-1" strike="noStrike">
+              <a:solidFill>
+                <a:srgbClr val="000000"/>
+              </a:solidFill>
+              <a:latin typeface="Arial"/>
             </a:endParaRPr>
           </a:p>
         </p:txBody>
       </p:sp>
     </p:spTree>
-    <p:extLst>
-      <p:ext uri="{BB962C8B-B14F-4D97-AF65-F5344CB8AC3E}">
-        <p14:creationId xmlns:p14="http://schemas.microsoft.com/office/powerpoint/2010/main" val="340732061"/>
-      </p:ext>
-    </p:extLst>
   </p:cSld>
-  <p:clrMapOvr>
-    <a:masterClrMapping/>
-  </p:clrMapOvr>
+  <mc:AlternateContent>
+    <mc:Choice Requires="p14">
+      <p:transition spd="slow" p14:dur="2000"/>
+    </mc:Choice>
+    <mc:Fallback>
+      <p:transition spd="slow"/>
+    </mc:Fallback>
+  </mc:AlternateContent>
 </p:sld>
 </file>
 
 <file path=ppt/slides/slide2.xml><?xml version="1.0" encoding="utf-8"?>
-<p:sld xmlns:a="http://schemas.openxmlformats.org/drawingml/2006/main" xmlns:r="http://schemas.openxmlformats.org/officeDocument/2006/relationships" xmlns:p="http://schemas.openxmlformats.org/presentationml/2006/main">
+<p:sld xmlns:a="http://schemas.openxmlformats.org/drawingml/2006/main" xmlns:p="http://schemas.openxmlformats.org/presentationml/2006/main" xmlns:r="http://schemas.openxmlformats.org/officeDocument/2006/relationships" xmlns:p14="http://schemas.microsoft.com/office/powerpoint/2010/main" xmlns:p15="http://schemas.microsoft.com/office/powerpoint/2012/main" xmlns:mc="http://schemas.openxmlformats.org/markup-compatibility/2006">
   <p:cSld>
     <p:spTree>
       <p:nvGrpSpPr>
@@ -4136,14 +3492,14 @@
       </p:grpSpPr>
       <p:sp>
         <p:nvSpPr>
-          <p:cNvPr id="47" name="ZoneTexte 1"/>
+          <p:cNvPr id="45" name="ZoneTexte 1"/>
           <p:cNvSpPr/>
           <p:nvPr/>
         </p:nvSpPr>
         <p:spPr>
           <a:xfrm>
             <a:off x="2458800" y="1592640"/>
-            <a:ext cx="8701200" cy="3745800"/>
+            <a:ext cx="8700840" cy="3745800"/>
           </a:xfrm>
           <a:prstGeom prst="rect">
             <a:avLst/>
@@ -4154,22 +3510,15 @@
           </a:ln>
         </p:spPr>
         <p:style>
-          <a:lnRef idx="0">
-            <a:scrgbClr r="0" g="0" b="0"/>
-          </a:lnRef>
-          <a:fillRef idx="0">
-            <a:scrgbClr r="0" g="0" b="0"/>
-          </a:fillRef>
-          <a:effectRef idx="0">
-            <a:scrgbClr r="0" g="0" b="0"/>
-          </a:effectRef>
+          <a:lnRef idx="0"/>
+          <a:fillRef idx="0"/>
+          <a:effectRef idx="0"/>
           <a:fontRef idx="minor"/>
         </p:style>
         <p:txBody>
-          <a:bodyPr lIns="90000" tIns="45000" rIns="90000" bIns="45000" anchor="t">
+          <a:bodyPr lIns="90000" rIns="90000" tIns="45000" bIns="45000" anchor="t">
             <a:spAutoFit/>
           </a:bodyPr>
-          <a:lstStyle/>
           <a:p>
             <a:pPr marL="399960" indent="-399960" defTabSz="457200">
               <a:lnSpc>
@@ -4182,7 +3531,7 @@
               <a:buAutoNum type="romanUcPeriod"/>
             </a:pPr>
             <a:r>
-              <a:rPr lang="fr-FR" sz="4000" b="0" strike="noStrike" spc="-1">
+              <a:rPr b="0" lang="fr-FR" sz="4000" spc="-1" strike="noStrike">
                 <a:solidFill>
                   <a:schemeClr val="dk1"/>
                 </a:solidFill>
@@ -4190,7 +3539,7 @@
               </a:rPr>
               <a:t>Introduction </a:t>
             </a:r>
-            <a:endParaRPr lang="fr-FR" sz="4000" b="0" strike="noStrike" spc="-1">
+            <a:endParaRPr b="0" lang="fr-FR" sz="4000" spc="-1" strike="noStrike">
               <a:solidFill>
                 <a:srgbClr val="000000"/>
               </a:solidFill>
@@ -4209,15 +3558,24 @@
               <a:buAutoNum type="romanUcPeriod"/>
             </a:pPr>
             <a:r>
-              <a:rPr lang="fr-FR" sz="4000" b="0" strike="noStrike" spc="-1">
+              <a:rPr b="0" lang="fr-FR" sz="4000" spc="-1" strike="noStrike">
                 <a:solidFill>
                   <a:schemeClr val="dk1"/>
                 </a:solidFill>
                 <a:latin typeface="Franklin Gothic Book"/>
               </a:rPr>
-              <a:t> Utilisation </a:t>
-            </a:r>
-            <a:endParaRPr lang="fr-FR" sz="4000" b="0" strike="noStrike" spc="-1">
+              <a:t> </a:t>
+            </a:r>
+            <a:r>
+              <a:rPr b="0" lang="fr-FR" sz="4000" spc="-1" strike="noStrike">
+                <a:solidFill>
+                  <a:schemeClr val="dk1"/>
+                </a:solidFill>
+                <a:latin typeface="Franklin Gothic Book"/>
+              </a:rPr>
+              <a:t>Utilisation </a:t>
+            </a:r>
+            <a:endParaRPr b="0" lang="fr-FR" sz="4000" spc="-1" strike="noStrike">
               <a:solidFill>
                 <a:srgbClr val="000000"/>
               </a:solidFill>
@@ -4236,15 +3594,24 @@
               <a:buAutoNum type="romanUcPeriod"/>
             </a:pPr>
             <a:r>
-              <a:rPr lang="fr-FR" sz="4000" b="0" strike="noStrike" spc="-1">
+              <a:rPr b="0" lang="fr-FR" sz="4000" spc="-1" strike="noStrike">
                 <a:solidFill>
                   <a:schemeClr val="dk1"/>
                 </a:solidFill>
                 <a:latin typeface="Franklin Gothic Book"/>
               </a:rPr>
-              <a:t> Types de cryptographie</a:t>
-            </a:r>
-            <a:endParaRPr lang="fr-FR" sz="4000" b="0" strike="noStrike" spc="-1">
+              <a:t> </a:t>
+            </a:r>
+            <a:r>
+              <a:rPr b="0" lang="fr-FR" sz="4000" spc="-1" strike="noStrike">
+                <a:solidFill>
+                  <a:schemeClr val="dk1"/>
+                </a:solidFill>
+                <a:latin typeface="Franklin Gothic Book"/>
+              </a:rPr>
+              <a:t>Types de cryptographie</a:t>
+            </a:r>
+            <a:endParaRPr b="0" lang="fr-FR" sz="4000" spc="-1" strike="noStrike">
               <a:solidFill>
                 <a:srgbClr val="000000"/>
               </a:solidFill>
@@ -4263,15 +3630,24 @@
               <a:buAutoNum type="romanUcPeriod"/>
             </a:pPr>
             <a:r>
-              <a:rPr lang="fr-FR" sz="4000" b="0" strike="noStrike" spc="-1">
+              <a:rPr b="0" lang="fr-FR" sz="4000" spc="-1" strike="noStrike">
                 <a:solidFill>
                   <a:schemeClr val="dk1"/>
                 </a:solidFill>
                 <a:latin typeface="Franklin Gothic Book"/>
               </a:rPr>
-              <a:t> Outils</a:t>
-            </a:r>
-            <a:endParaRPr lang="fr-FR" sz="4000" b="0" strike="noStrike" spc="-1">
+              <a:t> </a:t>
+            </a:r>
+            <a:r>
+              <a:rPr b="0" lang="fr-FR" sz="4000" spc="-1" strike="noStrike">
+                <a:solidFill>
+                  <a:schemeClr val="dk1"/>
+                </a:solidFill>
+                <a:latin typeface="Franklin Gothic Book"/>
+              </a:rPr>
+              <a:t>Outils</a:t>
+            </a:r>
+            <a:endParaRPr b="0" lang="fr-FR" sz="4000" spc="-1" strike="noStrike">
               <a:solidFill>
                 <a:srgbClr val="000000"/>
               </a:solidFill>
@@ -4282,14 +3658,19 @@
       </p:sp>
     </p:spTree>
   </p:cSld>
-  <p:clrMapOvr>
-    <a:masterClrMapping/>
-  </p:clrMapOvr>
+  <mc:AlternateContent>
+    <mc:Choice Requires="p14">
+      <p:transition spd="slow" p14:dur="2000"/>
+    </mc:Choice>
+    <mc:Fallback>
+      <p:transition spd="slow"/>
+    </mc:Fallback>
+  </mc:AlternateContent>
 </p:sld>
 </file>
 
 <file path=ppt/slides/slide3.xml><?xml version="1.0" encoding="utf-8"?>
-<p:sld xmlns:a="http://schemas.openxmlformats.org/drawingml/2006/main" xmlns:r="http://schemas.openxmlformats.org/officeDocument/2006/relationships" xmlns:p="http://schemas.openxmlformats.org/presentationml/2006/main">
+<p:sld xmlns:a="http://schemas.openxmlformats.org/drawingml/2006/main" xmlns:p="http://schemas.openxmlformats.org/presentationml/2006/main" xmlns:r="http://schemas.openxmlformats.org/officeDocument/2006/relationships" xmlns:p14="http://schemas.microsoft.com/office/powerpoint/2010/main" xmlns:p15="http://schemas.microsoft.com/office/powerpoint/2012/main" xmlns:mc="http://schemas.openxmlformats.org/markup-compatibility/2006">
   <p:cSld>
     <p:spTree>
       <p:nvGrpSpPr>
@@ -4307,7 +3688,7 @@
       </p:grpSpPr>
       <p:sp>
         <p:nvSpPr>
-          <p:cNvPr id="48" name="PlaceHolder 1"/>
+          <p:cNvPr id="46" name="PlaceHolder 1"/>
           <p:cNvSpPr>
             <a:spLocks noGrp="1"/>
           </p:cNvSpPr>
@@ -4317,8 +3698,8 @@
         </p:nvSpPr>
         <p:spPr>
           <a:xfrm>
-            <a:off x="4114800" y="534971"/>
-            <a:ext cx="5170602" cy="899269"/>
+            <a:off x="4114800" y="534960"/>
+            <a:ext cx="5965200" cy="898920"/>
           </a:xfrm>
           <a:prstGeom prst="rect">
             <a:avLst/>
@@ -4329,23 +3710,22 @@
           </a:ln>
         </p:spPr>
         <p:txBody>
-          <a:bodyPr lIns="91440" tIns="45720" rIns="91440" bIns="45720" anchor="t">
+          <a:bodyPr lIns="91440" rIns="91440" tIns="45720" bIns="45720" anchor="t">
             <a:noAutofit/>
           </a:bodyPr>
-          <a:lstStyle/>
           <a:p>
             <a:pPr marL="857160" indent="-857160" defTabSz="914400">
               <a:lnSpc>
                 <a:spcPct val="89000"/>
               </a:lnSpc>
               <a:buClr>
-                <a:srgbClr val="191B0E"/>
+                <a:srgbClr val="191b0e"/>
               </a:buClr>
               <a:buFont typeface="Franklin Gothic Book"/>
               <a:buAutoNum type="romanUcPeriod"/>
             </a:pPr>
             <a:r>
-              <a:rPr lang="fr-FR" sz="4400" b="0" strike="noStrike" spc="-1" dirty="0">
+              <a:rPr b="0" lang="fr-FR" sz="4400" spc="-1" strike="noStrike">
                 <a:solidFill>
                   <a:schemeClr val="dk2"/>
                 </a:solidFill>
@@ -4353,7 +3733,7 @@
               </a:rPr>
               <a:t>La cryptographie</a:t>
             </a:r>
-            <a:endParaRPr lang="en-US" sz="4400" b="0" strike="noStrike" spc="-1" dirty="0">
+            <a:endParaRPr b="0" lang="fr-FR" sz="4400" spc="-1" strike="noStrike">
               <a:solidFill>
                 <a:schemeClr val="dk1"/>
               </a:solidFill>
@@ -4364,7 +3744,7 @@
       </p:sp>
       <p:sp>
         <p:nvSpPr>
-          <p:cNvPr id="49" name="PlaceHolder 2"/>
+          <p:cNvPr id="47" name="PlaceHolder 2"/>
           <p:cNvSpPr>
             <a:spLocks noGrp="1"/>
           </p:cNvSpPr>
@@ -4374,8 +3754,8 @@
         </p:nvSpPr>
         <p:spPr>
           <a:xfrm>
-            <a:off x="1371600" y="1434239"/>
-            <a:ext cx="9600840" cy="3995599"/>
+            <a:off x="1371600" y="1434240"/>
+            <a:ext cx="9600480" cy="3995280"/>
           </a:xfrm>
           <a:prstGeom prst="rect">
             <a:avLst/>
@@ -4386,10 +3766,9 @@
           </a:ln>
         </p:spPr>
         <p:txBody>
-          <a:bodyPr lIns="91440" tIns="45720" rIns="91440" bIns="45720" anchor="t">
-            <a:normAutofit fontScale="97938"/>
+          <a:bodyPr lIns="91440" rIns="91440" tIns="45720" bIns="45720" anchor="t">
+            <a:normAutofit/>
           </a:bodyPr>
-          <a:lstStyle/>
           <a:p>
             <a:pPr marL="384120" indent="-384120" defTabSz="914400">
               <a:lnSpc>
@@ -4402,23 +3781,32 @@
                 <a:spcPts val="201"/>
               </a:spcAft>
               <a:buClr>
-                <a:srgbClr val="191B0E"/>
+                <a:srgbClr val="191b0e"/>
               </a:buClr>
               <a:buFont typeface="Franklin Gothic Book"/>
               <a:buChar char="■"/>
             </a:pPr>
             <a:r>
-              <a:rPr lang="fr-FR" sz="2000" b="0" strike="noStrike" spc="-1" dirty="0">
+              <a:rPr b="0" lang="fr-FR" sz="2000" spc="-1" strike="noStrike">
                 <a:solidFill>
                   <a:schemeClr val="dk2"/>
                 </a:solidFill>
                 <a:latin typeface="Franklin Gothic Book"/>
               </a:rPr>
-              <a:t>A veut transmettre un message à B sans que C ne puisse le comprendre,</a:t>
-            </a:r>
-            <a:endParaRPr lang="en-US" sz="2000" b="0" strike="noStrike" spc="-1" dirty="0">
-              <a:solidFill>
-                <a:schemeClr val="dk2"/>
+              <a:t>A veut transmettre un message à B sans </a:t>
+            </a:r>
+            <a:r>
+              <a:rPr b="0" lang="fr-FR" sz="2000" spc="-1" strike="noStrike">
+                <a:solidFill>
+                  <a:schemeClr val="dk2"/>
+                </a:solidFill>
+                <a:latin typeface="Franklin Gothic Book"/>
+              </a:rPr>
+              <a:t>que C ne puisse le comprendre,</a:t>
+            </a:r>
+            <a:endParaRPr b="0" lang="fr-FR" sz="2000" spc="-1" strike="noStrike">
+              <a:solidFill>
+                <a:schemeClr val="dk1"/>
               </a:solidFill>
               <a:latin typeface="Franklin Gothic Book"/>
             </a:endParaRPr>
@@ -4435,13 +3823,13 @@
                 <a:spcPts val="201"/>
               </a:spcAft>
               <a:buClr>
-                <a:srgbClr val="191B0E"/>
+                <a:srgbClr val="191b0e"/>
               </a:buClr>
               <a:buFont typeface="Franklin Gothic Book"/>
               <a:buChar char="■"/>
             </a:pPr>
             <a:r>
-              <a:rPr lang="fr-FR" sz="2000" b="0" strike="noStrike" spc="-1" dirty="0">
+              <a:rPr b="0" lang="fr-FR" sz="2000" spc="-1" strike="noStrike">
                 <a:solidFill>
                   <a:schemeClr val="dk2"/>
                 </a:solidFill>
@@ -4449,15 +3837,15 @@
               </a:rPr>
               <a:t>4 principes fondamentaux:</a:t>
             </a:r>
-            <a:endParaRPr lang="en-US" sz="2000" b="0" strike="noStrike" spc="-1" dirty="0">
-              <a:solidFill>
-                <a:schemeClr val="dk2"/>
+            <a:endParaRPr b="0" lang="fr-FR" sz="2000" spc="-1" strike="noStrike">
+              <a:solidFill>
+                <a:schemeClr val="dk1"/>
               </a:solidFill>
               <a:latin typeface="Franklin Gothic Book"/>
             </a:endParaRPr>
           </a:p>
           <a:p>
-            <a:pPr marL="914400" lvl="1" indent="-384120" defTabSz="914400">
+            <a:pPr lvl="1" marL="914400" indent="-384120" defTabSz="914400">
               <a:lnSpc>
                 <a:spcPct val="94000"/>
               </a:lnSpc>
@@ -4468,13 +3856,13 @@
                 <a:spcPts val="201"/>
               </a:spcAft>
               <a:buClr>
-                <a:srgbClr val="191B0E"/>
+                <a:srgbClr val="191b0e"/>
               </a:buClr>
               <a:buFont typeface="Franklin Gothic Book"/>
               <a:buChar char="–"/>
             </a:pPr>
             <a:r>
-              <a:rPr lang="fr-FR" sz="2000" b="0" i="1" strike="noStrike" spc="-1" dirty="0">
+              <a:rPr b="0" i="1" lang="fr-FR" sz="2000" spc="-1" strike="noStrike">
                 <a:solidFill>
                   <a:schemeClr val="dk2"/>
                 </a:solidFill>
@@ -4482,15 +3870,15 @@
               </a:rPr>
               <a:t>Confidentialité</a:t>
             </a:r>
-            <a:endParaRPr lang="en-US" sz="2000" b="0" strike="noStrike" spc="-1" dirty="0">
-              <a:solidFill>
-                <a:schemeClr val="dk2"/>
+            <a:endParaRPr b="0" lang="fr-FR" sz="2000" spc="-1" strike="noStrike">
+              <a:solidFill>
+                <a:schemeClr val="dk1"/>
               </a:solidFill>
               <a:latin typeface="Franklin Gothic Book"/>
             </a:endParaRPr>
           </a:p>
           <a:p>
-            <a:pPr marL="914400" lvl="1" indent="-384120" defTabSz="914400">
+            <a:pPr lvl="1" marL="914400" indent="-384120" defTabSz="914400">
               <a:lnSpc>
                 <a:spcPct val="94000"/>
               </a:lnSpc>
@@ -4501,13 +3889,13 @@
                 <a:spcPts val="201"/>
               </a:spcAft>
               <a:buClr>
-                <a:srgbClr val="191B0E"/>
+                <a:srgbClr val="191b0e"/>
               </a:buClr>
               <a:buFont typeface="Franklin Gothic Book"/>
               <a:buChar char="–"/>
             </a:pPr>
             <a:r>
-              <a:rPr lang="fr-FR" sz="2000" b="0" i="1" strike="noStrike" spc="-1" dirty="0">
+              <a:rPr b="0" i="1" lang="fr-FR" sz="2000" spc="-1" strike="noStrike">
                 <a:solidFill>
                   <a:schemeClr val="dk2"/>
                 </a:solidFill>
@@ -4515,15 +3903,15 @@
               </a:rPr>
               <a:t>Authenticité</a:t>
             </a:r>
-            <a:endParaRPr lang="en-US" sz="2000" b="0" strike="noStrike" spc="-1" dirty="0">
-              <a:solidFill>
-                <a:schemeClr val="dk2"/>
+            <a:endParaRPr b="0" lang="fr-FR" sz="2000" spc="-1" strike="noStrike">
+              <a:solidFill>
+                <a:schemeClr val="dk1"/>
               </a:solidFill>
               <a:latin typeface="Franklin Gothic Book"/>
             </a:endParaRPr>
           </a:p>
           <a:p>
-            <a:pPr marL="914400" lvl="1" indent="-384120" defTabSz="914400">
+            <a:pPr lvl="1" marL="914400" indent="-384120" defTabSz="914400">
               <a:lnSpc>
                 <a:spcPct val="94000"/>
               </a:lnSpc>
@@ -4534,13 +3922,13 @@
                 <a:spcPts val="201"/>
               </a:spcAft>
               <a:buClr>
-                <a:srgbClr val="191B0E"/>
+                <a:srgbClr val="191b0e"/>
               </a:buClr>
               <a:buFont typeface="Franklin Gothic Book"/>
               <a:buChar char="–"/>
             </a:pPr>
             <a:r>
-              <a:rPr lang="fr-FR" sz="2000" b="0" i="1" strike="noStrike" spc="-1" dirty="0">
+              <a:rPr b="0" i="1" lang="fr-FR" sz="2000" spc="-1" strike="noStrike">
                 <a:solidFill>
                   <a:schemeClr val="dk2"/>
                 </a:solidFill>
@@ -4548,15 +3936,15 @@
               </a:rPr>
               <a:t>Intégrité</a:t>
             </a:r>
-            <a:endParaRPr lang="en-US" sz="2000" b="0" strike="noStrike" spc="-1" dirty="0">
-              <a:solidFill>
-                <a:schemeClr val="dk2"/>
+            <a:endParaRPr b="0" lang="fr-FR" sz="2000" spc="-1" strike="noStrike">
+              <a:solidFill>
+                <a:schemeClr val="dk1"/>
               </a:solidFill>
               <a:latin typeface="Franklin Gothic Book"/>
             </a:endParaRPr>
           </a:p>
           <a:p>
-            <a:pPr marL="914400" lvl="1" indent="-384120" defTabSz="914400">
+            <a:pPr lvl="1" marL="914400" indent="-384120" defTabSz="914400">
               <a:lnSpc>
                 <a:spcPct val="94000"/>
               </a:lnSpc>
@@ -4567,13 +3955,13 @@
                 <a:spcPts val="201"/>
               </a:spcAft>
               <a:buClr>
-                <a:srgbClr val="191B0E"/>
+                <a:srgbClr val="191b0e"/>
               </a:buClr>
               <a:buFont typeface="Franklin Gothic Book"/>
               <a:buChar char="–"/>
             </a:pPr>
             <a:r>
-              <a:rPr lang="fr-FR" sz="2000" b="0" i="1" strike="noStrike" spc="-1" dirty="0">
+              <a:rPr b="0" i="1" lang="fr-FR" sz="2000" spc="-1" strike="noStrike">
                 <a:solidFill>
                   <a:schemeClr val="dk2"/>
                 </a:solidFill>
@@ -4581,9 +3969,9 @@
               </a:rPr>
               <a:t>Non répudiation </a:t>
             </a:r>
-            <a:endParaRPr lang="en-US" sz="2000" b="0" strike="noStrike" spc="-1" dirty="0">
-              <a:solidFill>
-                <a:schemeClr val="dk2"/>
+            <a:endParaRPr b="0" lang="fr-FR" sz="2000" spc="-1" strike="noStrike">
+              <a:solidFill>
+                <a:schemeClr val="dk1"/>
               </a:solidFill>
               <a:latin typeface="Franklin Gothic Book"/>
             </a:endParaRPr>
@@ -4600,13 +3988,13 @@
                 <a:spcPts val="201"/>
               </a:spcAft>
               <a:buClr>
-                <a:srgbClr val="191B0E"/>
+                <a:srgbClr val="191b0e"/>
               </a:buClr>
               <a:buFont typeface="Franklin Gothic Book"/>
               <a:buChar char="■"/>
             </a:pPr>
             <a:r>
-              <a:rPr lang="fr-FR" sz="2000" b="0" strike="noStrike" spc="-1" dirty="0">
+              <a:rPr b="0" lang="fr-FR" sz="2000" spc="-1" strike="noStrike">
                 <a:solidFill>
                   <a:schemeClr val="dk2"/>
                 </a:solidFill>
@@ -4614,15 +4002,15 @@
               </a:rPr>
               <a:t>Deux types de cryptographie:</a:t>
             </a:r>
-            <a:endParaRPr lang="en-US" sz="2000" b="0" strike="noStrike" spc="-1" dirty="0">
-              <a:solidFill>
-                <a:schemeClr val="dk2"/>
+            <a:endParaRPr b="0" lang="fr-FR" sz="2000" spc="-1" strike="noStrike">
+              <a:solidFill>
+                <a:schemeClr val="dk1"/>
               </a:solidFill>
               <a:latin typeface="Franklin Gothic Book"/>
             </a:endParaRPr>
           </a:p>
           <a:p>
-            <a:pPr marL="914400" lvl="1" indent="-384120" defTabSz="914400">
+            <a:pPr lvl="1" marL="914400" indent="-384120" defTabSz="914400">
               <a:lnSpc>
                 <a:spcPct val="94000"/>
               </a:lnSpc>
@@ -4633,13 +4021,13 @@
                 <a:spcPts val="201"/>
               </a:spcAft>
               <a:buClr>
-                <a:srgbClr val="191B0E"/>
+                <a:srgbClr val="191b0e"/>
               </a:buClr>
               <a:buFont typeface="Franklin Gothic Book"/>
               <a:buChar char="–"/>
             </a:pPr>
             <a:r>
-              <a:rPr lang="fr-FR" sz="2000" b="0" i="1" strike="noStrike" spc="-1" dirty="0">
+              <a:rPr b="0" i="1" lang="fr-FR" sz="2000" spc="-1" strike="noStrike">
                 <a:solidFill>
                   <a:schemeClr val="dk2"/>
                 </a:solidFill>
@@ -4647,15 +4035,15 @@
               </a:rPr>
               <a:t>Symétrique</a:t>
             </a:r>
-            <a:endParaRPr lang="en-US" sz="2000" b="0" strike="noStrike" spc="-1" dirty="0">
-              <a:solidFill>
-                <a:schemeClr val="dk2"/>
+            <a:endParaRPr b="0" lang="fr-FR" sz="2000" spc="-1" strike="noStrike">
+              <a:solidFill>
+                <a:schemeClr val="dk1"/>
               </a:solidFill>
               <a:latin typeface="Franklin Gothic Book"/>
             </a:endParaRPr>
           </a:p>
           <a:p>
-            <a:pPr marL="914400" lvl="1" indent="-384120" defTabSz="914400">
+            <a:pPr lvl="1" marL="914400" indent="-384120" defTabSz="914400">
               <a:lnSpc>
                 <a:spcPct val="94000"/>
               </a:lnSpc>
@@ -4666,13 +4054,13 @@
                 <a:spcPts val="201"/>
               </a:spcAft>
               <a:buClr>
-                <a:srgbClr val="191B0E"/>
+                <a:srgbClr val="191b0e"/>
               </a:buClr>
               <a:buFont typeface="Franklin Gothic Book"/>
               <a:buChar char="–"/>
             </a:pPr>
             <a:r>
-              <a:rPr lang="fr-FR" sz="2000" b="0" i="1" strike="noStrike" spc="-1" dirty="0">
+              <a:rPr b="0" i="1" lang="fr-FR" sz="2000" spc="-1" strike="noStrike">
                 <a:solidFill>
                   <a:schemeClr val="dk2"/>
                 </a:solidFill>
@@ -4680,9 +4068,9 @@
               </a:rPr>
               <a:t>Asymétrique </a:t>
             </a:r>
-            <a:endParaRPr lang="en-US" sz="2000" b="0" strike="noStrike" spc="-1" dirty="0">
-              <a:solidFill>
-                <a:schemeClr val="dk2"/>
+            <a:endParaRPr b="0" lang="fr-FR" sz="2000" spc="-1" strike="noStrike">
+              <a:solidFill>
+                <a:schemeClr val="dk1"/>
               </a:solidFill>
               <a:latin typeface="Franklin Gothic Book"/>
             </a:endParaRPr>
@@ -4699,10 +4087,13 @@
                 <a:spcPts val="201"/>
               </a:spcAft>
               <a:buNone/>
-            </a:pPr>
-            <a:endParaRPr lang="en-US" sz="2000" b="0" strike="noStrike" spc="-1" dirty="0">
-              <a:solidFill>
-                <a:schemeClr val="dk2"/>
+              <a:tabLst>
+                <a:tab algn="l" pos="0"/>
+              </a:tabLst>
+            </a:pPr>
+            <a:endParaRPr b="0" lang="fr-FR" sz="2000" spc="-1" strike="noStrike">
+              <a:solidFill>
+                <a:schemeClr val="dk1"/>
               </a:solidFill>
               <a:latin typeface="Franklin Gothic Book"/>
             </a:endParaRPr>
@@ -4711,14 +4102,19 @@
       </p:sp>
     </p:spTree>
   </p:cSld>
-  <p:clrMapOvr>
-    <a:masterClrMapping/>
-  </p:clrMapOvr>
+  <mc:AlternateContent>
+    <mc:Choice Requires="p14">
+      <p:transition spd="slow" p14:dur="2000"/>
+    </mc:Choice>
+    <mc:Fallback>
+      <p:transition spd="slow"/>
+    </mc:Fallback>
+  </mc:AlternateContent>
 </p:sld>
 </file>
 
 <file path=ppt/slides/slide4.xml><?xml version="1.0" encoding="utf-8"?>
-<p:sld xmlns:a="http://schemas.openxmlformats.org/drawingml/2006/main" xmlns:r="http://schemas.openxmlformats.org/officeDocument/2006/relationships" xmlns:p="http://schemas.openxmlformats.org/presentationml/2006/main">
+<p:sld xmlns:a="http://schemas.openxmlformats.org/drawingml/2006/main" xmlns:p="http://schemas.openxmlformats.org/presentationml/2006/main" xmlns:r="http://schemas.openxmlformats.org/officeDocument/2006/relationships" xmlns:p14="http://schemas.microsoft.com/office/powerpoint/2010/main" xmlns:p15="http://schemas.microsoft.com/office/powerpoint/2012/main" xmlns:mc="http://schemas.openxmlformats.org/markup-compatibility/2006">
   <p:cSld>
     <p:spTree>
       <p:nvGrpSpPr>
@@ -4736,7 +4132,7 @@
       </p:grpSpPr>
       <p:sp>
         <p:nvSpPr>
-          <p:cNvPr id="50" name="PlaceHolder 1"/>
+          <p:cNvPr id="48" name="PlaceHolder 1"/>
           <p:cNvSpPr>
             <a:spLocks noGrp="1"/>
           </p:cNvSpPr>
@@ -4746,8 +4142,8 @@
         </p:nvSpPr>
         <p:spPr>
           <a:xfrm>
-            <a:off x="1295580" y="1216139"/>
-            <a:ext cx="9600840" cy="4411663"/>
+            <a:off x="1295640" y="1216080"/>
+            <a:ext cx="9600480" cy="4411440"/>
           </a:xfrm>
           <a:prstGeom prst="rect">
             <a:avLst/>
@@ -4758,10 +4154,9 @@
           </a:ln>
         </p:spPr>
         <p:txBody>
-          <a:bodyPr lIns="91440" tIns="45720" rIns="91440" bIns="45720" anchor="t">
+          <a:bodyPr lIns="91440" rIns="91440" tIns="45720" bIns="45720" anchor="t">
             <a:noAutofit/>
           </a:bodyPr>
-          <a:lstStyle/>
           <a:p>
             <a:pPr marL="384120" indent="-384120" defTabSz="914400">
               <a:lnSpc>
@@ -4774,13 +4169,13 @@
                 <a:spcPts val="201"/>
               </a:spcAft>
               <a:buClr>
-                <a:srgbClr val="191B0E"/>
+                <a:srgbClr val="191b0e"/>
               </a:buClr>
               <a:buFont typeface="Franklin Gothic Book"/>
               <a:buChar char="■"/>
             </a:pPr>
             <a:r>
-              <a:rPr lang="fr-FR" sz="2000" b="0" strike="noStrike" spc="-1" dirty="0">
+              <a:rPr b="0" lang="fr-FR" sz="2000" spc="-1" strike="noStrike">
                 <a:solidFill>
                   <a:schemeClr val="dk2"/>
                 </a:solidFill>
@@ -4788,15 +4183,15 @@
               </a:rPr>
               <a:t>Historiquement :</a:t>
             </a:r>
-            <a:endParaRPr lang="en-US" sz="2000" b="0" strike="noStrike" spc="-1" dirty="0">
-              <a:solidFill>
-                <a:schemeClr val="dk2"/>
+            <a:endParaRPr b="0" lang="fr-FR" sz="2000" spc="-1" strike="noStrike">
+              <a:solidFill>
+                <a:schemeClr val="dk1"/>
               </a:solidFill>
               <a:latin typeface="Franklin Gothic Book"/>
             </a:endParaRPr>
           </a:p>
           <a:p>
-            <a:pPr marL="914400" lvl="1" indent="-384120" defTabSz="914400">
+            <a:pPr lvl="1" marL="914400" indent="-384120" defTabSz="914400">
               <a:lnSpc>
                 <a:spcPct val="94000"/>
               </a:lnSpc>
@@ -4807,13 +4202,13 @@
                 <a:spcPts val="201"/>
               </a:spcAft>
               <a:buClr>
-                <a:srgbClr val="191B0E"/>
+                <a:srgbClr val="191b0e"/>
               </a:buClr>
               <a:buFont typeface="Franklin Gothic Book"/>
               <a:buChar char="–"/>
             </a:pPr>
             <a:r>
-              <a:rPr lang="fr-FR" sz="2000" b="0" i="1" strike="noStrike" spc="-1" dirty="0">
+              <a:rPr b="0" i="1" lang="fr-FR" sz="2000" spc="-1" strike="noStrike">
                 <a:solidFill>
                   <a:schemeClr val="dk2"/>
                 </a:solidFill>
@@ -4821,15 +4216,15 @@
               </a:rPr>
               <a:t>Chiffrement de César</a:t>
             </a:r>
-            <a:endParaRPr lang="en-US" sz="2000" b="0" strike="noStrike" spc="-1" dirty="0">
-              <a:solidFill>
-                <a:schemeClr val="dk2"/>
+            <a:endParaRPr b="0" lang="fr-FR" sz="2000" spc="-1" strike="noStrike">
+              <a:solidFill>
+                <a:schemeClr val="dk1"/>
               </a:solidFill>
               <a:latin typeface="Franklin Gothic Book"/>
             </a:endParaRPr>
           </a:p>
           <a:p>
-            <a:pPr marL="914400" lvl="1" indent="-384120" defTabSz="914400">
+            <a:pPr lvl="1" marL="914400" indent="-384120" defTabSz="914400">
               <a:lnSpc>
                 <a:spcPct val="94000"/>
               </a:lnSpc>
@@ -4840,13 +4235,13 @@
                 <a:spcPts val="201"/>
               </a:spcAft>
               <a:buClr>
-                <a:srgbClr val="191B0E"/>
+                <a:srgbClr val="191b0e"/>
               </a:buClr>
               <a:buFont typeface="Franklin Gothic Book"/>
               <a:buChar char="–"/>
             </a:pPr>
             <a:r>
-              <a:rPr lang="fr-FR" sz="2000" b="0" i="1" strike="noStrike" spc="-1" dirty="0">
+              <a:rPr b="0" i="1" lang="fr-FR" sz="2000" spc="-1" strike="noStrike">
                 <a:solidFill>
                   <a:schemeClr val="dk2"/>
                 </a:solidFill>
@@ -4854,9 +4249,9 @@
               </a:rPr>
               <a:t>Machine Enigma</a:t>
             </a:r>
-            <a:endParaRPr lang="en-US" sz="2000" b="0" strike="noStrike" spc="-1" dirty="0">
-              <a:solidFill>
-                <a:schemeClr val="dk2"/>
+            <a:endParaRPr b="0" lang="fr-FR" sz="2000" spc="-1" strike="noStrike">
+              <a:solidFill>
+                <a:schemeClr val="dk1"/>
               </a:solidFill>
               <a:latin typeface="Franklin Gothic Book"/>
             </a:endParaRPr>
@@ -4873,13 +4268,13 @@
                 <a:spcPts val="201"/>
               </a:spcAft>
               <a:buClr>
-                <a:srgbClr val="191B0E"/>
+                <a:srgbClr val="191b0e"/>
               </a:buClr>
               <a:buFont typeface="Franklin Gothic Book"/>
               <a:buChar char="■"/>
             </a:pPr>
             <a:r>
-              <a:rPr lang="fr-FR" sz="2000" b="0" strike="noStrike" spc="-1" dirty="0">
+              <a:rPr b="0" lang="fr-FR" sz="2000" spc="-1" strike="noStrike">
                 <a:solidFill>
                   <a:schemeClr val="dk2"/>
                 </a:solidFill>
@@ -4887,15 +4282,15 @@
               </a:rPr>
               <a:t>Des classiques d’aujourd’hui :</a:t>
             </a:r>
-            <a:endParaRPr lang="en-US" sz="2000" b="0" strike="noStrike" spc="-1" dirty="0">
-              <a:solidFill>
-                <a:schemeClr val="dk2"/>
+            <a:endParaRPr b="0" lang="fr-FR" sz="2000" spc="-1" strike="noStrike">
+              <a:solidFill>
+                <a:schemeClr val="dk1"/>
               </a:solidFill>
               <a:latin typeface="Franklin Gothic Book"/>
             </a:endParaRPr>
           </a:p>
           <a:p>
-            <a:pPr marL="914400" lvl="1" indent="-384120" defTabSz="914400">
+            <a:pPr lvl="1" marL="914400" indent="-384120" defTabSz="914400">
               <a:lnSpc>
                 <a:spcPct val="94000"/>
               </a:lnSpc>
@@ -4906,13 +4301,13 @@
                 <a:spcPts val="201"/>
               </a:spcAft>
               <a:buClr>
-                <a:srgbClr val="191B0E"/>
+                <a:srgbClr val="191b0e"/>
               </a:buClr>
               <a:buFont typeface="Franklin Gothic Book"/>
               <a:buChar char="–"/>
             </a:pPr>
             <a:r>
-              <a:rPr lang="fr-FR" sz="2000" b="0" i="1" strike="noStrike" spc="-1" dirty="0">
+              <a:rPr b="0" i="1" lang="fr-FR" sz="2000" spc="-1" strike="noStrike">
                 <a:solidFill>
                   <a:schemeClr val="dk2"/>
                 </a:solidFill>
@@ -4920,15 +4315,15 @@
               </a:rPr>
               <a:t>RSA</a:t>
             </a:r>
-            <a:endParaRPr lang="en-US" sz="2000" b="0" strike="noStrike" spc="-1" dirty="0">
-              <a:solidFill>
-                <a:schemeClr val="dk2"/>
+            <a:endParaRPr b="0" lang="fr-FR" sz="2000" spc="-1" strike="noStrike">
+              <a:solidFill>
+                <a:schemeClr val="dk1"/>
               </a:solidFill>
               <a:latin typeface="Franklin Gothic Book"/>
             </a:endParaRPr>
           </a:p>
           <a:p>
-            <a:pPr marL="914400" lvl="1" indent="-384120" defTabSz="914400">
+            <a:pPr lvl="1" marL="914400" indent="-384120" defTabSz="914400">
               <a:lnSpc>
                 <a:spcPct val="94000"/>
               </a:lnSpc>
@@ -4939,13 +4334,13 @@
                 <a:spcPts val="201"/>
               </a:spcAft>
               <a:buClr>
-                <a:srgbClr val="191B0E"/>
+                <a:srgbClr val="191b0e"/>
               </a:buClr>
               <a:buFont typeface="Franklin Gothic Book"/>
               <a:buChar char="–"/>
             </a:pPr>
             <a:r>
-              <a:rPr lang="fr-FR" sz="2000" b="0" i="1" strike="noStrike" spc="-1" dirty="0">
+              <a:rPr b="0" i="1" lang="fr-FR" sz="2000" spc="-1" strike="noStrike">
                 <a:solidFill>
                   <a:schemeClr val="dk2"/>
                 </a:solidFill>
@@ -4953,9 +4348,9 @@
               </a:rPr>
               <a:t>OTP</a:t>
             </a:r>
-            <a:endParaRPr lang="en-US" sz="2000" b="0" strike="noStrike" spc="-1" dirty="0">
-              <a:solidFill>
-                <a:schemeClr val="dk2"/>
+            <a:endParaRPr b="0" lang="fr-FR" sz="2000" spc="-1" strike="noStrike">
+              <a:solidFill>
+                <a:schemeClr val="dk1"/>
               </a:solidFill>
               <a:latin typeface="Franklin Gothic Book"/>
             </a:endParaRPr>
@@ -4972,13 +4367,13 @@
                 <a:spcPts val="201"/>
               </a:spcAft>
               <a:buClr>
-                <a:srgbClr val="191B0E"/>
+                <a:srgbClr val="191b0e"/>
               </a:buClr>
               <a:buFont typeface="Franklin Gothic Book"/>
               <a:buChar char="■"/>
             </a:pPr>
             <a:r>
-              <a:rPr lang="fr-FR" sz="2000" b="0" strike="noStrike" spc="-1" dirty="0">
+              <a:rPr b="0" lang="fr-FR" sz="2000" spc="-1" strike="noStrike">
                 <a:solidFill>
                   <a:schemeClr val="dk2"/>
                 </a:solidFill>
@@ -4986,9 +4381,9 @@
               </a:rPr>
               <a:t>Bientôt l’ère post-quantique...</a:t>
             </a:r>
-            <a:endParaRPr lang="en-US" sz="2000" b="0" strike="noStrike" spc="-1" dirty="0">
-              <a:solidFill>
-                <a:schemeClr val="dk2"/>
+            <a:endParaRPr b="0" lang="fr-FR" sz="2000" spc="-1" strike="noStrike">
+              <a:solidFill>
+                <a:schemeClr val="dk1"/>
               </a:solidFill>
               <a:latin typeface="Franklin Gothic Book"/>
             </a:endParaRPr>
@@ -5005,10 +4400,13 @@
                 <a:spcPts val="201"/>
               </a:spcAft>
               <a:buNone/>
-            </a:pPr>
-            <a:endParaRPr lang="en-US" sz="2000" b="0" strike="noStrike" spc="-1" dirty="0">
-              <a:solidFill>
-                <a:schemeClr val="dk2"/>
+              <a:tabLst>
+                <a:tab algn="l" pos="0"/>
+              </a:tabLst>
+            </a:pPr>
+            <a:endParaRPr b="0" lang="fr-FR" sz="2000" spc="-1" strike="noStrike">
+              <a:solidFill>
+                <a:schemeClr val="dk1"/>
               </a:solidFill>
               <a:latin typeface="Franklin Gothic Book"/>
             </a:endParaRPr>
@@ -5017,14 +4415,19 @@
       </p:sp>
     </p:spTree>
   </p:cSld>
-  <p:clrMapOvr>
-    <a:masterClrMapping/>
-  </p:clrMapOvr>
+  <mc:AlternateContent>
+    <mc:Choice Requires="p14">
+      <p:transition spd="slow" p14:dur="2000"/>
+    </mc:Choice>
+    <mc:Fallback>
+      <p:transition spd="slow"/>
+    </mc:Fallback>
+  </mc:AlternateContent>
 </p:sld>
 </file>
 
 <file path=ppt/slides/slide5.xml><?xml version="1.0" encoding="utf-8"?>
-<p:sld xmlns:a="http://schemas.openxmlformats.org/drawingml/2006/main" xmlns:r="http://schemas.openxmlformats.org/officeDocument/2006/relationships" xmlns:p="http://schemas.openxmlformats.org/presentationml/2006/main">
+<p:sld xmlns:a="http://schemas.openxmlformats.org/drawingml/2006/main" xmlns:p="http://schemas.openxmlformats.org/presentationml/2006/main" xmlns:r="http://schemas.openxmlformats.org/officeDocument/2006/relationships" xmlns:p14="http://schemas.microsoft.com/office/powerpoint/2010/main" xmlns:p15="http://schemas.microsoft.com/office/powerpoint/2012/main" xmlns:mc="http://schemas.openxmlformats.org/markup-compatibility/2006">
   <p:cSld>
     <p:spTree>
       <p:nvGrpSpPr>
@@ -5042,7 +4445,7 @@
       </p:grpSpPr>
       <p:sp>
         <p:nvSpPr>
-          <p:cNvPr id="51" name="PlaceHolder 1"/>
+          <p:cNvPr id="49" name="PlaceHolder 1"/>
           <p:cNvSpPr>
             <a:spLocks noGrp="1"/>
           </p:cNvSpPr>
@@ -5052,8 +4455,8 @@
         </p:nvSpPr>
         <p:spPr>
           <a:xfrm>
-            <a:off x="4255416" y="495540"/>
-            <a:ext cx="3681167" cy="794208"/>
+            <a:off x="4255560" y="495720"/>
+            <a:ext cx="4024440" cy="793800"/>
           </a:xfrm>
           <a:prstGeom prst="rect">
             <a:avLst/>
@@ -5064,23 +4467,22 @@
           </a:ln>
         </p:spPr>
         <p:txBody>
-          <a:bodyPr lIns="91440" tIns="45720" rIns="91440" bIns="45720" anchor="t">
+          <a:bodyPr lIns="91440" rIns="91440" tIns="45720" bIns="45720" anchor="t">
             <a:noAutofit/>
           </a:bodyPr>
-          <a:lstStyle/>
           <a:p>
             <a:pPr marL="857160" indent="-857160" defTabSz="914400">
               <a:lnSpc>
                 <a:spcPct val="89000"/>
               </a:lnSpc>
               <a:buClr>
-                <a:srgbClr val="191B0E"/>
+                <a:srgbClr val="191b0e"/>
               </a:buClr>
               <a:buFont typeface="Franklin Gothic Book"/>
               <a:buAutoNum type="romanUcPeriod" startAt="2"/>
             </a:pPr>
             <a:r>
-              <a:rPr lang="fr-FR" sz="4400" b="0" strike="noStrike" spc="-1" dirty="0">
+              <a:rPr b="0" lang="fr-FR" sz="4400" spc="-1" strike="noStrike">
                 <a:solidFill>
                   <a:schemeClr val="dk2"/>
                 </a:solidFill>
@@ -5088,7 +4490,7 @@
               </a:rPr>
               <a:t>Utilisation</a:t>
             </a:r>
-            <a:endParaRPr lang="en-US" sz="4400" b="0" strike="noStrike" spc="-1" dirty="0">
+            <a:endParaRPr b="0" lang="fr-FR" sz="4400" spc="-1" strike="noStrike">
               <a:solidFill>
                 <a:schemeClr val="dk1"/>
               </a:solidFill>
@@ -5099,7 +4501,7 @@
       </p:sp>
       <p:sp>
         <p:nvSpPr>
-          <p:cNvPr id="52" name="PlaceHolder 2"/>
+          <p:cNvPr id="50" name="PlaceHolder 2"/>
           <p:cNvSpPr>
             <a:spLocks noGrp="1"/>
           </p:cNvSpPr>
@@ -5109,8 +4511,8 @@
         </p:nvSpPr>
         <p:spPr>
           <a:xfrm>
-            <a:off x="1295580" y="1289748"/>
-            <a:ext cx="9600840" cy="3580920"/>
+            <a:off x="1295640" y="1289880"/>
+            <a:ext cx="9600480" cy="3580560"/>
           </a:xfrm>
           <a:prstGeom prst="rect">
             <a:avLst/>
@@ -5121,10 +4523,9 @@
           </a:ln>
         </p:spPr>
         <p:txBody>
-          <a:bodyPr lIns="91440" tIns="45720" rIns="91440" bIns="45720" anchor="t">
+          <a:bodyPr lIns="91440" rIns="91440" tIns="45720" bIns="45720" anchor="t">
             <a:noAutofit/>
           </a:bodyPr>
-          <a:lstStyle/>
           <a:p>
             <a:pPr marL="384120" indent="-384120" defTabSz="914400">
               <a:lnSpc>
@@ -5137,13 +4538,13 @@
                 <a:spcPts val="201"/>
               </a:spcAft>
               <a:buClr>
-                <a:srgbClr val="191B0E"/>
+                <a:srgbClr val="191b0e"/>
               </a:buClr>
               <a:buFont typeface="Franklin Gothic Book"/>
               <a:buChar char="■"/>
             </a:pPr>
             <a:r>
-              <a:rPr lang="fr-FR" sz="2000" b="0" strike="noStrike" spc="-1" dirty="0">
+              <a:rPr b="0" lang="fr-FR" sz="2000" spc="-1" strike="noStrike">
                 <a:solidFill>
                   <a:schemeClr val="dk2"/>
                 </a:solidFill>
@@ -5151,15 +4552,15 @@
               </a:rPr>
               <a:t>Protocoles et algorithmes que vous utilisez:</a:t>
             </a:r>
-            <a:endParaRPr lang="en-US" sz="2000" b="0" strike="noStrike" spc="-1" dirty="0">
-              <a:solidFill>
-                <a:schemeClr val="dk2"/>
+            <a:endParaRPr b="0" lang="fr-FR" sz="2000" spc="-1" strike="noStrike">
+              <a:solidFill>
+                <a:schemeClr val="dk1"/>
               </a:solidFill>
               <a:latin typeface="Franklin Gothic Book"/>
             </a:endParaRPr>
           </a:p>
           <a:p>
-            <a:pPr marL="914400" lvl="1" indent="-384120" defTabSz="914400">
+            <a:pPr lvl="1" marL="914400" indent="-384120" defTabSz="914400">
               <a:lnSpc>
                 <a:spcPct val="94000"/>
               </a:lnSpc>
@@ -5170,13 +4571,13 @@
                 <a:spcPts val="201"/>
               </a:spcAft>
               <a:buClr>
-                <a:srgbClr val="191B0E"/>
+                <a:srgbClr val="191b0e"/>
               </a:buClr>
               <a:buFont typeface="Franklin Gothic Book"/>
               <a:buChar char="–"/>
             </a:pPr>
             <a:r>
-              <a:rPr lang="fr-FR" sz="2000" b="0" i="1" strike="noStrike" spc="-1" dirty="0">
+              <a:rPr b="0" i="1" lang="fr-FR" sz="2000" spc="-1" strike="noStrike">
                 <a:solidFill>
                   <a:schemeClr val="dk2"/>
                 </a:solidFill>
@@ -5184,15 +4585,15 @@
               </a:rPr>
               <a:t>TLS (HTTPS)</a:t>
             </a:r>
-            <a:endParaRPr lang="en-US" sz="2000" b="0" strike="noStrike" spc="-1" dirty="0">
-              <a:solidFill>
-                <a:schemeClr val="dk2"/>
+            <a:endParaRPr b="0" lang="fr-FR" sz="2000" spc="-1" strike="noStrike">
+              <a:solidFill>
+                <a:schemeClr val="dk1"/>
               </a:solidFill>
               <a:latin typeface="Franklin Gothic Book"/>
             </a:endParaRPr>
           </a:p>
           <a:p>
-            <a:pPr marL="914400" lvl="1" indent="-384120" defTabSz="914400">
+            <a:pPr lvl="1" marL="914400" indent="-384120" defTabSz="914400">
               <a:lnSpc>
                 <a:spcPct val="94000"/>
               </a:lnSpc>
@@ -5203,47 +4604,29 @@
                 <a:spcPts val="201"/>
               </a:spcAft>
               <a:buClr>
-                <a:srgbClr val="191B0E"/>
+                <a:srgbClr val="191b0e"/>
               </a:buClr>
               <a:buFont typeface="Franklin Gothic Book"/>
               <a:buChar char="–"/>
             </a:pPr>
             <a:r>
-              <a:rPr lang="fr-FR" sz="2000" b="0" i="1" strike="noStrike" spc="-1" dirty="0">
+              <a:rPr b="0" i="1" lang="fr-FR" sz="2000" spc="-1" strike="noStrike">
                 <a:solidFill>
                   <a:schemeClr val="dk2"/>
                 </a:solidFill>
                 <a:latin typeface="Franklin Gothic Book"/>
               </a:rPr>
-              <a:t>RSA (Clefs </a:t>
-            </a:r>
-            <a:r>
-              <a:rPr lang="fr-FR" sz="2000" b="0" i="1" strike="noStrike" spc="-1" dirty="0" err="1">
-                <a:solidFill>
-                  <a:schemeClr val="dk2"/>
-                </a:solidFill>
-                <a:latin typeface="Franklin Gothic Book"/>
-              </a:rPr>
-              <a:t>ssh</a:t>
-            </a:r>
-            <a:r>
-              <a:rPr lang="fr-FR" sz="2000" b="0" i="1" strike="noStrike" spc="-1" dirty="0">
-                <a:solidFill>
-                  <a:schemeClr val="dk2"/>
-                </a:solidFill>
-                <a:latin typeface="Franklin Gothic Book"/>
-              </a:rPr>
-              <a:t>)</a:t>
-            </a:r>
-            <a:endParaRPr lang="en-US" sz="2000" b="0" strike="noStrike" spc="-1" dirty="0">
-              <a:solidFill>
-                <a:schemeClr val="dk2"/>
+              <a:t>RSA (Clefs ssh)</a:t>
+            </a:r>
+            <a:endParaRPr b="0" lang="fr-FR" sz="2000" spc="-1" strike="noStrike">
+              <a:solidFill>
+                <a:schemeClr val="dk1"/>
               </a:solidFill>
               <a:latin typeface="Franklin Gothic Book"/>
             </a:endParaRPr>
           </a:p>
           <a:p>
-            <a:pPr marL="914400" lvl="1" indent="-384120" defTabSz="914400">
+            <a:pPr lvl="1" marL="914400" indent="-384120" defTabSz="914400">
               <a:lnSpc>
                 <a:spcPct val="94000"/>
               </a:lnSpc>
@@ -5254,13 +4637,13 @@
                 <a:spcPts val="201"/>
               </a:spcAft>
               <a:buClr>
-                <a:srgbClr val="191B0E"/>
+                <a:srgbClr val="191b0e"/>
               </a:buClr>
               <a:buFont typeface="Franklin Gothic Book"/>
               <a:buChar char="–"/>
             </a:pPr>
             <a:r>
-              <a:rPr lang="fr-FR" sz="2000" b="0" i="1" strike="noStrike" spc="-1" dirty="0">
+              <a:rPr b="0" i="1" lang="fr-FR" sz="2000" spc="-1" strike="noStrike">
                 <a:solidFill>
                   <a:schemeClr val="dk2"/>
                 </a:solidFill>
@@ -5268,9 +4651,9 @@
               </a:rPr>
               <a:t>AES (WIFI WPA2)</a:t>
             </a:r>
-            <a:endParaRPr lang="en-US" sz="2000" b="0" strike="noStrike" spc="-1" dirty="0">
-              <a:solidFill>
-                <a:schemeClr val="dk2"/>
+            <a:endParaRPr b="0" lang="fr-FR" sz="2000" spc="-1" strike="noStrike">
+              <a:solidFill>
+                <a:schemeClr val="dk1"/>
               </a:solidFill>
               <a:latin typeface="Franklin Gothic Book"/>
             </a:endParaRPr>
@@ -5279,14 +4662,19 @@
       </p:sp>
     </p:spTree>
   </p:cSld>
-  <p:clrMapOvr>
-    <a:masterClrMapping/>
-  </p:clrMapOvr>
+  <mc:AlternateContent>
+    <mc:Choice Requires="p14">
+      <p:transition spd="slow" p14:dur="2000"/>
+    </mc:Choice>
+    <mc:Fallback>
+      <p:transition spd="slow"/>
+    </mc:Fallback>
+  </mc:AlternateContent>
 </p:sld>
 </file>
 
 <file path=ppt/slides/slide6.xml><?xml version="1.0" encoding="utf-8"?>
-<p:sld xmlns:a="http://schemas.openxmlformats.org/drawingml/2006/main" xmlns:r="http://schemas.openxmlformats.org/officeDocument/2006/relationships" xmlns:p="http://schemas.openxmlformats.org/presentationml/2006/main">
+<p:sld xmlns:a="http://schemas.openxmlformats.org/drawingml/2006/main" xmlns:p="http://schemas.openxmlformats.org/presentationml/2006/main" xmlns:r="http://schemas.openxmlformats.org/officeDocument/2006/relationships" xmlns:p14="http://schemas.microsoft.com/office/powerpoint/2010/main" xmlns:p15="http://schemas.microsoft.com/office/powerpoint/2012/main" xmlns:mc="http://schemas.openxmlformats.org/markup-compatibility/2006">
   <p:cSld>
     <p:spTree>
       <p:nvGrpSpPr>
@@ -5304,7 +4692,7 @@
       </p:grpSpPr>
       <p:sp>
         <p:nvSpPr>
-          <p:cNvPr id="53" name="PlaceHolder 1"/>
+          <p:cNvPr id="51" name="PlaceHolder 1"/>
           <p:cNvSpPr>
             <a:spLocks noGrp="1"/>
           </p:cNvSpPr>
@@ -5314,8 +4702,8 @@
         </p:nvSpPr>
         <p:spPr>
           <a:xfrm>
-            <a:off x="4180788" y="516118"/>
-            <a:ext cx="6735451" cy="841342"/>
+            <a:off x="4180680" y="516240"/>
+            <a:ext cx="7699320" cy="840960"/>
           </a:xfrm>
           <a:prstGeom prst="rect">
             <a:avLst/>
@@ -5326,23 +4714,22 @@
           </a:ln>
         </p:spPr>
         <p:txBody>
-          <a:bodyPr lIns="91440" tIns="45720" rIns="91440" bIns="45720" anchor="t">
+          <a:bodyPr lIns="91440" rIns="91440" tIns="45720" bIns="45720" anchor="t">
             <a:noAutofit/>
           </a:bodyPr>
-          <a:lstStyle/>
           <a:p>
             <a:pPr marL="857160" indent="-857160" defTabSz="914400">
               <a:lnSpc>
                 <a:spcPct val="89000"/>
               </a:lnSpc>
               <a:buClr>
-                <a:srgbClr val="191B0E"/>
+                <a:srgbClr val="191b0e"/>
               </a:buClr>
               <a:buFont typeface="Franklin Gothic Book"/>
               <a:buAutoNum type="romanUcPeriod" startAt="3"/>
             </a:pPr>
             <a:r>
-              <a:rPr lang="fr-FR" sz="4400" b="0" strike="noStrike" spc="-1" dirty="0">
+              <a:rPr b="0" lang="fr-FR" sz="4400" spc="-1" strike="noStrike">
                 <a:solidFill>
                   <a:schemeClr val="dk2"/>
                 </a:solidFill>
@@ -5350,7 +4737,7 @@
               </a:rPr>
               <a:t>Types de cryptographie</a:t>
             </a:r>
-            <a:endParaRPr lang="en-US" sz="4400" b="0" strike="noStrike" spc="-1" dirty="0">
+            <a:endParaRPr b="0" lang="fr-FR" sz="4400" spc="-1" strike="noStrike">
               <a:solidFill>
                 <a:schemeClr val="dk1"/>
               </a:solidFill>
@@ -5361,7 +4748,7 @@
       </p:sp>
       <p:sp>
         <p:nvSpPr>
-          <p:cNvPr id="54" name="PlaceHolder 2"/>
+          <p:cNvPr id="52" name="PlaceHolder 2"/>
           <p:cNvSpPr>
             <a:spLocks noGrp="1"/>
           </p:cNvSpPr>
@@ -5372,7 +4759,7 @@
         <p:spPr>
           <a:xfrm>
             <a:off x="1620000" y="2340000"/>
-            <a:ext cx="5940000" cy="2203720"/>
+            <a:ext cx="5939640" cy="2203200"/>
           </a:xfrm>
           <a:prstGeom prst="rect">
             <a:avLst/>
@@ -5383,10 +4770,9 @@
           </a:ln>
         </p:spPr>
         <p:txBody>
-          <a:bodyPr lIns="91440" tIns="45720" rIns="91440" bIns="45720" anchor="t">
+          <a:bodyPr lIns="91440" rIns="91440" tIns="45720" bIns="45720" anchor="t">
             <a:noAutofit/>
           </a:bodyPr>
-          <a:lstStyle/>
           <a:p>
             <a:pPr marL="384120" indent="-384120" defTabSz="914400">
               <a:lnSpc>
@@ -5399,13 +4785,13 @@
                 <a:spcPts val="201"/>
               </a:spcAft>
               <a:buClr>
-                <a:srgbClr val="191B0E"/>
+                <a:srgbClr val="191b0e"/>
               </a:buClr>
               <a:buFont typeface="Franklin Gothic Book"/>
               <a:buChar char="■"/>
             </a:pPr>
             <a:r>
-              <a:rPr lang="fr-FR" sz="2000" b="0" strike="noStrike" spc="-1" dirty="0">
+              <a:rPr b="0" lang="fr-FR" sz="2000" spc="-1" strike="noStrike">
                 <a:solidFill>
                   <a:schemeClr val="dk2"/>
                 </a:solidFill>
@@ -5413,9 +4799,9 @@
               </a:rPr>
               <a:t>Une même clef pour chiffrer et déchirer</a:t>
             </a:r>
-            <a:endParaRPr lang="en-US" sz="2000" b="0" strike="noStrike" spc="-1" dirty="0">
-              <a:solidFill>
-                <a:schemeClr val="dk2"/>
+            <a:endParaRPr b="0" lang="fr-FR" sz="2000" spc="-1" strike="noStrike">
+              <a:solidFill>
+                <a:schemeClr val="dk1"/>
               </a:solidFill>
               <a:latin typeface="Franklin Gothic Book"/>
             </a:endParaRPr>
@@ -5432,13 +4818,13 @@
                 <a:spcPts val="201"/>
               </a:spcAft>
               <a:buClr>
-                <a:srgbClr val="191B0E"/>
+                <a:srgbClr val="191b0e"/>
               </a:buClr>
               <a:buFont typeface="Franklin Gothic Book"/>
               <a:buChar char="■"/>
             </a:pPr>
             <a:r>
-              <a:rPr lang="fr-FR" sz="2000" b="0" strike="noStrike" spc="-1" dirty="0">
+              <a:rPr b="0" lang="fr-FR" sz="2000" spc="-1" strike="noStrike">
                 <a:solidFill>
                   <a:schemeClr val="dk2"/>
                 </a:solidFill>
@@ -5446,9 +4832,9 @@
               </a:rPr>
               <a:t>Demande un canal sûr pour l’échange de la clef</a:t>
             </a:r>
-            <a:endParaRPr lang="en-US" sz="2000" b="0" strike="noStrike" spc="-1" dirty="0">
-              <a:solidFill>
-                <a:schemeClr val="dk2"/>
+            <a:endParaRPr b="0" lang="fr-FR" sz="2000" spc="-1" strike="noStrike">
+              <a:solidFill>
+                <a:schemeClr val="dk1"/>
               </a:solidFill>
               <a:latin typeface="Franklin Gothic Book"/>
             </a:endParaRPr>
@@ -5465,13 +4851,13 @@
                 <a:spcPts val="201"/>
               </a:spcAft>
               <a:buClr>
-                <a:srgbClr val="191B0E"/>
+                <a:srgbClr val="191b0e"/>
               </a:buClr>
               <a:buFont typeface="Franklin Gothic Book"/>
               <a:buChar char="■"/>
             </a:pPr>
             <a:r>
-              <a:rPr lang="fr-FR" sz="2000" b="0" strike="noStrike" spc="-1" dirty="0">
+              <a:rPr b="0" lang="fr-FR" sz="2000" spc="-1" strike="noStrike">
                 <a:solidFill>
                   <a:schemeClr val="dk2"/>
                 </a:solidFill>
@@ -5479,15 +4865,15 @@
               </a:rPr>
               <a:t>Exemple historique : Vigenère</a:t>
             </a:r>
-            <a:endParaRPr lang="en-US" sz="2000" b="0" strike="noStrike" spc="-1" dirty="0">
-              <a:solidFill>
-                <a:schemeClr val="dk2"/>
+            <a:endParaRPr b="0" lang="fr-FR" sz="2000" spc="-1" strike="noStrike">
+              <a:solidFill>
+                <a:schemeClr val="dk1"/>
               </a:solidFill>
               <a:latin typeface="Franklin Gothic Book"/>
             </a:endParaRPr>
           </a:p>
           <a:p>
-            <a:pPr marL="914400" lvl="1" indent="-384120" defTabSz="914400">
+            <a:pPr lvl="1" marL="914400" indent="-384120" defTabSz="914400">
               <a:lnSpc>
                 <a:spcPct val="94000"/>
               </a:lnSpc>
@@ -5498,13 +4884,13 @@
                 <a:spcPts val="201"/>
               </a:spcAft>
               <a:buClr>
-                <a:srgbClr val="191B0E"/>
+                <a:srgbClr val="191b0e"/>
               </a:buClr>
               <a:buFont typeface="Franklin Gothic Book"/>
               <a:buChar char="–"/>
             </a:pPr>
             <a:r>
-              <a:rPr lang="fr-FR" sz="2000" b="0" i="1" strike="noStrike" spc="-1" dirty="0">
+              <a:rPr b="0" i="1" lang="fr-FR" sz="2000" spc="-1" strike="noStrike">
                 <a:solidFill>
                   <a:schemeClr val="dk2"/>
                 </a:solidFill>
@@ -5512,9 +4898,9 @@
               </a:rPr>
               <a:t>Problème : attaque par analyse de fréquence</a:t>
             </a:r>
-            <a:endParaRPr lang="en-US" sz="2000" b="0" strike="noStrike" spc="-1" dirty="0">
-              <a:solidFill>
-                <a:schemeClr val="dk2"/>
+            <a:endParaRPr b="0" lang="fr-FR" sz="2000" spc="-1" strike="noStrike">
+              <a:solidFill>
+                <a:schemeClr val="dk1"/>
               </a:solidFill>
               <a:latin typeface="Franklin Gothic Book"/>
             </a:endParaRPr>
@@ -5531,10 +4917,13 @@
                 <a:spcPts val="201"/>
               </a:spcAft>
               <a:buNone/>
-            </a:pPr>
-            <a:endParaRPr lang="en-US" sz="2000" b="0" strike="noStrike" spc="-1" dirty="0">
-              <a:solidFill>
-                <a:schemeClr val="dk2"/>
+              <a:tabLst>
+                <a:tab algn="l" pos="0"/>
+              </a:tabLst>
+            </a:pPr>
+            <a:endParaRPr b="0" lang="fr-FR" sz="2000" spc="-1" strike="noStrike">
+              <a:solidFill>
+                <a:schemeClr val="dk1"/>
               </a:solidFill>
               <a:latin typeface="Franklin Gothic Book"/>
             </a:endParaRPr>
@@ -5543,14 +4932,14 @@
       </p:sp>
       <p:sp>
         <p:nvSpPr>
-          <p:cNvPr id="55" name="ZoneTexte 6"/>
+          <p:cNvPr id="53" name="ZoneTexte 6"/>
           <p:cNvSpPr/>
           <p:nvPr/>
         </p:nvSpPr>
         <p:spPr>
           <a:xfrm>
-            <a:off x="1904040" y="1559650"/>
-            <a:ext cx="6015960" cy="578160"/>
+            <a:off x="1904040" y="1559520"/>
+            <a:ext cx="6015600" cy="577440"/>
           </a:xfrm>
           <a:prstGeom prst="rect">
             <a:avLst/>
@@ -5561,22 +4950,15 @@
           </a:ln>
         </p:spPr>
         <p:style>
-          <a:lnRef idx="0">
-            <a:scrgbClr r="0" g="0" b="0"/>
-          </a:lnRef>
-          <a:fillRef idx="0">
-            <a:scrgbClr r="0" g="0" b="0"/>
-          </a:fillRef>
-          <a:effectRef idx="0">
-            <a:scrgbClr r="0" g="0" b="0"/>
-          </a:effectRef>
+          <a:lnRef idx="0"/>
+          <a:fillRef idx="0"/>
+          <a:effectRef idx="0"/>
           <a:fontRef idx="minor"/>
         </p:style>
         <p:txBody>
-          <a:bodyPr lIns="90000" tIns="45000" rIns="90000" bIns="45000" anchor="t">
+          <a:bodyPr lIns="90000" rIns="90000" tIns="45000" bIns="45000" anchor="t">
             <a:spAutoFit/>
           </a:bodyPr>
-          <a:lstStyle/>
           <a:p>
             <a:pPr marL="343080" indent="-343080" defTabSz="457200">
               <a:lnSpc>
@@ -5589,15 +4971,24 @@
               <a:buAutoNum type="alphaUcPeriod"/>
             </a:pPr>
             <a:r>
-              <a:rPr lang="fr-FR" sz="3200" b="0" strike="noStrike" spc="-1" dirty="0">
+              <a:rPr b="0" lang="fr-FR" sz="3200" spc="-1" strike="noStrike">
                 <a:solidFill>
                   <a:schemeClr val="dk1"/>
                 </a:solidFill>
                 <a:latin typeface="Franklin Gothic Book"/>
               </a:rPr>
-              <a:t> Chiffrement symétrique</a:t>
-            </a:r>
-            <a:endParaRPr lang="fr-FR" sz="3200" b="0" strike="noStrike" spc="-1" dirty="0">
+              <a:t> </a:t>
+            </a:r>
+            <a:r>
+              <a:rPr b="0" lang="fr-FR" sz="3200" spc="-1" strike="noStrike">
+                <a:solidFill>
+                  <a:schemeClr val="dk1"/>
+                </a:solidFill>
+                <a:latin typeface="Franklin Gothic Book"/>
+              </a:rPr>
+              <a:t>Chiffrement symétrique</a:t>
+            </a:r>
+            <a:endParaRPr b="0" lang="fr-FR" sz="3200" spc="-1" strike="noStrike">
               <a:solidFill>
                 <a:srgbClr val="000000"/>
               </a:solidFill>
@@ -5608,18 +4999,18 @@
       </p:sp>
       <p:pic>
         <p:nvPicPr>
-          <p:cNvPr id="56" name="Image 7"/>
+          <p:cNvPr id="54" name="Image 7" descr=""/>
           <p:cNvPicPr/>
           <p:nvPr/>
         </p:nvPicPr>
         <p:blipFill>
-          <a:blip r:embed="rId2"/>
+          <a:blip r:embed="rId1"/>
           <a:stretch/>
         </p:blipFill>
         <p:spPr>
           <a:xfrm>
-            <a:off x="2544061" y="4827600"/>
-            <a:ext cx="4514400" cy="1809360"/>
+            <a:off x="2544120" y="4827600"/>
+            <a:ext cx="4514040" cy="1809000"/>
           </a:xfrm>
           <a:prstGeom prst="rect">
             <a:avLst/>
@@ -5631,14 +5022,19 @@
       </p:pic>
     </p:spTree>
   </p:cSld>
-  <p:clrMapOvr>
-    <a:masterClrMapping/>
-  </p:clrMapOvr>
+  <mc:AlternateContent>
+    <mc:Choice Requires="p14">
+      <p:transition spd="slow" p14:dur="2000"/>
+    </mc:Choice>
+    <mc:Fallback>
+      <p:transition spd="slow"/>
+    </mc:Fallback>
+  </mc:AlternateContent>
 </p:sld>
 </file>
 
 <file path=ppt/slides/slide7.xml><?xml version="1.0" encoding="utf-8"?>
-<p:sld xmlns:a="http://schemas.openxmlformats.org/drawingml/2006/main" xmlns:r="http://schemas.openxmlformats.org/officeDocument/2006/relationships" xmlns:p="http://schemas.openxmlformats.org/presentationml/2006/main">
+<p:sld xmlns:a="http://schemas.openxmlformats.org/drawingml/2006/main" xmlns:p="http://schemas.openxmlformats.org/presentationml/2006/main" xmlns:r="http://schemas.openxmlformats.org/officeDocument/2006/relationships" xmlns:p14="http://schemas.microsoft.com/office/powerpoint/2010/main" xmlns:p15="http://schemas.microsoft.com/office/powerpoint/2012/main" xmlns:mc="http://schemas.openxmlformats.org/markup-compatibility/2006">
   <p:cSld>
     <p:spTree>
       <p:nvGrpSpPr>
@@ -5656,14 +5052,14 @@
       </p:grpSpPr>
       <p:sp>
         <p:nvSpPr>
-          <p:cNvPr id="57" name="Espace réservé du contenu 4"/>
+          <p:cNvPr id="55" name="Espace réservé du contenu 4"/>
           <p:cNvSpPr/>
           <p:nvPr/>
         </p:nvSpPr>
         <p:spPr>
           <a:xfrm>
-            <a:off x="1395052" y="1299960"/>
-            <a:ext cx="8022325" cy="2064240"/>
+            <a:off x="1395000" y="1299960"/>
+            <a:ext cx="8021880" cy="2063880"/>
           </a:xfrm>
           <a:prstGeom prst="rect">
             <a:avLst/>
@@ -5674,22 +5070,15 @@
           </a:ln>
         </p:spPr>
         <p:style>
-          <a:lnRef idx="0">
-            <a:scrgbClr r="0" g="0" b="0"/>
-          </a:lnRef>
-          <a:fillRef idx="0">
-            <a:scrgbClr r="0" g="0" b="0"/>
-          </a:fillRef>
-          <a:effectRef idx="0">
-            <a:scrgbClr r="0" g="0" b="0"/>
-          </a:effectRef>
+          <a:lnRef idx="0"/>
+          <a:fillRef idx="0"/>
+          <a:effectRef idx="0"/>
           <a:fontRef idx="minor"/>
         </p:style>
         <p:txBody>
-          <a:bodyPr lIns="90000" tIns="45000" rIns="90000" bIns="45000" anchor="t">
+          <a:bodyPr lIns="90000" rIns="90000" tIns="45000" bIns="45000" anchor="t">
             <a:noAutofit/>
           </a:bodyPr>
-          <a:lstStyle/>
           <a:p>
             <a:pPr marL="384120" indent="-384120" defTabSz="914400">
               <a:lnSpc>
@@ -5702,13 +5091,13 @@
                 <a:spcPts val="201"/>
               </a:spcAft>
               <a:buClr>
-                <a:srgbClr val="191B0E"/>
+                <a:srgbClr val="191b0e"/>
               </a:buClr>
               <a:buFont typeface="Franklin Gothic Book"/>
               <a:buChar char="■"/>
             </a:pPr>
             <a:r>
-              <a:rPr lang="fr-FR" sz="2000" b="0" strike="noStrike" spc="-1" dirty="0">
+              <a:rPr b="0" lang="fr-FR" sz="2000" spc="-1" strike="noStrike">
                 <a:solidFill>
                   <a:schemeClr val="dk2"/>
                 </a:solidFill>
@@ -5716,7 +5105,7 @@
               </a:rPr>
               <a:t>Exemple de chiffre parfait (OTP) :</a:t>
             </a:r>
-            <a:endParaRPr lang="fr-FR" sz="2000" b="0" strike="noStrike" spc="-1" dirty="0">
+            <a:endParaRPr b="0" lang="fr-FR" sz="2000" spc="-1" strike="noStrike">
               <a:solidFill>
                 <a:srgbClr val="000000"/>
               </a:solidFill>
@@ -5724,7 +5113,7 @@
             </a:endParaRPr>
           </a:p>
           <a:p>
-            <a:pPr marL="914400" lvl="1" indent="-384120" defTabSz="914400">
+            <a:pPr lvl="1" marL="914400" indent="-384120" defTabSz="914400">
               <a:lnSpc>
                 <a:spcPct val="94000"/>
               </a:lnSpc>
@@ -5735,13 +5124,13 @@
                 <a:spcPts val="201"/>
               </a:spcAft>
               <a:buClr>
-                <a:srgbClr val="191B0E"/>
+                <a:srgbClr val="191b0e"/>
               </a:buClr>
               <a:buFont typeface="Franklin Gothic Book"/>
               <a:buChar char="–"/>
             </a:pPr>
             <a:r>
-              <a:rPr lang="fr-FR" sz="2000" b="0" i="1" strike="noStrike" spc="-1" dirty="0">
+              <a:rPr b="0" i="1" lang="fr-FR" sz="2000" spc="-1" strike="noStrike">
                 <a:solidFill>
                   <a:schemeClr val="dk2"/>
                 </a:solidFill>
@@ -5749,7 +5138,7 @@
               </a:rPr>
               <a:t>Clef de la taille du message</a:t>
             </a:r>
-            <a:endParaRPr lang="fr-FR" sz="2000" b="0" strike="noStrike" spc="-1" dirty="0">
+            <a:endParaRPr b="0" lang="fr-FR" sz="2000" spc="-1" strike="noStrike">
               <a:solidFill>
                 <a:srgbClr val="000000"/>
               </a:solidFill>
@@ -5757,7 +5146,7 @@
             </a:endParaRPr>
           </a:p>
           <a:p>
-            <a:pPr marL="914400" lvl="1" indent="-384120" defTabSz="914400">
+            <a:pPr lvl="1" marL="914400" indent="-384120" defTabSz="914400">
               <a:lnSpc>
                 <a:spcPct val="94000"/>
               </a:lnSpc>
@@ -5768,13 +5157,13 @@
                 <a:spcPts val="201"/>
               </a:spcAft>
               <a:buClr>
-                <a:srgbClr val="191B0E"/>
+                <a:srgbClr val="191b0e"/>
               </a:buClr>
               <a:buFont typeface="Franklin Gothic Book"/>
               <a:buChar char="–"/>
             </a:pPr>
             <a:r>
-              <a:rPr lang="fr-FR" sz="2000" b="0" i="1" strike="noStrike" spc="-1" dirty="0">
+              <a:rPr b="0" i="1" lang="fr-FR" sz="2000" spc="-1" strike="noStrike">
                 <a:solidFill>
                   <a:schemeClr val="dk2"/>
                 </a:solidFill>
@@ -5782,7 +5171,7 @@
               </a:rPr>
               <a:t>Clef parfaitement aléatoire</a:t>
             </a:r>
-            <a:endParaRPr lang="fr-FR" sz="2000" b="0" strike="noStrike" spc="-1" dirty="0">
+            <a:endParaRPr b="0" lang="fr-FR" sz="2000" spc="-1" strike="noStrike">
               <a:solidFill>
                 <a:srgbClr val="000000"/>
               </a:solidFill>
@@ -5790,7 +5179,7 @@
             </a:endParaRPr>
           </a:p>
           <a:p>
-            <a:pPr marL="914400" lvl="1" indent="-384120" defTabSz="914400">
+            <a:pPr lvl="1" marL="914400" indent="-384120" defTabSz="914400">
               <a:lnSpc>
                 <a:spcPct val="94000"/>
               </a:lnSpc>
@@ -5801,13 +5190,13 @@
                 <a:spcPts val="201"/>
               </a:spcAft>
               <a:buClr>
-                <a:srgbClr val="191B0E"/>
+                <a:srgbClr val="191b0e"/>
               </a:buClr>
               <a:buFont typeface="Franklin Gothic Book"/>
               <a:buChar char="–"/>
             </a:pPr>
             <a:r>
-              <a:rPr lang="fr-FR" sz="2000" b="0" i="1" strike="noStrike" spc="-1" dirty="0">
+              <a:rPr b="0" i="1" lang="fr-FR" sz="2000" spc="-1" strike="noStrike">
                 <a:solidFill>
                   <a:schemeClr val="dk2"/>
                 </a:solidFill>
@@ -5815,7 +5204,7 @@
               </a:rPr>
               <a:t>Clef utilisée une seule fois</a:t>
             </a:r>
-            <a:endParaRPr lang="fr-FR" sz="2000" b="0" strike="noStrike" spc="-1" dirty="0">
+            <a:endParaRPr b="0" lang="fr-FR" sz="2000" spc="-1" strike="noStrike">
               <a:solidFill>
                 <a:srgbClr val="000000"/>
               </a:solidFill>
@@ -5823,7 +5212,7 @@
             </a:endParaRPr>
           </a:p>
           <a:p>
-            <a:pPr marL="914400" lvl="1" indent="-384120" defTabSz="914400">
+            <a:pPr lvl="1" marL="914400" indent="-384120" defTabSz="914400">
               <a:lnSpc>
                 <a:spcPct val="94000"/>
               </a:lnSpc>
@@ -5834,13 +5223,13 @@
                 <a:spcPts val="201"/>
               </a:spcAft>
               <a:buClr>
-                <a:srgbClr val="191B0E"/>
+                <a:srgbClr val="191b0e"/>
               </a:buClr>
               <a:buFont typeface="Franklin Gothic Book"/>
               <a:buChar char="–"/>
             </a:pPr>
             <a:r>
-              <a:rPr lang="fr-FR" sz="2000" b="0" i="1" strike="noStrike" spc="-1" dirty="0">
+              <a:rPr b="0" i="1" lang="fr-FR" sz="2000" spc="-1" strike="noStrike">
                 <a:solidFill>
                   <a:schemeClr val="dk2"/>
                 </a:solidFill>
@@ -5848,7 +5237,7 @@
               </a:rPr>
               <a:t>XOR de la clef et du message pour obtenir le chiffré</a:t>
             </a:r>
-            <a:endParaRPr lang="fr-FR" sz="2000" b="0" strike="noStrike" spc="-1" dirty="0">
+            <a:endParaRPr b="0" lang="fr-FR" sz="2000" spc="-1" strike="noStrike">
               <a:solidFill>
                 <a:srgbClr val="000000"/>
               </a:solidFill>
@@ -5867,7 +5256,7 @@
                 <a:spcPts val="201"/>
               </a:spcAft>
             </a:pPr>
-            <a:endParaRPr lang="fr-FR" sz="2000" b="0" strike="noStrike" spc="-1" dirty="0">
+            <a:endParaRPr b="0" lang="fr-FR" sz="2000" spc="-1" strike="noStrike">
               <a:solidFill>
                 <a:srgbClr val="000000"/>
               </a:solidFill>
@@ -5878,7 +5267,30 @@
       </p:sp>
       <p:pic>
         <p:nvPicPr>
-          <p:cNvPr id="58" name="Image 3"/>
+          <p:cNvPr id="56" name="Image 3" descr=""/>
+          <p:cNvPicPr/>
+          <p:nvPr/>
+        </p:nvPicPr>
+        <p:blipFill>
+          <a:blip r:embed="rId1"/>
+          <a:stretch/>
+        </p:blipFill>
+        <p:spPr>
+          <a:xfrm>
+            <a:off x="1549800" y="3295800"/>
+            <a:ext cx="2733480" cy="2261880"/>
+          </a:xfrm>
+          <a:prstGeom prst="rect">
+            <a:avLst/>
+          </a:prstGeom>
+          <a:ln w="0">
+            <a:noFill/>
+          </a:ln>
+        </p:spPr>
+      </p:pic>
+      <p:pic>
+        <p:nvPicPr>
+          <p:cNvPr id="57" name="Image 7" descr="Une image contenant texte, capture d’écran, Police, diagramme&#10;&#10;Description générée automatiquement"/>
           <p:cNvPicPr/>
           <p:nvPr/>
         </p:nvPicPr>
@@ -5888,8 +5300,8 @@
         </p:blipFill>
         <p:spPr>
           <a:xfrm>
-            <a:off x="1549647" y="3295800"/>
-            <a:ext cx="2733840" cy="2262240"/>
+            <a:off x="4840560" y="3295800"/>
+            <a:ext cx="4509000" cy="2261880"/>
           </a:xfrm>
           <a:prstGeom prst="rect">
             <a:avLst/>
@@ -5899,39 +5311,16 @@
           </a:ln>
         </p:spPr>
       </p:pic>
-      <p:pic>
-        <p:nvPicPr>
-          <p:cNvPr id="59" name="Image 7" descr="Une image contenant texte, capture d’écran, Police, diagramme&#10;&#10;Description générée automatiquement"/>
-          <p:cNvPicPr/>
-          <p:nvPr/>
-        </p:nvPicPr>
-        <p:blipFill>
-          <a:blip r:embed="rId3"/>
-          <a:stretch/>
-        </p:blipFill>
-        <p:spPr>
-          <a:xfrm>
-            <a:off x="4840407" y="3295800"/>
-            <a:ext cx="4509360" cy="2262240"/>
-          </a:xfrm>
-          <a:prstGeom prst="rect">
-            <a:avLst/>
-          </a:prstGeom>
-          <a:ln w="0">
-            <a:noFill/>
-          </a:ln>
-        </p:spPr>
-      </p:pic>
-      <p:sp>
-        <p:nvSpPr>
-          <p:cNvPr id="60" name="ZoneTexte 8"/>
+      <p:sp>
+        <p:nvSpPr>
+          <p:cNvPr id="58" name="ZoneTexte 8"/>
           <p:cNvSpPr/>
           <p:nvPr/>
         </p:nvSpPr>
         <p:spPr>
           <a:xfrm>
-            <a:off x="1549647" y="5558040"/>
-            <a:ext cx="2585520" cy="363960"/>
+            <a:off x="1549800" y="5558040"/>
+            <a:ext cx="2585160" cy="363960"/>
           </a:xfrm>
           <a:prstGeom prst="rect">
             <a:avLst/>
@@ -5942,22 +5331,15 @@
           </a:ln>
         </p:spPr>
         <p:style>
-          <a:lnRef idx="0">
-            <a:scrgbClr r="0" g="0" b="0"/>
-          </a:lnRef>
-          <a:fillRef idx="0">
-            <a:scrgbClr r="0" g="0" b="0"/>
-          </a:fillRef>
-          <a:effectRef idx="0">
-            <a:scrgbClr r="0" g="0" b="0"/>
-          </a:effectRef>
+          <a:lnRef idx="0"/>
+          <a:fillRef idx="0"/>
+          <a:effectRef idx="0"/>
           <a:fontRef idx="minor"/>
         </p:style>
         <p:txBody>
-          <a:bodyPr lIns="90000" tIns="45000" rIns="90000" bIns="45000" anchor="t">
+          <a:bodyPr lIns="90000" rIns="90000" tIns="45000" bIns="45000" anchor="t">
             <a:spAutoFit/>
           </a:bodyPr>
-          <a:lstStyle/>
           <a:p>
             <a:pPr defTabSz="457200">
               <a:lnSpc>
@@ -5965,7 +5347,7 @@
               </a:lnSpc>
             </a:pPr>
             <a:r>
-              <a:rPr lang="fr-FR" sz="1800" b="0" i="1" strike="noStrike" spc="-1" dirty="0">
+              <a:rPr b="0" i="1" lang="fr-FR" sz="1800" spc="-1" strike="noStrike">
                 <a:solidFill>
                   <a:schemeClr val="dk1">
                     <a:lumMod val="75000"/>
@@ -5976,7 +5358,7 @@
               </a:rPr>
               <a:t>Illustration du XOR</a:t>
             </a:r>
-            <a:endParaRPr lang="fr-FR" sz="1800" b="0" strike="noStrike" spc="-1" dirty="0">
+            <a:endParaRPr b="0" lang="fr-FR" sz="1800" spc="-1" strike="noStrike">
               <a:solidFill>
                 <a:srgbClr val="000000"/>
               </a:solidFill>
@@ -5987,14 +5369,14 @@
       </p:sp>
       <p:sp>
         <p:nvSpPr>
-          <p:cNvPr id="61" name="ZoneTexte 9"/>
+          <p:cNvPr id="59" name="ZoneTexte 9"/>
           <p:cNvSpPr/>
           <p:nvPr/>
         </p:nvSpPr>
         <p:spPr>
           <a:xfrm>
-            <a:off x="4840407" y="5558040"/>
-            <a:ext cx="2585520" cy="363960"/>
+            <a:off x="4840560" y="5558040"/>
+            <a:ext cx="2585160" cy="363960"/>
           </a:xfrm>
           <a:prstGeom prst="rect">
             <a:avLst/>
@@ -6005,22 +5387,15 @@
           </a:ln>
         </p:spPr>
         <p:style>
-          <a:lnRef idx="0">
-            <a:scrgbClr r="0" g="0" b="0"/>
-          </a:lnRef>
-          <a:fillRef idx="0">
-            <a:scrgbClr r="0" g="0" b="0"/>
-          </a:fillRef>
-          <a:effectRef idx="0">
-            <a:scrgbClr r="0" g="0" b="0"/>
-          </a:effectRef>
+          <a:lnRef idx="0"/>
+          <a:fillRef idx="0"/>
+          <a:effectRef idx="0"/>
           <a:fontRef idx="minor"/>
         </p:style>
         <p:txBody>
-          <a:bodyPr lIns="90000" tIns="45000" rIns="90000" bIns="45000" anchor="t">
+          <a:bodyPr lIns="90000" rIns="90000" tIns="45000" bIns="45000" anchor="t">
             <a:spAutoFit/>
           </a:bodyPr>
-          <a:lstStyle/>
           <a:p>
             <a:pPr defTabSz="457200">
               <a:lnSpc>
@@ -6028,7 +5403,7 @@
               </a:lnSpc>
             </a:pPr>
             <a:r>
-              <a:rPr lang="fr-FR" sz="1800" b="0" i="1" strike="noStrike" spc="-1">
+              <a:rPr b="0" i="1" lang="fr-FR" sz="1800" spc="-1" strike="noStrike">
                 <a:solidFill>
                   <a:schemeClr val="dk1">
                     <a:lumMod val="75000"/>
@@ -6039,7 +5414,7 @@
               </a:rPr>
               <a:t>Illustration de l’OTP</a:t>
             </a:r>
-            <a:endParaRPr lang="fr-FR" sz="1800" b="0" strike="noStrike" spc="-1">
+            <a:endParaRPr b="0" lang="fr-FR" sz="1800" spc="-1" strike="noStrike">
               <a:solidFill>
                 <a:srgbClr val="000000"/>
               </a:solidFill>
@@ -6050,14 +5425,19 @@
       </p:sp>
     </p:spTree>
   </p:cSld>
-  <p:clrMapOvr>
-    <a:masterClrMapping/>
-  </p:clrMapOvr>
+  <mc:AlternateContent>
+    <mc:Choice Requires="p14">
+      <p:transition spd="slow" p14:dur="2000"/>
+    </mc:Choice>
+    <mc:Fallback>
+      <p:transition spd="slow"/>
+    </mc:Fallback>
+  </mc:AlternateContent>
 </p:sld>
 </file>
 
 <file path=ppt/slides/slide8.xml><?xml version="1.0" encoding="utf-8"?>
-<p:sld xmlns:a="http://schemas.openxmlformats.org/drawingml/2006/main" xmlns:r="http://schemas.openxmlformats.org/officeDocument/2006/relationships" xmlns:p="http://schemas.openxmlformats.org/presentationml/2006/main">
+<p:sld xmlns:a="http://schemas.openxmlformats.org/drawingml/2006/main" xmlns:p="http://schemas.openxmlformats.org/presentationml/2006/main" xmlns:r="http://schemas.openxmlformats.org/officeDocument/2006/relationships" xmlns:p14="http://schemas.microsoft.com/office/powerpoint/2010/main" xmlns:p15="http://schemas.microsoft.com/office/powerpoint/2012/main" xmlns:mc="http://schemas.openxmlformats.org/markup-compatibility/2006">
   <p:cSld>
     <p:spTree>
       <p:nvGrpSpPr>
@@ -6075,20 +5455,14 @@
       </p:grpSpPr>
       <p:sp>
         <p:nvSpPr>
-          <p:cNvPr id="4" name="ZoneTexte 6">
-            <a:extLst>
-              <a:ext uri="{FF2B5EF4-FFF2-40B4-BE49-F238E27FC236}">
-                <a16:creationId xmlns:a16="http://schemas.microsoft.com/office/drawing/2014/main" id="{C3A74A05-8184-3719-E662-C900961F5404}"/>
-              </a:ext>
-            </a:extLst>
-          </p:cNvPr>
+          <p:cNvPr id="60" name="ZoneTexte 6"/>
           <p:cNvSpPr/>
           <p:nvPr/>
         </p:nvSpPr>
         <p:spPr>
           <a:xfrm>
-            <a:off x="1904040" y="1559650"/>
-            <a:ext cx="6015960" cy="578160"/>
+            <a:off x="1904040" y="1559520"/>
+            <a:ext cx="6015600" cy="577440"/>
           </a:xfrm>
           <a:prstGeom prst="rect">
             <a:avLst/>
@@ -6099,43 +5473,45 @@
           </a:ln>
         </p:spPr>
         <p:style>
-          <a:lnRef idx="0">
-            <a:scrgbClr r="0" g="0" b="0"/>
-          </a:lnRef>
-          <a:fillRef idx="0">
-            <a:scrgbClr r="0" g="0" b="0"/>
-          </a:fillRef>
-          <a:effectRef idx="0">
-            <a:scrgbClr r="0" g="0" b="0"/>
-          </a:effectRef>
+          <a:lnRef idx="0"/>
+          <a:fillRef idx="0"/>
+          <a:effectRef idx="0"/>
           <a:fontRef idx="minor"/>
         </p:style>
         <p:txBody>
-          <a:bodyPr lIns="90000" tIns="45000" rIns="90000" bIns="45000" anchor="t">
+          <a:bodyPr lIns="90000" rIns="90000" tIns="45000" bIns="45000" anchor="t">
             <a:spAutoFit/>
           </a:bodyPr>
-          <a:lstStyle/>
-          <a:p>
-            <a:pPr marL="514350" indent="-514350" defTabSz="457200">
+          <a:p>
+            <a:pPr marL="514440" indent="-514440" defTabSz="457200">
               <a:lnSpc>
                 <a:spcPct val="100000"/>
               </a:lnSpc>
               <a:buClr>
                 <a:srgbClr val="000000"/>
               </a:buClr>
-              <a:buFont typeface="+mj-lt"/>
+              <a:buFont typeface="Franklin Gothic Book"/>
               <a:buAutoNum type="alphaUcPeriod" startAt="2"/>
             </a:pPr>
             <a:r>
-              <a:rPr lang="fr-FR" sz="3200" b="0" strike="noStrike" spc="-1" dirty="0">
+              <a:rPr b="0" lang="fr-FR" sz="3200" spc="-1" strike="noStrike">
                 <a:solidFill>
                   <a:schemeClr val="dk1"/>
                 </a:solidFill>
                 <a:latin typeface="Franklin Gothic Book"/>
               </a:rPr>
-              <a:t> Chiffrement asymétrique</a:t>
-            </a:r>
-            <a:endParaRPr lang="fr-FR" sz="3200" b="0" strike="noStrike" spc="-1" dirty="0">
+              <a:t> </a:t>
+            </a:r>
+            <a:r>
+              <a:rPr b="0" lang="fr-FR" sz="3200" spc="-1" strike="noStrike">
+                <a:solidFill>
+                  <a:schemeClr val="dk1"/>
+                </a:solidFill>
+                <a:latin typeface="Franklin Gothic Book"/>
+              </a:rPr>
+              <a:t>Chiffrement asymétrique</a:t>
+            </a:r>
+            <a:endParaRPr b="0" lang="fr-FR" sz="3200" spc="-1" strike="noStrike">
               <a:solidFill>
                 <a:srgbClr val="000000"/>
               </a:solidFill>
@@ -6146,22 +5522,14 @@
       </p:sp>
       <p:sp>
         <p:nvSpPr>
-          <p:cNvPr id="5" name="PlaceHolder 2">
-            <a:extLst>
-              <a:ext uri="{FF2B5EF4-FFF2-40B4-BE49-F238E27FC236}">
-                <a16:creationId xmlns:a16="http://schemas.microsoft.com/office/drawing/2014/main" id="{F9B70794-C686-2873-FE21-B081AA0C8A1C}"/>
-              </a:ext>
-            </a:extLst>
-          </p:cNvPr>
-          <p:cNvSpPr txBox="1">
-            <a:spLocks/>
-          </p:cNvSpPr>
+          <p:cNvPr id="61" name="PlaceHolder 2"/>
+          <p:cNvSpPr/>
           <p:nvPr/>
         </p:nvSpPr>
         <p:spPr>
           <a:xfrm>
             <a:off x="1620000" y="2340000"/>
-            <a:ext cx="5940000" cy="1402441"/>
+            <a:ext cx="5939640" cy="1402200"/>
           </a:xfrm>
           <a:prstGeom prst="rect">
             <a:avLst/>
@@ -6171,31 +5539,18 @@
             <a:noFill/>
           </a:ln>
         </p:spPr>
-        <p:txBody>
-          <a:bodyPr lIns="91440" tIns="45720" rIns="91440" bIns="45720" anchor="t">
+        <p:style>
+          <a:lnRef idx="0"/>
+          <a:fillRef idx="0"/>
+          <a:effectRef idx="0"/>
+          <a:fontRef idx="minor"/>
+        </p:style>
+        <p:txBody>
+          <a:bodyPr anchor="t">
             <a:noAutofit/>
           </a:bodyPr>
-          <a:lstStyle>
-            <a:lvl1pPr algn="l" defTabSz="914400" rtl="0" eaLnBrk="1" latinLnBrk="0" hangingPunct="1">
-              <a:lnSpc>
-                <a:spcPct val="90000"/>
-              </a:lnSpc>
-              <a:spcBef>
-                <a:spcPct val="0"/>
-              </a:spcBef>
-              <a:buNone/>
-              <a:defRPr sz="4400" kern="1200">
-                <a:solidFill>
-                  <a:schemeClr val="tx1"/>
-                </a:solidFill>
-                <a:latin typeface="+mj-lt"/>
-                <a:ea typeface="+mj-ea"/>
-                <a:cs typeface="+mj-cs"/>
-              </a:defRPr>
-            </a:lvl1pPr>
-          </a:lstStyle>
-          <a:p>
-            <a:pPr marL="384120" indent="-384120">
+          <a:p>
+            <a:pPr marL="384120" indent="-384120" defTabSz="914400">
               <a:lnSpc>
                 <a:spcPct val="94000"/>
               </a:lnSpc>
@@ -6206,23 +5561,29 @@
                 <a:spcPts val="201"/>
               </a:spcAft>
               <a:buClr>
-                <a:srgbClr val="191B0E"/>
+                <a:srgbClr val="191b0e"/>
               </a:buClr>
               <a:buFont typeface="Franklin Gothic Book"/>
               <a:buChar char="■"/>
             </a:pPr>
             <a:r>
-              <a:rPr lang="fr-FR" sz="2000" spc="-1" dirty="0">
+              <a:rPr b="0" lang="fr-FR" sz="2000" spc="-1" strike="noStrike">
                 <a:solidFill>
                   <a:schemeClr val="dk2"/>
                 </a:solidFill>
                 <a:latin typeface="Franklin Gothic Book"/>
               </a:rPr>
-              <a:t>Une clef publique pour chiffré</a:t>
-            </a:r>
-          </a:p>
-          <a:p>
-            <a:pPr marL="384120" indent="-384120">
+              <a:t>Une clef publique pour chiffrer</a:t>
+            </a:r>
+            <a:endParaRPr b="0" lang="fr-FR" sz="2000" spc="-1" strike="noStrike">
+              <a:solidFill>
+                <a:srgbClr val="000000"/>
+              </a:solidFill>
+              <a:latin typeface="Arial"/>
+            </a:endParaRPr>
+          </a:p>
+          <a:p>
+            <a:pPr marL="384120" indent="-384120" defTabSz="914400">
               <a:lnSpc>
                 <a:spcPct val="94000"/>
               </a:lnSpc>
@@ -6233,23 +5594,29 @@
                 <a:spcPts val="201"/>
               </a:spcAft>
               <a:buClr>
-                <a:srgbClr val="191B0E"/>
+                <a:srgbClr val="191b0e"/>
               </a:buClr>
               <a:buFont typeface="Franklin Gothic Book"/>
               <a:buChar char="■"/>
             </a:pPr>
             <a:r>
-              <a:rPr lang="fr-FR" sz="2000" spc="-1" dirty="0">
+              <a:rPr b="0" lang="fr-FR" sz="2000" spc="-1" strike="noStrike">
                 <a:solidFill>
                   <a:schemeClr val="dk2"/>
                 </a:solidFill>
                 <a:latin typeface="Franklin Gothic Book"/>
               </a:rPr>
-              <a:t>Une clef privée pour déchiffré</a:t>
-            </a:r>
-          </a:p>
-          <a:p>
-            <a:pPr marL="384120" indent="-384120">
+              <a:t>Une clef privée pour déchiffrer</a:t>
+            </a:r>
+            <a:endParaRPr b="0" lang="fr-FR" sz="2000" spc="-1" strike="noStrike">
+              <a:solidFill>
+                <a:srgbClr val="000000"/>
+              </a:solidFill>
+              <a:latin typeface="Arial"/>
+            </a:endParaRPr>
+          </a:p>
+          <a:p>
+            <a:pPr marL="384120" indent="-384120" defTabSz="914400">
               <a:lnSpc>
                 <a:spcPct val="94000"/>
               </a:lnSpc>
@@ -6260,13 +5627,13 @@
                 <a:spcPts val="201"/>
               </a:spcAft>
               <a:buClr>
-                <a:srgbClr val="191B0E"/>
+                <a:srgbClr val="191b0e"/>
               </a:buClr>
               <a:buFont typeface="Franklin Gothic Book"/>
               <a:buChar char="■"/>
             </a:pPr>
             <a:r>
-              <a:rPr lang="fr-FR" sz="2000" spc="-1" dirty="0">
+              <a:rPr b="0" lang="fr-FR" sz="2000" spc="-1" strike="noStrike">
                 <a:solidFill>
                   <a:schemeClr val="dk2"/>
                 </a:solidFill>
@@ -6274,9 +5641,15 @@
               </a:rPr>
               <a:t>RSA est un super exemple </a:t>
             </a:r>
-          </a:p>
-          <a:p>
-            <a:pPr marL="841320" lvl="1" indent="-384120">
+            <a:endParaRPr b="0" lang="fr-FR" sz="2000" spc="-1" strike="noStrike">
+              <a:solidFill>
+                <a:srgbClr val="000000"/>
+              </a:solidFill>
+              <a:latin typeface="Arial"/>
+            </a:endParaRPr>
+          </a:p>
+          <a:p>
+            <a:pPr defTabSz="914400">
               <a:lnSpc>
                 <a:spcPct val="94000"/>
               </a:lnSpc>
@@ -6286,66 +5659,50 @@
               <a:spcAft>
                 <a:spcPts val="201"/>
               </a:spcAft>
-              <a:buClr>
-                <a:srgbClr val="191B0E"/>
-              </a:buClr>
-              <a:buFont typeface="Franklin Gothic Book"/>
-              <a:buChar char="■"/>
-            </a:pPr>
-            <a:endParaRPr lang="en-US" sz="100" spc="-1" dirty="0">
-              <a:solidFill>
-                <a:schemeClr val="dk2"/>
-              </a:solidFill>
-              <a:latin typeface="Franklin Gothic Book"/>
+            </a:pPr>
+            <a:endParaRPr b="0" lang="fr-FR" sz="100" spc="-1" strike="noStrike">
+              <a:solidFill>
+                <a:srgbClr val="000000"/>
+              </a:solidFill>
+              <a:latin typeface="Arial"/>
             </a:endParaRPr>
           </a:p>
         </p:txBody>
       </p:sp>
       <p:pic>
         <p:nvPicPr>
-          <p:cNvPr id="6" name="Image 5">
-            <a:extLst>
-              <a:ext uri="{FF2B5EF4-FFF2-40B4-BE49-F238E27FC236}">
-                <a16:creationId xmlns:a16="http://schemas.microsoft.com/office/drawing/2014/main" id="{AD53316F-3909-EB59-9B04-ADD8019613CE}"/>
-              </a:ext>
-            </a:extLst>
-          </p:cNvPr>
-          <p:cNvPicPr>
-            <a:picLocks noChangeAspect="1"/>
-          </p:cNvPicPr>
+          <p:cNvPr id="62" name="Image 5" descr=""/>
+          <p:cNvPicPr/>
           <p:nvPr/>
         </p:nvPicPr>
-        <p:blipFill rotWithShape="1">
-          <a:blip r:embed="rId2"/>
-          <a:srcRect t="21477"/>
+        <p:blipFill>
+          <a:blip r:embed="rId1"/>
+          <a:srcRect l="0" t="21476" r="0" b="0"/>
           <a:stretch/>
         </p:blipFill>
         <p:spPr>
           <a:xfrm>
-            <a:off x="1687396" y="4053526"/>
-            <a:ext cx="5353443" cy="1972411"/>
-          </a:xfrm>
-          <a:prstGeom prst="rect">
-            <a:avLst/>
-          </a:prstGeom>
+            <a:off x="1687320" y="4053600"/>
+            <a:ext cx="5353200" cy="1972080"/>
+          </a:xfrm>
+          <a:prstGeom prst="rect">
+            <a:avLst/>
+          </a:prstGeom>
+          <a:ln w="0">
+            <a:noFill/>
+          </a:ln>
         </p:spPr>
       </p:pic>
       <p:sp>
         <p:nvSpPr>
-          <p:cNvPr id="7" name="ZoneTexte 8">
-            <a:extLst>
-              <a:ext uri="{FF2B5EF4-FFF2-40B4-BE49-F238E27FC236}">
-                <a16:creationId xmlns:a16="http://schemas.microsoft.com/office/drawing/2014/main" id="{F3055FED-ACD6-18FC-6663-E999BB9FD20A}"/>
-              </a:ext>
-            </a:extLst>
-          </p:cNvPr>
+          <p:cNvPr id="63" name="ZoneTexte 8"/>
           <p:cNvSpPr/>
           <p:nvPr/>
         </p:nvSpPr>
         <p:spPr>
           <a:xfrm>
-            <a:off x="1687396" y="6025937"/>
-            <a:ext cx="2585520" cy="367878"/>
+            <a:off x="1687320" y="6026040"/>
+            <a:ext cx="4972680" cy="364680"/>
           </a:xfrm>
           <a:prstGeom prst="rect">
             <a:avLst/>
@@ -6356,22 +5713,15 @@
           </a:ln>
         </p:spPr>
         <p:style>
-          <a:lnRef idx="0">
-            <a:scrgbClr r="0" g="0" b="0"/>
-          </a:lnRef>
-          <a:fillRef idx="0">
-            <a:scrgbClr r="0" g="0" b="0"/>
-          </a:fillRef>
-          <a:effectRef idx="0">
-            <a:scrgbClr r="0" g="0" b="0"/>
-          </a:effectRef>
+          <a:lnRef idx="0"/>
+          <a:fillRef idx="0"/>
+          <a:effectRef idx="0"/>
           <a:fontRef idx="minor"/>
         </p:style>
         <p:txBody>
-          <a:bodyPr lIns="90000" tIns="45000" rIns="90000" bIns="45000" anchor="t">
+          <a:bodyPr lIns="90000" rIns="90000" tIns="45000" bIns="45000" anchor="t">
             <a:spAutoFit/>
           </a:bodyPr>
-          <a:lstStyle/>
           <a:p>
             <a:pPr defTabSz="457200">
               <a:lnSpc>
@@ -6379,7 +5729,7 @@
               </a:lnSpc>
             </a:pPr>
             <a:r>
-              <a:rPr lang="fr-FR" sz="1800" b="0" i="1" strike="noStrike" spc="-1" dirty="0">
+              <a:rPr b="0" i="1" lang="fr-FR" sz="1800" spc="-1" strike="noStrike">
                 <a:solidFill>
                   <a:schemeClr val="dk1">
                     <a:lumMod val="75000"/>
@@ -6388,9 +5738,9 @@
                 </a:solidFill>
                 <a:latin typeface="Franklin Gothic Book"/>
               </a:rPr>
-              <a:t>Illustration de RSA</a:t>
-            </a:r>
-            <a:endParaRPr lang="fr-FR" sz="1800" b="0" strike="noStrike" spc="-1" dirty="0">
+              <a:t>Illustration du chiffrement asymétrique</a:t>
+            </a:r>
+            <a:endParaRPr b="0" lang="fr-FR" sz="1800" spc="-1" strike="noStrike">
               <a:solidFill>
                 <a:srgbClr val="000000"/>
               </a:solidFill>
@@ -6400,20 +5750,20 @@
         </p:txBody>
       </p:sp>
     </p:spTree>
-    <p:extLst>
-      <p:ext uri="{BB962C8B-B14F-4D97-AF65-F5344CB8AC3E}">
-        <p14:creationId xmlns:p14="http://schemas.microsoft.com/office/powerpoint/2010/main" val="2594376842"/>
-      </p:ext>
-    </p:extLst>
   </p:cSld>
-  <p:clrMapOvr>
-    <a:masterClrMapping/>
-  </p:clrMapOvr>
+  <mc:AlternateContent>
+    <mc:Choice Requires="p14">
+      <p:transition spd="slow" p14:dur="2000"/>
+    </mc:Choice>
+    <mc:Fallback>
+      <p:transition spd="slow"/>
+    </mc:Fallback>
+  </mc:AlternateContent>
 </p:sld>
 </file>
 
 <file path=ppt/slides/slide9.xml><?xml version="1.0" encoding="utf-8"?>
-<p:sld xmlns:a="http://schemas.openxmlformats.org/drawingml/2006/main" xmlns:r="http://schemas.openxmlformats.org/officeDocument/2006/relationships" xmlns:p="http://schemas.openxmlformats.org/presentationml/2006/main">
+<p:sld xmlns:a="http://schemas.openxmlformats.org/drawingml/2006/main" xmlns:p="http://schemas.openxmlformats.org/presentationml/2006/main" xmlns:r="http://schemas.openxmlformats.org/officeDocument/2006/relationships" xmlns:p14="http://schemas.microsoft.com/office/powerpoint/2010/main" xmlns:p15="http://schemas.microsoft.com/office/powerpoint/2012/main" xmlns:mc="http://schemas.openxmlformats.org/markup-compatibility/2006">
   <p:cSld>
     <p:spTree>
       <p:nvGrpSpPr>
@@ -6431,20 +5781,14 @@
       </p:grpSpPr>
       <p:sp>
         <p:nvSpPr>
-          <p:cNvPr id="4" name="ZoneTexte 6">
-            <a:extLst>
-              <a:ext uri="{FF2B5EF4-FFF2-40B4-BE49-F238E27FC236}">
-                <a16:creationId xmlns:a16="http://schemas.microsoft.com/office/drawing/2014/main" id="{022461FE-20FA-DE00-E477-0E3DD91A5C7D}"/>
-              </a:ext>
-            </a:extLst>
-          </p:cNvPr>
+          <p:cNvPr id="64" name="ZoneTexte 6"/>
           <p:cNvSpPr/>
           <p:nvPr/>
         </p:nvSpPr>
         <p:spPr>
           <a:xfrm>
-            <a:off x="4327445" y="665821"/>
-            <a:ext cx="6015960" cy="578160"/>
+            <a:off x="4327560" y="666000"/>
+            <a:ext cx="6015600" cy="577440"/>
           </a:xfrm>
           <a:prstGeom prst="rect">
             <a:avLst/>
@@ -6455,879 +5799,511 @@
           </a:ln>
         </p:spPr>
         <p:style>
-          <a:lnRef idx="0">
-            <a:scrgbClr r="0" g="0" b="0"/>
-          </a:lnRef>
-          <a:fillRef idx="0">
-            <a:scrgbClr r="0" g="0" b="0"/>
-          </a:fillRef>
-          <a:effectRef idx="0">
-            <a:scrgbClr r="0" g="0" b="0"/>
-          </a:effectRef>
+          <a:lnRef idx="0"/>
+          <a:fillRef idx="0"/>
+          <a:effectRef idx="0"/>
           <a:fontRef idx="minor"/>
         </p:style>
         <p:txBody>
-          <a:bodyPr lIns="90000" tIns="45000" rIns="90000" bIns="45000" anchor="t">
+          <a:bodyPr lIns="90000" rIns="90000" tIns="45000" bIns="45000" anchor="t">
             <a:spAutoFit/>
           </a:bodyPr>
-          <a:lstStyle/>
           <a:p>
             <a:pPr defTabSz="457200">
               <a:lnSpc>
                 <a:spcPct val="100000"/>
+              </a:lnSpc>
+            </a:pPr>
+            <a:r>
+              <a:rPr b="0" lang="fr-FR" sz="3200" spc="-1" strike="noStrike">
+                <a:solidFill>
+                  <a:srgbClr val="000000"/>
+                </a:solidFill>
+                <a:latin typeface="Arial"/>
+              </a:rPr>
+              <a:t>Recette de RSA</a:t>
+            </a:r>
+            <a:endParaRPr b="0" lang="fr-FR" sz="3200" spc="-1" strike="noStrike">
+              <a:solidFill>
+                <a:srgbClr val="000000"/>
+              </a:solidFill>
+              <a:latin typeface="Arial"/>
+            </a:endParaRPr>
+          </a:p>
+        </p:txBody>
+      </p:sp>
+      <p:sp>
+        <p:nvSpPr>
+          <p:cNvPr id="65" name="ZoneTexte 5"/>
+          <p:cNvSpPr/>
+          <p:nvPr/>
+        </p:nvSpPr>
+        <p:spPr>
+          <a:xfrm>
+            <a:off x="1589760" y="1591200"/>
+            <a:ext cx="8926920" cy="4478760"/>
+          </a:xfrm>
+          <a:prstGeom prst="rect">
+            <a:avLst/>
+          </a:prstGeom>
+          <a:noFill/>
+          <a:ln w="0">
+            <a:noFill/>
+          </a:ln>
+        </p:spPr>
+        <p:style>
+          <a:lnRef idx="0"/>
+          <a:fillRef idx="0"/>
+          <a:effectRef idx="0"/>
+          <a:fontRef idx="minor"/>
+        </p:style>
+        <p:txBody>
+          <a:bodyPr lIns="90000" rIns="90000" tIns="45000" bIns="45000" anchor="t">
+            <a:spAutoFit/>
+          </a:bodyPr>
+          <a:p>
+            <a:pPr marL="285840" indent="-285840" defTabSz="914400">
+              <a:lnSpc>
+                <a:spcPct val="150000"/>
+              </a:lnSpc>
+              <a:buClr>
+                <a:srgbClr val="ff0000"/>
+              </a:buClr>
+              <a:buFont typeface="Wingdings" charset="2"/>
+              <a:buChar char=""/>
+            </a:pPr>
+            <a:r>
+              <a:rPr b="0" lang="fr-FR" sz="2400" spc="-1" strike="noStrike">
+                <a:solidFill>
+                  <a:srgbClr val="ff0000"/>
+                </a:solidFill>
+                <a:latin typeface="Franklin Gothic Book"/>
+              </a:rPr>
+              <a:t> </a:t>
+            </a:r>
+            <a:r>
+              <a:rPr b="0" lang="fr-FR" sz="2400" spc="-1" strike="noStrike">
+                <a:solidFill>
+                  <a:schemeClr val="dk1"/>
+                </a:solidFill>
+                <a:latin typeface="Franklin Gothic Book"/>
+              </a:rPr>
+              <a:t>et </a:t>
+            </a:r>
+            <a:r>
+              <a:rPr b="0" lang="fr-FR" sz="2400" spc="-1" strike="noStrike">
+                <a:solidFill>
+                  <a:srgbClr val="ff0000"/>
+                </a:solidFill>
+                <a:latin typeface="Franklin Gothic Book"/>
+              </a:rPr>
+              <a:t> </a:t>
+            </a:r>
+            <a:r>
+              <a:rPr b="0" lang="fr-FR" sz="2400" spc="-1" strike="noStrike">
+                <a:solidFill>
+                  <a:schemeClr val="dk1"/>
+                </a:solidFill>
+                <a:latin typeface="Franklin Gothic Book"/>
+              </a:rPr>
+              <a:t>deux</a:t>
+            </a:r>
+            <a:r>
+              <a:rPr b="1" lang="fr-FR" sz="2400" spc="-1" strike="noStrike">
+                <a:solidFill>
+                  <a:schemeClr val="dk1"/>
+                </a:solidFill>
+                <a:latin typeface="Franklin Gothic Book"/>
+              </a:rPr>
+              <a:t> nombres premiers </a:t>
+            </a:r>
+            <a:r>
+              <a:rPr b="0" lang="fr-FR" sz="2400" spc="-1" strike="noStrike">
+                <a:solidFill>
+                  <a:schemeClr val="dk1"/>
+                </a:solidFill>
+                <a:latin typeface="Franklin Gothic Book"/>
+              </a:rPr>
+              <a:t>assez grand</a:t>
+            </a:r>
+            <a:endParaRPr b="0" lang="fr-FR" sz="2400" spc="-1" strike="noStrike">
+              <a:solidFill>
+                <a:srgbClr val="000000"/>
+              </a:solidFill>
+              <a:latin typeface="Arial"/>
+            </a:endParaRPr>
+          </a:p>
+          <a:p>
+            <a:pPr marL="285840" indent="-285840" defTabSz="914400">
+              <a:lnSpc>
+                <a:spcPct val="150000"/>
               </a:lnSpc>
               <a:buClr>
                 <a:srgbClr val="000000"/>
               </a:buClr>
-            </a:pPr>
-            <a:r>
-              <a:rPr lang="fr-FR" sz="3200" b="0" strike="noStrike" spc="-1" dirty="0">
-                <a:solidFill>
-                  <a:srgbClr val="000000"/>
-                </a:solidFill>
-                <a:latin typeface="Arial"/>
-              </a:rPr>
-              <a:t>Recette de RSA</a:t>
-            </a:r>
-          </a:p>
-        </p:txBody>
-      </p:sp>
-      <mc:AlternateContent xmlns:mc="http://schemas.openxmlformats.org/markup-compatibility/2006">
-        <mc:Choice xmlns:a14="http://schemas.microsoft.com/office/drawing/2010/main" Requires="a14">
-          <p:sp>
-            <p:nvSpPr>
-              <p:cNvPr id="6" name="ZoneTexte 5">
-                <a:extLst>
-                  <a:ext uri="{FF2B5EF4-FFF2-40B4-BE49-F238E27FC236}">
-                    <a16:creationId xmlns:a16="http://schemas.microsoft.com/office/drawing/2014/main" id="{6CA9C687-C1AC-4B30-4532-BCFD95EF1B94}"/>
-                  </a:ext>
-                </a:extLst>
-              </p:cNvPr>
-              <p:cNvSpPr txBox="1"/>
-              <p:nvPr/>
-            </p:nvSpPr>
-            <p:spPr>
-              <a:xfrm>
-                <a:off x="1589777" y="1591221"/>
-                <a:ext cx="8927184" cy="4464171"/>
-              </a:xfrm>
-              <a:prstGeom prst="rect">
-                <a:avLst/>
-              </a:prstGeom>
-              <a:noFill/>
-            </p:spPr>
-            <p:txBody>
-              <a:bodyPr wrap="square" rtlCol="0">
-                <a:spAutoFit/>
-              </a:bodyPr>
-              <a:lstStyle/>
-              <a:p>
-                <a:pPr marL="285750" indent="-285750">
-                  <a:lnSpc>
-                    <a:spcPct val="150000"/>
-                  </a:lnSpc>
-                  <a:buFont typeface="Wingdings" panose="05000000000000000000" pitchFamily="2" charset="2"/>
-                  <a:buChar char="§"/>
-                </a:pPr>
-                <a14:m>
-                  <m:oMath xmlns:m="http://schemas.openxmlformats.org/officeDocument/2006/math">
-                    <m:r>
-                      <a:rPr lang="fr-FR" sz="2400" b="0" i="1" smtClean="0">
-                        <a:solidFill>
-                          <a:srgbClr val="FF0000"/>
-                        </a:solidFill>
-                        <a:latin typeface="Cambria Math" panose="02040503050406030204" pitchFamily="18" charset="0"/>
-                      </a:rPr>
-                      <m:t>𝑝</m:t>
-                    </m:r>
-                  </m:oMath>
-                </a14:m>
-                <a:r>
-                  <a:rPr lang="fr-FR" sz="2400" dirty="0">
-                    <a:solidFill>
-                      <a:srgbClr val="FF0000"/>
-                    </a:solidFill>
-                  </a:rPr>
-                  <a:t> </a:t>
-                </a:r>
-                <a:r>
-                  <a:rPr lang="fr-FR" sz="2400" dirty="0"/>
-                  <a:t>et </a:t>
-                </a:r>
-                <a14:m>
-                  <m:oMath xmlns:m="http://schemas.openxmlformats.org/officeDocument/2006/math">
-                    <m:r>
-                      <a:rPr lang="fr-FR" sz="2400" b="0" i="1" smtClean="0">
-                        <a:solidFill>
-                          <a:srgbClr val="FF0000"/>
-                        </a:solidFill>
-                        <a:latin typeface="Cambria Math" panose="02040503050406030204" pitchFamily="18" charset="0"/>
-                      </a:rPr>
-                      <m:t>𝑞</m:t>
-                    </m:r>
-                  </m:oMath>
-                </a14:m>
-                <a:r>
-                  <a:rPr lang="fr-FR" sz="2400" dirty="0">
-                    <a:solidFill>
-                      <a:srgbClr val="FF0000"/>
-                    </a:solidFill>
-                  </a:rPr>
-                  <a:t> </a:t>
-                </a:r>
-                <a:r>
-                  <a:rPr lang="fr-FR" sz="2400" dirty="0"/>
-                  <a:t>deux</a:t>
-                </a:r>
-                <a:r>
-                  <a:rPr lang="fr-FR" sz="2400" b="1" dirty="0"/>
-                  <a:t> nombres premiers </a:t>
-                </a:r>
-                <a:r>
-                  <a:rPr lang="fr-FR" sz="2400" dirty="0"/>
-                  <a:t>assez grand</a:t>
-                </a:r>
-              </a:p>
-              <a:p>
-                <a:pPr marL="285750" indent="-285750">
-                  <a:lnSpc>
-                    <a:spcPct val="150000"/>
-                  </a:lnSpc>
-                  <a:buFont typeface="Wingdings" panose="05000000000000000000" pitchFamily="2" charset="2"/>
-                  <a:buChar char="§"/>
-                </a:pPr>
-                <a14:m>
-                  <m:oMath xmlns:m="http://schemas.openxmlformats.org/officeDocument/2006/math">
-                    <m:r>
-                      <a:rPr lang="fr-FR" sz="2400" b="0" i="1" smtClean="0">
-                        <a:solidFill>
-                          <a:srgbClr val="FF0000"/>
-                        </a:solidFill>
-                        <a:latin typeface="Cambria Math" panose="02040503050406030204" pitchFamily="18" charset="0"/>
-                      </a:rPr>
-                      <m:t>𝑛</m:t>
-                    </m:r>
-                    <m:r>
-                      <a:rPr lang="fr-FR" sz="2400" b="0" i="1" smtClean="0">
-                        <a:latin typeface="Cambria Math" panose="02040503050406030204" pitchFamily="18" charset="0"/>
-                      </a:rPr>
-                      <m:t>=</m:t>
-                    </m:r>
-                    <m:r>
-                      <a:rPr lang="fr-FR" sz="2400" b="0" i="1" smtClean="0">
-                        <a:latin typeface="Cambria Math" panose="02040503050406030204" pitchFamily="18" charset="0"/>
-                      </a:rPr>
-                      <m:t>𝑝</m:t>
-                    </m:r>
-                    <m:r>
-                      <a:rPr lang="fr-FR" sz="2400" b="0" i="1" smtClean="0">
-                        <a:latin typeface="Cambria Math" panose="02040503050406030204" pitchFamily="18" charset="0"/>
-                      </a:rPr>
-                      <m:t>∗</m:t>
-                    </m:r>
-                    <m:r>
-                      <a:rPr lang="fr-FR" sz="2400" b="0" i="1" smtClean="0">
-                        <a:latin typeface="Cambria Math" panose="02040503050406030204" pitchFamily="18" charset="0"/>
-                      </a:rPr>
-                      <m:t>𝑞</m:t>
-                    </m:r>
-                  </m:oMath>
-                </a14:m>
-                <a:r>
-                  <a:rPr lang="fr-FR" sz="2400" dirty="0"/>
-                  <a:t> le </a:t>
-                </a:r>
-                <a:r>
-                  <a:rPr lang="fr-FR" sz="2400" b="1" dirty="0"/>
-                  <a:t>module</a:t>
-                </a:r>
-                <a:r>
-                  <a:rPr lang="fr-FR" sz="2400" dirty="0"/>
-                  <a:t> </a:t>
-                </a:r>
-              </a:p>
-              <a:p>
-                <a:pPr marL="285750" indent="-285750">
-                  <a:lnSpc>
-                    <a:spcPct val="150000"/>
-                  </a:lnSpc>
-                  <a:buFont typeface="Wingdings" panose="05000000000000000000" pitchFamily="2" charset="2"/>
-                  <a:buChar char="§"/>
-                </a:pPr>
-                <a14:m>
-                  <m:oMath xmlns:m="http://schemas.openxmlformats.org/officeDocument/2006/math">
-                    <m:r>
-                      <a:rPr lang="fr-FR" sz="2400" b="0" i="1" smtClean="0">
-                        <a:solidFill>
-                          <a:srgbClr val="FF0000"/>
-                        </a:solidFill>
-                        <a:latin typeface="Cambria Math" panose="02040503050406030204" pitchFamily="18" charset="0"/>
-                        <a:ea typeface="Cambria Math" panose="02040503050406030204" pitchFamily="18" charset="0"/>
-                      </a:rPr>
-                      <m:t>𝜑</m:t>
-                    </m:r>
-                    <m:d>
-                      <m:dPr>
-                        <m:ctrlPr>
-                          <a:rPr lang="fr-FR" sz="2400" b="0" i="1" smtClean="0">
-                            <a:solidFill>
-                              <a:srgbClr val="FF0000"/>
-                            </a:solidFill>
-                            <a:latin typeface="Cambria Math" panose="02040503050406030204" pitchFamily="18" charset="0"/>
-                            <a:ea typeface="Cambria Math" panose="02040503050406030204" pitchFamily="18" charset="0"/>
-                          </a:rPr>
-                        </m:ctrlPr>
-                      </m:dPr>
-                      <m:e>
-                        <m:r>
-                          <a:rPr lang="fr-FR" sz="2400" b="0" i="1" smtClean="0">
-                            <a:solidFill>
-                              <a:srgbClr val="FF0000"/>
-                            </a:solidFill>
-                            <a:latin typeface="Cambria Math" panose="02040503050406030204" pitchFamily="18" charset="0"/>
-                            <a:ea typeface="Cambria Math" panose="02040503050406030204" pitchFamily="18" charset="0"/>
-                          </a:rPr>
-                          <m:t>𝑛</m:t>
-                        </m:r>
-                      </m:e>
-                    </m:d>
-                    <m:r>
-                      <a:rPr lang="fr-FR" sz="2400" b="0" i="1" smtClean="0">
-                        <a:latin typeface="Cambria Math" panose="02040503050406030204" pitchFamily="18" charset="0"/>
-                        <a:ea typeface="Cambria Math" panose="02040503050406030204" pitchFamily="18" charset="0"/>
-                      </a:rPr>
-                      <m:t>=(</m:t>
-                    </m:r>
-                    <m:r>
-                      <a:rPr lang="fr-FR" sz="2400" b="0" i="1" smtClean="0">
-                        <a:latin typeface="Cambria Math" panose="02040503050406030204" pitchFamily="18" charset="0"/>
-                        <a:ea typeface="Cambria Math" panose="02040503050406030204" pitchFamily="18" charset="0"/>
-                      </a:rPr>
-                      <m:t>𝑝</m:t>
-                    </m:r>
-                    <m:r>
-                      <a:rPr lang="fr-FR" sz="2400" b="0" i="1" smtClean="0">
-                        <a:latin typeface="Cambria Math" panose="02040503050406030204" pitchFamily="18" charset="0"/>
-                        <a:ea typeface="Cambria Math" panose="02040503050406030204" pitchFamily="18" charset="0"/>
-                      </a:rPr>
-                      <m:t>−1)(</m:t>
-                    </m:r>
-                    <m:r>
-                      <a:rPr lang="fr-FR" sz="2400" b="0" i="1" smtClean="0">
-                        <a:latin typeface="Cambria Math" panose="02040503050406030204" pitchFamily="18" charset="0"/>
-                        <a:ea typeface="Cambria Math" panose="02040503050406030204" pitchFamily="18" charset="0"/>
-                      </a:rPr>
-                      <m:t>𝑞</m:t>
-                    </m:r>
-                    <m:r>
-                      <a:rPr lang="fr-FR" sz="2400" b="0" i="1" smtClean="0">
-                        <a:latin typeface="Cambria Math" panose="02040503050406030204" pitchFamily="18" charset="0"/>
-                        <a:ea typeface="Cambria Math" panose="02040503050406030204" pitchFamily="18" charset="0"/>
-                      </a:rPr>
-                      <m:t>−1)</m:t>
-                    </m:r>
-                  </m:oMath>
-                </a14:m>
-                <a:r>
-                  <a:rPr lang="fr-FR" sz="2400" dirty="0"/>
-                  <a:t> l’</a:t>
-                </a:r>
-                <a:r>
-                  <a:rPr lang="fr-FR" sz="2400" b="1" dirty="0"/>
-                  <a:t>indicatrice d’Euler</a:t>
-                </a:r>
-              </a:p>
-              <a:p>
-                <a:pPr marL="285750" indent="-285750">
-                  <a:lnSpc>
-                    <a:spcPct val="150000"/>
-                  </a:lnSpc>
-                  <a:buFont typeface="Wingdings" panose="05000000000000000000" pitchFamily="2" charset="2"/>
-                  <a:buChar char="§"/>
-                </a:pPr>
-                <a14:m>
-                  <m:oMath xmlns:m="http://schemas.openxmlformats.org/officeDocument/2006/math">
-                    <m:r>
-                      <a:rPr lang="fr-FR" sz="2400" b="0" i="1" smtClean="0">
-                        <a:solidFill>
-                          <a:srgbClr val="FF0000"/>
-                        </a:solidFill>
-                        <a:latin typeface="Cambria Math" panose="02040503050406030204" pitchFamily="18" charset="0"/>
-                      </a:rPr>
-                      <m:t>𝑒</m:t>
-                    </m:r>
-                  </m:oMath>
-                </a14:m>
-                <a:r>
-                  <a:rPr lang="fr-FR" sz="2400" dirty="0"/>
-                  <a:t> un nombre premier, </a:t>
-                </a:r>
-                <a14:m>
-                  <m:oMath xmlns:m="http://schemas.openxmlformats.org/officeDocument/2006/math">
-                    <m:d>
-                      <m:dPr>
-                        <m:ctrlPr>
-                          <a:rPr lang="fr-FR" sz="2400" b="0" i="1" smtClean="0">
-                            <a:latin typeface="Cambria Math" panose="02040503050406030204" pitchFamily="18" charset="0"/>
-                          </a:rPr>
-                        </m:ctrlPr>
-                      </m:dPr>
-                      <m:e>
-                        <m:r>
-                          <a:rPr lang="fr-FR" sz="2400" b="0" i="1" smtClean="0">
-                            <a:latin typeface="Cambria Math" panose="02040503050406030204" pitchFamily="18" charset="0"/>
-                          </a:rPr>
-                          <m:t>𝑒</m:t>
-                        </m:r>
-                        <m:r>
-                          <a:rPr lang="fr-FR" sz="2400" b="0" i="1" smtClean="0">
-                            <a:latin typeface="Cambria Math" panose="02040503050406030204" pitchFamily="18" charset="0"/>
-                          </a:rPr>
-                          <m:t>,</m:t>
-                        </m:r>
-                        <m:r>
-                          <a:rPr lang="fr-FR" sz="2400" b="0" i="1" smtClean="0">
-                            <a:latin typeface="Cambria Math" panose="02040503050406030204" pitchFamily="18" charset="0"/>
-                          </a:rPr>
-                          <m:t>𝑛</m:t>
-                        </m:r>
-                      </m:e>
-                    </m:d>
-                  </m:oMath>
-                </a14:m>
-                <a:r>
-                  <a:rPr lang="fr-FR" sz="2400" dirty="0"/>
-                  <a:t> </a:t>
-                </a:r>
-                <a:r>
-                  <a:rPr lang="fr-FR" sz="2400" b="1" dirty="0"/>
-                  <a:t>la clef publique</a:t>
-                </a:r>
-              </a:p>
-              <a:p>
-                <a:pPr marL="285750" indent="-285750">
-                  <a:lnSpc>
-                    <a:spcPct val="150000"/>
-                  </a:lnSpc>
-                  <a:buFont typeface="Wingdings" panose="05000000000000000000" pitchFamily="2" charset="2"/>
-                  <a:buChar char="§"/>
-                </a:pPr>
-                <a14:m>
-                  <m:oMath xmlns:m="http://schemas.openxmlformats.org/officeDocument/2006/math">
-                    <m:r>
-                      <a:rPr lang="fr-FR" sz="2400" b="0" i="1" smtClean="0">
-                        <a:solidFill>
-                          <a:srgbClr val="FF0000"/>
-                        </a:solidFill>
-                        <a:latin typeface="Cambria Math" panose="02040503050406030204" pitchFamily="18" charset="0"/>
-                      </a:rPr>
-                      <m:t>𝑚</m:t>
-                    </m:r>
-                  </m:oMath>
-                </a14:m>
-                <a:r>
-                  <a:rPr lang="fr-FR" sz="2400" dirty="0"/>
-                  <a:t> </a:t>
-                </a:r>
-                <a:r>
-                  <a:rPr lang="fr-FR" sz="2400" b="1" dirty="0"/>
-                  <a:t>message en clair</a:t>
-                </a:r>
-              </a:p>
-              <a:p>
-                <a:pPr marL="285750" indent="-285750">
-                  <a:lnSpc>
-                    <a:spcPct val="150000"/>
-                  </a:lnSpc>
-                  <a:buFont typeface="Wingdings" panose="05000000000000000000" pitchFamily="2" charset="2"/>
-                  <a:buChar char="§"/>
-                </a:pPr>
-                <a14:m>
-                  <m:oMath xmlns:m="http://schemas.openxmlformats.org/officeDocument/2006/math">
-                    <m:r>
-                      <a:rPr lang="fr-FR" sz="2400" b="0" i="1" smtClean="0">
-                        <a:solidFill>
-                          <a:srgbClr val="FF0000"/>
-                        </a:solidFill>
-                        <a:latin typeface="Cambria Math" panose="02040503050406030204" pitchFamily="18" charset="0"/>
-                      </a:rPr>
-                      <m:t>𝑑</m:t>
-                    </m:r>
-                    <m:r>
-                      <a:rPr lang="fr-FR" sz="2400" b="0" i="1" smtClean="0">
-                        <a:latin typeface="Cambria Math" panose="02040503050406030204" pitchFamily="18" charset="0"/>
-                        <a:ea typeface="Cambria Math" panose="02040503050406030204" pitchFamily="18" charset="0"/>
-                      </a:rPr>
-                      <m:t>≡</m:t>
-                    </m:r>
-                    <m:sSup>
-                      <m:sSupPr>
-                        <m:ctrlPr>
-                          <a:rPr lang="fr-FR" sz="2400" b="0" i="1" smtClean="0">
-                            <a:latin typeface="Cambria Math" panose="02040503050406030204" pitchFamily="18" charset="0"/>
-                          </a:rPr>
-                        </m:ctrlPr>
-                      </m:sSupPr>
-                      <m:e>
-                        <m:r>
-                          <a:rPr lang="fr-FR" sz="2400" b="0" i="1" smtClean="0">
-                            <a:latin typeface="Cambria Math" panose="02040503050406030204" pitchFamily="18" charset="0"/>
-                          </a:rPr>
-                          <m:t>𝑒</m:t>
-                        </m:r>
-                      </m:e>
-                      <m:sup>
-                        <m:r>
-                          <a:rPr lang="fr-FR" sz="2400" b="0" i="1" smtClean="0">
-                            <a:latin typeface="Cambria Math" panose="02040503050406030204" pitchFamily="18" charset="0"/>
-                          </a:rPr>
-                          <m:t>−1</m:t>
-                        </m:r>
-                      </m:sup>
-                    </m:sSup>
-                    <m:r>
-                      <a:rPr lang="fr-FR" sz="2400" b="0" i="1" smtClean="0">
-                        <a:latin typeface="Cambria Math" panose="02040503050406030204" pitchFamily="18" charset="0"/>
-                      </a:rPr>
-                      <m:t>[</m:t>
-                    </m:r>
-                    <m:r>
-                      <a:rPr lang="fr-FR" sz="2400" b="0" i="1" smtClean="0">
-                        <a:latin typeface="Cambria Math" panose="02040503050406030204" pitchFamily="18" charset="0"/>
-                        <a:ea typeface="Cambria Math" panose="02040503050406030204" pitchFamily="18" charset="0"/>
-                      </a:rPr>
-                      <m:t>𝜑</m:t>
-                    </m:r>
-                    <m:r>
-                      <a:rPr lang="fr-FR" sz="2400" b="0" i="1" smtClean="0">
-                        <a:latin typeface="Cambria Math" panose="02040503050406030204" pitchFamily="18" charset="0"/>
-                        <a:ea typeface="Cambria Math" panose="02040503050406030204" pitchFamily="18" charset="0"/>
-                      </a:rPr>
-                      <m:t>(</m:t>
-                    </m:r>
-                    <m:r>
-                      <a:rPr lang="fr-FR" sz="2400" b="0" i="1" smtClean="0">
-                        <a:latin typeface="Cambria Math" panose="02040503050406030204" pitchFamily="18" charset="0"/>
-                        <a:ea typeface="Cambria Math" panose="02040503050406030204" pitchFamily="18" charset="0"/>
-                      </a:rPr>
-                      <m:t>𝑛</m:t>
-                    </m:r>
-                    <m:r>
-                      <a:rPr lang="fr-FR" sz="2400" b="0" i="1" smtClean="0">
-                        <a:latin typeface="Cambria Math" panose="02040503050406030204" pitchFamily="18" charset="0"/>
-                        <a:ea typeface="Cambria Math" panose="02040503050406030204" pitchFamily="18" charset="0"/>
-                      </a:rPr>
-                      <m:t>)]</m:t>
-                    </m:r>
-                  </m:oMath>
-                </a14:m>
-                <a:r>
-                  <a:rPr lang="fr-FR" sz="2400" dirty="0"/>
-                  <a:t> la </a:t>
-                </a:r>
-                <a:r>
-                  <a:rPr lang="fr-FR" sz="2400" b="1" dirty="0"/>
-                  <a:t>clef privée</a:t>
-                </a:r>
-              </a:p>
-              <a:p>
-                <a:pPr marL="285750" indent="-285750">
-                  <a:lnSpc>
-                    <a:spcPct val="150000"/>
-                  </a:lnSpc>
-                  <a:buFont typeface="Wingdings" panose="05000000000000000000" pitchFamily="2" charset="2"/>
-                  <a:buChar char="§"/>
-                </a:pPr>
-                <a14:m>
-                  <m:oMath xmlns:m="http://schemas.openxmlformats.org/officeDocument/2006/math">
-                    <m:r>
-                      <a:rPr lang="fr-FR" sz="2400" b="0" i="1" smtClean="0">
-                        <a:solidFill>
-                          <a:srgbClr val="FF0000"/>
-                        </a:solidFill>
-                        <a:latin typeface="Cambria Math" panose="02040503050406030204" pitchFamily="18" charset="0"/>
-                      </a:rPr>
-                      <m:t>𝑐</m:t>
-                    </m:r>
-                    <m:r>
-                      <a:rPr lang="fr-FR" sz="2400" b="0" i="1" smtClean="0">
-                        <a:latin typeface="Cambria Math" panose="02040503050406030204" pitchFamily="18" charset="0"/>
-                        <a:ea typeface="Cambria Math" panose="02040503050406030204" pitchFamily="18" charset="0"/>
-                      </a:rPr>
-                      <m:t>≡</m:t>
-                    </m:r>
-                    <m:sSup>
-                      <m:sSupPr>
-                        <m:ctrlPr>
-                          <a:rPr lang="fr-FR" sz="2400" b="0" i="1" smtClean="0">
-                            <a:latin typeface="Cambria Math" panose="02040503050406030204" pitchFamily="18" charset="0"/>
-                          </a:rPr>
-                        </m:ctrlPr>
-                      </m:sSupPr>
-                      <m:e>
-                        <m:r>
-                          <a:rPr lang="fr-FR" sz="2400" b="0" i="1" smtClean="0">
-                            <a:latin typeface="Cambria Math" panose="02040503050406030204" pitchFamily="18" charset="0"/>
-                          </a:rPr>
-                          <m:t>𝑚</m:t>
-                        </m:r>
-                      </m:e>
-                      <m:sup>
-                        <m:r>
-                          <a:rPr lang="fr-FR" sz="2400" b="0" i="1" smtClean="0">
-                            <a:latin typeface="Cambria Math" panose="02040503050406030204" pitchFamily="18" charset="0"/>
-                          </a:rPr>
-                          <m:t>𝑒</m:t>
-                        </m:r>
-                      </m:sup>
-                    </m:sSup>
-                    <m:r>
-                      <a:rPr lang="fr-FR" sz="2400" b="0" i="1" smtClean="0">
-                        <a:latin typeface="Cambria Math" panose="02040503050406030204" pitchFamily="18" charset="0"/>
-                      </a:rPr>
-                      <m:t>[</m:t>
-                    </m:r>
-                    <m:r>
-                      <a:rPr lang="fr-FR" sz="2400" b="0" i="1" smtClean="0">
-                        <a:latin typeface="Cambria Math" panose="02040503050406030204" pitchFamily="18" charset="0"/>
-                      </a:rPr>
-                      <m:t>𝑛</m:t>
-                    </m:r>
-                    <m:r>
-                      <a:rPr lang="fr-FR" sz="2400" b="0" i="1" smtClean="0">
-                        <a:latin typeface="Cambria Math" panose="02040503050406030204" pitchFamily="18" charset="0"/>
-                      </a:rPr>
-                      <m:t>]</m:t>
-                    </m:r>
-                  </m:oMath>
-                </a14:m>
-                <a:r>
-                  <a:rPr lang="fr-FR" sz="2400" dirty="0"/>
-                  <a:t> le </a:t>
-                </a:r>
-                <a:r>
-                  <a:rPr lang="fr-FR" sz="2400" b="1" dirty="0"/>
-                  <a:t>message chiffré</a:t>
-                </a:r>
-              </a:p>
-              <a:p>
-                <a:pPr marL="285750" indent="-285750">
-                  <a:lnSpc>
-                    <a:spcPct val="150000"/>
-                  </a:lnSpc>
-                  <a:buFont typeface="Wingdings" panose="05000000000000000000" pitchFamily="2" charset="2"/>
-                  <a:buChar char="§"/>
-                </a:pPr>
-                <a14:m>
-                  <m:oMath xmlns:m="http://schemas.openxmlformats.org/officeDocument/2006/math">
-                    <m:sSup>
-                      <m:sSupPr>
-                        <m:ctrlPr>
-                          <a:rPr lang="fr-FR" sz="2400" i="1" smtClean="0">
-                            <a:latin typeface="Cambria Math" panose="02040503050406030204" pitchFamily="18" charset="0"/>
-                          </a:rPr>
-                        </m:ctrlPr>
-                      </m:sSupPr>
-                      <m:e>
-                        <m:r>
-                          <a:rPr lang="fr-FR" sz="2400" b="0" i="1" smtClean="0">
-                            <a:latin typeface="Cambria Math" panose="02040503050406030204" pitchFamily="18" charset="0"/>
-                          </a:rPr>
-                          <m:t>𝑐</m:t>
-                        </m:r>
-                      </m:e>
-                      <m:sup>
-                        <m:r>
-                          <a:rPr lang="fr-FR" sz="2400" b="0" i="1" smtClean="0">
-                            <a:latin typeface="Cambria Math" panose="02040503050406030204" pitchFamily="18" charset="0"/>
-                          </a:rPr>
-                          <m:t>𝑑</m:t>
-                        </m:r>
-                      </m:sup>
-                    </m:sSup>
-                    <m:r>
-                      <a:rPr lang="fr-FR" sz="2400" i="1" smtClean="0">
-                        <a:latin typeface="Cambria Math" panose="02040503050406030204" pitchFamily="18" charset="0"/>
-                        <a:ea typeface="Cambria Math" panose="02040503050406030204" pitchFamily="18" charset="0"/>
-                      </a:rPr>
-                      <m:t>≡</m:t>
-                    </m:r>
-                    <m:r>
-                      <a:rPr lang="fr-FR" sz="2400" b="0" i="1" smtClean="0">
-                        <a:latin typeface="Cambria Math" panose="02040503050406030204" pitchFamily="18" charset="0"/>
-                        <a:ea typeface="Cambria Math" panose="02040503050406030204" pitchFamily="18" charset="0"/>
-                      </a:rPr>
-                      <m:t>(</m:t>
-                    </m:r>
-                    <m:sSup>
-                      <m:sSupPr>
-                        <m:ctrlPr>
-                          <a:rPr lang="fr-FR" sz="2400" b="0" i="1" smtClean="0">
-                            <a:latin typeface="Cambria Math" panose="02040503050406030204" pitchFamily="18" charset="0"/>
-                            <a:ea typeface="Cambria Math" panose="02040503050406030204" pitchFamily="18" charset="0"/>
-                          </a:rPr>
-                        </m:ctrlPr>
-                      </m:sSupPr>
-                      <m:e>
-                        <m:sSup>
-                          <m:sSupPr>
-                            <m:ctrlPr>
-                              <a:rPr lang="fr-FR" sz="2400" b="0" i="1" smtClean="0">
-                                <a:latin typeface="Cambria Math" panose="02040503050406030204" pitchFamily="18" charset="0"/>
-                                <a:ea typeface="Cambria Math" panose="02040503050406030204" pitchFamily="18" charset="0"/>
-                              </a:rPr>
-                            </m:ctrlPr>
-                          </m:sSupPr>
-                          <m:e>
-                            <m:r>
-                              <a:rPr lang="fr-FR" sz="2400" b="0" i="1" smtClean="0">
-                                <a:latin typeface="Cambria Math" panose="02040503050406030204" pitchFamily="18" charset="0"/>
-                                <a:ea typeface="Cambria Math" panose="02040503050406030204" pitchFamily="18" charset="0"/>
-                              </a:rPr>
-                              <m:t>𝑚</m:t>
-                            </m:r>
-                          </m:e>
-                          <m:sup>
-                            <m:r>
-                              <a:rPr lang="fr-FR" sz="2400" b="0" i="1" smtClean="0">
-                                <a:latin typeface="Cambria Math" panose="02040503050406030204" pitchFamily="18" charset="0"/>
-                                <a:ea typeface="Cambria Math" panose="02040503050406030204" pitchFamily="18" charset="0"/>
-                              </a:rPr>
-                              <m:t>𝑒</m:t>
-                            </m:r>
-                          </m:sup>
-                        </m:sSup>
-                        <m:r>
-                          <a:rPr lang="fr-FR" sz="2400" b="0" i="1" smtClean="0">
-                            <a:latin typeface="Cambria Math" panose="02040503050406030204" pitchFamily="18" charset="0"/>
-                            <a:ea typeface="Cambria Math" panose="02040503050406030204" pitchFamily="18" charset="0"/>
-                          </a:rPr>
-                          <m:t>)</m:t>
-                        </m:r>
-                      </m:e>
-                      <m:sup>
-                        <m:r>
-                          <a:rPr lang="fr-FR" sz="2400" b="0" i="1" smtClean="0">
-                            <a:latin typeface="Cambria Math" panose="02040503050406030204" pitchFamily="18" charset="0"/>
-                            <a:ea typeface="Cambria Math" panose="02040503050406030204" pitchFamily="18" charset="0"/>
-                          </a:rPr>
-                          <m:t>𝑑</m:t>
-                        </m:r>
-                      </m:sup>
-                    </m:sSup>
-                    <m:r>
-                      <a:rPr lang="fr-FR" sz="2400" b="0" i="1" smtClean="0">
-                        <a:latin typeface="Cambria Math" panose="02040503050406030204" pitchFamily="18" charset="0"/>
-                        <a:ea typeface="Cambria Math" panose="02040503050406030204" pitchFamily="18" charset="0"/>
-                      </a:rPr>
-                      <m:t>≡</m:t>
-                    </m:r>
-                    <m:sSup>
-                      <m:sSupPr>
-                        <m:ctrlPr>
-                          <a:rPr lang="fr-FR" sz="2400" b="0" i="1" smtClean="0">
-                            <a:latin typeface="Cambria Math" panose="02040503050406030204" pitchFamily="18" charset="0"/>
-                            <a:ea typeface="Cambria Math" panose="02040503050406030204" pitchFamily="18" charset="0"/>
-                          </a:rPr>
-                        </m:ctrlPr>
-                      </m:sSupPr>
-                      <m:e>
-                        <m:r>
-                          <a:rPr lang="fr-FR" sz="2400" b="0" i="1" smtClean="0">
-                            <a:latin typeface="Cambria Math" panose="02040503050406030204" pitchFamily="18" charset="0"/>
-                            <a:ea typeface="Cambria Math" panose="02040503050406030204" pitchFamily="18" charset="0"/>
-                          </a:rPr>
-                          <m:t>𝑚</m:t>
-                        </m:r>
-                      </m:e>
-                      <m:sup>
-                        <m:r>
-                          <a:rPr lang="fr-FR" sz="2400" b="0" i="1" smtClean="0">
-                            <a:latin typeface="Cambria Math" panose="02040503050406030204" pitchFamily="18" charset="0"/>
-                            <a:ea typeface="Cambria Math" panose="02040503050406030204" pitchFamily="18" charset="0"/>
-                          </a:rPr>
-                          <m:t>𝑒𝑑</m:t>
-                        </m:r>
-                      </m:sup>
-                    </m:sSup>
-                    <m:r>
-                      <a:rPr lang="fr-FR" sz="2400" b="0" i="1" smtClean="0">
-                        <a:latin typeface="Cambria Math" panose="02040503050406030204" pitchFamily="18" charset="0"/>
-                        <a:ea typeface="Cambria Math" panose="02040503050406030204" pitchFamily="18" charset="0"/>
-                      </a:rPr>
-                      <m:t>≡</m:t>
-                    </m:r>
-                    <m:r>
-                      <a:rPr lang="fr-FR" sz="2400" b="0" i="1" smtClean="0">
-                        <a:latin typeface="Cambria Math" panose="02040503050406030204" pitchFamily="18" charset="0"/>
-                        <a:ea typeface="Cambria Math" panose="02040503050406030204" pitchFamily="18" charset="0"/>
-                      </a:rPr>
-                      <m:t>𝑚</m:t>
-                    </m:r>
-                    <m:r>
-                      <a:rPr lang="fr-FR" sz="2400" b="0" i="1" smtClean="0">
-                        <a:latin typeface="Cambria Math" panose="02040503050406030204" pitchFamily="18" charset="0"/>
-                        <a:ea typeface="Cambria Math" panose="02040503050406030204" pitchFamily="18" charset="0"/>
-                      </a:rPr>
-                      <m:t>[</m:t>
-                    </m:r>
-                    <m:r>
-                      <a:rPr lang="fr-FR" sz="2400" b="0" i="1" smtClean="0">
-                        <a:latin typeface="Cambria Math" panose="02040503050406030204" pitchFamily="18" charset="0"/>
-                        <a:ea typeface="Cambria Math" panose="02040503050406030204" pitchFamily="18" charset="0"/>
-                      </a:rPr>
-                      <m:t>𝑛</m:t>
-                    </m:r>
-                    <m:r>
-                      <a:rPr lang="fr-FR" sz="2400" b="0" i="1" smtClean="0">
-                        <a:latin typeface="Cambria Math" panose="02040503050406030204" pitchFamily="18" charset="0"/>
-                        <a:ea typeface="Cambria Math" panose="02040503050406030204" pitchFamily="18" charset="0"/>
-                      </a:rPr>
-                      <m:t>]</m:t>
-                    </m:r>
-                  </m:oMath>
-                </a14:m>
-                <a:endParaRPr lang="fr-FR" sz="2400" dirty="0"/>
-              </a:p>
-            </p:txBody>
-          </p:sp>
-        </mc:Choice>
-        <mc:Fallback>
-          <p:sp>
-            <p:nvSpPr>
-              <p:cNvPr id="6" name="ZoneTexte 5">
-                <a:extLst>
-                  <a:ext uri="{FF2B5EF4-FFF2-40B4-BE49-F238E27FC236}">
-                    <a16:creationId xmlns:a16="http://schemas.microsoft.com/office/drawing/2014/main" id="{6CA9C687-C1AC-4B30-4532-BCFD95EF1B94}"/>
-                  </a:ext>
-                </a:extLst>
-              </p:cNvPr>
-              <p:cNvSpPr txBox="1">
-                <a:spLocks noRot="1" noChangeAspect="1" noMove="1" noResize="1" noEditPoints="1" noAdjustHandles="1" noChangeArrowheads="1" noChangeShapeType="1" noTextEdit="1"/>
-              </p:cNvSpPr>
-              <p:nvPr/>
-            </p:nvSpPr>
-            <p:spPr>
-              <a:xfrm>
-                <a:off x="1589777" y="1591221"/>
-                <a:ext cx="8927184" cy="4464171"/>
-              </a:xfrm>
-              <a:prstGeom prst="rect">
-                <a:avLst/>
-              </a:prstGeom>
-              <a:blipFill>
-                <a:blip r:embed="rId2"/>
-                <a:stretch>
-                  <a:fillRect l="-956" b="-1913"/>
-                </a:stretch>
-              </a:blipFill>
-            </p:spPr>
-            <p:txBody>
-              <a:bodyPr/>
-              <a:lstStyle/>
-              <a:p>
-                <a:r>
-                  <a:rPr lang="fr-FR">
-                    <a:noFill/>
-                  </a:rPr>
-                  <a:t> </a:t>
-                </a:r>
-              </a:p>
-            </p:txBody>
-          </p:sp>
-        </mc:Fallback>
-      </mc:AlternateContent>
+              <a:buFont typeface="Wingdings" charset="2"/>
+              <a:buChar char=""/>
+            </a:pPr>
+            <a:r>
+              <a:rPr b="0" lang="fr-FR" sz="2400" spc="-1" strike="noStrike">
+                <a:solidFill>
+                  <a:schemeClr val="dk1"/>
+                </a:solidFill>
+                <a:latin typeface="Franklin Gothic Book"/>
+              </a:rPr>
+              <a:t> </a:t>
+            </a:r>
+            <a:r>
+              <a:rPr b="0" lang="fr-FR" sz="2400" spc="-1" strike="noStrike">
+                <a:solidFill>
+                  <a:schemeClr val="dk1"/>
+                </a:solidFill>
+                <a:latin typeface="Franklin Gothic Book"/>
+              </a:rPr>
+              <a:t>le </a:t>
+            </a:r>
+            <a:r>
+              <a:rPr b="1" lang="fr-FR" sz="2400" spc="-1" strike="noStrike">
+                <a:solidFill>
+                  <a:schemeClr val="dk1"/>
+                </a:solidFill>
+                <a:latin typeface="Franklin Gothic Book"/>
+              </a:rPr>
+              <a:t>module</a:t>
+            </a:r>
+            <a:r>
+              <a:rPr b="0" lang="fr-FR" sz="2400" spc="-1" strike="noStrike">
+                <a:solidFill>
+                  <a:schemeClr val="dk1"/>
+                </a:solidFill>
+                <a:latin typeface="Franklin Gothic Book"/>
+              </a:rPr>
+              <a:t> </a:t>
+            </a:r>
+            <a:endParaRPr b="0" lang="fr-FR" sz="2400" spc="-1" strike="noStrike">
+              <a:solidFill>
+                <a:srgbClr val="000000"/>
+              </a:solidFill>
+              <a:latin typeface="Arial"/>
+            </a:endParaRPr>
+          </a:p>
+          <a:p>
+            <a:pPr marL="285840" indent="-285840" defTabSz="914400">
+              <a:lnSpc>
+                <a:spcPct val="150000"/>
+              </a:lnSpc>
+              <a:buClr>
+                <a:srgbClr val="000000"/>
+              </a:buClr>
+              <a:buFont typeface="Wingdings" charset="2"/>
+              <a:buChar char=""/>
+            </a:pPr>
+            <a:r>
+              <a:rPr b="0" lang="fr-FR" sz="2400" spc="-1" strike="noStrike">
+                <a:solidFill>
+                  <a:schemeClr val="dk1"/>
+                </a:solidFill>
+                <a:latin typeface="Franklin Gothic Book"/>
+              </a:rPr>
+              <a:t> </a:t>
+            </a:r>
+            <a:r>
+              <a:rPr b="0" lang="fr-FR" sz="2400" spc="-1" strike="noStrike">
+                <a:solidFill>
+                  <a:schemeClr val="dk1"/>
+                </a:solidFill>
+                <a:latin typeface="Franklin Gothic Book"/>
+              </a:rPr>
+              <a:t>l’</a:t>
+            </a:r>
+            <a:r>
+              <a:rPr b="1" lang="fr-FR" sz="2400" spc="-1" strike="noStrike">
+                <a:solidFill>
+                  <a:schemeClr val="dk1"/>
+                </a:solidFill>
+                <a:latin typeface="Franklin Gothic Book"/>
+              </a:rPr>
+              <a:t>indicatrice d’Euler</a:t>
+            </a:r>
+            <a:endParaRPr b="0" lang="fr-FR" sz="2400" spc="-1" strike="noStrike">
+              <a:solidFill>
+                <a:srgbClr val="000000"/>
+              </a:solidFill>
+              <a:latin typeface="Arial"/>
+            </a:endParaRPr>
+          </a:p>
+          <a:p>
+            <a:pPr marL="285840" indent="-285840" defTabSz="914400">
+              <a:lnSpc>
+                <a:spcPct val="150000"/>
+              </a:lnSpc>
+              <a:buClr>
+                <a:srgbClr val="000000"/>
+              </a:buClr>
+              <a:buFont typeface="Wingdings" charset="2"/>
+              <a:buChar char=""/>
+            </a:pPr>
+            <a:r>
+              <a:rPr b="0" lang="fr-FR" sz="2400" spc="-1" strike="noStrike">
+                <a:solidFill>
+                  <a:schemeClr val="dk1"/>
+                </a:solidFill>
+                <a:latin typeface="Franklin Gothic Book"/>
+              </a:rPr>
+              <a:t> </a:t>
+            </a:r>
+            <a:r>
+              <a:rPr b="0" lang="fr-FR" sz="2400" spc="-1" strike="noStrike">
+                <a:solidFill>
+                  <a:schemeClr val="dk1"/>
+                </a:solidFill>
+                <a:latin typeface="Franklin Gothic Book"/>
+              </a:rPr>
+              <a:t>un nombre premier,  </a:t>
+            </a:r>
+            <a:r>
+              <a:rPr b="1" lang="fr-FR" sz="2400" spc="-1" strike="noStrike">
+                <a:solidFill>
+                  <a:schemeClr val="dk1"/>
+                </a:solidFill>
+                <a:latin typeface="Franklin Gothic Book"/>
+              </a:rPr>
+              <a:t>la clef publique</a:t>
+            </a:r>
+            <a:endParaRPr b="0" lang="fr-FR" sz="2400" spc="-1" strike="noStrike">
+              <a:solidFill>
+                <a:srgbClr val="000000"/>
+              </a:solidFill>
+              <a:latin typeface="Arial"/>
+            </a:endParaRPr>
+          </a:p>
+          <a:p>
+            <a:pPr marL="285840" indent="-285840" defTabSz="914400">
+              <a:lnSpc>
+                <a:spcPct val="150000"/>
+              </a:lnSpc>
+              <a:buClr>
+                <a:srgbClr val="000000"/>
+              </a:buClr>
+              <a:buFont typeface="Wingdings" charset="2"/>
+              <a:buChar char=""/>
+            </a:pPr>
+            <a:r>
+              <a:rPr b="0" lang="fr-FR" sz="2400" spc="-1" strike="noStrike">
+                <a:solidFill>
+                  <a:schemeClr val="dk1"/>
+                </a:solidFill>
+                <a:latin typeface="Franklin Gothic Book"/>
+              </a:rPr>
+              <a:t> </a:t>
+            </a:r>
+            <a:r>
+              <a:rPr b="1" lang="fr-FR" sz="2400" spc="-1" strike="noStrike">
+                <a:solidFill>
+                  <a:schemeClr val="dk1"/>
+                </a:solidFill>
+                <a:latin typeface="Franklin Gothic Book"/>
+              </a:rPr>
+              <a:t>message en clair</a:t>
+            </a:r>
+            <a:endParaRPr b="0" lang="fr-FR" sz="2400" spc="-1" strike="noStrike">
+              <a:solidFill>
+                <a:srgbClr val="000000"/>
+              </a:solidFill>
+              <a:latin typeface="Arial"/>
+            </a:endParaRPr>
+          </a:p>
+          <a:p>
+            <a:pPr marL="285840" indent="-285840" defTabSz="914400">
+              <a:lnSpc>
+                <a:spcPct val="150000"/>
+              </a:lnSpc>
+              <a:buClr>
+                <a:srgbClr val="000000"/>
+              </a:buClr>
+              <a:buFont typeface="Wingdings" charset="2"/>
+              <a:buChar char=""/>
+            </a:pPr>
+            <a:r>
+              <a:rPr b="0" lang="fr-FR" sz="2400" spc="-1" strike="noStrike">
+                <a:solidFill>
+                  <a:schemeClr val="dk1"/>
+                </a:solidFill>
+                <a:latin typeface="Franklin Gothic Book"/>
+              </a:rPr>
+              <a:t> </a:t>
+            </a:r>
+            <a:r>
+              <a:rPr b="0" lang="fr-FR" sz="2400" spc="-1" strike="noStrike">
+                <a:solidFill>
+                  <a:schemeClr val="dk1"/>
+                </a:solidFill>
+                <a:latin typeface="Franklin Gothic Book"/>
+              </a:rPr>
+              <a:t>la </a:t>
+            </a:r>
+            <a:r>
+              <a:rPr b="1" lang="fr-FR" sz="2400" spc="-1" strike="noStrike">
+                <a:solidFill>
+                  <a:schemeClr val="dk1"/>
+                </a:solidFill>
+                <a:latin typeface="Franklin Gothic Book"/>
+              </a:rPr>
+              <a:t>clef privée</a:t>
+            </a:r>
+            <a:endParaRPr b="0" lang="fr-FR" sz="2400" spc="-1" strike="noStrike">
+              <a:solidFill>
+                <a:srgbClr val="000000"/>
+              </a:solidFill>
+              <a:latin typeface="Arial"/>
+            </a:endParaRPr>
+          </a:p>
+          <a:p>
+            <a:pPr marL="285840" indent="-285840" defTabSz="914400">
+              <a:lnSpc>
+                <a:spcPct val="150000"/>
+              </a:lnSpc>
+              <a:buClr>
+                <a:srgbClr val="000000"/>
+              </a:buClr>
+              <a:buFont typeface="Wingdings" charset="2"/>
+              <a:buChar char=""/>
+            </a:pPr>
+            <a:r>
+              <a:rPr b="0" lang="fr-FR" sz="2400" spc="-1" strike="noStrike">
+                <a:solidFill>
+                  <a:schemeClr val="dk1"/>
+                </a:solidFill>
+                <a:latin typeface="Franklin Gothic Book"/>
+              </a:rPr>
+              <a:t> </a:t>
+            </a:r>
+            <a:r>
+              <a:rPr b="0" lang="fr-FR" sz="2400" spc="-1" strike="noStrike">
+                <a:solidFill>
+                  <a:schemeClr val="dk1"/>
+                </a:solidFill>
+                <a:latin typeface="Franklin Gothic Book"/>
+              </a:rPr>
+              <a:t>le </a:t>
+            </a:r>
+            <a:r>
+              <a:rPr b="1" lang="fr-FR" sz="2400" spc="-1" strike="noStrike">
+                <a:solidFill>
+                  <a:schemeClr val="dk1"/>
+                </a:solidFill>
+                <a:latin typeface="Franklin Gothic Book"/>
+              </a:rPr>
+              <a:t>message chiffré</a:t>
+            </a:r>
+            <a:endParaRPr b="0" lang="fr-FR" sz="2400" spc="-1" strike="noStrike">
+              <a:solidFill>
+                <a:srgbClr val="000000"/>
+              </a:solidFill>
+              <a:latin typeface="Arial"/>
+            </a:endParaRPr>
+          </a:p>
+          <a:p>
+            <a:pPr defTabSz="914400">
+              <a:lnSpc>
+                <a:spcPct val="150000"/>
+              </a:lnSpc>
+            </a:pPr>
+            <a:endParaRPr b="0" lang="fr-FR" sz="2400" spc="-1" strike="noStrike">
+              <a:solidFill>
+                <a:srgbClr val="000000"/>
+              </a:solidFill>
+              <a:latin typeface="Arial"/>
+            </a:endParaRPr>
+          </a:p>
+        </p:txBody>
+      </p:sp>
       <p:pic>
         <p:nvPicPr>
-          <p:cNvPr id="7" name="Image 6">
-            <a:extLst>
-              <a:ext uri="{FF2B5EF4-FFF2-40B4-BE49-F238E27FC236}">
-                <a16:creationId xmlns:a16="http://schemas.microsoft.com/office/drawing/2014/main" id="{55944820-1199-CF42-D856-4BE60B69A0CF}"/>
-              </a:ext>
-            </a:extLst>
-          </p:cNvPr>
-          <p:cNvPicPr>
-            <a:picLocks noChangeAspect="1"/>
-          </p:cNvPicPr>
+          <p:cNvPr id="66" name="Image 6" descr=""/>
+          <p:cNvPicPr/>
           <p:nvPr/>
         </p:nvPicPr>
-        <p:blipFill rotWithShape="1">
-          <a:blip r:embed="rId3"/>
-          <a:srcRect r="34692" b="20776"/>
+        <p:blipFill>
+          <a:blip r:embed="rId1"/>
+          <a:srcRect l="0" t="0" r="34686" b="20773"/>
           <a:stretch/>
         </p:blipFill>
         <p:spPr>
           <a:xfrm>
-            <a:off x="10013678" y="4360119"/>
-            <a:ext cx="1006567" cy="1348033"/>
-          </a:xfrm>
-          <a:prstGeom prst="rect">
-            <a:avLst/>
-          </a:prstGeom>
+            <a:off x="10013760" y="4359960"/>
+            <a:ext cx="1006200" cy="1347840"/>
+          </a:xfrm>
+          <a:prstGeom prst="rect">
+            <a:avLst/>
+          </a:prstGeom>
+          <a:ln w="0">
+            <a:noFill/>
+          </a:ln>
         </p:spPr>
       </p:pic>
     </p:spTree>
-    <p:extLst>
-      <p:ext uri="{BB962C8B-B14F-4D97-AF65-F5344CB8AC3E}">
-        <p14:creationId xmlns:p14="http://schemas.microsoft.com/office/powerpoint/2010/main" val="2776367335"/>
-      </p:ext>
-    </p:extLst>
   </p:cSld>
-  <p:clrMapOvr>
-    <a:masterClrMapping/>
-  </p:clrMapOvr>
+  <mc:AlternateContent>
+    <mc:Choice Requires="p14">
+      <p:transition spd="slow" p14:dur="2000"/>
+    </mc:Choice>
+    <mc:Fallback>
+      <p:transition spd="slow"/>
+    </mc:Fallback>
+  </mc:AlternateContent>
 </p:sld>
 </file>
 
 <file path=ppt/theme/theme1.xml><?xml version="1.0" encoding="utf-8"?>
-<a:theme xmlns:a="http://schemas.openxmlformats.org/drawingml/2006/main" name="Cadrage">
+<a:theme xmlns:a="http://schemas.openxmlformats.org/drawingml/2006/main" xmlns:r="http://schemas.openxmlformats.org/officeDocument/2006/relationships" name="Cadrage">
   <a:themeElements>
     <a:clrScheme name="Cadrage">
       <a:dk1>
         <a:srgbClr val="000000"/>
       </a:dk1>
       <a:lt1>
-        <a:srgbClr val="FFFFFF"/>
+        <a:srgbClr val="ffffff"/>
       </a:lt1>
       <a:dk2>
-        <a:srgbClr val="191B0E"/>
+        <a:srgbClr val="191b0e"/>
       </a:dk2>
       <a:lt2>
-        <a:srgbClr val="EFEDE3"/>
+        <a:srgbClr val="efede3"/>
       </a:lt2>
       <a:accent1>
-        <a:srgbClr val="8C8D86"/>
+        <a:srgbClr val="8c8d86"/>
       </a:accent1>
       <a:accent2>
-        <a:srgbClr val="E6C069"/>
+        <a:srgbClr val="e6c069"/>
       </a:accent2>
       <a:accent3>
-        <a:srgbClr val="897B61"/>
+        <a:srgbClr val="897b61"/>
       </a:accent3>
       <a:accent4>
-        <a:srgbClr val="8DAB8E"/>
+        <a:srgbClr val="8dab8e"/>
       </a:accent4>
       <a:accent5>
-        <a:srgbClr val="77A2BB"/>
+        <a:srgbClr val="77a2bb"/>
       </a:accent5>
       <a:accent6>
-        <a:srgbClr val="E28394"/>
+        <a:srgbClr val="e28394"/>
       </a:accent6>
       <a:hlink>
-        <a:srgbClr val="77A2BB"/>
+        <a:srgbClr val="77a2bb"/>
       </a:hlink>
       <a:folHlink>
-        <a:srgbClr val="957A99"/>
+        <a:srgbClr val="957a99"/>
       </a:folHlink>
     </a:clrScheme>
     <a:fontScheme name="Cadrage">
       <a:majorFont>
-        <a:latin typeface="Franklin Gothic Book" panose="020B0503020102020204"/>
+        <a:latin typeface="Franklin Gothic Book" panose="020B0503020102020204" pitchFamily="0" charset="1"/>
         <a:ea typeface=""/>
         <a:cs typeface=""/>
       </a:majorFont>
       <a:minorFont>
-        <a:latin typeface="Franklin Gothic Book" panose="020B0503020102020204"/>
+        <a:latin typeface="Franklin Gothic Book" panose="020B0503020102020204" pitchFamily="0" charset="1"/>
         <a:ea typeface=""/>
         <a:cs typeface=""/>
       </a:minorFont>
@@ -7359,7 +6335,7 @@
             </a:gs>
           </a:gsLst>
           <a:lin ang="5400000" scaled="0"/>
-          <a:tileRect/>
+          <a:tileRect l="0" t="0" r="0" b="0"/>
         </a:gradFill>
         <a:gradFill>
           <a:gsLst>
@@ -7383,7 +6359,7 @@
             </a:gs>
           </a:gsLst>
           <a:lin ang="5400000" scaled="0"/>
-          <a:tileRect/>
+          <a:tileRect l="0" t="0" r="0" b="0"/>
         </a:gradFill>
       </a:fillStyleLst>
       <a:lnStyleLst>
@@ -7440,12 +6416,10 @@
             </a:gs>
           </a:gsLst>
           <a:lin ang="5400000" scaled="0"/>
-          <a:tileRect/>
+          <a:tileRect l="0" t="0" r="0" b="0"/>
         </a:gradFill>
       </a:bgFillStyleLst>
     </a:fmtScheme>
   </a:themeElements>
-  <a:objectDefaults/>
-  <a:extraClrSchemeLst/>
 </a:theme>
 </file>